--- a/Documents/Project report Vero/Presentation/Presentation_V2.pptx
+++ b/Documents/Project report Vero/Presentation/Presentation_V2.pptx
@@ -5,7 +5,7 @@
     <p:sldMasterId id="2147483648" r:id="rId1"/>
   </p:sldMasterIdLst>
   <p:notesMasterIdLst>
-    <p:notesMasterId r:id="rId30"/>
+    <p:notesMasterId r:id="rId31"/>
   </p:notesMasterIdLst>
   <p:sldIdLst>
     <p:sldId id="256" r:id="rId2"/>
@@ -18,24 +18,25 @@
     <p:sldId id="269" r:id="rId9"/>
     <p:sldId id="270" r:id="rId10"/>
     <p:sldId id="273" r:id="rId11"/>
-    <p:sldId id="274" r:id="rId12"/>
-    <p:sldId id="287" r:id="rId13"/>
-    <p:sldId id="275" r:id="rId14"/>
-    <p:sldId id="276" r:id="rId15"/>
-    <p:sldId id="272" r:id="rId16"/>
-    <p:sldId id="278" r:id="rId17"/>
-    <p:sldId id="279" r:id="rId18"/>
-    <p:sldId id="280" r:id="rId19"/>
-    <p:sldId id="281" r:id="rId20"/>
-    <p:sldId id="282" r:id="rId21"/>
-    <p:sldId id="288" r:id="rId22"/>
-    <p:sldId id="284" r:id="rId23"/>
-    <p:sldId id="285" r:id="rId24"/>
-    <p:sldId id="289" r:id="rId25"/>
-    <p:sldId id="261" r:id="rId26"/>
-    <p:sldId id="263" r:id="rId27"/>
-    <p:sldId id="264" r:id="rId28"/>
-    <p:sldId id="286" r:id="rId29"/>
+    <p:sldId id="290" r:id="rId12"/>
+    <p:sldId id="291" r:id="rId13"/>
+    <p:sldId id="287" r:id="rId14"/>
+    <p:sldId id="275" r:id="rId15"/>
+    <p:sldId id="276" r:id="rId16"/>
+    <p:sldId id="272" r:id="rId17"/>
+    <p:sldId id="278" r:id="rId18"/>
+    <p:sldId id="279" r:id="rId19"/>
+    <p:sldId id="280" r:id="rId20"/>
+    <p:sldId id="281" r:id="rId21"/>
+    <p:sldId id="282" r:id="rId22"/>
+    <p:sldId id="288" r:id="rId23"/>
+    <p:sldId id="284" r:id="rId24"/>
+    <p:sldId id="285" r:id="rId25"/>
+    <p:sldId id="289" r:id="rId26"/>
+    <p:sldId id="261" r:id="rId27"/>
+    <p:sldId id="263" r:id="rId28"/>
+    <p:sldId id="264" r:id="rId29"/>
+    <p:sldId id="286" r:id="rId30"/>
   </p:sldIdLst>
   <p:sldSz cx="9144000" cy="6858000" type="screen4x3"/>
   <p:notesSz cx="6858000" cy="9144000"/>
@@ -324,11 +325,11 @@
           <c:showBubbleSize val="0"/>
         </c:dLbls>
         <c:gapWidth val="150"/>
-        <c:axId val="40673664"/>
-        <c:axId val="40675200"/>
+        <c:axId val="149224832"/>
+        <c:axId val="160265344"/>
       </c:barChart>
       <c:catAx>
-        <c:axId val="40673664"/>
+        <c:axId val="149224832"/>
         <c:scaling>
           <c:orientation val="minMax"/>
         </c:scaling>
@@ -337,7 +338,7 @@
         <c:majorTickMark val="out"/>
         <c:minorTickMark val="none"/>
         <c:tickLblPos val="nextTo"/>
-        <c:crossAx val="40675200"/>
+        <c:crossAx val="160265344"/>
         <c:crosses val="autoZero"/>
         <c:auto val="1"/>
         <c:lblAlgn val="ctr"/>
@@ -345,7 +346,7 @@
         <c:noMultiLvlLbl val="0"/>
       </c:catAx>
       <c:valAx>
-        <c:axId val="40675200"/>
+        <c:axId val="160265344"/>
         <c:scaling>
           <c:orientation val="minMax"/>
         </c:scaling>
@@ -356,7 +357,7 @@
         <c:majorTickMark val="out"/>
         <c:minorTickMark val="none"/>
         <c:tickLblPos val="nextTo"/>
-        <c:crossAx val="40673664"/>
+        <c:crossAx val="149224832"/>
         <c:crosses val="autoZero"/>
         <c:crossBetween val="between"/>
       </c:valAx>
@@ -521,12 +522,12 @@
         </c:dLbls>
         <c:gapWidth val="75"/>
         <c:shape val="cylinder"/>
-        <c:axId val="56728192"/>
-        <c:axId val="56734080"/>
-        <c:axId val="55520768"/>
+        <c:axId val="168588800"/>
+        <c:axId val="168590336"/>
+        <c:axId val="190953216"/>
       </c:bar3DChart>
       <c:catAx>
-        <c:axId val="56728192"/>
+        <c:axId val="168588800"/>
         <c:scaling>
           <c:orientation val="minMax"/>
         </c:scaling>
@@ -535,7 +536,7 @@
         <c:majorTickMark val="none"/>
         <c:minorTickMark val="none"/>
         <c:tickLblPos val="nextTo"/>
-        <c:crossAx val="56734080"/>
+        <c:crossAx val="168590336"/>
         <c:crosses val="autoZero"/>
         <c:auto val="1"/>
         <c:lblAlgn val="ctr"/>
@@ -543,7 +544,7 @@
         <c:noMultiLvlLbl val="0"/>
       </c:catAx>
       <c:valAx>
-        <c:axId val="56734080"/>
+        <c:axId val="168590336"/>
         <c:scaling>
           <c:orientation val="minMax"/>
         </c:scaling>
@@ -553,12 +554,12 @@
         <c:majorTickMark val="none"/>
         <c:minorTickMark val="none"/>
         <c:tickLblPos val="nextTo"/>
-        <c:crossAx val="56728192"/>
+        <c:crossAx val="168588800"/>
         <c:crosses val="autoZero"/>
         <c:crossBetween val="between"/>
       </c:valAx>
       <c:serAx>
-        <c:axId val="55520768"/>
+        <c:axId val="190953216"/>
         <c:scaling>
           <c:orientation val="minMax"/>
         </c:scaling>
@@ -567,7 +568,7 @@
         <c:majorTickMark val="none"/>
         <c:minorTickMark val="none"/>
         <c:tickLblPos val="nextTo"/>
-        <c:crossAx val="56734080"/>
+        <c:crossAx val="168590336"/>
         <c:crosses val="autoZero"/>
       </c:serAx>
     </c:plotArea>
@@ -776,12 +777,12 @@
         </c:dLbls>
         <c:gapWidth val="75"/>
         <c:shape val="cylinder"/>
-        <c:axId val="56783232"/>
-        <c:axId val="56784768"/>
-        <c:axId val="56715904"/>
+        <c:axId val="208960512"/>
+        <c:axId val="208970496"/>
+        <c:axId val="208946048"/>
       </c:bar3DChart>
       <c:catAx>
-        <c:axId val="56783232"/>
+        <c:axId val="208960512"/>
         <c:scaling>
           <c:orientation val="minMax"/>
         </c:scaling>
@@ -790,7 +791,7 @@
         <c:majorTickMark val="none"/>
         <c:minorTickMark val="none"/>
         <c:tickLblPos val="nextTo"/>
-        <c:crossAx val="56784768"/>
+        <c:crossAx val="208970496"/>
         <c:crosses val="autoZero"/>
         <c:auto val="1"/>
         <c:lblAlgn val="ctr"/>
@@ -798,7 +799,7 @@
         <c:noMultiLvlLbl val="0"/>
       </c:catAx>
       <c:valAx>
-        <c:axId val="56784768"/>
+        <c:axId val="208970496"/>
         <c:scaling>
           <c:orientation val="minMax"/>
         </c:scaling>
@@ -808,12 +809,12 @@
         <c:majorTickMark val="none"/>
         <c:minorTickMark val="none"/>
         <c:tickLblPos val="nextTo"/>
-        <c:crossAx val="56783232"/>
+        <c:crossAx val="208960512"/>
         <c:crosses val="autoZero"/>
         <c:crossBetween val="between"/>
       </c:valAx>
       <c:serAx>
-        <c:axId val="56715904"/>
+        <c:axId val="208946048"/>
         <c:scaling>
           <c:orientation val="minMax"/>
         </c:scaling>
@@ -822,7 +823,7 @@
         <c:majorTickMark val="none"/>
         <c:minorTickMark val="none"/>
         <c:tickLblPos val="nextTo"/>
-        <c:crossAx val="56784768"/>
+        <c:crossAx val="208970496"/>
         <c:crosses val="autoZero"/>
       </c:serAx>
     </c:plotArea>
@@ -10585,7 +10586,7 @@
           <a:p>
             <a:fld id="{562C6C0C-8A73-476F-A42B-8C37DB8BD32A}" type="slidenum">
               <a:rPr lang="es-ES" smtClean="0"/>
-              <a:t>14</a:t>
+              <a:t>15</a:t>
             </a:fld>
             <a:endParaRPr lang="es-ES"/>
           </a:p>
@@ -10669,7 +10670,7 @@
           <a:p>
             <a:fld id="{562C6C0C-8A73-476F-A42B-8C37DB8BD32A}" type="slidenum">
               <a:rPr lang="es-ES" smtClean="0"/>
-              <a:t>18</a:t>
+              <a:t>19</a:t>
             </a:fld>
             <a:endParaRPr lang="es-ES"/>
           </a:p>
@@ -15205,7 +15206,7 @@
       </p:grpSpPr>
       <p:pic>
         <p:nvPicPr>
-          <p:cNvPr id="6" name="5 Imagen"/>
+          <p:cNvPr id="4" name="3 Imagen"/>
           <p:cNvPicPr>
             <a:picLocks noChangeAspect="1"/>
           </p:cNvPicPr>
@@ -15225,7 +15226,7 @@
         </p:blipFill>
         <p:spPr>
           <a:xfrm>
-            <a:off x="1" y="1"/>
+            <a:off x="1" y="0"/>
             <a:ext cx="9144000" cy="1340767"/>
           </a:xfrm>
           <a:prstGeom prst="rect">
@@ -15235,7 +15236,7 @@
       </p:pic>
       <p:sp>
         <p:nvSpPr>
-          <p:cNvPr id="7" name="6 Rectángulo redondeado"/>
+          <p:cNvPr id="5" name="4 Rectángulo redondeado"/>
           <p:cNvSpPr/>
           <p:nvPr/>
         </p:nvSpPr>
@@ -15289,7 +15290,7 @@
       </p:sp>
       <p:sp>
         <p:nvSpPr>
-          <p:cNvPr id="17" name="16 Rectángulo redondeado"/>
+          <p:cNvPr id="6" name="5 Rectángulo redondeado"/>
           <p:cNvSpPr/>
           <p:nvPr/>
         </p:nvSpPr>
@@ -15343,7 +15344,7 @@
       </p:sp>
       <p:sp>
         <p:nvSpPr>
-          <p:cNvPr id="18" name="17 Rectángulo redondeado"/>
+          <p:cNvPr id="7" name="6 Rectángulo redondeado"/>
           <p:cNvSpPr/>
           <p:nvPr/>
         </p:nvSpPr>
@@ -15842,7 +15843,7 @@
                 </a:solidFill>
                 <a:latin typeface="Arial Narrow" pitchFamily="34" charset="0"/>
               </a:rPr>
-              <a:t>PCA Y PLS</a:t>
+              <a:t>PCA</a:t>
             </a:r>
             <a:endParaRPr lang="es-ES" sz="3200" dirty="0">
               <a:solidFill>
@@ -15914,7 +15915,7 @@
         </p:spPr>
         <p:txBody>
           <a:bodyPr vert="horz" lIns="91440" tIns="45720" rIns="91440" bIns="45720" rtlCol="0">
-            <a:normAutofit fontScale="70000" lnSpcReduction="20000"/>
+            <a:normAutofit fontScale="62500" lnSpcReduction="20000"/>
           </a:bodyPr>
           <a:lstStyle>
             <a:lvl1pPr marL="342900" indent="-342900" algn="l" defTabSz="914400" rtl="0" eaLnBrk="1" latinLnBrk="0" hangingPunct="1">
@@ -16068,16 +16069,10 @@
                 </a:solidFill>
                 <a:latin typeface="Arial Narrow" pitchFamily="34" charset="0"/>
               </a:rPr>
-              <a:t>Algoritmos para  la extracción de características</a:t>
-            </a:r>
-          </a:p>
-          <a:p>
-            <a:pPr marL="457200" indent="-457200">
-              <a:buFont typeface="Wingdings" pitchFamily="2" charset="2"/>
-              <a:buChar char="ü"/>
-            </a:pPr>
-            <a:r>
-              <a:rPr lang="es-ES" dirty="0" smtClean="0">
+              <a:t>Extracción de l información más relevante reduciendo la </a:t>
+            </a:r>
+            <a:r>
+              <a:rPr lang="es-ES" dirty="0" err="1" smtClean="0">
                 <a:solidFill>
                   <a:schemeClr val="tx1">
                     <a:lumMod val="50000"/>
@@ -16086,97 +16081,7 @@
                 </a:solidFill>
                 <a:latin typeface="Arial Narrow" pitchFamily="34" charset="0"/>
               </a:rPr>
-              <a:t>Similitudes</a:t>
-            </a:r>
-          </a:p>
-          <a:p>
-            <a:pPr lvl="1"/>
-            <a:r>
-              <a:rPr lang="es-ES" dirty="0">
-                <a:solidFill>
-                  <a:schemeClr val="tx1">
-                    <a:lumMod val="50000"/>
-                    <a:lumOff val="50000"/>
-                  </a:schemeClr>
-                </a:solidFill>
-                <a:latin typeface="Arial Narrow" pitchFamily="34" charset="0"/>
-              </a:rPr>
-              <a:t>Reducción de la </a:t>
-            </a:r>
-            <a:r>
-              <a:rPr lang="es-ES" dirty="0" err="1">
-                <a:solidFill>
-                  <a:schemeClr val="tx1">
-                    <a:lumMod val="50000"/>
-                    <a:lumOff val="50000"/>
-                  </a:schemeClr>
-                </a:solidFill>
-                <a:latin typeface="Arial Narrow" pitchFamily="34" charset="0"/>
-              </a:rPr>
               <a:t>dimensionalidad</a:t>
-            </a:r>
-            <a:endParaRPr lang="es-ES" dirty="0">
-              <a:solidFill>
-                <a:schemeClr val="tx1">
-                  <a:lumMod val="50000"/>
-                  <a:lumOff val="50000"/>
-                </a:schemeClr>
-              </a:solidFill>
-              <a:latin typeface="Arial Narrow" pitchFamily="34" charset="0"/>
-            </a:endParaRPr>
-          </a:p>
-          <a:p>
-            <a:pPr lvl="1"/>
-            <a:r>
-              <a:rPr lang="es-ES" dirty="0">
-                <a:solidFill>
-                  <a:schemeClr val="tx1">
-                    <a:lumMod val="50000"/>
-                    <a:lumOff val="50000"/>
-                  </a:schemeClr>
-                </a:solidFill>
-                <a:latin typeface="Arial Narrow" pitchFamily="34" charset="0"/>
-              </a:rPr>
-              <a:t>Obtención de las características más significativas</a:t>
-            </a:r>
-          </a:p>
-          <a:p>
-            <a:pPr lvl="1"/>
-            <a:r>
-              <a:rPr lang="es-ES" dirty="0">
-                <a:solidFill>
-                  <a:schemeClr val="tx1">
-                    <a:lumMod val="50000"/>
-                    <a:lumOff val="50000"/>
-                  </a:schemeClr>
-                </a:solidFill>
-                <a:latin typeface="Arial Narrow" pitchFamily="34" charset="0"/>
-              </a:rPr>
-              <a:t>Se basan en un proyección es un </a:t>
-            </a:r>
-            <a:r>
-              <a:rPr lang="es-ES" dirty="0" err="1">
-                <a:solidFill>
-                  <a:schemeClr val="tx1">
-                    <a:lumMod val="50000"/>
-                    <a:lumOff val="50000"/>
-                  </a:schemeClr>
-                </a:solidFill>
-                <a:latin typeface="Arial Narrow" pitchFamily="34" charset="0"/>
-              </a:rPr>
-              <a:t>subespacio</a:t>
-            </a:r>
-            <a:r>
-              <a:rPr lang="es-ES" dirty="0">
-                <a:solidFill>
-                  <a:schemeClr val="tx1">
-                    <a:lumMod val="50000"/>
-                    <a:lumOff val="50000"/>
-                  </a:schemeClr>
-                </a:solidFill>
-                <a:latin typeface="Arial Narrow" pitchFamily="34" charset="0"/>
-              </a:rPr>
-              <a:t> ortogonal de forma que la varianza sea máxima</a:t>
             </a:r>
             <a:endParaRPr lang="es-ES" dirty="0" smtClean="0">
               <a:solidFill>
@@ -16203,7 +16108,25 @@
                 </a:solidFill>
                 <a:latin typeface="Arial Narrow" pitchFamily="34" charset="0"/>
               </a:rPr>
-              <a:t>Diferencias</a:t>
+              <a:t>Proyección en un espacio ortogonal maximizando la varianza</a:t>
+            </a:r>
+          </a:p>
+          <a:p>
+            <a:pPr marL="457200" indent="-457200">
+              <a:buFont typeface="Wingdings" pitchFamily="2" charset="2"/>
+              <a:buChar char="ü"/>
+            </a:pPr>
+            <a:r>
+              <a:rPr lang="es-ES" dirty="0" smtClean="0">
+                <a:solidFill>
+                  <a:schemeClr val="tx1">
+                    <a:lumMod val="50000"/>
+                    <a:lumOff val="50000"/>
+                  </a:schemeClr>
+                </a:solidFill>
+                <a:latin typeface="Arial Narrow" pitchFamily="34" charset="0"/>
+              </a:rPr>
+              <a:t>Partimos de una matriz de datos X</a:t>
             </a:r>
           </a:p>
           <a:p>
@@ -16218,7 +16141,7 @@
                 </a:solidFill>
                 <a:latin typeface="Arial Narrow" pitchFamily="34" charset="0"/>
               </a:rPr>
-              <a:t>PCA no considera la correlación entre variables dependientes e independientes</a:t>
+              <a:t>Centrar datos</a:t>
             </a:r>
           </a:p>
           <a:p>
@@ -16233,7 +16156,7 @@
                 </a:solidFill>
                 <a:latin typeface="Arial Narrow" pitchFamily="34" charset="0"/>
               </a:rPr>
-              <a:t>PCA es un método no supervisado mientras que PLS si lo</a:t>
+              <a:t>Proyecciones en el nuevo espacio</a:t>
             </a:r>
             <a:br>
               <a:rPr lang="es-ES" dirty="0" smtClean="0">
@@ -16246,6 +16169,18 @@
                 <a:latin typeface="Arial Narrow" pitchFamily="34" charset="0"/>
               </a:rPr>
             </a:br>
+            <a:endParaRPr lang="es-ES" dirty="0" smtClean="0">
+              <a:solidFill>
+                <a:schemeClr val="tx1">
+                  <a:lumMod val="50000"/>
+                  <a:lumOff val="50000"/>
+                </a:schemeClr>
+              </a:solidFill>
+              <a:latin typeface="Arial Narrow" pitchFamily="34" charset="0"/>
+            </a:endParaRPr>
+          </a:p>
+          <a:p>
+            <a:pPr lvl="1"/>
             <a:r>
               <a:rPr lang="es-ES" dirty="0" smtClean="0">
                 <a:solidFill>
@@ -16256,7 +16191,114 @@
                 </a:solidFill>
                 <a:latin typeface="Arial Narrow" pitchFamily="34" charset="0"/>
               </a:rPr>
-              <a:t>es</a:t>
+              <a:t>Para resolver el problema de maximización de la varianza tenemos que calcular los </a:t>
+            </a:r>
+            <a:r>
+              <a:rPr lang="es-ES" dirty="0" err="1" smtClean="0">
+                <a:solidFill>
+                  <a:schemeClr val="tx1">
+                    <a:lumMod val="50000"/>
+                    <a:lumOff val="50000"/>
+                  </a:schemeClr>
+                </a:solidFill>
+                <a:latin typeface="Arial Narrow" pitchFamily="34" charset="0"/>
+              </a:rPr>
+              <a:t>autovalores</a:t>
+            </a:r>
+            <a:r>
+              <a:rPr lang="es-ES" dirty="0" smtClean="0">
+                <a:solidFill>
+                  <a:schemeClr val="tx1">
+                    <a:lumMod val="50000"/>
+                    <a:lumOff val="50000"/>
+                  </a:schemeClr>
+                </a:solidFill>
+                <a:latin typeface="Arial Narrow" pitchFamily="34" charset="0"/>
+              </a:rPr>
+              <a:t> y </a:t>
+            </a:r>
+            <a:r>
+              <a:rPr lang="es-ES" dirty="0" err="1" smtClean="0">
+                <a:solidFill>
+                  <a:schemeClr val="tx1">
+                    <a:lumMod val="50000"/>
+                    <a:lumOff val="50000"/>
+                  </a:schemeClr>
+                </a:solidFill>
+                <a:latin typeface="Arial Narrow" pitchFamily="34" charset="0"/>
+              </a:rPr>
+              <a:t>autovectores</a:t>
+            </a:r>
+            <a:r>
+              <a:rPr lang="es-ES" dirty="0" smtClean="0">
+                <a:solidFill>
+                  <a:schemeClr val="tx1">
+                    <a:lumMod val="50000"/>
+                    <a:lumOff val="50000"/>
+                  </a:schemeClr>
+                </a:solidFill>
+                <a:latin typeface="Arial Narrow" pitchFamily="34" charset="0"/>
+              </a:rPr>
+              <a:t/>
+            </a:r>
+            <a:br>
+              <a:rPr lang="es-ES" dirty="0" smtClean="0">
+                <a:solidFill>
+                  <a:schemeClr val="tx1">
+                    <a:lumMod val="50000"/>
+                    <a:lumOff val="50000"/>
+                  </a:schemeClr>
+                </a:solidFill>
+                <a:latin typeface="Arial Narrow" pitchFamily="34" charset="0"/>
+              </a:rPr>
+            </a:br>
+            <a:endParaRPr lang="es-ES" dirty="0" smtClean="0">
+              <a:solidFill>
+                <a:schemeClr val="tx1">
+                  <a:lumMod val="50000"/>
+                  <a:lumOff val="50000"/>
+                </a:schemeClr>
+              </a:solidFill>
+              <a:latin typeface="Arial Narrow" pitchFamily="34" charset="0"/>
+            </a:endParaRPr>
+          </a:p>
+          <a:p>
+            <a:pPr lvl="1"/>
+            <a:r>
+              <a:rPr lang="es-ES" dirty="0" smtClean="0">
+                <a:solidFill>
+                  <a:schemeClr val="tx1">
+                    <a:lumMod val="50000"/>
+                    <a:lumOff val="50000"/>
+                  </a:schemeClr>
+                </a:solidFill>
+                <a:latin typeface="Arial Narrow" pitchFamily="34" charset="0"/>
+              </a:rPr>
+              <a:t>Cogiendo los primeros </a:t>
+            </a:r>
+            <a:r>
+              <a:rPr lang="es-ES" dirty="0" err="1" smtClean="0">
+                <a:solidFill>
+                  <a:schemeClr val="tx1">
+                    <a:lumMod val="50000"/>
+                    <a:lumOff val="50000"/>
+                  </a:schemeClr>
+                </a:solidFill>
+                <a:latin typeface="Arial Narrow" pitchFamily="34" charset="0"/>
+              </a:rPr>
+              <a:t>autovectores</a:t>
+            </a:r>
+            <a:r>
+              <a:rPr lang="es-ES" dirty="0" smtClean="0">
+                <a:solidFill>
+                  <a:schemeClr val="tx1">
+                    <a:lumMod val="50000"/>
+                    <a:lumOff val="50000"/>
+                  </a:schemeClr>
+                </a:solidFill>
+                <a:latin typeface="Arial Narrow" pitchFamily="34" charset="0"/>
+              </a:rPr>
+              <a:t> obtenemos los datos de mayor varianza</a:t>
             </a:r>
             <a:br>
               <a:rPr lang="es-ES" dirty="0" smtClean="0">
@@ -16308,10 +16350,394 @@
           </a:p>
         </p:txBody>
       </p:sp>
+      <p:pic>
+        <p:nvPicPr>
+          <p:cNvPr id="16" name="Picture 2"/>
+          <p:cNvPicPr>
+            <a:picLocks noChangeAspect="1" noChangeArrowheads="1"/>
+          </p:cNvPicPr>
+          <p:nvPr/>
+        </p:nvPicPr>
+        <p:blipFill>
+          <a:blip r:embed="rId4">
+            <a:extLst>
+              <a:ext uri="{28A0092B-C50C-407E-A947-70E740481C1C}">
+                <a14:useLocalDpi xmlns:a14="http://schemas.microsoft.com/office/drawing/2010/main" val="0"/>
+              </a:ext>
+            </a:extLst>
+          </a:blip>
+          <a:srcRect/>
+          <a:stretch>
+            <a:fillRect/>
+          </a:stretch>
+        </p:blipFill>
+        <p:spPr bwMode="auto">
+          <a:xfrm>
+            <a:off x="4133850" y="3271502"/>
+            <a:ext cx="743147" cy="368986"/>
+          </a:xfrm>
+          <a:prstGeom prst="rect">
+            <a:avLst/>
+          </a:prstGeom>
+          <a:noFill/>
+          <a:ln>
+            <a:noFill/>
+          </a:ln>
+          <a:effectLst/>
+          <a:extLst>
+            <a:ext uri="{909E8E84-426E-40DD-AFC4-6F175D3DCCD1}">
+              <a14:hiddenFill xmlns:a14="http://schemas.microsoft.com/office/drawing/2010/main">
+                <a:solidFill>
+                  <a:schemeClr val="accent1"/>
+                </a:solidFill>
+              </a14:hiddenFill>
+            </a:ext>
+            <a:ext uri="{91240B29-F687-4F45-9708-019B960494DF}">
+              <a14:hiddenLine xmlns:a14="http://schemas.microsoft.com/office/drawing/2010/main" w="9525">
+                <a:solidFill>
+                  <a:schemeClr val="tx1"/>
+                </a:solidFill>
+                <a:miter lim="800000"/>
+                <a:headEnd/>
+                <a:tailEnd/>
+              </a14:hiddenLine>
+            </a:ext>
+            <a:ext uri="{AF507438-7753-43E0-B8FC-AC1667EBCBE1}">
+              <a14:hiddenEffects xmlns:a14="http://schemas.microsoft.com/office/drawing/2010/main">
+                <a:effectLst>
+                  <a:outerShdw dist="35921" dir="2700000" algn="ctr" rotWithShape="0">
+                    <a:schemeClr val="bg2"/>
+                  </a:outerShdw>
+                </a:effectLst>
+              </a14:hiddenEffects>
+            </a:ext>
+          </a:extLst>
+        </p:spPr>
+      </p:pic>
+      <p:pic>
+        <p:nvPicPr>
+          <p:cNvPr id="17" name="Picture 3"/>
+          <p:cNvPicPr>
+            <a:picLocks noChangeAspect="1" noChangeArrowheads="1"/>
+          </p:cNvPicPr>
+          <p:nvPr/>
+        </p:nvPicPr>
+        <p:blipFill>
+          <a:blip r:embed="rId4">
+            <a:extLst>
+              <a:ext uri="{28A0092B-C50C-407E-A947-70E740481C1C}">
+                <a14:useLocalDpi xmlns:a14="http://schemas.microsoft.com/office/drawing/2010/main" val="0"/>
+              </a:ext>
+            </a:extLst>
+          </a:blip>
+          <a:srcRect/>
+          <a:stretch>
+            <a:fillRect/>
+          </a:stretch>
+        </p:blipFill>
+        <p:spPr bwMode="auto">
+          <a:xfrm>
+            <a:off x="2937094" y="5956795"/>
+            <a:ext cx="876300" cy="438150"/>
+          </a:xfrm>
+          <a:prstGeom prst="rect">
+            <a:avLst/>
+          </a:prstGeom>
+          <a:noFill/>
+          <a:ln>
+            <a:noFill/>
+          </a:ln>
+          <a:effectLst/>
+          <a:extLst>
+            <a:ext uri="{909E8E84-426E-40DD-AFC4-6F175D3DCCD1}">
+              <a14:hiddenFill xmlns:a14="http://schemas.microsoft.com/office/drawing/2010/main">
+                <a:solidFill>
+                  <a:schemeClr val="accent1"/>
+                </a:solidFill>
+              </a14:hiddenFill>
+            </a:ext>
+            <a:ext uri="{91240B29-F687-4F45-9708-019B960494DF}">
+              <a14:hiddenLine xmlns:a14="http://schemas.microsoft.com/office/drawing/2010/main" w="9525">
+                <a:solidFill>
+                  <a:schemeClr val="tx1"/>
+                </a:solidFill>
+                <a:miter lim="800000"/>
+                <a:headEnd/>
+                <a:tailEnd/>
+              </a14:hiddenLine>
+            </a:ext>
+            <a:ext uri="{AF507438-7753-43E0-B8FC-AC1667EBCBE1}">
+              <a14:hiddenEffects xmlns:a14="http://schemas.microsoft.com/office/drawing/2010/main">
+                <a:effectLst>
+                  <a:outerShdw dist="35921" dir="2700000" algn="ctr" rotWithShape="0">
+                    <a:schemeClr val="bg2"/>
+                  </a:outerShdw>
+                </a:effectLst>
+              </a14:hiddenEffects>
+            </a:ext>
+          </a:extLst>
+        </p:spPr>
+      </p:pic>
+      <p:pic>
+        <p:nvPicPr>
+          <p:cNvPr id="18" name="Picture 4"/>
+          <p:cNvPicPr>
+            <a:picLocks noChangeAspect="1" noChangeArrowheads="1"/>
+          </p:cNvPicPr>
+          <p:nvPr/>
+        </p:nvPicPr>
+        <p:blipFill>
+          <a:blip r:embed="rId5">
+            <a:extLst>
+              <a:ext uri="{28A0092B-C50C-407E-A947-70E740481C1C}">
+                <a14:useLocalDpi xmlns:a14="http://schemas.microsoft.com/office/drawing/2010/main" val="0"/>
+              </a:ext>
+            </a:extLst>
+          </a:blip>
+          <a:srcRect/>
+          <a:stretch>
+            <a:fillRect/>
+          </a:stretch>
+        </p:blipFill>
+        <p:spPr bwMode="auto">
+          <a:xfrm>
+            <a:off x="3632806" y="5157192"/>
+            <a:ext cx="809625" cy="314325"/>
+          </a:xfrm>
+          <a:prstGeom prst="rect">
+            <a:avLst/>
+          </a:prstGeom>
+          <a:noFill/>
+          <a:ln>
+            <a:noFill/>
+          </a:ln>
+          <a:effectLst/>
+          <a:extLst>
+            <a:ext uri="{909E8E84-426E-40DD-AFC4-6F175D3DCCD1}">
+              <a14:hiddenFill xmlns:a14="http://schemas.microsoft.com/office/drawing/2010/main">
+                <a:solidFill>
+                  <a:schemeClr val="accent1"/>
+                </a:solidFill>
+              </a14:hiddenFill>
+            </a:ext>
+            <a:ext uri="{91240B29-F687-4F45-9708-019B960494DF}">
+              <a14:hiddenLine xmlns:a14="http://schemas.microsoft.com/office/drawing/2010/main" w="9525">
+                <a:solidFill>
+                  <a:schemeClr val="tx1"/>
+                </a:solidFill>
+                <a:miter lim="800000"/>
+                <a:headEnd/>
+                <a:tailEnd/>
+              </a14:hiddenLine>
+            </a:ext>
+            <a:ext uri="{AF507438-7753-43E0-B8FC-AC1667EBCBE1}">
+              <a14:hiddenEffects xmlns:a14="http://schemas.microsoft.com/office/drawing/2010/main">
+                <a:effectLst>
+                  <a:outerShdw dist="35921" dir="2700000" algn="ctr" rotWithShape="0">
+                    <a:schemeClr val="bg2"/>
+                  </a:outerShdw>
+                </a:effectLst>
+              </a14:hiddenEffects>
+            </a:ext>
+          </a:extLst>
+        </p:spPr>
+      </p:pic>
+      <p:pic>
+        <p:nvPicPr>
+          <p:cNvPr id="19" name="Picture 5"/>
+          <p:cNvPicPr>
+            <a:picLocks noChangeAspect="1" noChangeArrowheads="1"/>
+          </p:cNvPicPr>
+          <p:nvPr/>
+        </p:nvPicPr>
+        <p:blipFill>
+          <a:blip r:embed="rId6">
+            <a:extLst>
+              <a:ext uri="{28A0092B-C50C-407E-A947-70E740481C1C}">
+                <a14:useLocalDpi xmlns:a14="http://schemas.microsoft.com/office/drawing/2010/main" val="0"/>
+              </a:ext>
+            </a:extLst>
+          </a:blip>
+          <a:srcRect/>
+          <a:stretch>
+            <a:fillRect/>
+          </a:stretch>
+        </p:blipFill>
+        <p:spPr bwMode="auto">
+          <a:xfrm>
+            <a:off x="4710545" y="5157192"/>
+            <a:ext cx="853822" cy="395288"/>
+          </a:xfrm>
+          <a:prstGeom prst="rect">
+            <a:avLst/>
+          </a:prstGeom>
+          <a:noFill/>
+          <a:ln>
+            <a:noFill/>
+          </a:ln>
+          <a:effectLst/>
+          <a:extLst>
+            <a:ext uri="{909E8E84-426E-40DD-AFC4-6F175D3DCCD1}">
+              <a14:hiddenFill xmlns:a14="http://schemas.microsoft.com/office/drawing/2010/main">
+                <a:solidFill>
+                  <a:schemeClr val="accent1"/>
+                </a:solidFill>
+              </a14:hiddenFill>
+            </a:ext>
+            <a:ext uri="{91240B29-F687-4F45-9708-019B960494DF}">
+              <a14:hiddenLine xmlns:a14="http://schemas.microsoft.com/office/drawing/2010/main" w="9525">
+                <a:solidFill>
+                  <a:schemeClr val="tx1"/>
+                </a:solidFill>
+                <a:miter lim="800000"/>
+                <a:headEnd/>
+                <a:tailEnd/>
+              </a14:hiddenLine>
+            </a:ext>
+            <a:ext uri="{AF507438-7753-43E0-B8FC-AC1667EBCBE1}">
+              <a14:hiddenEffects xmlns:a14="http://schemas.microsoft.com/office/drawing/2010/main">
+                <a:effectLst>
+                  <a:outerShdw dist="35921" dir="2700000" algn="ctr" rotWithShape="0">
+                    <a:schemeClr val="bg2"/>
+                  </a:outerShdw>
+                </a:effectLst>
+              </a14:hiddenEffects>
+            </a:ext>
+          </a:extLst>
+        </p:spPr>
+      </p:pic>
+      <p:pic>
+        <p:nvPicPr>
+          <p:cNvPr id="20" name="Picture 6"/>
+          <p:cNvPicPr>
+            <a:picLocks noChangeAspect="1" noChangeArrowheads="1"/>
+          </p:cNvPicPr>
+          <p:nvPr/>
+        </p:nvPicPr>
+        <p:blipFill>
+          <a:blip r:embed="rId7">
+            <a:extLst>
+              <a:ext uri="{28A0092B-C50C-407E-A947-70E740481C1C}">
+                <a14:useLocalDpi xmlns:a14="http://schemas.microsoft.com/office/drawing/2010/main" val="0"/>
+              </a:ext>
+            </a:extLst>
+          </a:blip>
+          <a:srcRect/>
+          <a:stretch>
+            <a:fillRect/>
+          </a:stretch>
+        </p:blipFill>
+        <p:spPr bwMode="auto">
+          <a:xfrm>
+            <a:off x="3995935" y="3986113"/>
+            <a:ext cx="1762125" cy="695325"/>
+          </a:xfrm>
+          <a:prstGeom prst="rect">
+            <a:avLst/>
+          </a:prstGeom>
+          <a:noFill/>
+          <a:ln>
+            <a:noFill/>
+          </a:ln>
+          <a:effectLst/>
+          <a:extLst>
+            <a:ext uri="{909E8E84-426E-40DD-AFC4-6F175D3DCCD1}">
+              <a14:hiddenFill xmlns:a14="http://schemas.microsoft.com/office/drawing/2010/main">
+                <a:solidFill>
+                  <a:schemeClr val="accent1"/>
+                </a:solidFill>
+              </a14:hiddenFill>
+            </a:ext>
+            <a:ext uri="{91240B29-F687-4F45-9708-019B960494DF}">
+              <a14:hiddenLine xmlns:a14="http://schemas.microsoft.com/office/drawing/2010/main" w="9525">
+                <a:solidFill>
+                  <a:schemeClr val="tx1"/>
+                </a:solidFill>
+                <a:miter lim="800000"/>
+                <a:headEnd/>
+                <a:tailEnd/>
+              </a14:hiddenLine>
+            </a:ext>
+            <a:ext uri="{AF507438-7753-43E0-B8FC-AC1667EBCBE1}">
+              <a14:hiddenEffects xmlns:a14="http://schemas.microsoft.com/office/drawing/2010/main">
+                <a:effectLst>
+                  <a:outerShdw dist="35921" dir="2700000" algn="ctr" rotWithShape="0">
+                    <a:schemeClr val="bg2"/>
+                  </a:outerShdw>
+                </a:effectLst>
+              </a14:hiddenEffects>
+            </a:ext>
+          </a:extLst>
+        </p:spPr>
+      </p:pic>
+      <p:pic>
+        <p:nvPicPr>
+          <p:cNvPr id="21" name="Picture 7"/>
+          <p:cNvPicPr>
+            <a:picLocks noChangeAspect="1" noChangeArrowheads="1"/>
+          </p:cNvPicPr>
+          <p:nvPr/>
+        </p:nvPicPr>
+        <p:blipFill>
+          <a:blip r:embed="rId8">
+            <a:extLst>
+              <a:ext uri="{28A0092B-C50C-407E-A947-70E740481C1C}">
+                <a14:useLocalDpi xmlns:a14="http://schemas.microsoft.com/office/drawing/2010/main" val="0"/>
+              </a:ext>
+            </a:extLst>
+          </a:blip>
+          <a:srcRect/>
+          <a:stretch>
+            <a:fillRect/>
+          </a:stretch>
+        </p:blipFill>
+        <p:spPr bwMode="auto">
+          <a:xfrm>
+            <a:off x="6001047" y="1751905"/>
+            <a:ext cx="3142954" cy="1762485"/>
+          </a:xfrm>
+          <a:prstGeom prst="rect">
+            <a:avLst/>
+          </a:prstGeom>
+          <a:noFill/>
+          <a:ln>
+            <a:noFill/>
+          </a:ln>
+          <a:effectLst/>
+          <a:extLst>
+            <a:ext uri="{909E8E84-426E-40DD-AFC4-6F175D3DCCD1}">
+              <a14:hiddenFill xmlns:a14="http://schemas.microsoft.com/office/drawing/2010/main">
+                <a:solidFill>
+                  <a:schemeClr val="accent1"/>
+                </a:solidFill>
+              </a14:hiddenFill>
+            </a:ext>
+            <a:ext uri="{91240B29-F687-4F45-9708-019B960494DF}">
+              <a14:hiddenLine xmlns:a14="http://schemas.microsoft.com/office/drawing/2010/main" w="9525">
+                <a:solidFill>
+                  <a:schemeClr val="tx1"/>
+                </a:solidFill>
+                <a:miter lim="800000"/>
+                <a:headEnd/>
+                <a:tailEnd/>
+              </a14:hiddenLine>
+            </a:ext>
+            <a:ext uri="{AF507438-7753-43E0-B8FC-AC1667EBCBE1}">
+              <a14:hiddenEffects xmlns:a14="http://schemas.microsoft.com/office/drawing/2010/main">
+                <a:effectLst>
+                  <a:outerShdw dist="35921" dir="2700000" algn="ctr" rotWithShape="0">
+                    <a:schemeClr val="bg2"/>
+                  </a:outerShdw>
+                </a:effectLst>
+              </a14:hiddenEffects>
+            </a:ext>
+          </a:extLst>
+        </p:spPr>
+      </p:pic>
     </p:spTree>
     <p:extLst>
       <p:ext uri="{BB962C8B-B14F-4D97-AF65-F5344CB8AC3E}">
-        <p14:creationId xmlns:p14="http://schemas.microsoft.com/office/powerpoint/2010/main" val="1874339445"/>
+        <p14:creationId xmlns:p14="http://schemas.microsoft.com/office/powerpoint/2010/main" val="3870811186"/>
       </p:ext>
     </p:extLst>
   </p:cSld>
@@ -16329,6 +16755,1480 @@
 </file>
 
 <file path=ppt/slides/slide12.xml><?xml version="1.0" encoding="utf-8"?>
+<p:sld xmlns:a="http://schemas.openxmlformats.org/drawingml/2006/main" xmlns:r="http://schemas.openxmlformats.org/officeDocument/2006/relationships" xmlns:p="http://schemas.openxmlformats.org/presentationml/2006/main">
+  <p:cSld>
+    <p:spTree>
+      <p:nvGrpSpPr>
+        <p:cNvPr id="1" name=""/>
+        <p:cNvGrpSpPr/>
+        <p:nvPr/>
+      </p:nvGrpSpPr>
+      <p:grpSpPr>
+        <a:xfrm>
+          <a:off x="0" y="0"/>
+          <a:ext cx="0" cy="0"/>
+          <a:chOff x="0" y="0"/>
+          <a:chExt cx="0" cy="0"/>
+        </a:xfrm>
+      </p:grpSpPr>
+      <p:pic>
+        <p:nvPicPr>
+          <p:cNvPr id="4" name="3 Imagen"/>
+          <p:cNvPicPr>
+            <a:picLocks noChangeAspect="1"/>
+          </p:cNvPicPr>
+          <p:nvPr/>
+        </p:nvPicPr>
+        <p:blipFill>
+          <a:blip r:embed="rId2">
+            <a:extLst>
+              <a:ext uri="{28A0092B-C50C-407E-A947-70E740481C1C}">
+                <a14:useLocalDpi xmlns:a14="http://schemas.microsoft.com/office/drawing/2010/main" val="0"/>
+              </a:ext>
+            </a:extLst>
+          </a:blip>
+          <a:stretch>
+            <a:fillRect/>
+          </a:stretch>
+        </p:blipFill>
+        <p:spPr>
+          <a:xfrm>
+            <a:off x="1" y="1"/>
+            <a:ext cx="9144000" cy="1340767"/>
+          </a:xfrm>
+          <a:prstGeom prst="rect">
+            <a:avLst/>
+          </a:prstGeom>
+        </p:spPr>
+      </p:pic>
+      <p:sp>
+        <p:nvSpPr>
+          <p:cNvPr id="5" name="4 Rectángulo redondeado"/>
+          <p:cNvSpPr/>
+          <p:nvPr/>
+        </p:nvSpPr>
+        <p:spPr>
+          <a:xfrm>
+            <a:off x="225416" y="1124744"/>
+            <a:ext cx="1728192" cy="432048"/>
+          </a:xfrm>
+          <a:prstGeom prst="roundRect">
+            <a:avLst/>
+          </a:prstGeom>
+        </p:spPr>
+        <p:style>
+          <a:lnRef idx="2">
+            <a:schemeClr val="accent5"/>
+          </a:lnRef>
+          <a:fillRef idx="1">
+            <a:schemeClr val="lt1"/>
+          </a:fillRef>
+          <a:effectRef idx="0">
+            <a:schemeClr val="accent5"/>
+          </a:effectRef>
+          <a:fontRef idx="minor">
+            <a:schemeClr val="dk1"/>
+          </a:fontRef>
+        </p:style>
+        <p:txBody>
+          <a:bodyPr rtlCol="0" anchor="ctr"/>
+          <a:lstStyle/>
+          <a:p>
+            <a:pPr algn="ctr"/>
+            <a:r>
+              <a:rPr lang="es-ES" sz="1600" i="1" dirty="0" smtClean="0">
+                <a:solidFill>
+                  <a:schemeClr val="accent5">
+                    <a:lumMod val="50000"/>
+                  </a:schemeClr>
+                </a:solidFill>
+              </a:rPr>
+              <a:t>Introducción</a:t>
+            </a:r>
+            <a:endParaRPr lang="es-ES" sz="1600" i="1" dirty="0">
+              <a:solidFill>
+                <a:schemeClr val="accent5">
+                  <a:lumMod val="50000"/>
+                </a:schemeClr>
+              </a:solidFill>
+            </a:endParaRPr>
+          </a:p>
+        </p:txBody>
+      </p:sp>
+      <p:sp>
+        <p:nvSpPr>
+          <p:cNvPr id="6" name="5 Rectángulo redondeado"/>
+          <p:cNvSpPr/>
+          <p:nvPr/>
+        </p:nvSpPr>
+        <p:spPr>
+          <a:xfrm>
+            <a:off x="1953608" y="1135476"/>
+            <a:ext cx="1728192" cy="432048"/>
+          </a:xfrm>
+          <a:prstGeom prst="roundRect">
+            <a:avLst/>
+          </a:prstGeom>
+        </p:spPr>
+        <p:style>
+          <a:lnRef idx="2">
+            <a:schemeClr val="accent5"/>
+          </a:lnRef>
+          <a:fillRef idx="1">
+            <a:schemeClr val="lt1"/>
+          </a:fillRef>
+          <a:effectRef idx="0">
+            <a:schemeClr val="accent5"/>
+          </a:effectRef>
+          <a:fontRef idx="minor">
+            <a:schemeClr val="dk1"/>
+          </a:fontRef>
+        </p:style>
+        <p:txBody>
+          <a:bodyPr rtlCol="0" anchor="ctr"/>
+          <a:lstStyle/>
+          <a:p>
+            <a:pPr algn="ctr"/>
+            <a:r>
+              <a:rPr lang="es-ES" sz="1600" i="1" dirty="0" smtClean="0">
+                <a:solidFill>
+                  <a:schemeClr val="accent5">
+                    <a:lumMod val="50000"/>
+                  </a:schemeClr>
+                </a:solidFill>
+              </a:rPr>
+              <a:t>Instrumentación</a:t>
+            </a:r>
+            <a:endParaRPr lang="es-ES" sz="1600" i="1" dirty="0">
+              <a:solidFill>
+                <a:schemeClr val="accent5">
+                  <a:lumMod val="50000"/>
+                </a:schemeClr>
+              </a:solidFill>
+            </a:endParaRPr>
+          </a:p>
+        </p:txBody>
+      </p:sp>
+      <p:sp>
+        <p:nvSpPr>
+          <p:cNvPr id="7" name="6 Rectángulo redondeado"/>
+          <p:cNvSpPr/>
+          <p:nvPr/>
+        </p:nvSpPr>
+        <p:spPr>
+          <a:xfrm>
+            <a:off x="3681800" y="1351500"/>
+            <a:ext cx="1728192" cy="432048"/>
+          </a:xfrm>
+          <a:prstGeom prst="roundRect">
+            <a:avLst/>
+          </a:prstGeom>
+        </p:spPr>
+        <p:style>
+          <a:lnRef idx="2">
+            <a:schemeClr val="accent5"/>
+          </a:lnRef>
+          <a:fillRef idx="1">
+            <a:schemeClr val="lt1"/>
+          </a:fillRef>
+          <a:effectRef idx="0">
+            <a:schemeClr val="accent5"/>
+          </a:effectRef>
+          <a:fontRef idx="minor">
+            <a:schemeClr val="dk1"/>
+          </a:fontRef>
+        </p:style>
+        <p:txBody>
+          <a:bodyPr rtlCol="0" anchor="ctr"/>
+          <a:lstStyle/>
+          <a:p>
+            <a:pPr algn="ctr"/>
+            <a:r>
+              <a:rPr lang="es-ES" sz="1600" b="1" i="1" dirty="0" smtClean="0">
+                <a:solidFill>
+                  <a:schemeClr val="accent5">
+                    <a:lumMod val="50000"/>
+                  </a:schemeClr>
+                </a:solidFill>
+              </a:rPr>
+              <a:t>Procesamiento</a:t>
+            </a:r>
+            <a:endParaRPr lang="es-ES" sz="1600" b="1" i="1" dirty="0">
+              <a:solidFill>
+                <a:schemeClr val="accent5">
+                  <a:lumMod val="50000"/>
+                </a:schemeClr>
+              </a:solidFill>
+            </a:endParaRPr>
+          </a:p>
+        </p:txBody>
+      </p:sp>
+      <p:sp>
+        <p:nvSpPr>
+          <p:cNvPr id="8" name="7 Rectángulo redondeado"/>
+          <p:cNvSpPr/>
+          <p:nvPr/>
+        </p:nvSpPr>
+        <p:spPr>
+          <a:xfrm>
+            <a:off x="5436097" y="1135476"/>
+            <a:ext cx="1728192" cy="432048"/>
+          </a:xfrm>
+          <a:prstGeom prst="roundRect">
+            <a:avLst/>
+          </a:prstGeom>
+        </p:spPr>
+        <p:style>
+          <a:lnRef idx="2">
+            <a:schemeClr val="accent5"/>
+          </a:lnRef>
+          <a:fillRef idx="1">
+            <a:schemeClr val="lt1"/>
+          </a:fillRef>
+          <a:effectRef idx="0">
+            <a:schemeClr val="accent5"/>
+          </a:effectRef>
+          <a:fontRef idx="minor">
+            <a:schemeClr val="dk1"/>
+          </a:fontRef>
+        </p:style>
+        <p:txBody>
+          <a:bodyPr rtlCol="0" anchor="ctr"/>
+          <a:lstStyle/>
+          <a:p>
+            <a:pPr algn="ctr"/>
+            <a:r>
+              <a:rPr lang="es-ES" sz="1600" i="1" dirty="0" smtClean="0">
+                <a:solidFill>
+                  <a:schemeClr val="accent5">
+                    <a:lumMod val="50000"/>
+                  </a:schemeClr>
+                </a:solidFill>
+              </a:rPr>
+              <a:t>Aplicaciones</a:t>
+            </a:r>
+            <a:endParaRPr lang="es-ES" sz="1600" i="1" dirty="0">
+              <a:solidFill>
+                <a:schemeClr val="accent5">
+                  <a:lumMod val="50000"/>
+                </a:schemeClr>
+              </a:solidFill>
+            </a:endParaRPr>
+          </a:p>
+        </p:txBody>
+      </p:sp>
+      <p:sp>
+        <p:nvSpPr>
+          <p:cNvPr id="9" name="8 Rectángulo redondeado"/>
+          <p:cNvSpPr/>
+          <p:nvPr/>
+        </p:nvSpPr>
+        <p:spPr>
+          <a:xfrm>
+            <a:off x="7164289" y="1135476"/>
+            <a:ext cx="1728192" cy="432048"/>
+          </a:xfrm>
+          <a:prstGeom prst="roundRect">
+            <a:avLst/>
+          </a:prstGeom>
+        </p:spPr>
+        <p:style>
+          <a:lnRef idx="2">
+            <a:schemeClr val="accent5"/>
+          </a:lnRef>
+          <a:fillRef idx="1">
+            <a:schemeClr val="lt1"/>
+          </a:fillRef>
+          <a:effectRef idx="0">
+            <a:schemeClr val="accent5"/>
+          </a:effectRef>
+          <a:fontRef idx="minor">
+            <a:schemeClr val="dk1"/>
+          </a:fontRef>
+        </p:style>
+        <p:txBody>
+          <a:bodyPr rtlCol="0" anchor="ctr"/>
+          <a:lstStyle/>
+          <a:p>
+            <a:pPr algn="ctr"/>
+            <a:r>
+              <a:rPr lang="es-ES" sz="1600" i="1" dirty="0" smtClean="0">
+                <a:solidFill>
+                  <a:schemeClr val="accent5">
+                    <a:lumMod val="50000"/>
+                  </a:schemeClr>
+                </a:solidFill>
+              </a:rPr>
+              <a:t>Conclusión</a:t>
+            </a:r>
+            <a:endParaRPr lang="es-ES" sz="1600" i="1" dirty="0">
+              <a:solidFill>
+                <a:schemeClr val="accent5">
+                  <a:lumMod val="50000"/>
+                </a:schemeClr>
+              </a:solidFill>
+            </a:endParaRPr>
+          </a:p>
+        </p:txBody>
+      </p:sp>
+      <p:sp>
+        <p:nvSpPr>
+          <p:cNvPr id="10" name="9 CuadroTexto"/>
+          <p:cNvSpPr txBox="1"/>
+          <p:nvPr/>
+        </p:nvSpPr>
+        <p:spPr>
+          <a:xfrm>
+            <a:off x="1331640" y="6365927"/>
+            <a:ext cx="5328592" cy="307777"/>
+          </a:xfrm>
+          <a:prstGeom prst="rect">
+            <a:avLst/>
+          </a:prstGeom>
+          <a:noFill/>
+        </p:spPr>
+        <p:txBody>
+          <a:bodyPr wrap="square" rtlCol="0">
+            <a:spAutoFit/>
+          </a:bodyPr>
+          <a:lstStyle/>
+          <a:p>
+            <a:r>
+              <a:rPr lang="es-ES" sz="1400" b="1" i="1" dirty="0" smtClean="0">
+                <a:solidFill>
+                  <a:schemeClr val="tx1">
+                    <a:lumMod val="50000"/>
+                    <a:lumOff val="50000"/>
+                  </a:schemeClr>
+                </a:solidFill>
+                <a:latin typeface="Arial Narrow" pitchFamily="34" charset="0"/>
+              </a:rPr>
+              <a:t>Comp. </a:t>
+            </a:r>
+            <a:r>
+              <a:rPr lang="es-ES" sz="1400" b="1" i="1" dirty="0" err="1" smtClean="0">
+                <a:solidFill>
+                  <a:schemeClr val="tx1">
+                    <a:lumMod val="50000"/>
+                    <a:lumOff val="50000"/>
+                  </a:schemeClr>
+                </a:solidFill>
+                <a:latin typeface="Arial Narrow" pitchFamily="34" charset="0"/>
+              </a:rPr>
+              <a:t>Posturographic</a:t>
+            </a:r>
+            <a:r>
+              <a:rPr lang="es-ES" sz="1400" b="1" i="1" dirty="0" smtClean="0">
+                <a:solidFill>
+                  <a:schemeClr val="tx1">
+                    <a:lumMod val="50000"/>
+                    <a:lumOff val="50000"/>
+                  </a:schemeClr>
+                </a:solidFill>
+                <a:latin typeface="Arial Narrow" pitchFamily="34" charset="0"/>
+              </a:rPr>
+              <a:t> </a:t>
+            </a:r>
+            <a:r>
+              <a:rPr lang="es-ES" sz="1400" b="1" i="1" dirty="0" err="1" smtClean="0">
+                <a:solidFill>
+                  <a:schemeClr val="tx1">
+                    <a:lumMod val="50000"/>
+                    <a:lumOff val="50000"/>
+                  </a:schemeClr>
+                </a:solidFill>
+                <a:latin typeface="Arial Narrow" pitchFamily="34" charset="0"/>
+              </a:rPr>
+              <a:t>Body-Swad</a:t>
+            </a:r>
+            <a:r>
+              <a:rPr lang="es-ES" sz="1400" b="1" i="1" dirty="0" smtClean="0">
+                <a:solidFill>
+                  <a:schemeClr val="tx1">
+                    <a:lumMod val="50000"/>
+                    <a:lumOff val="50000"/>
+                  </a:schemeClr>
+                </a:solidFill>
+                <a:latin typeface="Arial Narrow" pitchFamily="34" charset="0"/>
+              </a:rPr>
+              <a:t> </a:t>
+            </a:r>
+            <a:r>
+              <a:rPr lang="es-ES" sz="1400" b="1" i="1" dirty="0" err="1" smtClean="0">
+                <a:solidFill>
+                  <a:schemeClr val="tx1">
+                    <a:lumMod val="50000"/>
+                    <a:lumOff val="50000"/>
+                  </a:schemeClr>
+                </a:solidFill>
+                <a:latin typeface="Arial Narrow" pitchFamily="34" charset="0"/>
+              </a:rPr>
+              <a:t>measurements</a:t>
+            </a:r>
+            <a:r>
+              <a:rPr lang="es-ES" sz="1400" b="1" i="1" dirty="0" smtClean="0">
+                <a:solidFill>
+                  <a:schemeClr val="tx1">
+                    <a:lumMod val="50000"/>
+                    <a:lumOff val="50000"/>
+                  </a:schemeClr>
+                </a:solidFill>
+                <a:latin typeface="Arial Narrow" pitchFamily="34" charset="0"/>
+              </a:rPr>
+              <a:t> </a:t>
+            </a:r>
+            <a:r>
+              <a:rPr lang="es-ES" sz="1400" b="1" i="1" dirty="0" err="1" smtClean="0">
+                <a:solidFill>
+                  <a:schemeClr val="tx1">
+                    <a:lumMod val="50000"/>
+                    <a:lumOff val="50000"/>
+                  </a:schemeClr>
+                </a:solidFill>
+                <a:latin typeface="Arial Narrow" pitchFamily="34" charset="0"/>
+              </a:rPr>
+              <a:t>with</a:t>
+            </a:r>
+            <a:r>
+              <a:rPr lang="es-ES" sz="1400" b="1" i="1" dirty="0" smtClean="0">
+                <a:solidFill>
+                  <a:schemeClr val="tx1">
+                    <a:lumMod val="50000"/>
+                    <a:lumOff val="50000"/>
+                  </a:schemeClr>
+                </a:solidFill>
+                <a:latin typeface="Arial Narrow" pitchFamily="34" charset="0"/>
+              </a:rPr>
+              <a:t> </a:t>
+            </a:r>
+            <a:r>
+              <a:rPr lang="es-ES" sz="1400" b="1" i="1" dirty="0" err="1" smtClean="0">
+                <a:solidFill>
+                  <a:schemeClr val="tx1">
+                    <a:lumMod val="50000"/>
+                    <a:lumOff val="50000"/>
+                  </a:schemeClr>
+                </a:solidFill>
+                <a:latin typeface="Arial Narrow" pitchFamily="34" charset="0"/>
+              </a:rPr>
+              <a:t>Inertail</a:t>
+            </a:r>
+            <a:r>
+              <a:rPr lang="es-ES" sz="1400" b="1" i="1" dirty="0" smtClean="0">
+                <a:solidFill>
+                  <a:schemeClr val="tx1">
+                    <a:lumMod val="50000"/>
+                    <a:lumOff val="50000"/>
+                  </a:schemeClr>
+                </a:solidFill>
+                <a:latin typeface="Arial Narrow" pitchFamily="34" charset="0"/>
+              </a:rPr>
+              <a:t> data in PD</a:t>
+            </a:r>
+            <a:endParaRPr lang="es-ES" sz="1400" b="1" i="1" dirty="0">
+              <a:solidFill>
+                <a:schemeClr val="tx1">
+                  <a:lumMod val="50000"/>
+                  <a:lumOff val="50000"/>
+                </a:schemeClr>
+              </a:solidFill>
+              <a:latin typeface="Arial Narrow" pitchFamily="34" charset="0"/>
+            </a:endParaRPr>
+          </a:p>
+        </p:txBody>
+      </p:sp>
+      <p:pic>
+        <p:nvPicPr>
+          <p:cNvPr id="11" name="Picture 2"/>
+          <p:cNvPicPr>
+            <a:picLocks noChangeAspect="1" noChangeArrowheads="1"/>
+          </p:cNvPicPr>
+          <p:nvPr/>
+        </p:nvPicPr>
+        <p:blipFill>
+          <a:blip r:embed="rId3">
+            <a:extLst>
+              <a:ext uri="{28A0092B-C50C-407E-A947-70E740481C1C}">
+                <a14:useLocalDpi xmlns:a14="http://schemas.microsoft.com/office/drawing/2010/main" val="0"/>
+              </a:ext>
+            </a:extLst>
+          </a:blip>
+          <a:srcRect/>
+          <a:stretch>
+            <a:fillRect/>
+          </a:stretch>
+        </p:blipFill>
+        <p:spPr bwMode="auto">
+          <a:xfrm>
+            <a:off x="7145387" y="6041891"/>
+            <a:ext cx="1765996" cy="648072"/>
+          </a:xfrm>
+          <a:prstGeom prst="rect">
+            <a:avLst/>
+          </a:prstGeom>
+          <a:noFill/>
+          <a:ln>
+            <a:noFill/>
+          </a:ln>
+          <a:effectLst/>
+          <a:extLst>
+            <a:ext uri="{909E8E84-426E-40DD-AFC4-6F175D3DCCD1}">
+              <a14:hiddenFill xmlns:a14="http://schemas.microsoft.com/office/drawing/2010/main">
+                <a:solidFill>
+                  <a:schemeClr val="accent1"/>
+                </a:solidFill>
+              </a14:hiddenFill>
+            </a:ext>
+            <a:ext uri="{91240B29-F687-4F45-9708-019B960494DF}">
+              <a14:hiddenLine xmlns:a14="http://schemas.microsoft.com/office/drawing/2010/main" w="9525">
+                <a:solidFill>
+                  <a:schemeClr val="tx1"/>
+                </a:solidFill>
+                <a:miter lim="800000"/>
+                <a:headEnd/>
+                <a:tailEnd/>
+              </a14:hiddenLine>
+            </a:ext>
+            <a:ext uri="{AF507438-7753-43E0-B8FC-AC1667EBCBE1}">
+              <a14:hiddenEffects xmlns:a14="http://schemas.microsoft.com/office/drawing/2010/main">
+                <a:effectLst>
+                  <a:outerShdw dist="35921" dir="2700000" algn="ctr" rotWithShape="0">
+                    <a:schemeClr val="bg2"/>
+                  </a:outerShdw>
+                </a:effectLst>
+              </a14:hiddenEffects>
+            </a:ext>
+          </a:extLst>
+        </p:spPr>
+      </p:pic>
+      <p:sp>
+        <p:nvSpPr>
+          <p:cNvPr id="12" name="4 Título"/>
+          <p:cNvSpPr txBox="1">
+            <a:spLocks/>
+          </p:cNvSpPr>
+          <p:nvPr/>
+        </p:nvSpPr>
+        <p:spPr>
+          <a:xfrm>
+            <a:off x="83245" y="1793923"/>
+            <a:ext cx="3454152" cy="578495"/>
+          </a:xfrm>
+          <a:prstGeom prst="rect">
+            <a:avLst/>
+          </a:prstGeom>
+        </p:spPr>
+        <p:txBody>
+          <a:bodyPr vert="horz" lIns="91440" tIns="45720" rIns="91440" bIns="45720" rtlCol="0" anchor="ctr">
+            <a:noAutofit/>
+          </a:bodyPr>
+          <a:lstStyle>
+            <a:lvl1pPr algn="ctr" defTabSz="914400" rtl="0" eaLnBrk="1" latinLnBrk="0" hangingPunct="1">
+              <a:spcBef>
+                <a:spcPct val="0"/>
+              </a:spcBef>
+              <a:buNone/>
+              <a:defRPr sz="4400" kern="1200">
+                <a:solidFill>
+                  <a:schemeClr val="tx1"/>
+                </a:solidFill>
+                <a:latin typeface="+mj-lt"/>
+                <a:ea typeface="+mj-ea"/>
+                <a:cs typeface="+mj-cs"/>
+              </a:defRPr>
+            </a:lvl1pPr>
+          </a:lstStyle>
+          <a:p>
+            <a:pPr algn="l"/>
+            <a:r>
+              <a:rPr lang="es-ES" sz="4000" dirty="0" smtClean="0">
+                <a:solidFill>
+                  <a:schemeClr val="accent5">
+                    <a:lumMod val="50000"/>
+                  </a:schemeClr>
+                </a:solidFill>
+                <a:latin typeface="Arial Narrow" pitchFamily="34" charset="0"/>
+              </a:rPr>
+              <a:t>GW vs FP</a:t>
+            </a:r>
+            <a:endParaRPr lang="es-ES" sz="4000" dirty="0">
+              <a:solidFill>
+                <a:schemeClr val="accent5">
+                  <a:lumMod val="50000"/>
+                </a:schemeClr>
+              </a:solidFill>
+              <a:latin typeface="Arial Narrow" pitchFamily="34" charset="0"/>
+            </a:endParaRPr>
+          </a:p>
+        </p:txBody>
+      </p:sp>
+      <p:sp>
+        <p:nvSpPr>
+          <p:cNvPr id="13" name="4 Título"/>
+          <p:cNvSpPr txBox="1">
+            <a:spLocks/>
+          </p:cNvSpPr>
+          <p:nvPr/>
+        </p:nvSpPr>
+        <p:spPr>
+          <a:xfrm>
+            <a:off x="2063731" y="2299164"/>
+            <a:ext cx="2646814" cy="578495"/>
+          </a:xfrm>
+          <a:prstGeom prst="rect">
+            <a:avLst/>
+          </a:prstGeom>
+        </p:spPr>
+        <p:txBody>
+          <a:bodyPr vert="horz" lIns="91440" tIns="45720" rIns="91440" bIns="45720" rtlCol="0" anchor="ctr">
+            <a:noAutofit/>
+          </a:bodyPr>
+          <a:lstStyle>
+            <a:lvl1pPr algn="ctr" defTabSz="914400" rtl="0" eaLnBrk="1" latinLnBrk="0" hangingPunct="1">
+              <a:spcBef>
+                <a:spcPct val="0"/>
+              </a:spcBef>
+              <a:buNone/>
+              <a:defRPr sz="4400" kern="1200">
+                <a:solidFill>
+                  <a:schemeClr val="tx1"/>
+                </a:solidFill>
+                <a:latin typeface="+mj-lt"/>
+                <a:ea typeface="+mj-ea"/>
+                <a:cs typeface="+mj-cs"/>
+              </a:defRPr>
+            </a:lvl1pPr>
+          </a:lstStyle>
+          <a:p>
+            <a:pPr algn="l"/>
+            <a:r>
+              <a:rPr lang="es-ES" sz="3200" dirty="0" smtClean="0">
+                <a:solidFill>
+                  <a:schemeClr val="accent5">
+                    <a:lumMod val="50000"/>
+                  </a:schemeClr>
+                </a:solidFill>
+                <a:latin typeface="Arial Narrow" pitchFamily="34" charset="0"/>
+              </a:rPr>
+              <a:t>PLS</a:t>
+            </a:r>
+            <a:endParaRPr lang="es-ES" sz="3200" dirty="0">
+              <a:solidFill>
+                <a:schemeClr val="accent5">
+                  <a:lumMod val="50000"/>
+                </a:schemeClr>
+              </a:solidFill>
+              <a:latin typeface="Arial Narrow" pitchFamily="34" charset="0"/>
+            </a:endParaRPr>
+          </a:p>
+        </p:txBody>
+      </p:sp>
+      <p:cxnSp>
+        <p:nvCxnSpPr>
+          <p:cNvPr id="14" name="13 Conector angular"/>
+          <p:cNvCxnSpPr/>
+          <p:nvPr/>
+        </p:nvCxnSpPr>
+        <p:spPr>
+          <a:xfrm>
+            <a:off x="1736048" y="2372418"/>
+            <a:ext cx="387680" cy="237120"/>
+          </a:xfrm>
+          <a:prstGeom prst="bentConnector3">
+            <a:avLst>
+              <a:gd name="adj1" fmla="val -32"/>
+            </a:avLst>
+          </a:prstGeom>
+          <a:ln w="28575">
+            <a:solidFill>
+              <a:schemeClr val="accent5">
+                <a:lumMod val="50000"/>
+              </a:schemeClr>
+            </a:solidFill>
+            <a:tailEnd type="arrow"/>
+          </a:ln>
+        </p:spPr>
+        <p:style>
+          <a:lnRef idx="1">
+            <a:schemeClr val="accent1"/>
+          </a:lnRef>
+          <a:fillRef idx="0">
+            <a:schemeClr val="accent1"/>
+          </a:fillRef>
+          <a:effectRef idx="0">
+            <a:schemeClr val="accent1"/>
+          </a:effectRef>
+          <a:fontRef idx="minor">
+            <a:schemeClr val="tx1"/>
+          </a:fontRef>
+        </p:style>
+      </p:cxnSp>
+      <p:sp>
+        <p:nvSpPr>
+          <p:cNvPr id="15" name="2 Subtítulo"/>
+          <p:cNvSpPr txBox="1">
+            <a:spLocks/>
+          </p:cNvSpPr>
+          <p:nvPr/>
+        </p:nvSpPr>
+        <p:spPr>
+          <a:xfrm>
+            <a:off x="481400" y="2996951"/>
+            <a:ext cx="7258952" cy="3693012"/>
+          </a:xfrm>
+          <a:prstGeom prst="rect">
+            <a:avLst/>
+          </a:prstGeom>
+        </p:spPr>
+        <p:txBody>
+          <a:bodyPr vert="horz" lIns="91440" tIns="45720" rIns="91440" bIns="45720" rtlCol="0">
+            <a:normAutofit fontScale="77500" lnSpcReduction="20000"/>
+          </a:bodyPr>
+          <a:lstStyle>
+            <a:lvl1pPr marL="342900" indent="-342900" algn="l" defTabSz="914400" rtl="0" eaLnBrk="1" latinLnBrk="0" hangingPunct="1">
+              <a:spcBef>
+                <a:spcPct val="20000"/>
+              </a:spcBef>
+              <a:buFont typeface="Arial" pitchFamily="34" charset="0"/>
+              <a:buChar char="•"/>
+              <a:defRPr sz="3200" kern="1200">
+                <a:solidFill>
+                  <a:schemeClr val="tx1"/>
+                </a:solidFill>
+                <a:latin typeface="+mn-lt"/>
+                <a:ea typeface="+mn-ea"/>
+                <a:cs typeface="+mn-cs"/>
+              </a:defRPr>
+            </a:lvl1pPr>
+            <a:lvl2pPr marL="742950" indent="-285750" algn="l" defTabSz="914400" rtl="0" eaLnBrk="1" latinLnBrk="0" hangingPunct="1">
+              <a:spcBef>
+                <a:spcPct val="20000"/>
+              </a:spcBef>
+              <a:buFont typeface="Arial" pitchFamily="34" charset="0"/>
+              <a:buChar char="–"/>
+              <a:defRPr sz="2800" kern="1200">
+                <a:solidFill>
+                  <a:schemeClr val="tx1"/>
+                </a:solidFill>
+                <a:latin typeface="+mn-lt"/>
+                <a:ea typeface="+mn-ea"/>
+                <a:cs typeface="+mn-cs"/>
+              </a:defRPr>
+            </a:lvl2pPr>
+            <a:lvl3pPr marL="1143000" indent="-228600" algn="l" defTabSz="914400" rtl="0" eaLnBrk="1" latinLnBrk="0" hangingPunct="1">
+              <a:spcBef>
+                <a:spcPct val="20000"/>
+              </a:spcBef>
+              <a:buFont typeface="Arial" pitchFamily="34" charset="0"/>
+              <a:buChar char="•"/>
+              <a:defRPr sz="2400" kern="1200">
+                <a:solidFill>
+                  <a:schemeClr val="tx1"/>
+                </a:solidFill>
+                <a:latin typeface="+mn-lt"/>
+                <a:ea typeface="+mn-ea"/>
+                <a:cs typeface="+mn-cs"/>
+              </a:defRPr>
+            </a:lvl3pPr>
+            <a:lvl4pPr marL="1600200" indent="-228600" algn="l" defTabSz="914400" rtl="0" eaLnBrk="1" latinLnBrk="0" hangingPunct="1">
+              <a:spcBef>
+                <a:spcPct val="20000"/>
+              </a:spcBef>
+              <a:buFont typeface="Arial" pitchFamily="34" charset="0"/>
+              <a:buChar char="–"/>
+              <a:defRPr sz="2000" kern="1200">
+                <a:solidFill>
+                  <a:schemeClr val="tx1"/>
+                </a:solidFill>
+                <a:latin typeface="+mn-lt"/>
+                <a:ea typeface="+mn-ea"/>
+                <a:cs typeface="+mn-cs"/>
+              </a:defRPr>
+            </a:lvl4pPr>
+            <a:lvl5pPr marL="2057400" indent="-228600" algn="l" defTabSz="914400" rtl="0" eaLnBrk="1" latinLnBrk="0" hangingPunct="1">
+              <a:spcBef>
+                <a:spcPct val="20000"/>
+              </a:spcBef>
+              <a:buFont typeface="Arial" pitchFamily="34" charset="0"/>
+              <a:buChar char="»"/>
+              <a:defRPr sz="2000" kern="1200">
+                <a:solidFill>
+                  <a:schemeClr val="tx1"/>
+                </a:solidFill>
+                <a:latin typeface="+mn-lt"/>
+                <a:ea typeface="+mn-ea"/>
+                <a:cs typeface="+mn-cs"/>
+              </a:defRPr>
+            </a:lvl5pPr>
+            <a:lvl6pPr marL="2514600" indent="-228600" algn="l" defTabSz="914400" rtl="0" eaLnBrk="1" latinLnBrk="0" hangingPunct="1">
+              <a:spcBef>
+                <a:spcPct val="20000"/>
+              </a:spcBef>
+              <a:buFont typeface="Arial" pitchFamily="34" charset="0"/>
+              <a:buChar char="•"/>
+              <a:defRPr sz="2000" kern="1200">
+                <a:solidFill>
+                  <a:schemeClr val="tx1"/>
+                </a:solidFill>
+                <a:latin typeface="+mn-lt"/>
+                <a:ea typeface="+mn-ea"/>
+                <a:cs typeface="+mn-cs"/>
+              </a:defRPr>
+            </a:lvl6pPr>
+            <a:lvl7pPr marL="2971800" indent="-228600" algn="l" defTabSz="914400" rtl="0" eaLnBrk="1" latinLnBrk="0" hangingPunct="1">
+              <a:spcBef>
+                <a:spcPct val="20000"/>
+              </a:spcBef>
+              <a:buFont typeface="Arial" pitchFamily="34" charset="0"/>
+              <a:buChar char="•"/>
+              <a:defRPr sz="2000" kern="1200">
+                <a:solidFill>
+                  <a:schemeClr val="tx1"/>
+                </a:solidFill>
+                <a:latin typeface="+mn-lt"/>
+                <a:ea typeface="+mn-ea"/>
+                <a:cs typeface="+mn-cs"/>
+              </a:defRPr>
+            </a:lvl7pPr>
+            <a:lvl8pPr marL="3429000" indent="-228600" algn="l" defTabSz="914400" rtl="0" eaLnBrk="1" latinLnBrk="0" hangingPunct="1">
+              <a:spcBef>
+                <a:spcPct val="20000"/>
+              </a:spcBef>
+              <a:buFont typeface="Arial" pitchFamily="34" charset="0"/>
+              <a:buChar char="•"/>
+              <a:defRPr sz="2000" kern="1200">
+                <a:solidFill>
+                  <a:schemeClr val="tx1"/>
+                </a:solidFill>
+                <a:latin typeface="+mn-lt"/>
+                <a:ea typeface="+mn-ea"/>
+                <a:cs typeface="+mn-cs"/>
+              </a:defRPr>
+            </a:lvl8pPr>
+            <a:lvl9pPr marL="3886200" indent="-228600" algn="l" defTabSz="914400" rtl="0" eaLnBrk="1" latinLnBrk="0" hangingPunct="1">
+              <a:spcBef>
+                <a:spcPct val="20000"/>
+              </a:spcBef>
+              <a:buFont typeface="Arial" pitchFamily="34" charset="0"/>
+              <a:buChar char="•"/>
+              <a:defRPr sz="2000" kern="1200">
+                <a:solidFill>
+                  <a:schemeClr val="tx1"/>
+                </a:solidFill>
+                <a:latin typeface="+mn-lt"/>
+                <a:ea typeface="+mn-ea"/>
+                <a:cs typeface="+mn-cs"/>
+              </a:defRPr>
+            </a:lvl9pPr>
+          </a:lstStyle>
+          <a:p>
+            <a:pPr marL="457200" indent="-457200">
+              <a:buFont typeface="Wingdings" pitchFamily="2" charset="2"/>
+              <a:buChar char="ü"/>
+            </a:pPr>
+            <a:r>
+              <a:rPr lang="es-ES" dirty="0" smtClean="0">
+                <a:solidFill>
+                  <a:schemeClr val="tx1">
+                    <a:lumMod val="50000"/>
+                    <a:lumOff val="50000"/>
+                  </a:schemeClr>
+                </a:solidFill>
+                <a:latin typeface="Arial Narrow" pitchFamily="34" charset="0"/>
+              </a:rPr>
+              <a:t>Algoritmo basado en una transformación</a:t>
+            </a:r>
+            <a:r>
+              <a:rPr lang="es-ES" dirty="0">
+                <a:solidFill>
+                  <a:schemeClr val="tx1">
+                    <a:lumMod val="50000"/>
+                    <a:lumOff val="50000"/>
+                  </a:schemeClr>
+                </a:solidFill>
+                <a:latin typeface="Arial Narrow" pitchFamily="34" charset="0"/>
+              </a:rPr>
+              <a:t> </a:t>
+            </a:r>
+            <a:r>
+              <a:rPr lang="es-ES" dirty="0" smtClean="0">
+                <a:solidFill>
+                  <a:schemeClr val="tx1">
+                    <a:lumMod val="50000"/>
+                    <a:lumOff val="50000"/>
+                  </a:schemeClr>
+                </a:solidFill>
+                <a:latin typeface="Arial Narrow" pitchFamily="34" charset="0"/>
+              </a:rPr>
+              <a:t>lineal en un nuevo espacio basado en un pequeño número de </a:t>
+            </a:r>
+            <a:r>
+              <a:rPr lang="es-ES" dirty="0" err="1" smtClean="0">
+                <a:solidFill>
+                  <a:schemeClr val="tx1">
+                    <a:lumMod val="50000"/>
+                    <a:lumOff val="50000"/>
+                  </a:schemeClr>
+                </a:solidFill>
+                <a:latin typeface="Arial Narrow" pitchFamily="34" charset="0"/>
+              </a:rPr>
+              <a:t>fatores</a:t>
+            </a:r>
+            <a:r>
+              <a:rPr lang="es-ES" dirty="0" smtClean="0">
+                <a:solidFill>
+                  <a:schemeClr val="tx1">
+                    <a:lumMod val="50000"/>
+                    <a:lumOff val="50000"/>
+                  </a:schemeClr>
+                </a:solidFill>
+                <a:latin typeface="Arial Narrow" pitchFamily="34" charset="0"/>
+              </a:rPr>
+              <a:t> ortogonales (variables latentes)</a:t>
+            </a:r>
+          </a:p>
+          <a:p>
+            <a:pPr marL="457200" indent="-457200">
+              <a:buFont typeface="Wingdings" pitchFamily="2" charset="2"/>
+              <a:buChar char="ü"/>
+            </a:pPr>
+            <a:r>
+              <a:rPr lang="es-ES" dirty="0" smtClean="0">
+                <a:solidFill>
+                  <a:schemeClr val="tx1">
+                    <a:lumMod val="50000"/>
+                    <a:lumOff val="50000"/>
+                  </a:schemeClr>
+                </a:solidFill>
+                <a:latin typeface="Arial Narrow" pitchFamily="34" charset="0"/>
+              </a:rPr>
+              <a:t>PLS vs PCA</a:t>
+            </a:r>
+          </a:p>
+          <a:p>
+            <a:pPr marL="457200" indent="-457200">
+              <a:buFont typeface="Wingdings" pitchFamily="2" charset="2"/>
+              <a:buChar char="ü"/>
+            </a:pPr>
+            <a:r>
+              <a:rPr lang="es-ES" dirty="0" smtClean="0">
+                <a:solidFill>
+                  <a:schemeClr val="tx1">
+                    <a:lumMod val="50000"/>
+                    <a:lumOff val="50000"/>
+                  </a:schemeClr>
+                </a:solidFill>
+                <a:latin typeface="Arial Narrow" pitchFamily="34" charset="0"/>
+              </a:rPr>
+              <a:t>Fundamentos del algoritmo</a:t>
+            </a:r>
+          </a:p>
+          <a:p>
+            <a:pPr lvl="1"/>
+            <a:r>
+              <a:rPr lang="es-ES" dirty="0" smtClean="0">
+                <a:solidFill>
+                  <a:schemeClr val="tx1">
+                    <a:lumMod val="50000"/>
+                    <a:lumOff val="50000"/>
+                  </a:schemeClr>
+                </a:solidFill>
+                <a:latin typeface="Arial Narrow" pitchFamily="34" charset="0"/>
+              </a:rPr>
+              <a:t>Extraer factores maximizando la varianza</a:t>
+            </a:r>
+          </a:p>
+          <a:p>
+            <a:pPr lvl="1"/>
+            <a:r>
+              <a:rPr lang="es-ES" dirty="0" smtClean="0">
+                <a:solidFill>
+                  <a:schemeClr val="tx1">
+                    <a:lumMod val="50000"/>
+                    <a:lumOff val="50000"/>
+                  </a:schemeClr>
+                </a:solidFill>
+                <a:latin typeface="Arial Narrow" pitchFamily="34" charset="0"/>
+              </a:rPr>
+              <a:t>La descomposición se finaliza cuando se maximiza la covarianza entre T y U.</a:t>
+            </a:r>
+          </a:p>
+          <a:p>
+            <a:pPr lvl="1"/>
+            <a:r>
+              <a:rPr lang="es-ES" dirty="0" smtClean="0">
+                <a:solidFill>
+                  <a:schemeClr val="tx1">
+                    <a:lumMod val="50000"/>
+                    <a:lumOff val="50000"/>
+                  </a:schemeClr>
+                </a:solidFill>
+                <a:latin typeface="Arial Narrow" pitchFamily="34" charset="0"/>
+              </a:rPr>
+              <a:t>Cada X-Score </a:t>
+            </a:r>
+            <a:r>
+              <a:rPr lang="es-ES" dirty="0" err="1" smtClean="0">
+                <a:solidFill>
+                  <a:schemeClr val="tx1">
+                    <a:lumMod val="50000"/>
+                    <a:lumOff val="50000"/>
+                  </a:schemeClr>
+                </a:solidFill>
+                <a:latin typeface="Arial Narrow" pitchFamily="34" charset="0"/>
+              </a:rPr>
+              <a:t>extraido</a:t>
+            </a:r>
+            <a:r>
+              <a:rPr lang="es-ES" dirty="0" smtClean="0">
+                <a:solidFill>
+                  <a:schemeClr val="tx1">
+                    <a:lumMod val="50000"/>
+                    <a:lumOff val="50000"/>
+                  </a:schemeClr>
+                </a:solidFill>
+                <a:latin typeface="Arial Narrow" pitchFamily="34" charset="0"/>
+              </a:rPr>
+              <a:t> (T) es una combinación lineal de X</a:t>
+            </a:r>
+            <a:br>
+              <a:rPr lang="es-ES" dirty="0" smtClean="0">
+                <a:solidFill>
+                  <a:schemeClr val="tx1">
+                    <a:lumMod val="50000"/>
+                    <a:lumOff val="50000"/>
+                  </a:schemeClr>
+                </a:solidFill>
+                <a:latin typeface="Arial Narrow" pitchFamily="34" charset="0"/>
+              </a:rPr>
+            </a:br>
+            <a:endParaRPr lang="es-ES" dirty="0" smtClean="0">
+              <a:solidFill>
+                <a:schemeClr val="tx1">
+                  <a:lumMod val="50000"/>
+                  <a:lumOff val="50000"/>
+                </a:schemeClr>
+              </a:solidFill>
+              <a:latin typeface="Arial Narrow" pitchFamily="34" charset="0"/>
+            </a:endParaRPr>
+          </a:p>
+          <a:p>
+            <a:pPr lvl="1"/>
+            <a:endParaRPr lang="es-ES" dirty="0" smtClean="0">
+              <a:solidFill>
+                <a:schemeClr val="tx1">
+                  <a:lumMod val="50000"/>
+                  <a:lumOff val="50000"/>
+                </a:schemeClr>
+              </a:solidFill>
+              <a:latin typeface="Arial Narrow" pitchFamily="34" charset="0"/>
+            </a:endParaRPr>
+          </a:p>
+          <a:p>
+            <a:pPr lvl="1">
+              <a:buFont typeface="Courier New" pitchFamily="49" charset="0"/>
+              <a:buChar char="o"/>
+            </a:pPr>
+            <a:endParaRPr lang="es-ES" dirty="0" smtClean="0">
+              <a:solidFill>
+                <a:schemeClr val="tx1">
+                  <a:lumMod val="50000"/>
+                  <a:lumOff val="50000"/>
+                </a:schemeClr>
+              </a:solidFill>
+              <a:latin typeface="Arial Narrow" pitchFamily="34" charset="0"/>
+            </a:endParaRPr>
+          </a:p>
+        </p:txBody>
+      </p:sp>
+      <p:pic>
+        <p:nvPicPr>
+          <p:cNvPr id="16" name="Picture 2"/>
+          <p:cNvPicPr>
+            <a:picLocks noChangeAspect="1" noChangeArrowheads="1"/>
+          </p:cNvPicPr>
+          <p:nvPr/>
+        </p:nvPicPr>
+        <p:blipFill>
+          <a:blip r:embed="rId4">
+            <a:extLst>
+              <a:ext uri="{28A0092B-C50C-407E-A947-70E740481C1C}">
+                <a14:useLocalDpi xmlns:a14="http://schemas.microsoft.com/office/drawing/2010/main" val="0"/>
+              </a:ext>
+            </a:extLst>
+          </a:blip>
+          <a:srcRect/>
+          <a:stretch>
+            <a:fillRect/>
+          </a:stretch>
+        </p:blipFill>
+        <p:spPr bwMode="auto">
+          <a:xfrm>
+            <a:off x="7073910" y="4575659"/>
+            <a:ext cx="1381083" cy="642918"/>
+          </a:xfrm>
+          <a:prstGeom prst="rect">
+            <a:avLst/>
+          </a:prstGeom>
+          <a:noFill/>
+          <a:ln>
+            <a:noFill/>
+          </a:ln>
+          <a:effectLst/>
+          <a:extLst>
+            <a:ext uri="{909E8E84-426E-40DD-AFC4-6F175D3DCCD1}">
+              <a14:hiddenFill xmlns:a14="http://schemas.microsoft.com/office/drawing/2010/main">
+                <a:solidFill>
+                  <a:schemeClr val="accent1"/>
+                </a:solidFill>
+              </a14:hiddenFill>
+            </a:ext>
+            <a:ext uri="{91240B29-F687-4F45-9708-019B960494DF}">
+              <a14:hiddenLine xmlns:a14="http://schemas.microsoft.com/office/drawing/2010/main" w="9525">
+                <a:solidFill>
+                  <a:schemeClr val="tx1"/>
+                </a:solidFill>
+                <a:miter lim="800000"/>
+                <a:headEnd/>
+                <a:tailEnd/>
+              </a14:hiddenLine>
+            </a:ext>
+            <a:ext uri="{AF507438-7753-43E0-B8FC-AC1667EBCBE1}">
+              <a14:hiddenEffects xmlns:a14="http://schemas.microsoft.com/office/drawing/2010/main">
+                <a:effectLst>
+                  <a:outerShdw dist="35921" dir="2700000" algn="ctr" rotWithShape="0">
+                    <a:schemeClr val="bg2"/>
+                  </a:outerShdw>
+                </a:effectLst>
+              </a14:hiddenEffects>
+            </a:ext>
+          </a:extLst>
+        </p:spPr>
+      </p:pic>
+      <p:pic>
+        <p:nvPicPr>
+          <p:cNvPr id="17" name="Picture 3"/>
+          <p:cNvPicPr>
+            <a:picLocks noChangeAspect="1" noChangeArrowheads="1"/>
+          </p:cNvPicPr>
+          <p:nvPr/>
+        </p:nvPicPr>
+        <p:blipFill>
+          <a:blip r:embed="rId5">
+            <a:extLst>
+              <a:ext uri="{28A0092B-C50C-407E-A947-70E740481C1C}">
+                <a14:useLocalDpi xmlns:a14="http://schemas.microsoft.com/office/drawing/2010/main" val="0"/>
+              </a:ext>
+            </a:extLst>
+          </a:blip>
+          <a:srcRect/>
+          <a:stretch>
+            <a:fillRect/>
+          </a:stretch>
+        </p:blipFill>
+        <p:spPr bwMode="auto">
+          <a:xfrm>
+            <a:off x="3296037" y="6039303"/>
+            <a:ext cx="771525" cy="352425"/>
+          </a:xfrm>
+          <a:prstGeom prst="rect">
+            <a:avLst/>
+          </a:prstGeom>
+          <a:noFill/>
+          <a:ln>
+            <a:noFill/>
+          </a:ln>
+          <a:effectLst/>
+          <a:extLst>
+            <a:ext uri="{909E8E84-426E-40DD-AFC4-6F175D3DCCD1}">
+              <a14:hiddenFill xmlns:a14="http://schemas.microsoft.com/office/drawing/2010/main">
+                <a:solidFill>
+                  <a:schemeClr val="accent1"/>
+                </a:solidFill>
+              </a14:hiddenFill>
+            </a:ext>
+            <a:ext uri="{91240B29-F687-4F45-9708-019B960494DF}">
+              <a14:hiddenLine xmlns:a14="http://schemas.microsoft.com/office/drawing/2010/main" w="9525">
+                <a:solidFill>
+                  <a:schemeClr val="tx1"/>
+                </a:solidFill>
+                <a:miter lim="800000"/>
+                <a:headEnd/>
+                <a:tailEnd/>
+              </a14:hiddenLine>
+            </a:ext>
+            <a:ext uri="{AF507438-7753-43E0-B8FC-AC1667EBCBE1}">
+              <a14:hiddenEffects xmlns:a14="http://schemas.microsoft.com/office/drawing/2010/main">
+                <a:effectLst>
+                  <a:outerShdw dist="35921" dir="2700000" algn="ctr" rotWithShape="0">
+                    <a:schemeClr val="bg2"/>
+                  </a:outerShdw>
+                </a:effectLst>
+              </a14:hiddenEffects>
+            </a:ext>
+          </a:extLst>
+        </p:spPr>
+      </p:pic>
+      <p:pic>
+        <p:nvPicPr>
+          <p:cNvPr id="18" name="Picture 4"/>
+          <p:cNvPicPr>
+            <a:picLocks noChangeAspect="1" noChangeArrowheads="1"/>
+          </p:cNvPicPr>
+          <p:nvPr/>
+        </p:nvPicPr>
+        <p:blipFill>
+          <a:blip r:embed="rId6">
+            <a:extLst>
+              <a:ext uri="{28A0092B-C50C-407E-A947-70E740481C1C}">
+                <a14:useLocalDpi xmlns:a14="http://schemas.microsoft.com/office/drawing/2010/main" val="0"/>
+              </a:ext>
+            </a:extLst>
+          </a:blip>
+          <a:srcRect/>
+          <a:stretch>
+            <a:fillRect/>
+          </a:stretch>
+        </p:blipFill>
+        <p:spPr bwMode="auto">
+          <a:xfrm>
+            <a:off x="4734806" y="6002265"/>
+            <a:ext cx="2114550" cy="400050"/>
+          </a:xfrm>
+          <a:prstGeom prst="rect">
+            <a:avLst/>
+          </a:prstGeom>
+          <a:noFill/>
+          <a:ln>
+            <a:noFill/>
+          </a:ln>
+          <a:effectLst/>
+          <a:extLst>
+            <a:ext uri="{909E8E84-426E-40DD-AFC4-6F175D3DCCD1}">
+              <a14:hiddenFill xmlns:a14="http://schemas.microsoft.com/office/drawing/2010/main">
+                <a:solidFill>
+                  <a:schemeClr val="accent1"/>
+                </a:solidFill>
+              </a14:hiddenFill>
+            </a:ext>
+            <a:ext uri="{91240B29-F687-4F45-9708-019B960494DF}">
+              <a14:hiddenLine xmlns:a14="http://schemas.microsoft.com/office/drawing/2010/main" w="9525">
+                <a:solidFill>
+                  <a:schemeClr val="tx1"/>
+                </a:solidFill>
+                <a:miter lim="800000"/>
+                <a:headEnd/>
+                <a:tailEnd/>
+              </a14:hiddenLine>
+            </a:ext>
+            <a:ext uri="{AF507438-7753-43E0-B8FC-AC1667EBCBE1}">
+              <a14:hiddenEffects xmlns:a14="http://schemas.microsoft.com/office/drawing/2010/main">
+                <a:effectLst>
+                  <a:outerShdw dist="35921" dir="2700000" algn="ctr" rotWithShape="0">
+                    <a:schemeClr val="bg2"/>
+                  </a:outerShdw>
+                </a:effectLst>
+              </a14:hiddenEffects>
+            </a:ext>
+          </a:extLst>
+        </p:spPr>
+      </p:pic>
+      <p:sp>
+        <p:nvSpPr>
+          <p:cNvPr id="19" name="18 Flecha derecha"/>
+          <p:cNvSpPr/>
+          <p:nvPr/>
+        </p:nvSpPr>
+        <p:spPr>
+          <a:xfrm>
+            <a:off x="6038502" y="4778782"/>
+            <a:ext cx="810853" cy="236672"/>
+          </a:xfrm>
+          <a:prstGeom prst="rightArrow">
+            <a:avLst/>
+          </a:prstGeom>
+          <a:ln>
+            <a:solidFill>
+              <a:schemeClr val="accent5">
+                <a:lumMod val="50000"/>
+              </a:schemeClr>
+            </a:solidFill>
+          </a:ln>
+        </p:spPr>
+        <p:style>
+          <a:lnRef idx="2">
+            <a:schemeClr val="accent1">
+              <a:shade val="50000"/>
+            </a:schemeClr>
+          </a:lnRef>
+          <a:fillRef idx="1001">
+            <a:schemeClr val="lt2"/>
+          </a:fillRef>
+          <a:effectRef idx="0">
+            <a:schemeClr val="accent1"/>
+          </a:effectRef>
+          <a:fontRef idx="minor">
+            <a:schemeClr val="lt1"/>
+          </a:fontRef>
+        </p:style>
+        <p:txBody>
+          <a:bodyPr rtlCol="0" anchor="ctr"/>
+          <a:lstStyle/>
+          <a:p>
+            <a:pPr algn="ctr"/>
+            <a:endParaRPr lang="es-ES"/>
+          </a:p>
+        </p:txBody>
+      </p:sp>
+    </p:spTree>
+    <p:extLst>
+      <p:ext uri="{BB962C8B-B14F-4D97-AF65-F5344CB8AC3E}">
+        <p14:creationId xmlns:p14="http://schemas.microsoft.com/office/powerpoint/2010/main" val="2113626505"/>
+      </p:ext>
+    </p:extLst>
+  </p:cSld>
+  <p:clrMapOvr>
+    <a:masterClrMapping/>
+  </p:clrMapOvr>
+  <p:timing>
+    <p:tnLst>
+      <p:par>
+        <p:cTn id="1" dur="indefinite" restart="never" nodeType="tmRoot">
+          <p:childTnLst>
+            <p:seq concurrent="1" nextAc="seek">
+              <p:cTn id="2" dur="indefinite" nodeType="mainSeq">
+                <p:childTnLst>
+                  <p:par>
+                    <p:cTn id="3" fill="hold">
+                      <p:stCondLst>
+                        <p:cond delay="indefinite"/>
+                        <p:cond evt="onBegin" delay="0">
+                          <p:tn val="2"/>
+                        </p:cond>
+                      </p:stCondLst>
+                      <p:childTnLst>
+                        <p:par>
+                          <p:cTn id="4" fill="hold">
+                            <p:stCondLst>
+                              <p:cond delay="0"/>
+                            </p:stCondLst>
+                            <p:childTnLst>
+                              <p:par>
+                                <p:cTn id="5" presetID="42" presetClass="entr" presetSubtype="0" fill="hold" grpId="0" nodeType="withEffect">
+                                  <p:stCondLst>
+                                    <p:cond delay="0"/>
+                                  </p:stCondLst>
+                                  <p:childTnLst>
+                                    <p:set>
+                                      <p:cBhvr>
+                                        <p:cTn id="6" dur="1" fill="hold">
+                                          <p:stCondLst>
+                                            <p:cond delay="0"/>
+                                          </p:stCondLst>
+                                        </p:cTn>
+                                        <p:tgtEl>
+                                          <p:spTgt spid="19"/>
+                                        </p:tgtEl>
+                                        <p:attrNameLst>
+                                          <p:attrName>style.visibility</p:attrName>
+                                        </p:attrNameLst>
+                                      </p:cBhvr>
+                                      <p:to>
+                                        <p:strVal val="visible"/>
+                                      </p:to>
+                                    </p:set>
+                                    <p:animEffect transition="in" filter="fade">
+                                      <p:cBhvr>
+                                        <p:cTn id="7" dur="1000"/>
+                                        <p:tgtEl>
+                                          <p:spTgt spid="19"/>
+                                        </p:tgtEl>
+                                      </p:cBhvr>
+                                    </p:animEffect>
+                                    <p:anim calcmode="lin" valueType="num">
+                                      <p:cBhvr>
+                                        <p:cTn id="8" dur="1000" fill="hold"/>
+                                        <p:tgtEl>
+                                          <p:spTgt spid="19"/>
+                                        </p:tgtEl>
+                                        <p:attrNameLst>
+                                          <p:attrName>ppt_x</p:attrName>
+                                        </p:attrNameLst>
+                                      </p:cBhvr>
+                                      <p:tavLst>
+                                        <p:tav tm="0">
+                                          <p:val>
+                                            <p:strVal val="#ppt_x"/>
+                                          </p:val>
+                                        </p:tav>
+                                        <p:tav tm="100000">
+                                          <p:val>
+                                            <p:strVal val="#ppt_x"/>
+                                          </p:val>
+                                        </p:tav>
+                                      </p:tavLst>
+                                    </p:anim>
+                                    <p:anim calcmode="lin" valueType="num">
+                                      <p:cBhvr>
+                                        <p:cTn id="9" dur="1000" fill="hold"/>
+                                        <p:tgtEl>
+                                          <p:spTgt spid="19"/>
+                                        </p:tgtEl>
+                                        <p:attrNameLst>
+                                          <p:attrName>ppt_y</p:attrName>
+                                        </p:attrNameLst>
+                                      </p:cBhvr>
+                                      <p:tavLst>
+                                        <p:tav tm="0">
+                                          <p:val>
+                                            <p:strVal val="#ppt_y+.1"/>
+                                          </p:val>
+                                        </p:tav>
+                                        <p:tav tm="100000">
+                                          <p:val>
+                                            <p:strVal val="#ppt_y"/>
+                                          </p:val>
+                                        </p:tav>
+                                      </p:tavLst>
+                                    </p:anim>
+                                  </p:childTnLst>
+                                </p:cTn>
+                              </p:par>
+                            </p:childTnLst>
+                          </p:cTn>
+                        </p:par>
+                      </p:childTnLst>
+                    </p:cTn>
+                  </p:par>
+                </p:childTnLst>
+              </p:cTn>
+              <p:prevCondLst>
+                <p:cond evt="onPrev" delay="0">
+                  <p:tgtEl>
+                    <p:sldTgt/>
+                  </p:tgtEl>
+                </p:cond>
+              </p:prevCondLst>
+              <p:nextCondLst>
+                <p:cond evt="onNext" delay="0">
+                  <p:tgtEl>
+                    <p:sldTgt/>
+                  </p:tgtEl>
+                </p:cond>
+              </p:nextCondLst>
+            </p:seq>
+          </p:childTnLst>
+        </p:cTn>
+      </p:par>
+    </p:tnLst>
+    <p:bldLst>
+      <p:bldP spid="19" grpId="0" animBg="1"/>
+    </p:bldLst>
+  </p:timing>
+</p:sld>
+</file>
+
+<file path=ppt/slides/slide13.xml><?xml version="1.0" encoding="utf-8"?>
 <p:sld xmlns:a="http://schemas.openxmlformats.org/drawingml/2006/main" xmlns:r="http://schemas.openxmlformats.org/officeDocument/2006/relationships" xmlns:p="http://schemas.openxmlformats.org/presentationml/2006/main">
   <p:cSld>
     <p:spTree>
@@ -17388,7 +19288,7 @@
 </p:sld>
 </file>
 
-<file path=ppt/slides/slide13.xml><?xml version="1.0" encoding="utf-8"?>
+<file path=ppt/slides/slide14.xml><?xml version="1.0" encoding="utf-8"?>
 <p:sld xmlns:a="http://schemas.openxmlformats.org/drawingml/2006/main" xmlns:r="http://schemas.openxmlformats.org/officeDocument/2006/relationships" xmlns:p="http://schemas.openxmlformats.org/presentationml/2006/main">
   <p:cSld>
     <p:spTree>
@@ -18398,7 +20298,7 @@
 </p:sld>
 </file>
 
-<file path=ppt/slides/slide14.xml><?xml version="1.0" encoding="utf-8"?>
+<file path=ppt/slides/slide15.xml><?xml version="1.0" encoding="utf-8"?>
 <p:sld xmlns:a="http://schemas.openxmlformats.org/drawingml/2006/main" xmlns:r="http://schemas.openxmlformats.org/officeDocument/2006/relationships" xmlns:p="http://schemas.openxmlformats.org/presentationml/2006/main">
   <p:cSld>
     <p:spTree>
@@ -19276,7 +21176,7 @@
 </p:sld>
 </file>
 
-<file path=ppt/slides/slide15.xml><?xml version="1.0" encoding="utf-8"?>
+<file path=ppt/slides/slide16.xml><?xml version="1.0" encoding="utf-8"?>
 <p:sld xmlns:a="http://schemas.openxmlformats.org/drawingml/2006/main" xmlns:r="http://schemas.openxmlformats.org/officeDocument/2006/relationships" xmlns:p="http://schemas.openxmlformats.org/presentationml/2006/main">
   <p:cSld>
     <p:spTree>
@@ -20304,7 +22204,7 @@
 </p:sld>
 </file>
 
-<file path=ppt/slides/slide16.xml><?xml version="1.0" encoding="utf-8"?>
+<file path=ppt/slides/slide17.xml><?xml version="1.0" encoding="utf-8"?>
 <p:sld xmlns:a="http://schemas.openxmlformats.org/drawingml/2006/main" xmlns:r="http://schemas.openxmlformats.org/officeDocument/2006/relationships" xmlns:p="http://schemas.openxmlformats.org/presentationml/2006/main">
   <p:cSld>
     <p:spTree>
@@ -21179,7 +23079,7 @@
 </p:sld>
 </file>
 
-<file path=ppt/slides/slide17.xml><?xml version="1.0" encoding="utf-8"?>
+<file path=ppt/slides/slide18.xml><?xml version="1.0" encoding="utf-8"?>
 <p:sld xmlns:a="http://schemas.openxmlformats.org/drawingml/2006/main" xmlns:r="http://schemas.openxmlformats.org/officeDocument/2006/relationships" xmlns:p="http://schemas.openxmlformats.org/presentationml/2006/main">
   <p:cSld>
     <p:spTree>
@@ -22183,7 +24083,7 @@
 </p:sld>
 </file>
 
-<file path=ppt/slides/slide18.xml><?xml version="1.0" encoding="utf-8"?>
+<file path=ppt/slides/slide19.xml><?xml version="1.0" encoding="utf-8"?>
 <p:sld xmlns:a="http://schemas.openxmlformats.org/drawingml/2006/main" xmlns:r="http://schemas.openxmlformats.org/officeDocument/2006/relationships" xmlns:p="http://schemas.openxmlformats.org/presentationml/2006/main">
   <p:cSld>
     <p:spTree>
@@ -23058,7 +24958,629 @@
 </p:sld>
 </file>
 
-<file path=ppt/slides/slide19.xml><?xml version="1.0" encoding="utf-8"?>
+<file path=ppt/slides/slide2.xml><?xml version="1.0" encoding="utf-8"?>
+<p:sld xmlns:a="http://schemas.openxmlformats.org/drawingml/2006/main" xmlns:r="http://schemas.openxmlformats.org/officeDocument/2006/relationships" xmlns:p="http://schemas.openxmlformats.org/presentationml/2006/main">
+  <p:cSld>
+    <p:spTree>
+      <p:nvGrpSpPr>
+        <p:cNvPr id="1" name=""/>
+        <p:cNvGrpSpPr/>
+        <p:nvPr/>
+      </p:nvGrpSpPr>
+      <p:grpSpPr>
+        <a:xfrm>
+          <a:off x="0" y="0"/>
+          <a:ext cx="0" cy="0"/>
+          <a:chOff x="0" y="0"/>
+          <a:chExt cx="0" cy="0"/>
+        </a:xfrm>
+      </p:grpSpPr>
+      <p:pic>
+        <p:nvPicPr>
+          <p:cNvPr id="6" name="5 Imagen"/>
+          <p:cNvPicPr>
+            <a:picLocks noChangeAspect="1"/>
+          </p:cNvPicPr>
+          <p:nvPr/>
+        </p:nvPicPr>
+        <p:blipFill>
+          <a:blip r:embed="rId2">
+            <a:extLst>
+              <a:ext uri="{28A0092B-C50C-407E-A947-70E740481C1C}">
+                <a14:useLocalDpi xmlns:a14="http://schemas.microsoft.com/office/drawing/2010/main" val="0"/>
+              </a:ext>
+            </a:extLst>
+          </a:blip>
+          <a:stretch>
+            <a:fillRect/>
+          </a:stretch>
+        </p:blipFill>
+        <p:spPr>
+          <a:xfrm>
+            <a:off x="1" y="1"/>
+            <a:ext cx="9144000" cy="1340767"/>
+          </a:xfrm>
+          <a:prstGeom prst="rect">
+            <a:avLst/>
+          </a:prstGeom>
+        </p:spPr>
+      </p:pic>
+      <p:sp>
+        <p:nvSpPr>
+          <p:cNvPr id="7" name="6 Rectángulo redondeado"/>
+          <p:cNvSpPr/>
+          <p:nvPr/>
+        </p:nvSpPr>
+        <p:spPr>
+          <a:xfrm>
+            <a:off x="225416" y="1124744"/>
+            <a:ext cx="1728192" cy="432048"/>
+          </a:xfrm>
+          <a:prstGeom prst="roundRect">
+            <a:avLst/>
+          </a:prstGeom>
+        </p:spPr>
+        <p:style>
+          <a:lnRef idx="2">
+            <a:schemeClr val="accent5"/>
+          </a:lnRef>
+          <a:fillRef idx="1">
+            <a:schemeClr val="lt1"/>
+          </a:fillRef>
+          <a:effectRef idx="0">
+            <a:schemeClr val="accent5"/>
+          </a:effectRef>
+          <a:fontRef idx="minor">
+            <a:schemeClr val="dk1"/>
+          </a:fontRef>
+        </p:style>
+        <p:txBody>
+          <a:bodyPr rtlCol="0" anchor="ctr"/>
+          <a:lstStyle/>
+          <a:p>
+            <a:pPr algn="ctr"/>
+            <a:r>
+              <a:rPr lang="es-ES" b="1" i="1" dirty="0" smtClean="0">
+                <a:solidFill>
+                  <a:schemeClr val="accent5">
+                    <a:lumMod val="50000"/>
+                  </a:schemeClr>
+                </a:solidFill>
+              </a:rPr>
+              <a:t>Índice</a:t>
+            </a:r>
+            <a:endParaRPr lang="es-ES" b="1" i="1" dirty="0">
+              <a:solidFill>
+                <a:schemeClr val="accent5">
+                  <a:lumMod val="50000"/>
+                </a:schemeClr>
+              </a:solidFill>
+            </a:endParaRPr>
+          </a:p>
+        </p:txBody>
+      </p:sp>
+      <p:sp>
+        <p:nvSpPr>
+          <p:cNvPr id="3" name="2 Subtítulo"/>
+          <p:cNvSpPr>
+            <a:spLocks noGrp="1"/>
+          </p:cNvSpPr>
+          <p:nvPr>
+            <p:ph type="subTitle" idx="1"/>
+          </p:nvPr>
+        </p:nvSpPr>
+        <p:spPr>
+          <a:xfrm>
+            <a:off x="827584" y="1700808"/>
+            <a:ext cx="6696744" cy="4176464"/>
+          </a:xfrm>
+        </p:spPr>
+        <p:txBody>
+          <a:bodyPr>
+            <a:normAutofit fontScale="62500" lnSpcReduction="20000"/>
+          </a:bodyPr>
+          <a:lstStyle/>
+          <a:p>
+            <a:pPr marL="457200" indent="-457200" algn="l">
+              <a:buFont typeface="Courier New" pitchFamily="49" charset="0"/>
+              <a:buChar char="o"/>
+            </a:pPr>
+            <a:r>
+              <a:rPr lang="es-ES" dirty="0" smtClean="0">
+                <a:solidFill>
+                  <a:schemeClr val="accent5">
+                    <a:lumMod val="50000"/>
+                  </a:schemeClr>
+                </a:solidFill>
+                <a:latin typeface="Arial Narrow" pitchFamily="34" charset="0"/>
+              </a:rPr>
+              <a:t>Introducción</a:t>
+            </a:r>
+          </a:p>
+          <a:p>
+            <a:pPr marL="914400" lvl="1" indent="-457200" algn="l">
+              <a:buFont typeface="Arial" pitchFamily="34" charset="0"/>
+              <a:buChar char="•"/>
+            </a:pPr>
+            <a:r>
+              <a:rPr lang="es-ES" dirty="0" smtClean="0">
+                <a:latin typeface="Arial Narrow" pitchFamily="34" charset="0"/>
+              </a:rPr>
+              <a:t>Contexto y Motivación</a:t>
+            </a:r>
+          </a:p>
+          <a:p>
+            <a:pPr marL="914400" lvl="1" indent="-457200" algn="l">
+              <a:buFont typeface="Arial" pitchFamily="34" charset="0"/>
+              <a:buChar char="•"/>
+            </a:pPr>
+            <a:r>
+              <a:rPr lang="es-ES" dirty="0" smtClean="0">
+                <a:latin typeface="Arial Narrow" pitchFamily="34" charset="0"/>
+              </a:rPr>
+              <a:t>Objetivos</a:t>
+            </a:r>
+          </a:p>
+          <a:p>
+            <a:pPr marL="914400" lvl="1" indent="-457200" algn="l">
+              <a:buFont typeface="Arial" pitchFamily="34" charset="0"/>
+              <a:buChar char="•"/>
+            </a:pPr>
+            <a:r>
+              <a:rPr lang="es-ES" dirty="0" smtClean="0">
+                <a:latin typeface="Arial Narrow" pitchFamily="34" charset="0"/>
+              </a:rPr>
+              <a:t>Estado del Arte</a:t>
+            </a:r>
+            <a:r>
+              <a:rPr lang="es-ES" dirty="0">
+                <a:latin typeface="Arial Narrow" pitchFamily="34" charset="0"/>
+              </a:rPr>
+              <a:t>	</a:t>
+            </a:r>
+            <a:endParaRPr lang="es-ES" dirty="0" smtClean="0">
+              <a:latin typeface="Arial Narrow" pitchFamily="34" charset="0"/>
+            </a:endParaRPr>
+          </a:p>
+          <a:p>
+            <a:pPr marL="457200" indent="-457200" algn="l">
+              <a:buFont typeface="Courier New" pitchFamily="49" charset="0"/>
+              <a:buChar char="o"/>
+            </a:pPr>
+            <a:r>
+              <a:rPr lang="es-ES" dirty="0" smtClean="0">
+                <a:solidFill>
+                  <a:schemeClr val="accent5">
+                    <a:lumMod val="50000"/>
+                  </a:schemeClr>
+                </a:solidFill>
+                <a:latin typeface="Arial Narrow" pitchFamily="34" charset="0"/>
+              </a:rPr>
+              <a:t>Instrumentación</a:t>
+            </a:r>
+          </a:p>
+          <a:p>
+            <a:pPr marL="914400" lvl="1" indent="-457200" algn="l">
+              <a:buFont typeface="Arial" pitchFamily="34" charset="0"/>
+              <a:buChar char="•"/>
+            </a:pPr>
+            <a:r>
+              <a:rPr lang="es-ES" dirty="0" err="1" smtClean="0">
+                <a:latin typeface="Arial Narrow" pitchFamily="34" charset="0"/>
+              </a:rPr>
+              <a:t>Gait</a:t>
+            </a:r>
+            <a:r>
+              <a:rPr lang="es-ES" dirty="0" smtClean="0">
+                <a:latin typeface="Arial Narrow" pitchFamily="34" charset="0"/>
+              </a:rPr>
+              <a:t> </a:t>
+            </a:r>
+            <a:r>
+              <a:rPr lang="es-ES" dirty="0" err="1" smtClean="0">
+                <a:latin typeface="Arial Narrow" pitchFamily="34" charset="0"/>
+              </a:rPr>
+              <a:t>Watch</a:t>
+            </a:r>
+            <a:endParaRPr lang="es-ES" dirty="0" smtClean="0">
+              <a:latin typeface="Arial Narrow" pitchFamily="34" charset="0"/>
+            </a:endParaRPr>
+          </a:p>
+          <a:p>
+            <a:pPr marL="914400" lvl="1" indent="-457200" algn="l">
+              <a:buFont typeface="Arial" pitchFamily="34" charset="0"/>
+              <a:buChar char="•"/>
+            </a:pPr>
+            <a:r>
+              <a:rPr lang="es-ES" dirty="0" smtClean="0">
+                <a:latin typeface="Arial Narrow" pitchFamily="34" charset="0"/>
+              </a:rPr>
+              <a:t>Plataforma de fuerza</a:t>
+            </a:r>
+          </a:p>
+          <a:p>
+            <a:pPr marL="914400" lvl="1" indent="-457200" algn="l">
+              <a:buFont typeface="Arial" pitchFamily="34" charset="0"/>
+              <a:buChar char="•"/>
+            </a:pPr>
+            <a:r>
+              <a:rPr lang="es-ES" dirty="0" err="1" smtClean="0">
+                <a:latin typeface="Arial Narrow" pitchFamily="34" charset="0"/>
+              </a:rPr>
+              <a:t>Qualisys</a:t>
+            </a:r>
+            <a:r>
+              <a:rPr lang="es-ES" dirty="0" smtClean="0">
+                <a:latin typeface="Arial Narrow" pitchFamily="34" charset="0"/>
+              </a:rPr>
+              <a:t> </a:t>
+            </a:r>
+            <a:r>
+              <a:rPr lang="es-ES" dirty="0" err="1" smtClean="0">
+                <a:latin typeface="Arial Narrow" pitchFamily="34" charset="0"/>
+              </a:rPr>
+              <a:t>system</a:t>
+            </a:r>
+            <a:endParaRPr lang="es-ES" dirty="0" smtClean="0">
+              <a:latin typeface="Arial Narrow" pitchFamily="34" charset="0"/>
+            </a:endParaRPr>
+          </a:p>
+          <a:p>
+            <a:pPr marL="457200" indent="-457200" algn="l">
+              <a:buFont typeface="Courier New" pitchFamily="49" charset="0"/>
+              <a:buChar char="o"/>
+            </a:pPr>
+            <a:r>
+              <a:rPr lang="es-ES" dirty="0">
+                <a:solidFill>
+                  <a:schemeClr val="accent5">
+                    <a:lumMod val="50000"/>
+                  </a:schemeClr>
+                </a:solidFill>
+                <a:latin typeface="Arial Narrow" pitchFamily="34" charset="0"/>
+              </a:rPr>
+              <a:t>Procesamiento</a:t>
+            </a:r>
+          </a:p>
+          <a:p>
+            <a:pPr marL="914400" lvl="1" indent="-457200" algn="l">
+              <a:buFont typeface="Arial" pitchFamily="34" charset="0"/>
+              <a:buChar char="•"/>
+            </a:pPr>
+            <a:r>
+              <a:rPr lang="es-ES" dirty="0">
+                <a:latin typeface="Arial Narrow" pitchFamily="34" charset="0"/>
+              </a:rPr>
+              <a:t>GW vs FP</a:t>
+            </a:r>
+          </a:p>
+          <a:p>
+            <a:pPr marL="914400" lvl="1" indent="-457200" algn="l">
+              <a:buFont typeface="Arial" pitchFamily="34" charset="0"/>
+              <a:buChar char="•"/>
+            </a:pPr>
+            <a:r>
+              <a:rPr lang="es-ES" dirty="0">
+                <a:latin typeface="Arial Narrow" pitchFamily="34" charset="0"/>
+              </a:rPr>
+              <a:t>Clasificación señales de fuerza</a:t>
+            </a:r>
+          </a:p>
+          <a:p>
+            <a:pPr marL="914400" lvl="1" indent="-457200" algn="l">
+              <a:buFont typeface="Arial" pitchFamily="34" charset="0"/>
+              <a:buChar char="•"/>
+            </a:pPr>
+            <a:r>
+              <a:rPr lang="es-ES" dirty="0">
+                <a:latin typeface="Arial Narrow" pitchFamily="34" charset="0"/>
+              </a:rPr>
+              <a:t>GW vs QS</a:t>
+            </a:r>
+          </a:p>
+          <a:p>
+            <a:pPr marL="457200" indent="-457200" algn="l">
+              <a:buFont typeface="Courier New" pitchFamily="49" charset="0"/>
+              <a:buChar char="o"/>
+            </a:pPr>
+            <a:r>
+              <a:rPr lang="es-ES" dirty="0">
+                <a:solidFill>
+                  <a:schemeClr val="accent5">
+                    <a:lumMod val="50000"/>
+                  </a:schemeClr>
+                </a:solidFill>
+                <a:latin typeface="Arial Narrow" pitchFamily="34" charset="0"/>
+              </a:rPr>
+              <a:t>Aplicaciones</a:t>
+            </a:r>
+          </a:p>
+          <a:p>
+            <a:pPr marL="457200" indent="-457200" algn="l">
+              <a:buFont typeface="Courier New" pitchFamily="49" charset="0"/>
+              <a:buChar char="o"/>
+            </a:pPr>
+            <a:r>
+              <a:rPr lang="es-ES" dirty="0">
+                <a:solidFill>
+                  <a:schemeClr val="accent5">
+                    <a:lumMod val="50000"/>
+                  </a:schemeClr>
+                </a:solidFill>
+                <a:latin typeface="Arial Narrow" pitchFamily="34" charset="0"/>
+              </a:rPr>
+              <a:t>Conclusiones y trabajo futuro</a:t>
+            </a:r>
+          </a:p>
+          <a:p>
+            <a:pPr marL="914400" lvl="1" indent="-457200" algn="l">
+              <a:buFont typeface="Arial" pitchFamily="34" charset="0"/>
+              <a:buChar char="•"/>
+            </a:pPr>
+            <a:endParaRPr lang="es-ES" dirty="0" smtClean="0">
+              <a:latin typeface="Arial Narrow" pitchFamily="34" charset="0"/>
+            </a:endParaRPr>
+          </a:p>
+          <a:p>
+            <a:pPr marL="457200" indent="-457200">
+              <a:buFont typeface="Courier New" pitchFamily="49" charset="0"/>
+              <a:buChar char="o"/>
+            </a:pPr>
+            <a:endParaRPr lang="es-ES" dirty="0"/>
+          </a:p>
+        </p:txBody>
+      </p:sp>
+      <p:pic>
+        <p:nvPicPr>
+          <p:cNvPr id="1026" name="Picture 2"/>
+          <p:cNvPicPr>
+            <a:picLocks noChangeAspect="1" noChangeArrowheads="1"/>
+          </p:cNvPicPr>
+          <p:nvPr/>
+        </p:nvPicPr>
+        <p:blipFill>
+          <a:blip r:embed="rId3">
+            <a:extLst>
+              <a:ext uri="{28A0092B-C50C-407E-A947-70E740481C1C}">
+                <a14:useLocalDpi xmlns:a14="http://schemas.microsoft.com/office/drawing/2010/main" val="0"/>
+              </a:ext>
+            </a:extLst>
+          </a:blip>
+          <a:srcRect/>
+          <a:stretch>
+            <a:fillRect/>
+          </a:stretch>
+        </p:blipFill>
+        <p:spPr bwMode="auto">
+          <a:xfrm>
+            <a:off x="7210080" y="6025632"/>
+            <a:ext cx="1765996" cy="648072"/>
+          </a:xfrm>
+          <a:prstGeom prst="rect">
+            <a:avLst/>
+          </a:prstGeom>
+          <a:noFill/>
+          <a:ln>
+            <a:noFill/>
+          </a:ln>
+          <a:effectLst/>
+          <a:extLst>
+            <a:ext uri="{909E8E84-426E-40DD-AFC4-6F175D3DCCD1}">
+              <a14:hiddenFill xmlns:a14="http://schemas.microsoft.com/office/drawing/2010/main">
+                <a:solidFill>
+                  <a:schemeClr val="accent1"/>
+                </a:solidFill>
+              </a14:hiddenFill>
+            </a:ext>
+            <a:ext uri="{91240B29-F687-4F45-9708-019B960494DF}">
+              <a14:hiddenLine xmlns:a14="http://schemas.microsoft.com/office/drawing/2010/main" w="9525">
+                <a:solidFill>
+                  <a:schemeClr val="tx1"/>
+                </a:solidFill>
+                <a:miter lim="800000"/>
+                <a:headEnd/>
+                <a:tailEnd/>
+              </a14:hiddenLine>
+            </a:ext>
+            <a:ext uri="{AF507438-7753-43E0-B8FC-AC1667EBCBE1}">
+              <a14:hiddenEffects xmlns:a14="http://schemas.microsoft.com/office/drawing/2010/main">
+                <a:effectLst>
+                  <a:outerShdw dist="35921" dir="2700000" algn="ctr" rotWithShape="0">
+                    <a:schemeClr val="bg2"/>
+                  </a:outerShdw>
+                </a:effectLst>
+              </a14:hiddenEffects>
+            </a:ext>
+          </a:extLst>
+        </p:spPr>
+      </p:pic>
+      <p:sp>
+        <p:nvSpPr>
+          <p:cNvPr id="2" name="1 CuadroTexto"/>
+          <p:cNvSpPr txBox="1"/>
+          <p:nvPr/>
+        </p:nvSpPr>
+        <p:spPr>
+          <a:xfrm>
+            <a:off x="1331640" y="6365927"/>
+            <a:ext cx="5328592" cy="307777"/>
+          </a:xfrm>
+          <a:prstGeom prst="rect">
+            <a:avLst/>
+          </a:prstGeom>
+          <a:noFill/>
+        </p:spPr>
+        <p:txBody>
+          <a:bodyPr wrap="square" rtlCol="0">
+            <a:spAutoFit/>
+          </a:bodyPr>
+          <a:lstStyle/>
+          <a:p>
+            <a:r>
+              <a:rPr lang="es-ES" sz="1400" b="1" i="1" dirty="0" smtClean="0">
+                <a:solidFill>
+                  <a:schemeClr val="tx1">
+                    <a:lumMod val="50000"/>
+                    <a:lumOff val="50000"/>
+                  </a:schemeClr>
+                </a:solidFill>
+                <a:latin typeface="Arial Narrow" pitchFamily="34" charset="0"/>
+              </a:rPr>
+              <a:t>Comp. </a:t>
+            </a:r>
+            <a:r>
+              <a:rPr lang="es-ES" sz="1400" b="1" i="1" dirty="0" err="1" smtClean="0">
+                <a:solidFill>
+                  <a:schemeClr val="tx1">
+                    <a:lumMod val="50000"/>
+                    <a:lumOff val="50000"/>
+                  </a:schemeClr>
+                </a:solidFill>
+                <a:latin typeface="Arial Narrow" pitchFamily="34" charset="0"/>
+              </a:rPr>
+              <a:t>Posturographic</a:t>
+            </a:r>
+            <a:r>
+              <a:rPr lang="es-ES" sz="1400" b="1" i="1" dirty="0" smtClean="0">
+                <a:solidFill>
+                  <a:schemeClr val="tx1">
+                    <a:lumMod val="50000"/>
+                    <a:lumOff val="50000"/>
+                  </a:schemeClr>
+                </a:solidFill>
+                <a:latin typeface="Arial Narrow" pitchFamily="34" charset="0"/>
+              </a:rPr>
+              <a:t> </a:t>
+            </a:r>
+            <a:r>
+              <a:rPr lang="es-ES" sz="1400" b="1" i="1" dirty="0" err="1" smtClean="0">
+                <a:solidFill>
+                  <a:schemeClr val="tx1">
+                    <a:lumMod val="50000"/>
+                    <a:lumOff val="50000"/>
+                  </a:schemeClr>
+                </a:solidFill>
+                <a:latin typeface="Arial Narrow" pitchFamily="34" charset="0"/>
+              </a:rPr>
+              <a:t>Body-Swad</a:t>
+            </a:r>
+            <a:r>
+              <a:rPr lang="es-ES" sz="1400" b="1" i="1" dirty="0" smtClean="0">
+                <a:solidFill>
+                  <a:schemeClr val="tx1">
+                    <a:lumMod val="50000"/>
+                    <a:lumOff val="50000"/>
+                  </a:schemeClr>
+                </a:solidFill>
+                <a:latin typeface="Arial Narrow" pitchFamily="34" charset="0"/>
+              </a:rPr>
+              <a:t> </a:t>
+            </a:r>
+            <a:r>
+              <a:rPr lang="es-ES" sz="1400" b="1" i="1" dirty="0" err="1" smtClean="0">
+                <a:solidFill>
+                  <a:schemeClr val="tx1">
+                    <a:lumMod val="50000"/>
+                    <a:lumOff val="50000"/>
+                  </a:schemeClr>
+                </a:solidFill>
+                <a:latin typeface="Arial Narrow" pitchFamily="34" charset="0"/>
+              </a:rPr>
+              <a:t>measurements</a:t>
+            </a:r>
+            <a:r>
+              <a:rPr lang="es-ES" sz="1400" b="1" i="1" dirty="0" smtClean="0">
+                <a:solidFill>
+                  <a:schemeClr val="tx1">
+                    <a:lumMod val="50000"/>
+                    <a:lumOff val="50000"/>
+                  </a:schemeClr>
+                </a:solidFill>
+                <a:latin typeface="Arial Narrow" pitchFamily="34" charset="0"/>
+              </a:rPr>
+              <a:t> </a:t>
+            </a:r>
+            <a:r>
+              <a:rPr lang="es-ES" sz="1400" b="1" i="1" dirty="0" err="1" smtClean="0">
+                <a:solidFill>
+                  <a:schemeClr val="tx1">
+                    <a:lumMod val="50000"/>
+                    <a:lumOff val="50000"/>
+                  </a:schemeClr>
+                </a:solidFill>
+                <a:latin typeface="Arial Narrow" pitchFamily="34" charset="0"/>
+              </a:rPr>
+              <a:t>with</a:t>
+            </a:r>
+            <a:r>
+              <a:rPr lang="es-ES" sz="1400" b="1" i="1" dirty="0" smtClean="0">
+                <a:solidFill>
+                  <a:schemeClr val="tx1">
+                    <a:lumMod val="50000"/>
+                    <a:lumOff val="50000"/>
+                  </a:schemeClr>
+                </a:solidFill>
+                <a:latin typeface="Arial Narrow" pitchFamily="34" charset="0"/>
+              </a:rPr>
+              <a:t> </a:t>
+            </a:r>
+            <a:r>
+              <a:rPr lang="es-ES" sz="1400" b="1" i="1" dirty="0" err="1" smtClean="0">
+                <a:solidFill>
+                  <a:schemeClr val="tx1">
+                    <a:lumMod val="50000"/>
+                    <a:lumOff val="50000"/>
+                  </a:schemeClr>
+                </a:solidFill>
+                <a:latin typeface="Arial Narrow" pitchFamily="34" charset="0"/>
+              </a:rPr>
+              <a:t>Inertail</a:t>
+            </a:r>
+            <a:r>
+              <a:rPr lang="es-ES" sz="1400" b="1" i="1" dirty="0" smtClean="0">
+                <a:solidFill>
+                  <a:schemeClr val="tx1">
+                    <a:lumMod val="50000"/>
+                    <a:lumOff val="50000"/>
+                  </a:schemeClr>
+                </a:solidFill>
+                <a:latin typeface="Arial Narrow" pitchFamily="34" charset="0"/>
+              </a:rPr>
+              <a:t> data in PD</a:t>
+            </a:r>
+            <a:endParaRPr lang="es-ES" sz="1400" b="1" i="1" dirty="0">
+              <a:solidFill>
+                <a:schemeClr val="tx1">
+                  <a:lumMod val="50000"/>
+                  <a:lumOff val="50000"/>
+                </a:schemeClr>
+              </a:solidFill>
+              <a:latin typeface="Arial Narrow" pitchFamily="34" charset="0"/>
+            </a:endParaRPr>
+          </a:p>
+        </p:txBody>
+      </p:sp>
+    </p:spTree>
+    <p:extLst>
+      <p:ext uri="{BB962C8B-B14F-4D97-AF65-F5344CB8AC3E}">
+        <p14:creationId xmlns:p14="http://schemas.microsoft.com/office/powerpoint/2010/main" val="100719350"/>
+      </p:ext>
+    </p:extLst>
+  </p:cSld>
+  <p:clrMapOvr>
+    <a:masterClrMapping/>
+  </p:clrMapOvr>
+  <p:timing>
+    <p:tnLst>
+      <p:par>
+        <p:cTn id="1" dur="indefinite" restart="never" nodeType="tmRoot"/>
+      </p:par>
+    </p:tnLst>
+  </p:timing>
+</p:sld>
+</file>
+
+<file path=ppt/slides/slide20.xml><?xml version="1.0" encoding="utf-8"?>
 <p:sld xmlns:a="http://schemas.openxmlformats.org/drawingml/2006/main" xmlns:r="http://schemas.openxmlformats.org/officeDocument/2006/relationships" xmlns:p="http://schemas.openxmlformats.org/presentationml/2006/main">
   <p:cSld>
     <p:spTree>
@@ -23933,629 +26455,7 @@
 </p:sld>
 </file>
 
-<file path=ppt/slides/slide2.xml><?xml version="1.0" encoding="utf-8"?>
-<p:sld xmlns:a="http://schemas.openxmlformats.org/drawingml/2006/main" xmlns:r="http://schemas.openxmlformats.org/officeDocument/2006/relationships" xmlns:p="http://schemas.openxmlformats.org/presentationml/2006/main">
-  <p:cSld>
-    <p:spTree>
-      <p:nvGrpSpPr>
-        <p:cNvPr id="1" name=""/>
-        <p:cNvGrpSpPr/>
-        <p:nvPr/>
-      </p:nvGrpSpPr>
-      <p:grpSpPr>
-        <a:xfrm>
-          <a:off x="0" y="0"/>
-          <a:ext cx="0" cy="0"/>
-          <a:chOff x="0" y="0"/>
-          <a:chExt cx="0" cy="0"/>
-        </a:xfrm>
-      </p:grpSpPr>
-      <p:pic>
-        <p:nvPicPr>
-          <p:cNvPr id="6" name="5 Imagen"/>
-          <p:cNvPicPr>
-            <a:picLocks noChangeAspect="1"/>
-          </p:cNvPicPr>
-          <p:nvPr/>
-        </p:nvPicPr>
-        <p:blipFill>
-          <a:blip r:embed="rId2">
-            <a:extLst>
-              <a:ext uri="{28A0092B-C50C-407E-A947-70E740481C1C}">
-                <a14:useLocalDpi xmlns:a14="http://schemas.microsoft.com/office/drawing/2010/main" val="0"/>
-              </a:ext>
-            </a:extLst>
-          </a:blip>
-          <a:stretch>
-            <a:fillRect/>
-          </a:stretch>
-        </p:blipFill>
-        <p:spPr>
-          <a:xfrm>
-            <a:off x="1" y="1"/>
-            <a:ext cx="9144000" cy="1340767"/>
-          </a:xfrm>
-          <a:prstGeom prst="rect">
-            <a:avLst/>
-          </a:prstGeom>
-        </p:spPr>
-      </p:pic>
-      <p:sp>
-        <p:nvSpPr>
-          <p:cNvPr id="7" name="6 Rectángulo redondeado"/>
-          <p:cNvSpPr/>
-          <p:nvPr/>
-        </p:nvSpPr>
-        <p:spPr>
-          <a:xfrm>
-            <a:off x="225416" y="1124744"/>
-            <a:ext cx="1728192" cy="432048"/>
-          </a:xfrm>
-          <a:prstGeom prst="roundRect">
-            <a:avLst/>
-          </a:prstGeom>
-        </p:spPr>
-        <p:style>
-          <a:lnRef idx="2">
-            <a:schemeClr val="accent5"/>
-          </a:lnRef>
-          <a:fillRef idx="1">
-            <a:schemeClr val="lt1"/>
-          </a:fillRef>
-          <a:effectRef idx="0">
-            <a:schemeClr val="accent5"/>
-          </a:effectRef>
-          <a:fontRef idx="minor">
-            <a:schemeClr val="dk1"/>
-          </a:fontRef>
-        </p:style>
-        <p:txBody>
-          <a:bodyPr rtlCol="0" anchor="ctr"/>
-          <a:lstStyle/>
-          <a:p>
-            <a:pPr algn="ctr"/>
-            <a:r>
-              <a:rPr lang="es-ES" b="1" i="1" dirty="0" smtClean="0">
-                <a:solidFill>
-                  <a:schemeClr val="accent5">
-                    <a:lumMod val="50000"/>
-                  </a:schemeClr>
-                </a:solidFill>
-              </a:rPr>
-              <a:t>Índice</a:t>
-            </a:r>
-            <a:endParaRPr lang="es-ES" b="1" i="1" dirty="0">
-              <a:solidFill>
-                <a:schemeClr val="accent5">
-                  <a:lumMod val="50000"/>
-                </a:schemeClr>
-              </a:solidFill>
-            </a:endParaRPr>
-          </a:p>
-        </p:txBody>
-      </p:sp>
-      <p:sp>
-        <p:nvSpPr>
-          <p:cNvPr id="3" name="2 Subtítulo"/>
-          <p:cNvSpPr>
-            <a:spLocks noGrp="1"/>
-          </p:cNvSpPr>
-          <p:nvPr>
-            <p:ph type="subTitle" idx="1"/>
-          </p:nvPr>
-        </p:nvSpPr>
-        <p:spPr>
-          <a:xfrm>
-            <a:off x="827584" y="1700808"/>
-            <a:ext cx="6696744" cy="4176464"/>
-          </a:xfrm>
-        </p:spPr>
-        <p:txBody>
-          <a:bodyPr>
-            <a:normAutofit fontScale="62500" lnSpcReduction="20000"/>
-          </a:bodyPr>
-          <a:lstStyle/>
-          <a:p>
-            <a:pPr marL="457200" indent="-457200" algn="l">
-              <a:buFont typeface="Courier New" pitchFamily="49" charset="0"/>
-              <a:buChar char="o"/>
-            </a:pPr>
-            <a:r>
-              <a:rPr lang="es-ES" dirty="0" smtClean="0">
-                <a:solidFill>
-                  <a:schemeClr val="accent5">
-                    <a:lumMod val="50000"/>
-                  </a:schemeClr>
-                </a:solidFill>
-                <a:latin typeface="Arial Narrow" pitchFamily="34" charset="0"/>
-              </a:rPr>
-              <a:t>Introducción</a:t>
-            </a:r>
-          </a:p>
-          <a:p>
-            <a:pPr marL="914400" lvl="1" indent="-457200" algn="l">
-              <a:buFont typeface="Arial" pitchFamily="34" charset="0"/>
-              <a:buChar char="•"/>
-            </a:pPr>
-            <a:r>
-              <a:rPr lang="es-ES" dirty="0" smtClean="0">
-                <a:latin typeface="Arial Narrow" pitchFamily="34" charset="0"/>
-              </a:rPr>
-              <a:t>Contexto y Motivación</a:t>
-            </a:r>
-          </a:p>
-          <a:p>
-            <a:pPr marL="914400" lvl="1" indent="-457200" algn="l">
-              <a:buFont typeface="Arial" pitchFamily="34" charset="0"/>
-              <a:buChar char="•"/>
-            </a:pPr>
-            <a:r>
-              <a:rPr lang="es-ES" dirty="0" smtClean="0">
-                <a:latin typeface="Arial Narrow" pitchFamily="34" charset="0"/>
-              </a:rPr>
-              <a:t>Objetivos</a:t>
-            </a:r>
-          </a:p>
-          <a:p>
-            <a:pPr marL="914400" lvl="1" indent="-457200" algn="l">
-              <a:buFont typeface="Arial" pitchFamily="34" charset="0"/>
-              <a:buChar char="•"/>
-            </a:pPr>
-            <a:r>
-              <a:rPr lang="es-ES" dirty="0" smtClean="0">
-                <a:latin typeface="Arial Narrow" pitchFamily="34" charset="0"/>
-              </a:rPr>
-              <a:t>Estado del Arte</a:t>
-            </a:r>
-            <a:r>
-              <a:rPr lang="es-ES" dirty="0">
-                <a:latin typeface="Arial Narrow" pitchFamily="34" charset="0"/>
-              </a:rPr>
-              <a:t>	</a:t>
-            </a:r>
-            <a:endParaRPr lang="es-ES" dirty="0" smtClean="0">
-              <a:latin typeface="Arial Narrow" pitchFamily="34" charset="0"/>
-            </a:endParaRPr>
-          </a:p>
-          <a:p>
-            <a:pPr marL="457200" indent="-457200" algn="l">
-              <a:buFont typeface="Courier New" pitchFamily="49" charset="0"/>
-              <a:buChar char="o"/>
-            </a:pPr>
-            <a:r>
-              <a:rPr lang="es-ES" dirty="0" smtClean="0">
-                <a:solidFill>
-                  <a:schemeClr val="accent5">
-                    <a:lumMod val="50000"/>
-                  </a:schemeClr>
-                </a:solidFill>
-                <a:latin typeface="Arial Narrow" pitchFamily="34" charset="0"/>
-              </a:rPr>
-              <a:t>Instrumentación</a:t>
-            </a:r>
-          </a:p>
-          <a:p>
-            <a:pPr marL="914400" lvl="1" indent="-457200" algn="l">
-              <a:buFont typeface="Arial" pitchFamily="34" charset="0"/>
-              <a:buChar char="•"/>
-            </a:pPr>
-            <a:r>
-              <a:rPr lang="es-ES" dirty="0" err="1" smtClean="0">
-                <a:latin typeface="Arial Narrow" pitchFamily="34" charset="0"/>
-              </a:rPr>
-              <a:t>Gait</a:t>
-            </a:r>
-            <a:r>
-              <a:rPr lang="es-ES" dirty="0" smtClean="0">
-                <a:latin typeface="Arial Narrow" pitchFamily="34" charset="0"/>
-              </a:rPr>
-              <a:t> </a:t>
-            </a:r>
-            <a:r>
-              <a:rPr lang="es-ES" dirty="0" err="1" smtClean="0">
-                <a:latin typeface="Arial Narrow" pitchFamily="34" charset="0"/>
-              </a:rPr>
-              <a:t>Watch</a:t>
-            </a:r>
-            <a:endParaRPr lang="es-ES" dirty="0" smtClean="0">
-              <a:latin typeface="Arial Narrow" pitchFamily="34" charset="0"/>
-            </a:endParaRPr>
-          </a:p>
-          <a:p>
-            <a:pPr marL="914400" lvl="1" indent="-457200" algn="l">
-              <a:buFont typeface="Arial" pitchFamily="34" charset="0"/>
-              <a:buChar char="•"/>
-            </a:pPr>
-            <a:r>
-              <a:rPr lang="es-ES" dirty="0" smtClean="0">
-                <a:latin typeface="Arial Narrow" pitchFamily="34" charset="0"/>
-              </a:rPr>
-              <a:t>Plataforma de fuerza</a:t>
-            </a:r>
-          </a:p>
-          <a:p>
-            <a:pPr marL="914400" lvl="1" indent="-457200" algn="l">
-              <a:buFont typeface="Arial" pitchFamily="34" charset="0"/>
-              <a:buChar char="•"/>
-            </a:pPr>
-            <a:r>
-              <a:rPr lang="es-ES" dirty="0" err="1" smtClean="0">
-                <a:latin typeface="Arial Narrow" pitchFamily="34" charset="0"/>
-              </a:rPr>
-              <a:t>Qualisys</a:t>
-            </a:r>
-            <a:r>
-              <a:rPr lang="es-ES" dirty="0" smtClean="0">
-                <a:latin typeface="Arial Narrow" pitchFamily="34" charset="0"/>
-              </a:rPr>
-              <a:t> </a:t>
-            </a:r>
-            <a:r>
-              <a:rPr lang="es-ES" dirty="0" err="1" smtClean="0">
-                <a:latin typeface="Arial Narrow" pitchFamily="34" charset="0"/>
-              </a:rPr>
-              <a:t>system</a:t>
-            </a:r>
-            <a:endParaRPr lang="es-ES" dirty="0" smtClean="0">
-              <a:latin typeface="Arial Narrow" pitchFamily="34" charset="0"/>
-            </a:endParaRPr>
-          </a:p>
-          <a:p>
-            <a:pPr marL="457200" indent="-457200" algn="l">
-              <a:buFont typeface="Courier New" pitchFamily="49" charset="0"/>
-              <a:buChar char="o"/>
-            </a:pPr>
-            <a:r>
-              <a:rPr lang="es-ES" dirty="0">
-                <a:solidFill>
-                  <a:schemeClr val="accent5">
-                    <a:lumMod val="50000"/>
-                  </a:schemeClr>
-                </a:solidFill>
-                <a:latin typeface="Arial Narrow" pitchFamily="34" charset="0"/>
-              </a:rPr>
-              <a:t>Procesamiento</a:t>
-            </a:r>
-          </a:p>
-          <a:p>
-            <a:pPr marL="914400" lvl="1" indent="-457200" algn="l">
-              <a:buFont typeface="Arial" pitchFamily="34" charset="0"/>
-              <a:buChar char="•"/>
-            </a:pPr>
-            <a:r>
-              <a:rPr lang="es-ES" dirty="0">
-                <a:latin typeface="Arial Narrow" pitchFamily="34" charset="0"/>
-              </a:rPr>
-              <a:t>GW vs FP</a:t>
-            </a:r>
-          </a:p>
-          <a:p>
-            <a:pPr marL="914400" lvl="1" indent="-457200" algn="l">
-              <a:buFont typeface="Arial" pitchFamily="34" charset="0"/>
-              <a:buChar char="•"/>
-            </a:pPr>
-            <a:r>
-              <a:rPr lang="es-ES" dirty="0">
-                <a:latin typeface="Arial Narrow" pitchFamily="34" charset="0"/>
-              </a:rPr>
-              <a:t>Clasificación señales de fuerza</a:t>
-            </a:r>
-          </a:p>
-          <a:p>
-            <a:pPr marL="914400" lvl="1" indent="-457200" algn="l">
-              <a:buFont typeface="Arial" pitchFamily="34" charset="0"/>
-              <a:buChar char="•"/>
-            </a:pPr>
-            <a:r>
-              <a:rPr lang="es-ES" dirty="0">
-                <a:latin typeface="Arial Narrow" pitchFamily="34" charset="0"/>
-              </a:rPr>
-              <a:t>GW vs QS</a:t>
-            </a:r>
-          </a:p>
-          <a:p>
-            <a:pPr marL="457200" indent="-457200" algn="l">
-              <a:buFont typeface="Courier New" pitchFamily="49" charset="0"/>
-              <a:buChar char="o"/>
-            </a:pPr>
-            <a:r>
-              <a:rPr lang="es-ES" dirty="0">
-                <a:solidFill>
-                  <a:schemeClr val="accent5">
-                    <a:lumMod val="50000"/>
-                  </a:schemeClr>
-                </a:solidFill>
-                <a:latin typeface="Arial Narrow" pitchFamily="34" charset="0"/>
-              </a:rPr>
-              <a:t>Aplicaciones</a:t>
-            </a:r>
-          </a:p>
-          <a:p>
-            <a:pPr marL="457200" indent="-457200" algn="l">
-              <a:buFont typeface="Courier New" pitchFamily="49" charset="0"/>
-              <a:buChar char="o"/>
-            </a:pPr>
-            <a:r>
-              <a:rPr lang="es-ES" dirty="0">
-                <a:solidFill>
-                  <a:schemeClr val="accent5">
-                    <a:lumMod val="50000"/>
-                  </a:schemeClr>
-                </a:solidFill>
-                <a:latin typeface="Arial Narrow" pitchFamily="34" charset="0"/>
-              </a:rPr>
-              <a:t>Conclusiones y trabajo futuro</a:t>
-            </a:r>
-          </a:p>
-          <a:p>
-            <a:pPr marL="914400" lvl="1" indent="-457200" algn="l">
-              <a:buFont typeface="Arial" pitchFamily="34" charset="0"/>
-              <a:buChar char="•"/>
-            </a:pPr>
-            <a:endParaRPr lang="es-ES" dirty="0" smtClean="0">
-              <a:latin typeface="Arial Narrow" pitchFamily="34" charset="0"/>
-            </a:endParaRPr>
-          </a:p>
-          <a:p>
-            <a:pPr marL="457200" indent="-457200">
-              <a:buFont typeface="Courier New" pitchFamily="49" charset="0"/>
-              <a:buChar char="o"/>
-            </a:pPr>
-            <a:endParaRPr lang="es-ES" dirty="0"/>
-          </a:p>
-        </p:txBody>
-      </p:sp>
-      <p:pic>
-        <p:nvPicPr>
-          <p:cNvPr id="1026" name="Picture 2"/>
-          <p:cNvPicPr>
-            <a:picLocks noChangeAspect="1" noChangeArrowheads="1"/>
-          </p:cNvPicPr>
-          <p:nvPr/>
-        </p:nvPicPr>
-        <p:blipFill>
-          <a:blip r:embed="rId3">
-            <a:extLst>
-              <a:ext uri="{28A0092B-C50C-407E-A947-70E740481C1C}">
-                <a14:useLocalDpi xmlns:a14="http://schemas.microsoft.com/office/drawing/2010/main" val="0"/>
-              </a:ext>
-            </a:extLst>
-          </a:blip>
-          <a:srcRect/>
-          <a:stretch>
-            <a:fillRect/>
-          </a:stretch>
-        </p:blipFill>
-        <p:spPr bwMode="auto">
-          <a:xfrm>
-            <a:off x="7210080" y="6025632"/>
-            <a:ext cx="1765996" cy="648072"/>
-          </a:xfrm>
-          <a:prstGeom prst="rect">
-            <a:avLst/>
-          </a:prstGeom>
-          <a:noFill/>
-          <a:ln>
-            <a:noFill/>
-          </a:ln>
-          <a:effectLst/>
-          <a:extLst>
-            <a:ext uri="{909E8E84-426E-40DD-AFC4-6F175D3DCCD1}">
-              <a14:hiddenFill xmlns:a14="http://schemas.microsoft.com/office/drawing/2010/main">
-                <a:solidFill>
-                  <a:schemeClr val="accent1"/>
-                </a:solidFill>
-              </a14:hiddenFill>
-            </a:ext>
-            <a:ext uri="{91240B29-F687-4F45-9708-019B960494DF}">
-              <a14:hiddenLine xmlns:a14="http://schemas.microsoft.com/office/drawing/2010/main" w="9525">
-                <a:solidFill>
-                  <a:schemeClr val="tx1"/>
-                </a:solidFill>
-                <a:miter lim="800000"/>
-                <a:headEnd/>
-                <a:tailEnd/>
-              </a14:hiddenLine>
-            </a:ext>
-            <a:ext uri="{AF507438-7753-43E0-B8FC-AC1667EBCBE1}">
-              <a14:hiddenEffects xmlns:a14="http://schemas.microsoft.com/office/drawing/2010/main">
-                <a:effectLst>
-                  <a:outerShdw dist="35921" dir="2700000" algn="ctr" rotWithShape="0">
-                    <a:schemeClr val="bg2"/>
-                  </a:outerShdw>
-                </a:effectLst>
-              </a14:hiddenEffects>
-            </a:ext>
-          </a:extLst>
-        </p:spPr>
-      </p:pic>
-      <p:sp>
-        <p:nvSpPr>
-          <p:cNvPr id="2" name="1 CuadroTexto"/>
-          <p:cNvSpPr txBox="1"/>
-          <p:nvPr/>
-        </p:nvSpPr>
-        <p:spPr>
-          <a:xfrm>
-            <a:off x="1331640" y="6365927"/>
-            <a:ext cx="5328592" cy="307777"/>
-          </a:xfrm>
-          <a:prstGeom prst="rect">
-            <a:avLst/>
-          </a:prstGeom>
-          <a:noFill/>
-        </p:spPr>
-        <p:txBody>
-          <a:bodyPr wrap="square" rtlCol="0">
-            <a:spAutoFit/>
-          </a:bodyPr>
-          <a:lstStyle/>
-          <a:p>
-            <a:r>
-              <a:rPr lang="es-ES" sz="1400" b="1" i="1" dirty="0" smtClean="0">
-                <a:solidFill>
-                  <a:schemeClr val="tx1">
-                    <a:lumMod val="50000"/>
-                    <a:lumOff val="50000"/>
-                  </a:schemeClr>
-                </a:solidFill>
-                <a:latin typeface="Arial Narrow" pitchFamily="34" charset="0"/>
-              </a:rPr>
-              <a:t>Comp. </a:t>
-            </a:r>
-            <a:r>
-              <a:rPr lang="es-ES" sz="1400" b="1" i="1" dirty="0" err="1" smtClean="0">
-                <a:solidFill>
-                  <a:schemeClr val="tx1">
-                    <a:lumMod val="50000"/>
-                    <a:lumOff val="50000"/>
-                  </a:schemeClr>
-                </a:solidFill>
-                <a:latin typeface="Arial Narrow" pitchFamily="34" charset="0"/>
-              </a:rPr>
-              <a:t>Posturographic</a:t>
-            </a:r>
-            <a:r>
-              <a:rPr lang="es-ES" sz="1400" b="1" i="1" dirty="0" smtClean="0">
-                <a:solidFill>
-                  <a:schemeClr val="tx1">
-                    <a:lumMod val="50000"/>
-                    <a:lumOff val="50000"/>
-                  </a:schemeClr>
-                </a:solidFill>
-                <a:latin typeface="Arial Narrow" pitchFamily="34" charset="0"/>
-              </a:rPr>
-              <a:t> </a:t>
-            </a:r>
-            <a:r>
-              <a:rPr lang="es-ES" sz="1400" b="1" i="1" dirty="0" err="1" smtClean="0">
-                <a:solidFill>
-                  <a:schemeClr val="tx1">
-                    <a:lumMod val="50000"/>
-                    <a:lumOff val="50000"/>
-                  </a:schemeClr>
-                </a:solidFill>
-                <a:latin typeface="Arial Narrow" pitchFamily="34" charset="0"/>
-              </a:rPr>
-              <a:t>Body-Swad</a:t>
-            </a:r>
-            <a:r>
-              <a:rPr lang="es-ES" sz="1400" b="1" i="1" dirty="0" smtClean="0">
-                <a:solidFill>
-                  <a:schemeClr val="tx1">
-                    <a:lumMod val="50000"/>
-                    <a:lumOff val="50000"/>
-                  </a:schemeClr>
-                </a:solidFill>
-                <a:latin typeface="Arial Narrow" pitchFamily="34" charset="0"/>
-              </a:rPr>
-              <a:t> </a:t>
-            </a:r>
-            <a:r>
-              <a:rPr lang="es-ES" sz="1400" b="1" i="1" dirty="0" err="1" smtClean="0">
-                <a:solidFill>
-                  <a:schemeClr val="tx1">
-                    <a:lumMod val="50000"/>
-                    <a:lumOff val="50000"/>
-                  </a:schemeClr>
-                </a:solidFill>
-                <a:latin typeface="Arial Narrow" pitchFamily="34" charset="0"/>
-              </a:rPr>
-              <a:t>measurements</a:t>
-            </a:r>
-            <a:r>
-              <a:rPr lang="es-ES" sz="1400" b="1" i="1" dirty="0" smtClean="0">
-                <a:solidFill>
-                  <a:schemeClr val="tx1">
-                    <a:lumMod val="50000"/>
-                    <a:lumOff val="50000"/>
-                  </a:schemeClr>
-                </a:solidFill>
-                <a:latin typeface="Arial Narrow" pitchFamily="34" charset="0"/>
-              </a:rPr>
-              <a:t> </a:t>
-            </a:r>
-            <a:r>
-              <a:rPr lang="es-ES" sz="1400" b="1" i="1" dirty="0" err="1" smtClean="0">
-                <a:solidFill>
-                  <a:schemeClr val="tx1">
-                    <a:lumMod val="50000"/>
-                    <a:lumOff val="50000"/>
-                  </a:schemeClr>
-                </a:solidFill>
-                <a:latin typeface="Arial Narrow" pitchFamily="34" charset="0"/>
-              </a:rPr>
-              <a:t>with</a:t>
-            </a:r>
-            <a:r>
-              <a:rPr lang="es-ES" sz="1400" b="1" i="1" dirty="0" smtClean="0">
-                <a:solidFill>
-                  <a:schemeClr val="tx1">
-                    <a:lumMod val="50000"/>
-                    <a:lumOff val="50000"/>
-                  </a:schemeClr>
-                </a:solidFill>
-                <a:latin typeface="Arial Narrow" pitchFamily="34" charset="0"/>
-              </a:rPr>
-              <a:t> </a:t>
-            </a:r>
-            <a:r>
-              <a:rPr lang="es-ES" sz="1400" b="1" i="1" dirty="0" err="1" smtClean="0">
-                <a:solidFill>
-                  <a:schemeClr val="tx1">
-                    <a:lumMod val="50000"/>
-                    <a:lumOff val="50000"/>
-                  </a:schemeClr>
-                </a:solidFill>
-                <a:latin typeface="Arial Narrow" pitchFamily="34" charset="0"/>
-              </a:rPr>
-              <a:t>Inertail</a:t>
-            </a:r>
-            <a:r>
-              <a:rPr lang="es-ES" sz="1400" b="1" i="1" dirty="0" smtClean="0">
-                <a:solidFill>
-                  <a:schemeClr val="tx1">
-                    <a:lumMod val="50000"/>
-                    <a:lumOff val="50000"/>
-                  </a:schemeClr>
-                </a:solidFill>
-                <a:latin typeface="Arial Narrow" pitchFamily="34" charset="0"/>
-              </a:rPr>
-              <a:t> data in PD</a:t>
-            </a:r>
-            <a:endParaRPr lang="es-ES" sz="1400" b="1" i="1" dirty="0">
-              <a:solidFill>
-                <a:schemeClr val="tx1">
-                  <a:lumMod val="50000"/>
-                  <a:lumOff val="50000"/>
-                </a:schemeClr>
-              </a:solidFill>
-              <a:latin typeface="Arial Narrow" pitchFamily="34" charset="0"/>
-            </a:endParaRPr>
-          </a:p>
-        </p:txBody>
-      </p:sp>
-    </p:spTree>
-    <p:extLst>
-      <p:ext uri="{BB962C8B-B14F-4D97-AF65-F5344CB8AC3E}">
-        <p14:creationId xmlns:p14="http://schemas.microsoft.com/office/powerpoint/2010/main" val="100719350"/>
-      </p:ext>
-    </p:extLst>
-  </p:cSld>
-  <p:clrMapOvr>
-    <a:masterClrMapping/>
-  </p:clrMapOvr>
-  <p:timing>
-    <p:tnLst>
-      <p:par>
-        <p:cTn id="1" dur="indefinite" restart="never" nodeType="tmRoot"/>
-      </p:par>
-    </p:tnLst>
-  </p:timing>
-</p:sld>
-</file>
-
-<file path=ppt/slides/slide20.xml><?xml version="1.0" encoding="utf-8"?>
+<file path=ppt/slides/slide21.xml><?xml version="1.0" encoding="utf-8"?>
 <p:sld xmlns:a="http://schemas.openxmlformats.org/drawingml/2006/main" xmlns:r="http://schemas.openxmlformats.org/officeDocument/2006/relationships" xmlns:p="http://schemas.openxmlformats.org/presentationml/2006/main">
   <p:cSld>
     <p:spTree>
@@ -25430,7 +27330,7 @@
 </p:sld>
 </file>
 
-<file path=ppt/slides/slide21.xml><?xml version="1.0" encoding="utf-8"?>
+<file path=ppt/slides/slide22.xml><?xml version="1.0" encoding="utf-8"?>
 <p:sld xmlns:a="http://schemas.openxmlformats.org/drawingml/2006/main" xmlns:r="http://schemas.openxmlformats.org/officeDocument/2006/relationships" xmlns:p="http://schemas.openxmlformats.org/presentationml/2006/main">
   <p:cSld>
     <p:spTree>
@@ -26437,7 +28337,7 @@
 </p:sld>
 </file>
 
-<file path=ppt/slides/slide22.xml><?xml version="1.0" encoding="utf-8"?>
+<file path=ppt/slides/slide23.xml><?xml version="1.0" encoding="utf-8"?>
 <p:sld xmlns:a="http://schemas.openxmlformats.org/drawingml/2006/main" xmlns:r="http://schemas.openxmlformats.org/officeDocument/2006/relationships" xmlns:p="http://schemas.openxmlformats.org/presentationml/2006/main">
   <p:cSld>
     <p:spTree>
@@ -27367,7 +29267,7 @@
 </p:sld>
 </file>
 
-<file path=ppt/slides/slide23.xml><?xml version="1.0" encoding="utf-8"?>
+<file path=ppt/slides/slide24.xml><?xml version="1.0" encoding="utf-8"?>
 <p:sld xmlns:a="http://schemas.openxmlformats.org/drawingml/2006/main" xmlns:r="http://schemas.openxmlformats.org/officeDocument/2006/relationships" xmlns:p="http://schemas.openxmlformats.org/presentationml/2006/main">
   <p:cSld>
     <p:spTree>
@@ -28260,7 +30160,7 @@
 </p:sld>
 </file>
 
-<file path=ppt/slides/slide24.xml><?xml version="1.0" encoding="utf-8"?>
+<file path=ppt/slides/slide25.xml><?xml version="1.0" encoding="utf-8"?>
 <p:sld xmlns:a="http://schemas.openxmlformats.org/drawingml/2006/main" xmlns:r="http://schemas.openxmlformats.org/officeDocument/2006/relationships" xmlns:p="http://schemas.openxmlformats.org/presentationml/2006/main">
   <p:cSld>
     <p:spTree>
@@ -29153,675 +31053,6 @@
 </p:sld>
 </file>
 
-<file path=ppt/slides/slide25.xml><?xml version="1.0" encoding="utf-8"?>
-<p:sld xmlns:a="http://schemas.openxmlformats.org/drawingml/2006/main" xmlns:r="http://schemas.openxmlformats.org/officeDocument/2006/relationships" xmlns:p="http://schemas.openxmlformats.org/presentationml/2006/main">
-  <p:cSld>
-    <p:spTree>
-      <p:nvGrpSpPr>
-        <p:cNvPr id="1" name=""/>
-        <p:cNvGrpSpPr/>
-        <p:nvPr/>
-      </p:nvGrpSpPr>
-      <p:grpSpPr>
-        <a:xfrm>
-          <a:off x="0" y="0"/>
-          <a:ext cx="0" cy="0"/>
-          <a:chOff x="0" y="0"/>
-          <a:chExt cx="0" cy="0"/>
-        </a:xfrm>
-      </p:grpSpPr>
-      <p:pic>
-        <p:nvPicPr>
-          <p:cNvPr id="6" name="5 Imagen"/>
-          <p:cNvPicPr>
-            <a:picLocks noChangeAspect="1"/>
-          </p:cNvPicPr>
-          <p:nvPr/>
-        </p:nvPicPr>
-        <p:blipFill>
-          <a:blip r:embed="rId2">
-            <a:extLst>
-              <a:ext uri="{28A0092B-C50C-407E-A947-70E740481C1C}">
-                <a14:useLocalDpi xmlns:a14="http://schemas.microsoft.com/office/drawing/2010/main" val="0"/>
-              </a:ext>
-            </a:extLst>
-          </a:blip>
-          <a:stretch>
-            <a:fillRect/>
-          </a:stretch>
-        </p:blipFill>
-        <p:spPr>
-          <a:xfrm>
-            <a:off x="1" y="1"/>
-            <a:ext cx="9144000" cy="1340767"/>
-          </a:xfrm>
-          <a:prstGeom prst="rect">
-            <a:avLst/>
-          </a:prstGeom>
-        </p:spPr>
-      </p:pic>
-      <p:sp>
-        <p:nvSpPr>
-          <p:cNvPr id="7" name="6 Rectángulo redondeado"/>
-          <p:cNvSpPr/>
-          <p:nvPr/>
-        </p:nvSpPr>
-        <p:spPr>
-          <a:xfrm>
-            <a:off x="225416" y="1124744"/>
-            <a:ext cx="1728192" cy="432048"/>
-          </a:xfrm>
-          <a:prstGeom prst="roundRect">
-            <a:avLst/>
-          </a:prstGeom>
-        </p:spPr>
-        <p:style>
-          <a:lnRef idx="2">
-            <a:schemeClr val="accent5"/>
-          </a:lnRef>
-          <a:fillRef idx="1">
-            <a:schemeClr val="lt1"/>
-          </a:fillRef>
-          <a:effectRef idx="0">
-            <a:schemeClr val="accent5"/>
-          </a:effectRef>
-          <a:fontRef idx="minor">
-            <a:schemeClr val="dk1"/>
-          </a:fontRef>
-        </p:style>
-        <p:txBody>
-          <a:bodyPr rtlCol="0" anchor="ctr"/>
-          <a:lstStyle/>
-          <a:p>
-            <a:pPr algn="ctr"/>
-            <a:r>
-              <a:rPr lang="es-ES" sz="1600" i="1" dirty="0" smtClean="0">
-                <a:solidFill>
-                  <a:schemeClr val="accent5">
-                    <a:lumMod val="50000"/>
-                  </a:schemeClr>
-                </a:solidFill>
-              </a:rPr>
-              <a:t>Introducción</a:t>
-            </a:r>
-            <a:endParaRPr lang="es-ES" sz="1600" i="1" dirty="0">
-              <a:solidFill>
-                <a:schemeClr val="accent5">
-                  <a:lumMod val="50000"/>
-                </a:schemeClr>
-              </a:solidFill>
-            </a:endParaRPr>
-          </a:p>
-        </p:txBody>
-      </p:sp>
-      <p:sp>
-        <p:nvSpPr>
-          <p:cNvPr id="17" name="16 Rectángulo redondeado"/>
-          <p:cNvSpPr/>
-          <p:nvPr/>
-        </p:nvSpPr>
-        <p:spPr>
-          <a:xfrm>
-            <a:off x="1953608" y="1135476"/>
-            <a:ext cx="1728192" cy="432048"/>
-          </a:xfrm>
-          <a:prstGeom prst="roundRect">
-            <a:avLst/>
-          </a:prstGeom>
-        </p:spPr>
-        <p:style>
-          <a:lnRef idx="2">
-            <a:schemeClr val="accent5"/>
-          </a:lnRef>
-          <a:fillRef idx="1">
-            <a:schemeClr val="lt1"/>
-          </a:fillRef>
-          <a:effectRef idx="0">
-            <a:schemeClr val="accent5"/>
-          </a:effectRef>
-          <a:fontRef idx="minor">
-            <a:schemeClr val="dk1"/>
-          </a:fontRef>
-        </p:style>
-        <p:txBody>
-          <a:bodyPr rtlCol="0" anchor="ctr"/>
-          <a:lstStyle/>
-          <a:p>
-            <a:pPr algn="ctr"/>
-            <a:r>
-              <a:rPr lang="es-ES" sz="1600" i="1" dirty="0" smtClean="0">
-                <a:solidFill>
-                  <a:schemeClr val="accent5">
-                    <a:lumMod val="50000"/>
-                  </a:schemeClr>
-                </a:solidFill>
-              </a:rPr>
-              <a:t>Instrumentación</a:t>
-            </a:r>
-            <a:endParaRPr lang="es-ES" sz="1600" i="1" dirty="0">
-              <a:solidFill>
-                <a:schemeClr val="accent5">
-                  <a:lumMod val="50000"/>
-                </a:schemeClr>
-              </a:solidFill>
-            </a:endParaRPr>
-          </a:p>
-        </p:txBody>
-      </p:sp>
-      <p:sp>
-        <p:nvSpPr>
-          <p:cNvPr id="18" name="17 Rectángulo redondeado"/>
-          <p:cNvSpPr/>
-          <p:nvPr/>
-        </p:nvSpPr>
-        <p:spPr>
-          <a:xfrm>
-            <a:off x="3688580" y="1135476"/>
-            <a:ext cx="1728192" cy="432048"/>
-          </a:xfrm>
-          <a:prstGeom prst="roundRect">
-            <a:avLst/>
-          </a:prstGeom>
-        </p:spPr>
-        <p:style>
-          <a:lnRef idx="2">
-            <a:schemeClr val="accent5"/>
-          </a:lnRef>
-          <a:fillRef idx="1">
-            <a:schemeClr val="lt1"/>
-          </a:fillRef>
-          <a:effectRef idx="0">
-            <a:schemeClr val="accent5"/>
-          </a:effectRef>
-          <a:fontRef idx="minor">
-            <a:schemeClr val="dk1"/>
-          </a:fontRef>
-        </p:style>
-        <p:txBody>
-          <a:bodyPr rtlCol="0" anchor="ctr"/>
-          <a:lstStyle/>
-          <a:p>
-            <a:pPr algn="ctr"/>
-            <a:r>
-              <a:rPr lang="es-ES" sz="1600" i="1" dirty="0" smtClean="0">
-                <a:solidFill>
-                  <a:schemeClr val="accent5">
-                    <a:lumMod val="50000"/>
-                  </a:schemeClr>
-                </a:solidFill>
-              </a:rPr>
-              <a:t>Procesamiento</a:t>
-            </a:r>
-            <a:endParaRPr lang="es-ES" sz="1600" i="1" dirty="0">
-              <a:solidFill>
-                <a:schemeClr val="accent5">
-                  <a:lumMod val="50000"/>
-                </a:schemeClr>
-              </a:solidFill>
-            </a:endParaRPr>
-          </a:p>
-        </p:txBody>
-      </p:sp>
-      <p:sp>
-        <p:nvSpPr>
-          <p:cNvPr id="8" name="7 Rectángulo redondeado"/>
-          <p:cNvSpPr/>
-          <p:nvPr/>
-        </p:nvSpPr>
-        <p:spPr>
-          <a:xfrm>
-            <a:off x="5436097" y="1334523"/>
-            <a:ext cx="1728192" cy="432048"/>
-          </a:xfrm>
-          <a:prstGeom prst="roundRect">
-            <a:avLst/>
-          </a:prstGeom>
-        </p:spPr>
-        <p:style>
-          <a:lnRef idx="2">
-            <a:schemeClr val="accent5"/>
-          </a:lnRef>
-          <a:fillRef idx="1">
-            <a:schemeClr val="lt1"/>
-          </a:fillRef>
-          <a:effectRef idx="0">
-            <a:schemeClr val="accent5"/>
-          </a:effectRef>
-          <a:fontRef idx="minor">
-            <a:schemeClr val="dk1"/>
-          </a:fontRef>
-        </p:style>
-        <p:txBody>
-          <a:bodyPr rtlCol="0" anchor="ctr"/>
-          <a:lstStyle/>
-          <a:p>
-            <a:pPr algn="ctr"/>
-            <a:r>
-              <a:rPr lang="es-ES" sz="1600" b="1" i="1" dirty="0" smtClean="0">
-                <a:solidFill>
-                  <a:schemeClr val="accent5">
-                    <a:lumMod val="50000"/>
-                  </a:schemeClr>
-                </a:solidFill>
-              </a:rPr>
-              <a:t>Aplicaciones</a:t>
-            </a:r>
-            <a:endParaRPr lang="es-ES" sz="1600" b="1" i="1" dirty="0">
-              <a:solidFill>
-                <a:schemeClr val="accent5">
-                  <a:lumMod val="50000"/>
-                </a:schemeClr>
-              </a:solidFill>
-            </a:endParaRPr>
-          </a:p>
-        </p:txBody>
-      </p:sp>
-      <p:sp>
-        <p:nvSpPr>
-          <p:cNvPr id="9" name="8 Rectángulo redondeado"/>
-          <p:cNvSpPr/>
-          <p:nvPr/>
-        </p:nvSpPr>
-        <p:spPr>
-          <a:xfrm>
-            <a:off x="7164289" y="1135476"/>
-            <a:ext cx="1728192" cy="432048"/>
-          </a:xfrm>
-          <a:prstGeom prst="roundRect">
-            <a:avLst/>
-          </a:prstGeom>
-        </p:spPr>
-        <p:style>
-          <a:lnRef idx="2">
-            <a:schemeClr val="accent5"/>
-          </a:lnRef>
-          <a:fillRef idx="1">
-            <a:schemeClr val="lt1"/>
-          </a:fillRef>
-          <a:effectRef idx="0">
-            <a:schemeClr val="accent5"/>
-          </a:effectRef>
-          <a:fontRef idx="minor">
-            <a:schemeClr val="dk1"/>
-          </a:fontRef>
-        </p:style>
-        <p:txBody>
-          <a:bodyPr rtlCol="0" anchor="ctr"/>
-          <a:lstStyle/>
-          <a:p>
-            <a:pPr algn="ctr"/>
-            <a:r>
-              <a:rPr lang="es-ES" sz="1600" i="1" dirty="0" smtClean="0">
-                <a:solidFill>
-                  <a:schemeClr val="accent5">
-                    <a:lumMod val="50000"/>
-                  </a:schemeClr>
-                </a:solidFill>
-              </a:rPr>
-              <a:t>Conclusión</a:t>
-            </a:r>
-            <a:endParaRPr lang="es-ES" sz="1600" i="1" dirty="0">
-              <a:solidFill>
-                <a:schemeClr val="accent5">
-                  <a:lumMod val="50000"/>
-                </a:schemeClr>
-              </a:solidFill>
-            </a:endParaRPr>
-          </a:p>
-        </p:txBody>
-      </p:sp>
-      <p:sp>
-        <p:nvSpPr>
-          <p:cNvPr id="3" name="2 Subtítulo"/>
-          <p:cNvSpPr>
-            <a:spLocks noGrp="1"/>
-          </p:cNvSpPr>
-          <p:nvPr>
-            <p:ph type="subTitle" idx="1"/>
-          </p:nvPr>
-        </p:nvSpPr>
-        <p:spPr>
-          <a:xfrm>
-            <a:off x="1371600" y="2492896"/>
-            <a:ext cx="6400800" cy="3145904"/>
-          </a:xfrm>
-        </p:spPr>
-        <p:txBody>
-          <a:bodyPr/>
-          <a:lstStyle/>
-          <a:p>
-            <a:pPr marL="457200" indent="-457200" algn="l">
-              <a:buFont typeface="Wingdings" pitchFamily="2" charset="2"/>
-              <a:buChar char="ü"/>
-            </a:pPr>
-            <a:r>
-              <a:rPr lang="es-ES" dirty="0" smtClean="0">
-                <a:latin typeface="Arial Narrow" pitchFamily="34" charset="0"/>
-              </a:rPr>
-              <a:t>Enfermedades Neurológicas y Musculares.</a:t>
-            </a:r>
-          </a:p>
-          <a:p>
-            <a:pPr marL="457200" indent="-457200" algn="l">
-              <a:buFont typeface="Wingdings" pitchFamily="2" charset="2"/>
-              <a:buChar char="ü"/>
-            </a:pPr>
-            <a:r>
-              <a:rPr lang="es-ES" dirty="0" smtClean="0">
-                <a:latin typeface="Arial Narrow" pitchFamily="34" charset="0"/>
-              </a:rPr>
-              <a:t>Trastornos de sueño.</a:t>
-            </a:r>
-          </a:p>
-          <a:p>
-            <a:pPr marL="457200" indent="-457200" algn="l">
-              <a:buFont typeface="Wingdings" pitchFamily="2" charset="2"/>
-              <a:buChar char="ü"/>
-            </a:pPr>
-            <a:r>
-              <a:rPr lang="es-ES" dirty="0" smtClean="0">
-                <a:latin typeface="Arial Narrow" pitchFamily="34" charset="0"/>
-              </a:rPr>
-              <a:t>Actividades diarias.</a:t>
-            </a:r>
-          </a:p>
-          <a:p>
-            <a:pPr marL="457200" indent="-457200" algn="l">
-              <a:buFont typeface="Wingdings" pitchFamily="2" charset="2"/>
-              <a:buChar char="ü"/>
-            </a:pPr>
-            <a:r>
-              <a:rPr lang="es-ES" dirty="0" smtClean="0">
-                <a:latin typeface="Arial Narrow" pitchFamily="34" charset="0"/>
-              </a:rPr>
-              <a:t>Idea de Negocio.</a:t>
-            </a:r>
-            <a:endParaRPr lang="es-ES" dirty="0">
-              <a:latin typeface="Arial Narrow" pitchFamily="34" charset="0"/>
-            </a:endParaRPr>
-          </a:p>
-        </p:txBody>
-      </p:sp>
-      <p:sp>
-        <p:nvSpPr>
-          <p:cNvPr id="10" name="9 CuadroTexto"/>
-          <p:cNvSpPr txBox="1"/>
-          <p:nvPr/>
-        </p:nvSpPr>
-        <p:spPr>
-          <a:xfrm>
-            <a:off x="1331640" y="6365927"/>
-            <a:ext cx="5328592" cy="307777"/>
-          </a:xfrm>
-          <a:prstGeom prst="rect">
-            <a:avLst/>
-          </a:prstGeom>
-          <a:noFill/>
-        </p:spPr>
-        <p:txBody>
-          <a:bodyPr wrap="square" rtlCol="0">
-            <a:spAutoFit/>
-          </a:bodyPr>
-          <a:lstStyle/>
-          <a:p>
-            <a:r>
-              <a:rPr lang="es-ES" sz="1400" b="1" i="1" dirty="0" smtClean="0">
-                <a:solidFill>
-                  <a:schemeClr val="tx1">
-                    <a:lumMod val="50000"/>
-                    <a:lumOff val="50000"/>
-                  </a:schemeClr>
-                </a:solidFill>
-                <a:latin typeface="Arial Narrow" pitchFamily="34" charset="0"/>
-              </a:rPr>
-              <a:t>Comp. </a:t>
-            </a:r>
-            <a:r>
-              <a:rPr lang="es-ES" sz="1400" b="1" i="1" dirty="0" err="1" smtClean="0">
-                <a:solidFill>
-                  <a:schemeClr val="tx1">
-                    <a:lumMod val="50000"/>
-                    <a:lumOff val="50000"/>
-                  </a:schemeClr>
-                </a:solidFill>
-                <a:latin typeface="Arial Narrow" pitchFamily="34" charset="0"/>
-              </a:rPr>
-              <a:t>Posturographic</a:t>
-            </a:r>
-            <a:r>
-              <a:rPr lang="es-ES" sz="1400" b="1" i="1" dirty="0" smtClean="0">
-                <a:solidFill>
-                  <a:schemeClr val="tx1">
-                    <a:lumMod val="50000"/>
-                    <a:lumOff val="50000"/>
-                  </a:schemeClr>
-                </a:solidFill>
-                <a:latin typeface="Arial Narrow" pitchFamily="34" charset="0"/>
-              </a:rPr>
-              <a:t> </a:t>
-            </a:r>
-            <a:r>
-              <a:rPr lang="es-ES" sz="1400" b="1" i="1" dirty="0" err="1" smtClean="0">
-                <a:solidFill>
-                  <a:schemeClr val="tx1">
-                    <a:lumMod val="50000"/>
-                    <a:lumOff val="50000"/>
-                  </a:schemeClr>
-                </a:solidFill>
-                <a:latin typeface="Arial Narrow" pitchFamily="34" charset="0"/>
-              </a:rPr>
-              <a:t>Body-Swad</a:t>
-            </a:r>
-            <a:r>
-              <a:rPr lang="es-ES" sz="1400" b="1" i="1" dirty="0" smtClean="0">
-                <a:solidFill>
-                  <a:schemeClr val="tx1">
-                    <a:lumMod val="50000"/>
-                    <a:lumOff val="50000"/>
-                  </a:schemeClr>
-                </a:solidFill>
-                <a:latin typeface="Arial Narrow" pitchFamily="34" charset="0"/>
-              </a:rPr>
-              <a:t> </a:t>
-            </a:r>
-            <a:r>
-              <a:rPr lang="es-ES" sz="1400" b="1" i="1" dirty="0" err="1" smtClean="0">
-                <a:solidFill>
-                  <a:schemeClr val="tx1">
-                    <a:lumMod val="50000"/>
-                    <a:lumOff val="50000"/>
-                  </a:schemeClr>
-                </a:solidFill>
-                <a:latin typeface="Arial Narrow" pitchFamily="34" charset="0"/>
-              </a:rPr>
-              <a:t>measurements</a:t>
-            </a:r>
-            <a:r>
-              <a:rPr lang="es-ES" sz="1400" b="1" i="1" dirty="0" smtClean="0">
-                <a:solidFill>
-                  <a:schemeClr val="tx1">
-                    <a:lumMod val="50000"/>
-                    <a:lumOff val="50000"/>
-                  </a:schemeClr>
-                </a:solidFill>
-                <a:latin typeface="Arial Narrow" pitchFamily="34" charset="0"/>
-              </a:rPr>
-              <a:t> </a:t>
-            </a:r>
-            <a:r>
-              <a:rPr lang="es-ES" sz="1400" b="1" i="1" dirty="0" err="1" smtClean="0">
-                <a:solidFill>
-                  <a:schemeClr val="tx1">
-                    <a:lumMod val="50000"/>
-                    <a:lumOff val="50000"/>
-                  </a:schemeClr>
-                </a:solidFill>
-                <a:latin typeface="Arial Narrow" pitchFamily="34" charset="0"/>
-              </a:rPr>
-              <a:t>with</a:t>
-            </a:r>
-            <a:r>
-              <a:rPr lang="es-ES" sz="1400" b="1" i="1" dirty="0" smtClean="0">
-                <a:solidFill>
-                  <a:schemeClr val="tx1">
-                    <a:lumMod val="50000"/>
-                    <a:lumOff val="50000"/>
-                  </a:schemeClr>
-                </a:solidFill>
-                <a:latin typeface="Arial Narrow" pitchFamily="34" charset="0"/>
-              </a:rPr>
-              <a:t> </a:t>
-            </a:r>
-            <a:r>
-              <a:rPr lang="es-ES" sz="1400" b="1" i="1" dirty="0" err="1" smtClean="0">
-                <a:solidFill>
-                  <a:schemeClr val="tx1">
-                    <a:lumMod val="50000"/>
-                    <a:lumOff val="50000"/>
-                  </a:schemeClr>
-                </a:solidFill>
-                <a:latin typeface="Arial Narrow" pitchFamily="34" charset="0"/>
-              </a:rPr>
-              <a:t>Inertail</a:t>
-            </a:r>
-            <a:r>
-              <a:rPr lang="es-ES" sz="1400" b="1" i="1" dirty="0" smtClean="0">
-                <a:solidFill>
-                  <a:schemeClr val="tx1">
-                    <a:lumMod val="50000"/>
-                    <a:lumOff val="50000"/>
-                  </a:schemeClr>
-                </a:solidFill>
-                <a:latin typeface="Arial Narrow" pitchFamily="34" charset="0"/>
-              </a:rPr>
-              <a:t> data in PD</a:t>
-            </a:r>
-            <a:endParaRPr lang="es-ES" sz="1400" b="1" i="1" dirty="0">
-              <a:solidFill>
-                <a:schemeClr val="tx1">
-                  <a:lumMod val="50000"/>
-                  <a:lumOff val="50000"/>
-                </a:schemeClr>
-              </a:solidFill>
-              <a:latin typeface="Arial Narrow" pitchFamily="34" charset="0"/>
-            </a:endParaRPr>
-          </a:p>
-        </p:txBody>
-      </p:sp>
-      <p:pic>
-        <p:nvPicPr>
-          <p:cNvPr id="11" name="Picture 2"/>
-          <p:cNvPicPr>
-            <a:picLocks noChangeAspect="1" noChangeArrowheads="1"/>
-          </p:cNvPicPr>
-          <p:nvPr/>
-        </p:nvPicPr>
-        <p:blipFill>
-          <a:blip r:embed="rId3">
-            <a:extLst>
-              <a:ext uri="{28A0092B-C50C-407E-A947-70E740481C1C}">
-                <a14:useLocalDpi xmlns:a14="http://schemas.microsoft.com/office/drawing/2010/main" val="0"/>
-              </a:ext>
-            </a:extLst>
-          </a:blip>
-          <a:srcRect/>
-          <a:stretch>
-            <a:fillRect/>
-          </a:stretch>
-        </p:blipFill>
-        <p:spPr bwMode="auto">
-          <a:xfrm>
-            <a:off x="7145387" y="6041891"/>
-            <a:ext cx="1765996" cy="648072"/>
-          </a:xfrm>
-          <a:prstGeom prst="rect">
-            <a:avLst/>
-          </a:prstGeom>
-          <a:noFill/>
-          <a:ln>
-            <a:noFill/>
-          </a:ln>
-          <a:effectLst/>
-          <a:extLst>
-            <a:ext uri="{909E8E84-426E-40DD-AFC4-6F175D3DCCD1}">
-              <a14:hiddenFill xmlns:a14="http://schemas.microsoft.com/office/drawing/2010/main">
-                <a:solidFill>
-                  <a:schemeClr val="accent1"/>
-                </a:solidFill>
-              </a14:hiddenFill>
-            </a:ext>
-            <a:ext uri="{91240B29-F687-4F45-9708-019B960494DF}">
-              <a14:hiddenLine xmlns:a14="http://schemas.microsoft.com/office/drawing/2010/main" w="9525">
-                <a:solidFill>
-                  <a:schemeClr val="tx1"/>
-                </a:solidFill>
-                <a:miter lim="800000"/>
-                <a:headEnd/>
-                <a:tailEnd/>
-              </a14:hiddenLine>
-            </a:ext>
-            <a:ext uri="{AF507438-7753-43E0-B8FC-AC1667EBCBE1}">
-              <a14:hiddenEffects xmlns:a14="http://schemas.microsoft.com/office/drawing/2010/main">
-                <a:effectLst>
-                  <a:outerShdw dist="35921" dir="2700000" algn="ctr" rotWithShape="0">
-                    <a:schemeClr val="bg2"/>
-                  </a:outerShdw>
-                </a:effectLst>
-              </a14:hiddenEffects>
-            </a:ext>
-          </a:extLst>
-        </p:spPr>
-      </p:pic>
-      <p:pic>
-        <p:nvPicPr>
-          <p:cNvPr id="4" name="3 Imagen"/>
-          <p:cNvPicPr>
-            <a:picLocks noChangeAspect="1"/>
-          </p:cNvPicPr>
-          <p:nvPr/>
-        </p:nvPicPr>
-        <p:blipFill>
-          <a:blip r:embed="rId4" cstate="print">
-            <a:extLst>
-              <a:ext uri="{28A0092B-C50C-407E-A947-70E740481C1C}">
-                <a14:useLocalDpi xmlns:a14="http://schemas.microsoft.com/office/drawing/2010/main" val="0"/>
-              </a:ext>
-            </a:extLst>
-          </a:blip>
-          <a:stretch>
-            <a:fillRect/>
-          </a:stretch>
-        </p:blipFill>
-        <p:spPr>
-          <a:xfrm>
-            <a:off x="4514383" y="4581128"/>
-            <a:ext cx="1553757" cy="1110800"/>
-          </a:xfrm>
-          <a:prstGeom prst="rect">
-            <a:avLst/>
-          </a:prstGeom>
-        </p:spPr>
-      </p:pic>
-    </p:spTree>
-    <p:extLst>
-      <p:ext uri="{BB962C8B-B14F-4D97-AF65-F5344CB8AC3E}">
-        <p14:creationId xmlns:p14="http://schemas.microsoft.com/office/powerpoint/2010/main" val="3948215875"/>
-      </p:ext>
-    </p:extLst>
-  </p:cSld>
-  <p:clrMapOvr>
-    <a:masterClrMapping/>
-  </p:clrMapOvr>
-  <p:timing>
-    <p:tnLst>
-      <p:par>
-        <p:cTn id="1" dur="indefinite" restart="never" nodeType="tmRoot"/>
-      </p:par>
-    </p:tnLst>
-  </p:timing>
-</p:sld>
-</file>
-
 <file path=ppt/slides/slide26.xml><?xml version="1.0" encoding="utf-8"?>
 <p:sld xmlns:a="http://schemas.openxmlformats.org/drawingml/2006/main" xmlns:r="http://schemas.openxmlformats.org/officeDocument/2006/relationships" xmlns:p="http://schemas.openxmlformats.org/presentationml/2006/main">
   <p:cSld>
@@ -30039,6 +31270,675 @@
         </p:nvSpPr>
         <p:spPr>
           <a:xfrm>
+            <a:off x="5436097" y="1334523"/>
+            <a:ext cx="1728192" cy="432048"/>
+          </a:xfrm>
+          <a:prstGeom prst="roundRect">
+            <a:avLst/>
+          </a:prstGeom>
+        </p:spPr>
+        <p:style>
+          <a:lnRef idx="2">
+            <a:schemeClr val="accent5"/>
+          </a:lnRef>
+          <a:fillRef idx="1">
+            <a:schemeClr val="lt1"/>
+          </a:fillRef>
+          <a:effectRef idx="0">
+            <a:schemeClr val="accent5"/>
+          </a:effectRef>
+          <a:fontRef idx="minor">
+            <a:schemeClr val="dk1"/>
+          </a:fontRef>
+        </p:style>
+        <p:txBody>
+          <a:bodyPr rtlCol="0" anchor="ctr"/>
+          <a:lstStyle/>
+          <a:p>
+            <a:pPr algn="ctr"/>
+            <a:r>
+              <a:rPr lang="es-ES" sz="1600" b="1" i="1" dirty="0" smtClean="0">
+                <a:solidFill>
+                  <a:schemeClr val="accent5">
+                    <a:lumMod val="50000"/>
+                  </a:schemeClr>
+                </a:solidFill>
+              </a:rPr>
+              <a:t>Aplicaciones</a:t>
+            </a:r>
+            <a:endParaRPr lang="es-ES" sz="1600" b="1" i="1" dirty="0">
+              <a:solidFill>
+                <a:schemeClr val="accent5">
+                  <a:lumMod val="50000"/>
+                </a:schemeClr>
+              </a:solidFill>
+            </a:endParaRPr>
+          </a:p>
+        </p:txBody>
+      </p:sp>
+      <p:sp>
+        <p:nvSpPr>
+          <p:cNvPr id="9" name="8 Rectángulo redondeado"/>
+          <p:cNvSpPr/>
+          <p:nvPr/>
+        </p:nvSpPr>
+        <p:spPr>
+          <a:xfrm>
+            <a:off x="7164289" y="1135476"/>
+            <a:ext cx="1728192" cy="432048"/>
+          </a:xfrm>
+          <a:prstGeom prst="roundRect">
+            <a:avLst/>
+          </a:prstGeom>
+        </p:spPr>
+        <p:style>
+          <a:lnRef idx="2">
+            <a:schemeClr val="accent5"/>
+          </a:lnRef>
+          <a:fillRef idx="1">
+            <a:schemeClr val="lt1"/>
+          </a:fillRef>
+          <a:effectRef idx="0">
+            <a:schemeClr val="accent5"/>
+          </a:effectRef>
+          <a:fontRef idx="minor">
+            <a:schemeClr val="dk1"/>
+          </a:fontRef>
+        </p:style>
+        <p:txBody>
+          <a:bodyPr rtlCol="0" anchor="ctr"/>
+          <a:lstStyle/>
+          <a:p>
+            <a:pPr algn="ctr"/>
+            <a:r>
+              <a:rPr lang="es-ES" sz="1600" i="1" dirty="0" smtClean="0">
+                <a:solidFill>
+                  <a:schemeClr val="accent5">
+                    <a:lumMod val="50000"/>
+                  </a:schemeClr>
+                </a:solidFill>
+              </a:rPr>
+              <a:t>Conclusión</a:t>
+            </a:r>
+            <a:endParaRPr lang="es-ES" sz="1600" i="1" dirty="0">
+              <a:solidFill>
+                <a:schemeClr val="accent5">
+                  <a:lumMod val="50000"/>
+                </a:schemeClr>
+              </a:solidFill>
+            </a:endParaRPr>
+          </a:p>
+        </p:txBody>
+      </p:sp>
+      <p:sp>
+        <p:nvSpPr>
+          <p:cNvPr id="3" name="2 Subtítulo"/>
+          <p:cNvSpPr>
+            <a:spLocks noGrp="1"/>
+          </p:cNvSpPr>
+          <p:nvPr>
+            <p:ph type="subTitle" idx="1"/>
+          </p:nvPr>
+        </p:nvSpPr>
+        <p:spPr>
+          <a:xfrm>
+            <a:off x="1371600" y="2492896"/>
+            <a:ext cx="6400800" cy="3145904"/>
+          </a:xfrm>
+        </p:spPr>
+        <p:txBody>
+          <a:bodyPr/>
+          <a:lstStyle/>
+          <a:p>
+            <a:pPr marL="457200" indent="-457200" algn="l">
+              <a:buFont typeface="Wingdings" pitchFamily="2" charset="2"/>
+              <a:buChar char="ü"/>
+            </a:pPr>
+            <a:r>
+              <a:rPr lang="es-ES" dirty="0" smtClean="0">
+                <a:latin typeface="Arial Narrow" pitchFamily="34" charset="0"/>
+              </a:rPr>
+              <a:t>Enfermedades Neurológicas y Musculares.</a:t>
+            </a:r>
+          </a:p>
+          <a:p>
+            <a:pPr marL="457200" indent="-457200" algn="l">
+              <a:buFont typeface="Wingdings" pitchFamily="2" charset="2"/>
+              <a:buChar char="ü"/>
+            </a:pPr>
+            <a:r>
+              <a:rPr lang="es-ES" dirty="0" smtClean="0">
+                <a:latin typeface="Arial Narrow" pitchFamily="34" charset="0"/>
+              </a:rPr>
+              <a:t>Trastornos de sueño.</a:t>
+            </a:r>
+          </a:p>
+          <a:p>
+            <a:pPr marL="457200" indent="-457200" algn="l">
+              <a:buFont typeface="Wingdings" pitchFamily="2" charset="2"/>
+              <a:buChar char="ü"/>
+            </a:pPr>
+            <a:r>
+              <a:rPr lang="es-ES" dirty="0" smtClean="0">
+                <a:latin typeface="Arial Narrow" pitchFamily="34" charset="0"/>
+              </a:rPr>
+              <a:t>Actividades diarias.</a:t>
+            </a:r>
+          </a:p>
+          <a:p>
+            <a:pPr marL="457200" indent="-457200" algn="l">
+              <a:buFont typeface="Wingdings" pitchFamily="2" charset="2"/>
+              <a:buChar char="ü"/>
+            </a:pPr>
+            <a:r>
+              <a:rPr lang="es-ES" dirty="0" smtClean="0">
+                <a:latin typeface="Arial Narrow" pitchFamily="34" charset="0"/>
+              </a:rPr>
+              <a:t>Idea de Negocio.</a:t>
+            </a:r>
+            <a:endParaRPr lang="es-ES" dirty="0">
+              <a:latin typeface="Arial Narrow" pitchFamily="34" charset="0"/>
+            </a:endParaRPr>
+          </a:p>
+        </p:txBody>
+      </p:sp>
+      <p:sp>
+        <p:nvSpPr>
+          <p:cNvPr id="10" name="9 CuadroTexto"/>
+          <p:cNvSpPr txBox="1"/>
+          <p:nvPr/>
+        </p:nvSpPr>
+        <p:spPr>
+          <a:xfrm>
+            <a:off x="1331640" y="6365927"/>
+            <a:ext cx="5328592" cy="307777"/>
+          </a:xfrm>
+          <a:prstGeom prst="rect">
+            <a:avLst/>
+          </a:prstGeom>
+          <a:noFill/>
+        </p:spPr>
+        <p:txBody>
+          <a:bodyPr wrap="square" rtlCol="0">
+            <a:spAutoFit/>
+          </a:bodyPr>
+          <a:lstStyle/>
+          <a:p>
+            <a:r>
+              <a:rPr lang="es-ES" sz="1400" b="1" i="1" dirty="0" smtClean="0">
+                <a:solidFill>
+                  <a:schemeClr val="tx1">
+                    <a:lumMod val="50000"/>
+                    <a:lumOff val="50000"/>
+                  </a:schemeClr>
+                </a:solidFill>
+                <a:latin typeface="Arial Narrow" pitchFamily="34" charset="0"/>
+              </a:rPr>
+              <a:t>Comp. </a:t>
+            </a:r>
+            <a:r>
+              <a:rPr lang="es-ES" sz="1400" b="1" i="1" dirty="0" err="1" smtClean="0">
+                <a:solidFill>
+                  <a:schemeClr val="tx1">
+                    <a:lumMod val="50000"/>
+                    <a:lumOff val="50000"/>
+                  </a:schemeClr>
+                </a:solidFill>
+                <a:latin typeface="Arial Narrow" pitchFamily="34" charset="0"/>
+              </a:rPr>
+              <a:t>Posturographic</a:t>
+            </a:r>
+            <a:r>
+              <a:rPr lang="es-ES" sz="1400" b="1" i="1" dirty="0" smtClean="0">
+                <a:solidFill>
+                  <a:schemeClr val="tx1">
+                    <a:lumMod val="50000"/>
+                    <a:lumOff val="50000"/>
+                  </a:schemeClr>
+                </a:solidFill>
+                <a:latin typeface="Arial Narrow" pitchFamily="34" charset="0"/>
+              </a:rPr>
+              <a:t> </a:t>
+            </a:r>
+            <a:r>
+              <a:rPr lang="es-ES" sz="1400" b="1" i="1" dirty="0" err="1" smtClean="0">
+                <a:solidFill>
+                  <a:schemeClr val="tx1">
+                    <a:lumMod val="50000"/>
+                    <a:lumOff val="50000"/>
+                  </a:schemeClr>
+                </a:solidFill>
+                <a:latin typeface="Arial Narrow" pitchFamily="34" charset="0"/>
+              </a:rPr>
+              <a:t>Body-Swad</a:t>
+            </a:r>
+            <a:r>
+              <a:rPr lang="es-ES" sz="1400" b="1" i="1" dirty="0" smtClean="0">
+                <a:solidFill>
+                  <a:schemeClr val="tx1">
+                    <a:lumMod val="50000"/>
+                    <a:lumOff val="50000"/>
+                  </a:schemeClr>
+                </a:solidFill>
+                <a:latin typeface="Arial Narrow" pitchFamily="34" charset="0"/>
+              </a:rPr>
+              <a:t> </a:t>
+            </a:r>
+            <a:r>
+              <a:rPr lang="es-ES" sz="1400" b="1" i="1" dirty="0" err="1" smtClean="0">
+                <a:solidFill>
+                  <a:schemeClr val="tx1">
+                    <a:lumMod val="50000"/>
+                    <a:lumOff val="50000"/>
+                  </a:schemeClr>
+                </a:solidFill>
+                <a:latin typeface="Arial Narrow" pitchFamily="34" charset="0"/>
+              </a:rPr>
+              <a:t>measurements</a:t>
+            </a:r>
+            <a:r>
+              <a:rPr lang="es-ES" sz="1400" b="1" i="1" dirty="0" smtClean="0">
+                <a:solidFill>
+                  <a:schemeClr val="tx1">
+                    <a:lumMod val="50000"/>
+                    <a:lumOff val="50000"/>
+                  </a:schemeClr>
+                </a:solidFill>
+                <a:latin typeface="Arial Narrow" pitchFamily="34" charset="0"/>
+              </a:rPr>
+              <a:t> </a:t>
+            </a:r>
+            <a:r>
+              <a:rPr lang="es-ES" sz="1400" b="1" i="1" dirty="0" err="1" smtClean="0">
+                <a:solidFill>
+                  <a:schemeClr val="tx1">
+                    <a:lumMod val="50000"/>
+                    <a:lumOff val="50000"/>
+                  </a:schemeClr>
+                </a:solidFill>
+                <a:latin typeface="Arial Narrow" pitchFamily="34" charset="0"/>
+              </a:rPr>
+              <a:t>with</a:t>
+            </a:r>
+            <a:r>
+              <a:rPr lang="es-ES" sz="1400" b="1" i="1" dirty="0" smtClean="0">
+                <a:solidFill>
+                  <a:schemeClr val="tx1">
+                    <a:lumMod val="50000"/>
+                    <a:lumOff val="50000"/>
+                  </a:schemeClr>
+                </a:solidFill>
+                <a:latin typeface="Arial Narrow" pitchFamily="34" charset="0"/>
+              </a:rPr>
+              <a:t> </a:t>
+            </a:r>
+            <a:r>
+              <a:rPr lang="es-ES" sz="1400" b="1" i="1" dirty="0" err="1" smtClean="0">
+                <a:solidFill>
+                  <a:schemeClr val="tx1">
+                    <a:lumMod val="50000"/>
+                    <a:lumOff val="50000"/>
+                  </a:schemeClr>
+                </a:solidFill>
+                <a:latin typeface="Arial Narrow" pitchFamily="34" charset="0"/>
+              </a:rPr>
+              <a:t>Inertail</a:t>
+            </a:r>
+            <a:r>
+              <a:rPr lang="es-ES" sz="1400" b="1" i="1" dirty="0" smtClean="0">
+                <a:solidFill>
+                  <a:schemeClr val="tx1">
+                    <a:lumMod val="50000"/>
+                    <a:lumOff val="50000"/>
+                  </a:schemeClr>
+                </a:solidFill>
+                <a:latin typeface="Arial Narrow" pitchFamily="34" charset="0"/>
+              </a:rPr>
+              <a:t> data in PD</a:t>
+            </a:r>
+            <a:endParaRPr lang="es-ES" sz="1400" b="1" i="1" dirty="0">
+              <a:solidFill>
+                <a:schemeClr val="tx1">
+                  <a:lumMod val="50000"/>
+                  <a:lumOff val="50000"/>
+                </a:schemeClr>
+              </a:solidFill>
+              <a:latin typeface="Arial Narrow" pitchFamily="34" charset="0"/>
+            </a:endParaRPr>
+          </a:p>
+        </p:txBody>
+      </p:sp>
+      <p:pic>
+        <p:nvPicPr>
+          <p:cNvPr id="11" name="Picture 2"/>
+          <p:cNvPicPr>
+            <a:picLocks noChangeAspect="1" noChangeArrowheads="1"/>
+          </p:cNvPicPr>
+          <p:nvPr/>
+        </p:nvPicPr>
+        <p:blipFill>
+          <a:blip r:embed="rId3">
+            <a:extLst>
+              <a:ext uri="{28A0092B-C50C-407E-A947-70E740481C1C}">
+                <a14:useLocalDpi xmlns:a14="http://schemas.microsoft.com/office/drawing/2010/main" val="0"/>
+              </a:ext>
+            </a:extLst>
+          </a:blip>
+          <a:srcRect/>
+          <a:stretch>
+            <a:fillRect/>
+          </a:stretch>
+        </p:blipFill>
+        <p:spPr bwMode="auto">
+          <a:xfrm>
+            <a:off x="7145387" y="6041891"/>
+            <a:ext cx="1765996" cy="648072"/>
+          </a:xfrm>
+          <a:prstGeom prst="rect">
+            <a:avLst/>
+          </a:prstGeom>
+          <a:noFill/>
+          <a:ln>
+            <a:noFill/>
+          </a:ln>
+          <a:effectLst/>
+          <a:extLst>
+            <a:ext uri="{909E8E84-426E-40DD-AFC4-6F175D3DCCD1}">
+              <a14:hiddenFill xmlns:a14="http://schemas.microsoft.com/office/drawing/2010/main">
+                <a:solidFill>
+                  <a:schemeClr val="accent1"/>
+                </a:solidFill>
+              </a14:hiddenFill>
+            </a:ext>
+            <a:ext uri="{91240B29-F687-4F45-9708-019B960494DF}">
+              <a14:hiddenLine xmlns:a14="http://schemas.microsoft.com/office/drawing/2010/main" w="9525">
+                <a:solidFill>
+                  <a:schemeClr val="tx1"/>
+                </a:solidFill>
+                <a:miter lim="800000"/>
+                <a:headEnd/>
+                <a:tailEnd/>
+              </a14:hiddenLine>
+            </a:ext>
+            <a:ext uri="{AF507438-7753-43E0-B8FC-AC1667EBCBE1}">
+              <a14:hiddenEffects xmlns:a14="http://schemas.microsoft.com/office/drawing/2010/main">
+                <a:effectLst>
+                  <a:outerShdw dist="35921" dir="2700000" algn="ctr" rotWithShape="0">
+                    <a:schemeClr val="bg2"/>
+                  </a:outerShdw>
+                </a:effectLst>
+              </a14:hiddenEffects>
+            </a:ext>
+          </a:extLst>
+        </p:spPr>
+      </p:pic>
+      <p:pic>
+        <p:nvPicPr>
+          <p:cNvPr id="4" name="3 Imagen"/>
+          <p:cNvPicPr>
+            <a:picLocks noChangeAspect="1"/>
+          </p:cNvPicPr>
+          <p:nvPr/>
+        </p:nvPicPr>
+        <p:blipFill>
+          <a:blip r:embed="rId4" cstate="print">
+            <a:extLst>
+              <a:ext uri="{28A0092B-C50C-407E-A947-70E740481C1C}">
+                <a14:useLocalDpi xmlns:a14="http://schemas.microsoft.com/office/drawing/2010/main" val="0"/>
+              </a:ext>
+            </a:extLst>
+          </a:blip>
+          <a:stretch>
+            <a:fillRect/>
+          </a:stretch>
+        </p:blipFill>
+        <p:spPr>
+          <a:xfrm>
+            <a:off x="4514383" y="4581128"/>
+            <a:ext cx="1553757" cy="1110800"/>
+          </a:xfrm>
+          <a:prstGeom prst="rect">
+            <a:avLst/>
+          </a:prstGeom>
+        </p:spPr>
+      </p:pic>
+    </p:spTree>
+    <p:extLst>
+      <p:ext uri="{BB962C8B-B14F-4D97-AF65-F5344CB8AC3E}">
+        <p14:creationId xmlns:p14="http://schemas.microsoft.com/office/powerpoint/2010/main" val="3948215875"/>
+      </p:ext>
+    </p:extLst>
+  </p:cSld>
+  <p:clrMapOvr>
+    <a:masterClrMapping/>
+  </p:clrMapOvr>
+  <p:timing>
+    <p:tnLst>
+      <p:par>
+        <p:cTn id="1" dur="indefinite" restart="never" nodeType="tmRoot"/>
+      </p:par>
+    </p:tnLst>
+  </p:timing>
+</p:sld>
+</file>
+
+<file path=ppt/slides/slide27.xml><?xml version="1.0" encoding="utf-8"?>
+<p:sld xmlns:a="http://schemas.openxmlformats.org/drawingml/2006/main" xmlns:r="http://schemas.openxmlformats.org/officeDocument/2006/relationships" xmlns:p="http://schemas.openxmlformats.org/presentationml/2006/main">
+  <p:cSld>
+    <p:spTree>
+      <p:nvGrpSpPr>
+        <p:cNvPr id="1" name=""/>
+        <p:cNvGrpSpPr/>
+        <p:nvPr/>
+      </p:nvGrpSpPr>
+      <p:grpSpPr>
+        <a:xfrm>
+          <a:off x="0" y="0"/>
+          <a:ext cx="0" cy="0"/>
+          <a:chOff x="0" y="0"/>
+          <a:chExt cx="0" cy="0"/>
+        </a:xfrm>
+      </p:grpSpPr>
+      <p:pic>
+        <p:nvPicPr>
+          <p:cNvPr id="6" name="5 Imagen"/>
+          <p:cNvPicPr>
+            <a:picLocks noChangeAspect="1"/>
+          </p:cNvPicPr>
+          <p:nvPr/>
+        </p:nvPicPr>
+        <p:blipFill>
+          <a:blip r:embed="rId2">
+            <a:extLst>
+              <a:ext uri="{28A0092B-C50C-407E-A947-70E740481C1C}">
+                <a14:useLocalDpi xmlns:a14="http://schemas.microsoft.com/office/drawing/2010/main" val="0"/>
+              </a:ext>
+            </a:extLst>
+          </a:blip>
+          <a:stretch>
+            <a:fillRect/>
+          </a:stretch>
+        </p:blipFill>
+        <p:spPr>
+          <a:xfrm>
+            <a:off x="1" y="1"/>
+            <a:ext cx="9144000" cy="1340767"/>
+          </a:xfrm>
+          <a:prstGeom prst="rect">
+            <a:avLst/>
+          </a:prstGeom>
+        </p:spPr>
+      </p:pic>
+      <p:sp>
+        <p:nvSpPr>
+          <p:cNvPr id="7" name="6 Rectángulo redondeado"/>
+          <p:cNvSpPr/>
+          <p:nvPr/>
+        </p:nvSpPr>
+        <p:spPr>
+          <a:xfrm>
+            <a:off x="225416" y="1124744"/>
+            <a:ext cx="1728192" cy="432048"/>
+          </a:xfrm>
+          <a:prstGeom prst="roundRect">
+            <a:avLst/>
+          </a:prstGeom>
+        </p:spPr>
+        <p:style>
+          <a:lnRef idx="2">
+            <a:schemeClr val="accent5"/>
+          </a:lnRef>
+          <a:fillRef idx="1">
+            <a:schemeClr val="lt1"/>
+          </a:fillRef>
+          <a:effectRef idx="0">
+            <a:schemeClr val="accent5"/>
+          </a:effectRef>
+          <a:fontRef idx="minor">
+            <a:schemeClr val="dk1"/>
+          </a:fontRef>
+        </p:style>
+        <p:txBody>
+          <a:bodyPr rtlCol="0" anchor="ctr"/>
+          <a:lstStyle/>
+          <a:p>
+            <a:pPr algn="ctr"/>
+            <a:r>
+              <a:rPr lang="es-ES" sz="1600" i="1" dirty="0" smtClean="0">
+                <a:solidFill>
+                  <a:schemeClr val="accent5">
+                    <a:lumMod val="50000"/>
+                  </a:schemeClr>
+                </a:solidFill>
+              </a:rPr>
+              <a:t>Introducción</a:t>
+            </a:r>
+            <a:endParaRPr lang="es-ES" sz="1600" i="1" dirty="0">
+              <a:solidFill>
+                <a:schemeClr val="accent5">
+                  <a:lumMod val="50000"/>
+                </a:schemeClr>
+              </a:solidFill>
+            </a:endParaRPr>
+          </a:p>
+        </p:txBody>
+      </p:sp>
+      <p:sp>
+        <p:nvSpPr>
+          <p:cNvPr id="17" name="16 Rectángulo redondeado"/>
+          <p:cNvSpPr/>
+          <p:nvPr/>
+        </p:nvSpPr>
+        <p:spPr>
+          <a:xfrm>
+            <a:off x="1953608" y="1135476"/>
+            <a:ext cx="1728192" cy="432048"/>
+          </a:xfrm>
+          <a:prstGeom prst="roundRect">
+            <a:avLst/>
+          </a:prstGeom>
+        </p:spPr>
+        <p:style>
+          <a:lnRef idx="2">
+            <a:schemeClr val="accent5"/>
+          </a:lnRef>
+          <a:fillRef idx="1">
+            <a:schemeClr val="lt1"/>
+          </a:fillRef>
+          <a:effectRef idx="0">
+            <a:schemeClr val="accent5"/>
+          </a:effectRef>
+          <a:fontRef idx="minor">
+            <a:schemeClr val="dk1"/>
+          </a:fontRef>
+        </p:style>
+        <p:txBody>
+          <a:bodyPr rtlCol="0" anchor="ctr"/>
+          <a:lstStyle/>
+          <a:p>
+            <a:pPr algn="ctr"/>
+            <a:r>
+              <a:rPr lang="es-ES" sz="1600" i="1" dirty="0" smtClean="0">
+                <a:solidFill>
+                  <a:schemeClr val="accent5">
+                    <a:lumMod val="50000"/>
+                  </a:schemeClr>
+                </a:solidFill>
+              </a:rPr>
+              <a:t>Instrumentación</a:t>
+            </a:r>
+            <a:endParaRPr lang="es-ES" sz="1600" i="1" dirty="0">
+              <a:solidFill>
+                <a:schemeClr val="accent5">
+                  <a:lumMod val="50000"/>
+                </a:schemeClr>
+              </a:solidFill>
+            </a:endParaRPr>
+          </a:p>
+        </p:txBody>
+      </p:sp>
+      <p:sp>
+        <p:nvSpPr>
+          <p:cNvPr id="18" name="17 Rectángulo redondeado"/>
+          <p:cNvSpPr/>
+          <p:nvPr/>
+        </p:nvSpPr>
+        <p:spPr>
+          <a:xfrm>
+            <a:off x="3688580" y="1135476"/>
+            <a:ext cx="1728192" cy="432048"/>
+          </a:xfrm>
+          <a:prstGeom prst="roundRect">
+            <a:avLst/>
+          </a:prstGeom>
+        </p:spPr>
+        <p:style>
+          <a:lnRef idx="2">
+            <a:schemeClr val="accent5"/>
+          </a:lnRef>
+          <a:fillRef idx="1">
+            <a:schemeClr val="lt1"/>
+          </a:fillRef>
+          <a:effectRef idx="0">
+            <a:schemeClr val="accent5"/>
+          </a:effectRef>
+          <a:fontRef idx="minor">
+            <a:schemeClr val="dk1"/>
+          </a:fontRef>
+        </p:style>
+        <p:txBody>
+          <a:bodyPr rtlCol="0" anchor="ctr"/>
+          <a:lstStyle/>
+          <a:p>
+            <a:pPr algn="ctr"/>
+            <a:r>
+              <a:rPr lang="es-ES" sz="1600" i="1" dirty="0" smtClean="0">
+                <a:solidFill>
+                  <a:schemeClr val="accent5">
+                    <a:lumMod val="50000"/>
+                  </a:schemeClr>
+                </a:solidFill>
+              </a:rPr>
+              <a:t>Procesamiento</a:t>
+            </a:r>
+            <a:endParaRPr lang="es-ES" sz="1600" i="1" dirty="0">
+              <a:solidFill>
+                <a:schemeClr val="accent5">
+                  <a:lumMod val="50000"/>
+                </a:schemeClr>
+              </a:solidFill>
+            </a:endParaRPr>
+          </a:p>
+        </p:txBody>
+      </p:sp>
+      <p:sp>
+        <p:nvSpPr>
+          <p:cNvPr id="8" name="7 Rectángulo redondeado"/>
+          <p:cNvSpPr/>
+          <p:nvPr/>
+        </p:nvSpPr>
+        <p:spPr>
+          <a:xfrm>
             <a:off x="5436097" y="1135476"/>
             <a:ext cx="1728192" cy="432048"/>
           </a:xfrm>
@@ -30675,7 +32575,7 @@
 </p:sld>
 </file>
 
-<file path=ppt/slides/slide27.xml><?xml version="1.0" encoding="utf-8"?>
+<file path=ppt/slides/slide28.xml><?xml version="1.0" encoding="utf-8"?>
 <p:sld xmlns:a="http://schemas.openxmlformats.org/drawingml/2006/main" xmlns:r="http://schemas.openxmlformats.org/officeDocument/2006/relationships" xmlns:p="http://schemas.openxmlformats.org/presentationml/2006/main">
   <p:cSld>
     <p:spTree>
@@ -31737,7 +33637,7 @@
 </p:sld>
 </file>
 
-<file path=ppt/slides/slide28.xml><?xml version="1.0" encoding="utf-8"?>
+<file path=ppt/slides/slide29.xml><?xml version="1.0" encoding="utf-8"?>
 <p:sld xmlns:a="http://schemas.openxmlformats.org/drawingml/2006/main" xmlns:r="http://schemas.openxmlformats.org/officeDocument/2006/relationships" xmlns:p="http://schemas.openxmlformats.org/presentationml/2006/main">
   <p:cSld>
     <p:spTree>
@@ -35680,7 +37580,7 @@
         <p:spPr>
           <a:xfrm>
             <a:off x="2011331" y="3026123"/>
-            <a:ext cx="1668625" cy="553998"/>
+            <a:ext cx="1490449" cy="553998"/>
           </a:xfrm>
           <a:prstGeom prst="rect">
             <a:avLst/>
@@ -35781,7 +37681,7 @@
                 </a:effectLst>
                 <a:latin typeface="Arial For CAE" pitchFamily="34" charset="0"/>
               </a:rPr>
-              <a:t> en PD</a:t>
+              <a:t>  en PD</a:t>
             </a:r>
             <a:endParaRPr lang="es-ES" sz="1500" dirty="0">
               <a:ln w="3175" cmpd="sng">
@@ -39748,7 +41648,7 @@
                             </p:stCondLst>
                             <p:childTnLst>
                               <p:par>
-                                <p:cTn id="5" presetID="42" presetClass="entr" presetSubtype="0" fill="hold" nodeType="clickEffect">
+                                <p:cTn id="5" presetID="42" presetClass="entr" presetSubtype="0" fill="hold" grpId="0" nodeType="clickEffect">
                                   <p:stCondLst>
                                     <p:cond delay="0"/>
                                   </p:stCondLst>
@@ -39756,546 +41656,6 @@
                                     <p:set>
                                       <p:cBhvr>
                                         <p:cTn id="6" dur="1" fill="hold">
-                                          <p:stCondLst>
-                                            <p:cond delay="0"/>
-                                          </p:stCondLst>
-                                        </p:cTn>
-                                        <p:tgtEl>
-                                          <p:spTgt spid="14"/>
-                                        </p:tgtEl>
-                                        <p:attrNameLst>
-                                          <p:attrName>style.visibility</p:attrName>
-                                        </p:attrNameLst>
-                                      </p:cBhvr>
-                                      <p:to>
-                                        <p:strVal val="visible"/>
-                                      </p:to>
-                                    </p:set>
-                                    <p:animEffect transition="in" filter="fade">
-                                      <p:cBhvr>
-                                        <p:cTn id="7" dur="1000"/>
-                                        <p:tgtEl>
-                                          <p:spTgt spid="14"/>
-                                        </p:tgtEl>
-                                      </p:cBhvr>
-                                    </p:animEffect>
-                                    <p:anim calcmode="lin" valueType="num">
-                                      <p:cBhvr>
-                                        <p:cTn id="8" dur="1000" fill="hold"/>
-                                        <p:tgtEl>
-                                          <p:spTgt spid="14"/>
-                                        </p:tgtEl>
-                                        <p:attrNameLst>
-                                          <p:attrName>ppt_x</p:attrName>
-                                        </p:attrNameLst>
-                                      </p:cBhvr>
-                                      <p:tavLst>
-                                        <p:tav tm="0">
-                                          <p:val>
-                                            <p:strVal val="#ppt_x"/>
-                                          </p:val>
-                                        </p:tav>
-                                        <p:tav tm="100000">
-                                          <p:val>
-                                            <p:strVal val="#ppt_x"/>
-                                          </p:val>
-                                        </p:tav>
-                                      </p:tavLst>
-                                    </p:anim>
-                                    <p:anim calcmode="lin" valueType="num">
-                                      <p:cBhvr>
-                                        <p:cTn id="9" dur="1000" fill="hold"/>
-                                        <p:tgtEl>
-                                          <p:spTgt spid="14"/>
-                                        </p:tgtEl>
-                                        <p:attrNameLst>
-                                          <p:attrName>ppt_y</p:attrName>
-                                        </p:attrNameLst>
-                                      </p:cBhvr>
-                                      <p:tavLst>
-                                        <p:tav tm="0">
-                                          <p:val>
-                                            <p:strVal val="#ppt_y+.1"/>
-                                          </p:val>
-                                        </p:tav>
-                                        <p:tav tm="100000">
-                                          <p:val>
-                                            <p:strVal val="#ppt_y"/>
-                                          </p:val>
-                                        </p:tav>
-                                      </p:tavLst>
-                                    </p:anim>
-                                  </p:childTnLst>
-                                </p:cTn>
-                              </p:par>
-                              <p:par>
-                                <p:cTn id="10" presetID="42" presetClass="entr" presetSubtype="0" fill="hold" grpId="0" nodeType="withEffect">
-                                  <p:stCondLst>
-                                    <p:cond delay="0"/>
-                                  </p:stCondLst>
-                                  <p:childTnLst>
-                                    <p:set>
-                                      <p:cBhvr>
-                                        <p:cTn id="11" dur="1" fill="hold">
-                                          <p:stCondLst>
-                                            <p:cond delay="0"/>
-                                          </p:stCondLst>
-                                        </p:cTn>
-                                        <p:tgtEl>
-                                          <p:spTgt spid="16"/>
-                                        </p:tgtEl>
-                                        <p:attrNameLst>
-                                          <p:attrName>style.visibility</p:attrName>
-                                        </p:attrNameLst>
-                                      </p:cBhvr>
-                                      <p:to>
-                                        <p:strVal val="visible"/>
-                                      </p:to>
-                                    </p:set>
-                                    <p:animEffect transition="in" filter="fade">
-                                      <p:cBhvr>
-                                        <p:cTn id="12" dur="1000"/>
-                                        <p:tgtEl>
-                                          <p:spTgt spid="16"/>
-                                        </p:tgtEl>
-                                      </p:cBhvr>
-                                    </p:animEffect>
-                                    <p:anim calcmode="lin" valueType="num">
-                                      <p:cBhvr>
-                                        <p:cTn id="13" dur="1000" fill="hold"/>
-                                        <p:tgtEl>
-                                          <p:spTgt spid="16"/>
-                                        </p:tgtEl>
-                                        <p:attrNameLst>
-                                          <p:attrName>ppt_x</p:attrName>
-                                        </p:attrNameLst>
-                                      </p:cBhvr>
-                                      <p:tavLst>
-                                        <p:tav tm="0">
-                                          <p:val>
-                                            <p:strVal val="#ppt_x"/>
-                                          </p:val>
-                                        </p:tav>
-                                        <p:tav tm="100000">
-                                          <p:val>
-                                            <p:strVal val="#ppt_x"/>
-                                          </p:val>
-                                        </p:tav>
-                                      </p:tavLst>
-                                    </p:anim>
-                                    <p:anim calcmode="lin" valueType="num">
-                                      <p:cBhvr>
-                                        <p:cTn id="14" dur="1000" fill="hold"/>
-                                        <p:tgtEl>
-                                          <p:spTgt spid="16"/>
-                                        </p:tgtEl>
-                                        <p:attrNameLst>
-                                          <p:attrName>ppt_y</p:attrName>
-                                        </p:attrNameLst>
-                                      </p:cBhvr>
-                                      <p:tavLst>
-                                        <p:tav tm="0">
-                                          <p:val>
-                                            <p:strVal val="#ppt_y+.1"/>
-                                          </p:val>
-                                        </p:tav>
-                                        <p:tav tm="100000">
-                                          <p:val>
-                                            <p:strVal val="#ppt_y"/>
-                                          </p:val>
-                                        </p:tav>
-                                      </p:tavLst>
-                                    </p:anim>
-                                  </p:childTnLst>
-                                </p:cTn>
-                              </p:par>
-                            </p:childTnLst>
-                          </p:cTn>
-                        </p:par>
-                      </p:childTnLst>
-                    </p:cTn>
-                  </p:par>
-                  <p:par>
-                    <p:cTn id="15" fill="hold">
-                      <p:stCondLst>
-                        <p:cond delay="indefinite"/>
-                      </p:stCondLst>
-                      <p:childTnLst>
-                        <p:par>
-                          <p:cTn id="16" fill="hold">
-                            <p:stCondLst>
-                              <p:cond delay="0"/>
-                            </p:stCondLst>
-                            <p:childTnLst>
-                              <p:par>
-                                <p:cTn id="17" presetID="42" presetClass="entr" presetSubtype="0" fill="hold" nodeType="clickEffect">
-                                  <p:stCondLst>
-                                    <p:cond delay="0"/>
-                                  </p:stCondLst>
-                                  <p:childTnLst>
-                                    <p:set>
-                                      <p:cBhvr>
-                                        <p:cTn id="18" dur="1" fill="hold">
-                                          <p:stCondLst>
-                                            <p:cond delay="0"/>
-                                          </p:stCondLst>
-                                        </p:cTn>
-                                        <p:tgtEl>
-                                          <p:spTgt spid="11"/>
-                                        </p:tgtEl>
-                                        <p:attrNameLst>
-                                          <p:attrName>style.visibility</p:attrName>
-                                        </p:attrNameLst>
-                                      </p:cBhvr>
-                                      <p:to>
-                                        <p:strVal val="visible"/>
-                                      </p:to>
-                                    </p:set>
-                                    <p:animEffect transition="in" filter="fade">
-                                      <p:cBhvr>
-                                        <p:cTn id="19" dur="1000"/>
-                                        <p:tgtEl>
-                                          <p:spTgt spid="11"/>
-                                        </p:tgtEl>
-                                      </p:cBhvr>
-                                    </p:animEffect>
-                                    <p:anim calcmode="lin" valueType="num">
-                                      <p:cBhvr>
-                                        <p:cTn id="20" dur="1000" fill="hold"/>
-                                        <p:tgtEl>
-                                          <p:spTgt spid="11"/>
-                                        </p:tgtEl>
-                                        <p:attrNameLst>
-                                          <p:attrName>ppt_x</p:attrName>
-                                        </p:attrNameLst>
-                                      </p:cBhvr>
-                                      <p:tavLst>
-                                        <p:tav tm="0">
-                                          <p:val>
-                                            <p:strVal val="#ppt_x"/>
-                                          </p:val>
-                                        </p:tav>
-                                        <p:tav tm="100000">
-                                          <p:val>
-                                            <p:strVal val="#ppt_x"/>
-                                          </p:val>
-                                        </p:tav>
-                                      </p:tavLst>
-                                    </p:anim>
-                                    <p:anim calcmode="lin" valueType="num">
-                                      <p:cBhvr>
-                                        <p:cTn id="21" dur="1000" fill="hold"/>
-                                        <p:tgtEl>
-                                          <p:spTgt spid="11"/>
-                                        </p:tgtEl>
-                                        <p:attrNameLst>
-                                          <p:attrName>ppt_y</p:attrName>
-                                        </p:attrNameLst>
-                                      </p:cBhvr>
-                                      <p:tavLst>
-                                        <p:tav tm="0">
-                                          <p:val>
-                                            <p:strVal val="#ppt_y+.1"/>
-                                          </p:val>
-                                        </p:tav>
-                                        <p:tav tm="100000">
-                                          <p:val>
-                                            <p:strVal val="#ppt_y"/>
-                                          </p:val>
-                                        </p:tav>
-                                      </p:tavLst>
-                                    </p:anim>
-                                  </p:childTnLst>
-                                </p:cTn>
-                              </p:par>
-                              <p:par>
-                                <p:cTn id="22" presetID="42" presetClass="entr" presetSubtype="0" fill="hold" grpId="0" nodeType="withEffect">
-                                  <p:stCondLst>
-                                    <p:cond delay="0"/>
-                                  </p:stCondLst>
-                                  <p:childTnLst>
-                                    <p:set>
-                                      <p:cBhvr>
-                                        <p:cTn id="23" dur="1" fill="hold">
-                                          <p:stCondLst>
-                                            <p:cond delay="0"/>
-                                          </p:stCondLst>
-                                        </p:cTn>
-                                        <p:tgtEl>
-                                          <p:spTgt spid="2"/>
-                                        </p:tgtEl>
-                                        <p:attrNameLst>
-                                          <p:attrName>style.visibility</p:attrName>
-                                        </p:attrNameLst>
-                                      </p:cBhvr>
-                                      <p:to>
-                                        <p:strVal val="visible"/>
-                                      </p:to>
-                                    </p:set>
-                                    <p:animEffect transition="in" filter="fade">
-                                      <p:cBhvr>
-                                        <p:cTn id="24" dur="1000"/>
-                                        <p:tgtEl>
-                                          <p:spTgt spid="2"/>
-                                        </p:tgtEl>
-                                      </p:cBhvr>
-                                    </p:animEffect>
-                                    <p:anim calcmode="lin" valueType="num">
-                                      <p:cBhvr>
-                                        <p:cTn id="25" dur="1000" fill="hold"/>
-                                        <p:tgtEl>
-                                          <p:spTgt spid="2"/>
-                                        </p:tgtEl>
-                                        <p:attrNameLst>
-                                          <p:attrName>ppt_x</p:attrName>
-                                        </p:attrNameLst>
-                                      </p:cBhvr>
-                                      <p:tavLst>
-                                        <p:tav tm="0">
-                                          <p:val>
-                                            <p:strVal val="#ppt_x"/>
-                                          </p:val>
-                                        </p:tav>
-                                        <p:tav tm="100000">
-                                          <p:val>
-                                            <p:strVal val="#ppt_x"/>
-                                          </p:val>
-                                        </p:tav>
-                                      </p:tavLst>
-                                    </p:anim>
-                                    <p:anim calcmode="lin" valueType="num">
-                                      <p:cBhvr>
-                                        <p:cTn id="26" dur="1000" fill="hold"/>
-                                        <p:tgtEl>
-                                          <p:spTgt spid="2"/>
-                                        </p:tgtEl>
-                                        <p:attrNameLst>
-                                          <p:attrName>ppt_y</p:attrName>
-                                        </p:attrNameLst>
-                                      </p:cBhvr>
-                                      <p:tavLst>
-                                        <p:tav tm="0">
-                                          <p:val>
-                                            <p:strVal val="#ppt_y+.1"/>
-                                          </p:val>
-                                        </p:tav>
-                                        <p:tav tm="100000">
-                                          <p:val>
-                                            <p:strVal val="#ppt_y"/>
-                                          </p:val>
-                                        </p:tav>
-                                      </p:tavLst>
-                                    </p:anim>
-                                  </p:childTnLst>
-                                </p:cTn>
-                              </p:par>
-                            </p:childTnLst>
-                          </p:cTn>
-                        </p:par>
-                      </p:childTnLst>
-                    </p:cTn>
-                  </p:par>
-                  <p:par>
-                    <p:cTn id="27" fill="hold">
-                      <p:stCondLst>
-                        <p:cond delay="indefinite"/>
-                      </p:stCondLst>
-                      <p:childTnLst>
-                        <p:par>
-                          <p:cTn id="28" fill="hold">
-                            <p:stCondLst>
-                              <p:cond delay="0"/>
-                            </p:stCondLst>
-                            <p:childTnLst>
-                              <p:par>
-                                <p:cTn id="29" presetID="42" presetClass="entr" presetSubtype="0" fill="hold" grpId="0" nodeType="clickEffect">
-                                  <p:stCondLst>
-                                    <p:cond delay="0"/>
-                                  </p:stCondLst>
-                                  <p:childTnLst>
-                                    <p:set>
-                                      <p:cBhvr>
-                                        <p:cTn id="30" dur="1" fill="hold">
-                                          <p:stCondLst>
-                                            <p:cond delay="0"/>
-                                          </p:stCondLst>
-                                        </p:cTn>
-                                        <p:tgtEl>
-                                          <p:spTgt spid="20"/>
-                                        </p:tgtEl>
-                                        <p:attrNameLst>
-                                          <p:attrName>style.visibility</p:attrName>
-                                        </p:attrNameLst>
-                                      </p:cBhvr>
-                                      <p:to>
-                                        <p:strVal val="visible"/>
-                                      </p:to>
-                                    </p:set>
-                                    <p:animEffect transition="in" filter="fade">
-                                      <p:cBhvr>
-                                        <p:cTn id="31" dur="1000"/>
-                                        <p:tgtEl>
-                                          <p:spTgt spid="20"/>
-                                        </p:tgtEl>
-                                      </p:cBhvr>
-                                    </p:animEffect>
-                                    <p:anim calcmode="lin" valueType="num">
-                                      <p:cBhvr>
-                                        <p:cTn id="32" dur="1000" fill="hold"/>
-                                        <p:tgtEl>
-                                          <p:spTgt spid="20"/>
-                                        </p:tgtEl>
-                                        <p:attrNameLst>
-                                          <p:attrName>ppt_x</p:attrName>
-                                        </p:attrNameLst>
-                                      </p:cBhvr>
-                                      <p:tavLst>
-                                        <p:tav tm="0">
-                                          <p:val>
-                                            <p:strVal val="#ppt_x"/>
-                                          </p:val>
-                                        </p:tav>
-                                        <p:tav tm="100000">
-                                          <p:val>
-                                            <p:strVal val="#ppt_x"/>
-                                          </p:val>
-                                        </p:tav>
-                                      </p:tavLst>
-                                    </p:anim>
-                                    <p:anim calcmode="lin" valueType="num">
-                                      <p:cBhvr>
-                                        <p:cTn id="33" dur="1000" fill="hold"/>
-                                        <p:tgtEl>
-                                          <p:spTgt spid="20"/>
-                                        </p:tgtEl>
-                                        <p:attrNameLst>
-                                          <p:attrName>ppt_y</p:attrName>
-                                        </p:attrNameLst>
-                                      </p:cBhvr>
-                                      <p:tavLst>
-                                        <p:tav tm="0">
-                                          <p:val>
-                                            <p:strVal val="#ppt_y+.1"/>
-                                          </p:val>
-                                        </p:tav>
-                                        <p:tav tm="100000">
-                                          <p:val>
-                                            <p:strVal val="#ppt_y"/>
-                                          </p:val>
-                                        </p:tav>
-                                      </p:tavLst>
-                                    </p:anim>
-                                  </p:childTnLst>
-                                </p:cTn>
-                              </p:par>
-                              <p:par>
-                                <p:cTn id="34" presetID="42" presetClass="entr" presetSubtype="0" fill="hold" nodeType="withEffect">
-                                  <p:stCondLst>
-                                    <p:cond delay="0"/>
-                                  </p:stCondLst>
-                                  <p:childTnLst>
-                                    <p:set>
-                                      <p:cBhvr>
-                                        <p:cTn id="35" dur="1" fill="hold">
-                                          <p:stCondLst>
-                                            <p:cond delay="0"/>
-                                          </p:stCondLst>
-                                        </p:cTn>
-                                        <p:tgtEl>
-                                          <p:spTgt spid="19"/>
-                                        </p:tgtEl>
-                                        <p:attrNameLst>
-                                          <p:attrName>style.visibility</p:attrName>
-                                        </p:attrNameLst>
-                                      </p:cBhvr>
-                                      <p:to>
-                                        <p:strVal val="visible"/>
-                                      </p:to>
-                                    </p:set>
-                                    <p:animEffect transition="in" filter="fade">
-                                      <p:cBhvr>
-                                        <p:cTn id="36" dur="1000"/>
-                                        <p:tgtEl>
-                                          <p:spTgt spid="19"/>
-                                        </p:tgtEl>
-                                      </p:cBhvr>
-                                    </p:animEffect>
-                                    <p:anim calcmode="lin" valueType="num">
-                                      <p:cBhvr>
-                                        <p:cTn id="37" dur="1000" fill="hold"/>
-                                        <p:tgtEl>
-                                          <p:spTgt spid="19"/>
-                                        </p:tgtEl>
-                                        <p:attrNameLst>
-                                          <p:attrName>ppt_x</p:attrName>
-                                        </p:attrNameLst>
-                                      </p:cBhvr>
-                                      <p:tavLst>
-                                        <p:tav tm="0">
-                                          <p:val>
-                                            <p:strVal val="#ppt_x"/>
-                                          </p:val>
-                                        </p:tav>
-                                        <p:tav tm="100000">
-                                          <p:val>
-                                            <p:strVal val="#ppt_x"/>
-                                          </p:val>
-                                        </p:tav>
-                                      </p:tavLst>
-                                    </p:anim>
-                                    <p:anim calcmode="lin" valueType="num">
-                                      <p:cBhvr>
-                                        <p:cTn id="38" dur="1000" fill="hold"/>
-                                        <p:tgtEl>
-                                          <p:spTgt spid="19"/>
-                                        </p:tgtEl>
-                                        <p:attrNameLst>
-                                          <p:attrName>ppt_y</p:attrName>
-                                        </p:attrNameLst>
-                                      </p:cBhvr>
-                                      <p:tavLst>
-                                        <p:tav tm="0">
-                                          <p:val>
-                                            <p:strVal val="#ppt_y+.1"/>
-                                          </p:val>
-                                        </p:tav>
-                                        <p:tav tm="100000">
-                                          <p:val>
-                                            <p:strVal val="#ppt_y"/>
-                                          </p:val>
-                                        </p:tav>
-                                      </p:tavLst>
-                                    </p:anim>
-                                  </p:childTnLst>
-                                </p:cTn>
-                              </p:par>
-                            </p:childTnLst>
-                          </p:cTn>
-                        </p:par>
-                      </p:childTnLst>
-                    </p:cTn>
-                  </p:par>
-                  <p:par>
-                    <p:cTn id="39" fill="hold">
-                      <p:stCondLst>
-                        <p:cond delay="indefinite"/>
-                      </p:stCondLst>
-                      <p:childTnLst>
-                        <p:par>
-                          <p:cTn id="40" fill="hold">
-                            <p:stCondLst>
-                              <p:cond delay="0"/>
-                            </p:stCondLst>
-                            <p:childTnLst>
-                              <p:par>
-                                <p:cTn id="41" presetID="42" presetClass="entr" presetSubtype="0" fill="hold" grpId="0" nodeType="clickEffect">
-                                  <p:stCondLst>
-                                    <p:cond delay="0"/>
-                                  </p:stCondLst>
-                                  <p:childTnLst>
-                                    <p:set>
-                                      <p:cBhvr>
-                                        <p:cTn id="42" dur="1" fill="hold">
                                           <p:stCondLst>
                                             <p:cond delay="0"/>
                                           </p:stCondLst>
@@ -40313,7 +41673,7 @@
                                     </p:set>
                                     <p:animEffect transition="in" filter="fade">
                                       <p:cBhvr>
-                                        <p:cTn id="43" dur="1000"/>
+                                        <p:cTn id="7" dur="1000"/>
                                         <p:tgtEl>
                                           <p:spTgt spid="25"/>
                                         </p:tgtEl>
@@ -40321,7 +41681,7 @@
                                     </p:animEffect>
                                     <p:anim calcmode="lin" valueType="num">
                                       <p:cBhvr>
-                                        <p:cTn id="44" dur="1000" fill="hold"/>
+                                        <p:cTn id="8" dur="1000" fill="hold"/>
                                         <p:tgtEl>
                                           <p:spTgt spid="25"/>
                                         </p:tgtEl>
@@ -40344,7 +41704,7 @@
                                     </p:anim>
                                     <p:anim calcmode="lin" valueType="num">
                                       <p:cBhvr>
-                                        <p:cTn id="45" dur="1000" fill="hold"/>
+                                        <p:cTn id="9" dur="1000" fill="hold"/>
                                         <p:tgtEl>
                                           <p:spTgt spid="25"/>
                                         </p:tgtEl>
@@ -40396,9 +41756,6 @@
       </p:par>
     </p:tnLst>
     <p:bldLst>
-      <p:bldP spid="2" grpId="0"/>
-      <p:bldP spid="16" grpId="0"/>
-      <p:bldP spid="20" grpId="0"/>
       <p:bldP spid="25" grpId="0" animBg="1"/>
     </p:bldLst>
   </p:timing>

--- a/Documents/Project report Vero/Presentation/Presentation_V2.pptx
+++ b/Documents/Project report Vero/Presentation/Presentation_V2.pptx
@@ -325,11 +325,11 @@
           <c:showBubbleSize val="0"/>
         </c:dLbls>
         <c:gapWidth val="150"/>
-        <c:axId val="149224832"/>
-        <c:axId val="160265344"/>
+        <c:axId val="59088256"/>
+        <c:axId val="59577472"/>
       </c:barChart>
       <c:catAx>
-        <c:axId val="149224832"/>
+        <c:axId val="59088256"/>
         <c:scaling>
           <c:orientation val="minMax"/>
         </c:scaling>
@@ -338,7 +338,7 @@
         <c:majorTickMark val="out"/>
         <c:minorTickMark val="none"/>
         <c:tickLblPos val="nextTo"/>
-        <c:crossAx val="160265344"/>
+        <c:crossAx val="59577472"/>
         <c:crosses val="autoZero"/>
         <c:auto val="1"/>
         <c:lblAlgn val="ctr"/>
@@ -346,7 +346,7 @@
         <c:noMultiLvlLbl val="0"/>
       </c:catAx>
       <c:valAx>
-        <c:axId val="160265344"/>
+        <c:axId val="59577472"/>
         <c:scaling>
           <c:orientation val="minMax"/>
         </c:scaling>
@@ -357,7 +357,7 @@
         <c:majorTickMark val="out"/>
         <c:minorTickMark val="none"/>
         <c:tickLblPos val="nextTo"/>
-        <c:crossAx val="149224832"/>
+        <c:crossAx val="59088256"/>
         <c:crosses val="autoZero"/>
         <c:crossBetween val="between"/>
       </c:valAx>
@@ -522,12 +522,12 @@
         </c:dLbls>
         <c:gapWidth val="75"/>
         <c:shape val="cylinder"/>
-        <c:axId val="168588800"/>
-        <c:axId val="168590336"/>
-        <c:axId val="190953216"/>
+        <c:axId val="59409920"/>
+        <c:axId val="59411456"/>
+        <c:axId val="59313664"/>
       </c:bar3DChart>
       <c:catAx>
-        <c:axId val="168588800"/>
+        <c:axId val="59409920"/>
         <c:scaling>
           <c:orientation val="minMax"/>
         </c:scaling>
@@ -536,7 +536,7 @@
         <c:majorTickMark val="none"/>
         <c:minorTickMark val="none"/>
         <c:tickLblPos val="nextTo"/>
-        <c:crossAx val="168590336"/>
+        <c:crossAx val="59411456"/>
         <c:crosses val="autoZero"/>
         <c:auto val="1"/>
         <c:lblAlgn val="ctr"/>
@@ -544,7 +544,7 @@
         <c:noMultiLvlLbl val="0"/>
       </c:catAx>
       <c:valAx>
-        <c:axId val="168590336"/>
+        <c:axId val="59411456"/>
         <c:scaling>
           <c:orientation val="minMax"/>
         </c:scaling>
@@ -554,12 +554,12 @@
         <c:majorTickMark val="none"/>
         <c:minorTickMark val="none"/>
         <c:tickLblPos val="nextTo"/>
-        <c:crossAx val="168588800"/>
+        <c:crossAx val="59409920"/>
         <c:crosses val="autoZero"/>
         <c:crossBetween val="between"/>
       </c:valAx>
       <c:serAx>
-        <c:axId val="190953216"/>
+        <c:axId val="59313664"/>
         <c:scaling>
           <c:orientation val="minMax"/>
         </c:scaling>
@@ -568,7 +568,7 @@
         <c:majorTickMark val="none"/>
         <c:minorTickMark val="none"/>
         <c:tickLblPos val="nextTo"/>
-        <c:crossAx val="168590336"/>
+        <c:crossAx val="59411456"/>
         <c:crosses val="autoZero"/>
       </c:serAx>
     </c:plotArea>
@@ -777,12 +777,12 @@
         </c:dLbls>
         <c:gapWidth val="75"/>
         <c:shape val="cylinder"/>
-        <c:axId val="208960512"/>
-        <c:axId val="208970496"/>
-        <c:axId val="208946048"/>
+        <c:axId val="59501568"/>
+        <c:axId val="128910080"/>
+        <c:axId val="74316416"/>
       </c:bar3DChart>
       <c:catAx>
-        <c:axId val="208960512"/>
+        <c:axId val="59501568"/>
         <c:scaling>
           <c:orientation val="minMax"/>
         </c:scaling>
@@ -791,7 +791,7 @@
         <c:majorTickMark val="none"/>
         <c:minorTickMark val="none"/>
         <c:tickLblPos val="nextTo"/>
-        <c:crossAx val="208970496"/>
+        <c:crossAx val="128910080"/>
         <c:crosses val="autoZero"/>
         <c:auto val="1"/>
         <c:lblAlgn val="ctr"/>
@@ -799,7 +799,7 @@
         <c:noMultiLvlLbl val="0"/>
       </c:catAx>
       <c:valAx>
-        <c:axId val="208970496"/>
+        <c:axId val="128910080"/>
         <c:scaling>
           <c:orientation val="minMax"/>
         </c:scaling>
@@ -809,12 +809,12 @@
         <c:majorTickMark val="none"/>
         <c:minorTickMark val="none"/>
         <c:tickLblPos val="nextTo"/>
-        <c:crossAx val="208960512"/>
+        <c:crossAx val="59501568"/>
         <c:crosses val="autoZero"/>
         <c:crossBetween val="between"/>
       </c:valAx>
       <c:serAx>
-        <c:axId val="208946048"/>
+        <c:axId val="74316416"/>
         <c:scaling>
           <c:orientation val="minMax"/>
         </c:scaling>
@@ -823,7 +823,7 @@
         <c:majorTickMark val="none"/>
         <c:minorTickMark val="none"/>
         <c:tickLblPos val="nextTo"/>
-        <c:crossAx val="208970496"/>
+        <c:crossAx val="128910080"/>
         <c:crosses val="autoZero"/>
       </c:serAx>
     </c:plotArea>
@@ -10253,7 +10253,7 @@
           <a:p>
             <a:fld id="{0566BE70-30C3-4B6B-BB66-07A039C630E3}" type="datetimeFigureOut">
               <a:rPr lang="es-ES" smtClean="0"/>
-              <a:t>08/07/2015</a:t>
+              <a:t>09/07/2015</a:t>
             </a:fld>
             <a:endParaRPr lang="es-ES"/>
           </a:p>
@@ -10870,7 +10870,7 @@
           <a:p>
             <a:fld id="{093AD72A-029F-46E5-975B-813CA9779ACF}" type="datetimeFigureOut">
               <a:rPr lang="es-ES" smtClean="0"/>
-              <a:t>08/07/2015</a:t>
+              <a:t>09/07/2015</a:t>
             </a:fld>
             <a:endParaRPr lang="es-ES"/>
           </a:p>
@@ -11040,7 +11040,7 @@
           <a:p>
             <a:fld id="{093AD72A-029F-46E5-975B-813CA9779ACF}" type="datetimeFigureOut">
               <a:rPr lang="es-ES" smtClean="0"/>
-              <a:t>08/07/2015</a:t>
+              <a:t>09/07/2015</a:t>
             </a:fld>
             <a:endParaRPr lang="es-ES"/>
           </a:p>
@@ -11220,7 +11220,7 @@
           <a:p>
             <a:fld id="{093AD72A-029F-46E5-975B-813CA9779ACF}" type="datetimeFigureOut">
               <a:rPr lang="es-ES" smtClean="0"/>
-              <a:t>08/07/2015</a:t>
+              <a:t>09/07/2015</a:t>
             </a:fld>
             <a:endParaRPr lang="es-ES"/>
           </a:p>
@@ -11390,7 +11390,7 @@
           <a:p>
             <a:fld id="{093AD72A-029F-46E5-975B-813CA9779ACF}" type="datetimeFigureOut">
               <a:rPr lang="es-ES" smtClean="0"/>
-              <a:t>08/07/2015</a:t>
+              <a:t>09/07/2015</a:t>
             </a:fld>
             <a:endParaRPr lang="es-ES"/>
           </a:p>
@@ -11636,7 +11636,7 @@
           <a:p>
             <a:fld id="{093AD72A-029F-46E5-975B-813CA9779ACF}" type="datetimeFigureOut">
               <a:rPr lang="es-ES" smtClean="0"/>
-              <a:t>08/07/2015</a:t>
+              <a:t>09/07/2015</a:t>
             </a:fld>
             <a:endParaRPr lang="es-ES"/>
           </a:p>
@@ -11924,7 +11924,7 @@
           <a:p>
             <a:fld id="{093AD72A-029F-46E5-975B-813CA9779ACF}" type="datetimeFigureOut">
               <a:rPr lang="es-ES" smtClean="0"/>
-              <a:t>08/07/2015</a:t>
+              <a:t>09/07/2015</a:t>
             </a:fld>
             <a:endParaRPr lang="es-ES"/>
           </a:p>
@@ -12346,7 +12346,7 @@
           <a:p>
             <a:fld id="{093AD72A-029F-46E5-975B-813CA9779ACF}" type="datetimeFigureOut">
               <a:rPr lang="es-ES" smtClean="0"/>
-              <a:t>08/07/2015</a:t>
+              <a:t>09/07/2015</a:t>
             </a:fld>
             <a:endParaRPr lang="es-ES"/>
           </a:p>
@@ -12464,7 +12464,7 @@
           <a:p>
             <a:fld id="{093AD72A-029F-46E5-975B-813CA9779ACF}" type="datetimeFigureOut">
               <a:rPr lang="es-ES" smtClean="0"/>
-              <a:t>08/07/2015</a:t>
+              <a:t>09/07/2015</a:t>
             </a:fld>
             <a:endParaRPr lang="es-ES"/>
           </a:p>
@@ -12559,7 +12559,7 @@
           <a:p>
             <a:fld id="{093AD72A-029F-46E5-975B-813CA9779ACF}" type="datetimeFigureOut">
               <a:rPr lang="es-ES" smtClean="0"/>
-              <a:t>08/07/2015</a:t>
+              <a:t>09/07/2015</a:t>
             </a:fld>
             <a:endParaRPr lang="es-ES"/>
           </a:p>
@@ -12836,7 +12836,7 @@
           <a:p>
             <a:fld id="{093AD72A-029F-46E5-975B-813CA9779ACF}" type="datetimeFigureOut">
               <a:rPr lang="es-ES" smtClean="0"/>
-              <a:t>08/07/2015</a:t>
+              <a:t>09/07/2015</a:t>
             </a:fld>
             <a:endParaRPr lang="es-ES"/>
           </a:p>
@@ -13089,7 +13089,7 @@
           <a:p>
             <a:fld id="{093AD72A-029F-46E5-975B-813CA9779ACF}" type="datetimeFigureOut">
               <a:rPr lang="es-ES" smtClean="0"/>
-              <a:t>08/07/2015</a:t>
+              <a:t>09/07/2015</a:t>
             </a:fld>
             <a:endParaRPr lang="es-ES"/>
           </a:p>
@@ -13302,7 +13302,7 @@
           <a:p>
             <a:fld id="{093AD72A-029F-46E5-975B-813CA9779ACF}" type="datetimeFigureOut">
               <a:rPr lang="es-ES" smtClean="0"/>
-              <a:t>08/07/2015</a:t>
+              <a:t>09/07/2015</a:t>
             </a:fld>
             <a:endParaRPr lang="es-ES"/>
           </a:p>
@@ -32400,7 +32400,7 @@
               <a:buChar char="ü"/>
             </a:pPr>
             <a:r>
-              <a:rPr lang="es-ES" dirty="0" smtClean="0">
+              <a:rPr lang="es-ES" b="1" dirty="0" smtClean="0">
                 <a:latin typeface="Arial Narrow" pitchFamily="34" charset="0"/>
               </a:rPr>
               <a:t>Sincronización</a:t>
@@ -32424,7 +32424,7 @@
               <a:buChar char="ü"/>
             </a:pPr>
             <a:r>
-              <a:rPr lang="es-ES" dirty="0" smtClean="0">
+              <a:rPr lang="es-ES" b="1" dirty="0" smtClean="0">
                 <a:latin typeface="Arial Narrow" pitchFamily="34" charset="0"/>
               </a:rPr>
               <a:t>Análisis APA</a:t>
@@ -32466,7 +32466,7 @@
               <a:buChar char="ü"/>
             </a:pPr>
             <a:r>
-              <a:rPr lang="es-ES" dirty="0" smtClean="0">
+              <a:rPr lang="es-ES" b="1" dirty="0" smtClean="0">
                 <a:latin typeface="Arial Narrow" pitchFamily="34" charset="0"/>
               </a:rPr>
               <a:t>Clasificación de datos de fuerza</a:t>
@@ -32502,7 +32502,7 @@
               <a:buChar char="ü"/>
             </a:pPr>
             <a:r>
-              <a:rPr lang="es-ES" dirty="0" smtClean="0">
+              <a:rPr lang="es-ES" b="1" dirty="0" smtClean="0">
                 <a:latin typeface="Arial Narrow" pitchFamily="34" charset="0"/>
               </a:rPr>
               <a:t>QS vs GW</a:t>
@@ -33423,7 +33423,7 @@
               <a:buChar char="ü"/>
             </a:pPr>
             <a:r>
-              <a:rPr lang="es-ES" dirty="0" smtClean="0">
+              <a:rPr lang="es-ES" b="1" dirty="0" smtClean="0">
                 <a:latin typeface="Arial Narrow" pitchFamily="34" charset="0"/>
               </a:rPr>
               <a:t>FP and GW</a:t>
@@ -33459,7 +33459,7 @@
               <a:buChar char="ü"/>
             </a:pPr>
             <a:r>
-              <a:rPr lang="es-ES" dirty="0" smtClean="0">
+              <a:rPr lang="es-ES" b="1" dirty="0" smtClean="0">
                 <a:latin typeface="Arial Narrow" pitchFamily="34" charset="0"/>
               </a:rPr>
               <a:t>Análisis APA</a:t>
@@ -33507,7 +33507,7 @@
               <a:buChar char="ü"/>
             </a:pPr>
             <a:r>
-              <a:rPr lang="es-ES" dirty="0" smtClean="0">
+              <a:rPr lang="es-ES" b="1" dirty="0" smtClean="0">
                 <a:latin typeface="Arial Narrow" pitchFamily="34" charset="0"/>
               </a:rPr>
               <a:t>Clasificación de datos de fuerza</a:t>
@@ -33525,10 +33525,10 @@
               <a:t>Clasificar haciendo otro tipo de </a:t>
             </a:r>
             <a:r>
-              <a:rPr lang="es-ES" dirty="0" err="1" smtClean="0">
-                <a:latin typeface="Arial Narrow" pitchFamily="34" charset="0"/>
-              </a:rPr>
-              <a:t>actividadeds</a:t>
+              <a:rPr lang="es-ES" dirty="0" smtClean="0">
+                <a:latin typeface="Arial Narrow" pitchFamily="34" charset="0"/>
+              </a:rPr>
+              <a:t>actividades</a:t>
             </a:r>
             <a:r>
               <a:rPr lang="es-ES" dirty="0" smtClean="0">
@@ -33543,7 +33543,7 @@
               <a:buChar char="ü"/>
             </a:pPr>
             <a:r>
-              <a:rPr lang="es-ES" dirty="0" smtClean="0">
+              <a:rPr lang="es-ES" b="1" dirty="0" smtClean="0">
                 <a:latin typeface="Arial Narrow" pitchFamily="34" charset="0"/>
               </a:rPr>
               <a:t>QS vs GW</a:t>
@@ -35021,7 +35021,13 @@
           <a:lstStyle/>
           <a:p>
             <a:pPr algn="ctr"/>
-            <a:endParaRPr lang="es-ES" sz="1400" dirty="0"/>
+            <a:endParaRPr lang="es-ES" sz="1400" dirty="0">
+              <a:solidFill>
+                <a:schemeClr val="bg1">
+                  <a:lumMod val="50000"/>
+                </a:schemeClr>
+              </a:solidFill>
+            </a:endParaRPr>
           </a:p>
         </p:txBody>
       </p:sp>
@@ -35071,7 +35077,13 @@
           <a:lstStyle/>
           <a:p>
             <a:pPr algn="ctr"/>
-            <a:endParaRPr lang="es-ES" dirty="0"/>
+            <a:endParaRPr lang="es-ES" dirty="0">
+              <a:solidFill>
+                <a:schemeClr val="bg1">
+                  <a:lumMod val="50000"/>
+                </a:schemeClr>
+              </a:solidFill>
+            </a:endParaRPr>
           </a:p>
         </p:txBody>
       </p:sp>
@@ -35121,7 +35133,13 @@
           <a:lstStyle/>
           <a:p>
             <a:pPr algn="ctr"/>
-            <a:endParaRPr lang="es-ES" dirty="0"/>
+            <a:endParaRPr lang="es-ES" dirty="0">
+              <a:solidFill>
+                <a:schemeClr val="bg1">
+                  <a:lumMod val="50000"/>
+                </a:schemeClr>
+              </a:solidFill>
+            </a:endParaRPr>
           </a:p>
         </p:txBody>
       </p:sp>
@@ -35171,7 +35189,13 @@
           <a:lstStyle/>
           <a:p>
             <a:pPr algn="ctr"/>
-            <a:endParaRPr lang="es-ES" dirty="0"/>
+            <a:endParaRPr lang="es-ES" dirty="0">
+              <a:solidFill>
+                <a:schemeClr val="bg1">
+                  <a:lumMod val="50000"/>
+                </a:schemeClr>
+              </a:solidFill>
+            </a:endParaRPr>
           </a:p>
         </p:txBody>
       </p:sp>
@@ -35438,7 +35462,9 @@
                   <a:prstDash val="solid"/>
                 </a:ln>
                 <a:solidFill>
-                  <a:schemeClr val="bg1"/>
+                  <a:schemeClr val="bg1">
+                    <a:lumMod val="50000"/>
+                  </a:schemeClr>
                 </a:solidFill>
                 <a:effectLst>
                   <a:glow>
@@ -35468,7 +35494,9 @@
                   <a:prstDash val="solid"/>
                 </a:ln>
                 <a:solidFill>
-                  <a:schemeClr val="bg1"/>
+                  <a:schemeClr val="bg1">
+                    <a:lumMod val="50000"/>
+                  </a:schemeClr>
                 </a:solidFill>
                 <a:effectLst>
                   <a:glow>
@@ -35497,7 +35525,9 @@
                 <a:prstDash val="solid"/>
               </a:ln>
               <a:solidFill>
-                <a:schemeClr val="bg1"/>
+                <a:schemeClr val="bg1">
+                  <a:lumMod val="50000"/>
+                </a:schemeClr>
               </a:solidFill>
               <a:effectLst>
                 <a:glow>
@@ -35550,7 +35580,9 @@
                   <a:prstDash val="solid"/>
                 </a:ln>
                 <a:solidFill>
-                  <a:srgbClr val="FFFFFF"/>
+                  <a:schemeClr val="bg1">
+                    <a:lumMod val="50000"/>
+                  </a:schemeClr>
                 </a:solidFill>
                 <a:effectLst>
                   <a:glow>
@@ -35580,7 +35612,9 @@
                   <a:prstDash val="solid"/>
                 </a:ln>
                 <a:solidFill>
-                  <a:srgbClr val="FFFFFF"/>
+                  <a:schemeClr val="bg1">
+                    <a:lumMod val="50000"/>
+                  </a:schemeClr>
                 </a:solidFill>
                 <a:effectLst>
                   <a:glow>
@@ -35635,7 +35669,9 @@
                   <a:prstDash val="solid"/>
                 </a:ln>
                 <a:solidFill>
-                  <a:srgbClr val="FFFFFF"/>
+                  <a:schemeClr val="bg1">
+                    <a:lumMod val="50000"/>
+                  </a:schemeClr>
                 </a:solidFill>
                 <a:effectLst>
                   <a:glow>
@@ -35664,7 +35700,9 @@
                 <a:prstDash val="solid"/>
               </a:ln>
               <a:solidFill>
-                <a:srgbClr val="FFFFFF"/>
+                <a:schemeClr val="bg1">
+                  <a:lumMod val="50000"/>
+                </a:schemeClr>
               </a:solidFill>
               <a:effectLst>
                 <a:glow>
@@ -35717,7 +35755,9 @@
                   <a:prstDash val="solid"/>
                 </a:ln>
                 <a:solidFill>
-                  <a:srgbClr val="FFFFFF"/>
+                  <a:schemeClr val="bg1">
+                    <a:lumMod val="50000"/>
+                  </a:schemeClr>
                 </a:solidFill>
                 <a:effectLst>
                   <a:glow>
@@ -35747,7 +35787,9 @@
                   <a:prstDash val="solid"/>
                 </a:ln>
                 <a:solidFill>
-                  <a:srgbClr val="FFFFFF"/>
+                  <a:schemeClr val="bg1">
+                    <a:lumMod val="50000"/>
+                  </a:schemeClr>
                 </a:solidFill>
                 <a:effectLst>
                   <a:glow>
@@ -35777,7 +35819,9 @@
                   <a:prstDash val="solid"/>
                 </a:ln>
                 <a:solidFill>
-                  <a:srgbClr val="FFFFFF"/>
+                  <a:schemeClr val="bg1">
+                    <a:lumMod val="50000"/>
+                  </a:schemeClr>
                 </a:solidFill>
                 <a:effectLst>
                   <a:glow>
@@ -35806,7 +35850,9 @@
                 <a:prstDash val="solid"/>
               </a:ln>
               <a:solidFill>
-                <a:srgbClr val="FFFFFF"/>
+                <a:schemeClr val="bg1">
+                  <a:lumMod val="50000"/>
+                </a:schemeClr>
               </a:solidFill>
               <a:effectLst>
                 <a:glow>
@@ -37417,7 +37463,13 @@
           <a:lstStyle/>
           <a:p>
             <a:pPr algn="ctr"/>
-            <a:endParaRPr lang="es-ES" sz="1400" dirty="0"/>
+            <a:endParaRPr lang="es-ES" sz="1400" dirty="0">
+              <a:solidFill>
+                <a:schemeClr val="bg1">
+                  <a:lumMod val="50000"/>
+                </a:schemeClr>
+              </a:solidFill>
+            </a:endParaRPr>
           </a:p>
         </p:txBody>
       </p:sp>
@@ -37467,7 +37519,13 @@
           <a:lstStyle/>
           <a:p>
             <a:pPr algn="ctr"/>
-            <a:endParaRPr lang="es-ES" dirty="0"/>
+            <a:endParaRPr lang="es-ES" dirty="0">
+              <a:solidFill>
+                <a:schemeClr val="bg1">
+                  <a:lumMod val="50000"/>
+                </a:schemeClr>
+              </a:solidFill>
+            </a:endParaRPr>
           </a:p>
         </p:txBody>
       </p:sp>
@@ -37517,7 +37575,13 @@
           <a:lstStyle/>
           <a:p>
             <a:pPr algn="ctr"/>
-            <a:endParaRPr lang="es-ES" dirty="0"/>
+            <a:endParaRPr lang="es-ES" dirty="0">
+              <a:solidFill>
+                <a:schemeClr val="bg1">
+                  <a:lumMod val="50000"/>
+                </a:schemeClr>
+              </a:solidFill>
+            </a:endParaRPr>
           </a:p>
         </p:txBody>
       </p:sp>
@@ -37567,7 +37631,13 @@
           <a:lstStyle/>
           <a:p>
             <a:pPr algn="ctr"/>
-            <a:endParaRPr lang="es-ES" dirty="0"/>
+            <a:endParaRPr lang="es-ES" dirty="0">
+              <a:solidFill>
+                <a:schemeClr val="bg1">
+                  <a:lumMod val="50000"/>
+                </a:schemeClr>
+              </a:solidFill>
+            </a:endParaRPr>
           </a:p>
         </p:txBody>
       </p:sp>
@@ -37605,7 +37675,9 @@
                   <a:prstDash val="solid"/>
                 </a:ln>
                 <a:solidFill>
-                  <a:schemeClr val="bg1"/>
+                  <a:schemeClr val="bg1">
+                    <a:lumMod val="50000"/>
+                  </a:schemeClr>
                 </a:solidFill>
                 <a:effectLst>
                   <a:glow>
@@ -37635,7 +37707,9 @@
                   <a:prstDash val="solid"/>
                 </a:ln>
                 <a:solidFill>
-                  <a:schemeClr val="bg1"/>
+                  <a:schemeClr val="bg1">
+                    <a:lumMod val="50000"/>
+                  </a:schemeClr>
                 </a:solidFill>
                 <a:effectLst>
                   <a:glow>
@@ -37665,7 +37739,9 @@
                   <a:prstDash val="solid"/>
                 </a:ln>
                 <a:solidFill>
-                  <a:schemeClr val="bg1"/>
+                  <a:schemeClr val="bg1">
+                    <a:lumMod val="50000"/>
+                  </a:schemeClr>
                 </a:solidFill>
                 <a:effectLst>
                   <a:glow>
@@ -37694,7 +37770,9 @@
                 <a:prstDash val="solid"/>
               </a:ln>
               <a:solidFill>
-                <a:schemeClr val="bg1"/>
+                <a:schemeClr val="bg1">
+                  <a:lumMod val="50000"/>
+                </a:schemeClr>
               </a:solidFill>
               <a:effectLst>
                 <a:glow>
@@ -37747,7 +37825,9 @@
                   <a:prstDash val="solid"/>
                 </a:ln>
                 <a:solidFill>
-                  <a:srgbClr val="FFFFFF"/>
+                  <a:schemeClr val="bg1">
+                    <a:lumMod val="50000"/>
+                  </a:schemeClr>
                 </a:solidFill>
                 <a:effectLst>
                   <a:glow>
@@ -37776,7 +37856,9 @@
                 <a:prstDash val="solid"/>
               </a:ln>
               <a:solidFill>
-                <a:srgbClr val="FFFFFF"/>
+                <a:schemeClr val="bg1">
+                  <a:lumMod val="50000"/>
+                </a:schemeClr>
               </a:solidFill>
               <a:effectLst>
                 <a:glow>
@@ -37829,7 +37911,9 @@
                   <a:prstDash val="solid"/>
                 </a:ln>
                 <a:solidFill>
-                  <a:srgbClr val="FFFFFF"/>
+                  <a:schemeClr val="bg1">
+                    <a:lumMod val="50000"/>
+                  </a:schemeClr>
                 </a:solidFill>
                 <a:effectLst>
                   <a:glow>
@@ -37858,7 +37942,9 @@
                 <a:prstDash val="solid"/>
               </a:ln>
               <a:solidFill>
-                <a:srgbClr val="FFFFFF"/>
+                <a:schemeClr val="bg1">
+                  <a:lumMod val="50000"/>
+                </a:schemeClr>
               </a:solidFill>
               <a:effectLst>
                 <a:glow>
@@ -37911,7 +37997,9 @@
                   <a:prstDash val="solid"/>
                 </a:ln>
                 <a:solidFill>
-                  <a:srgbClr val="FFFFFF"/>
+                  <a:schemeClr val="bg1">
+                    <a:lumMod val="50000"/>
+                  </a:schemeClr>
                 </a:solidFill>
                 <a:effectLst>
                   <a:glow>
@@ -37940,7 +38028,9 @@
                 <a:prstDash val="solid"/>
               </a:ln>
               <a:solidFill>
-                <a:srgbClr val="FFFFFF"/>
+                <a:schemeClr val="bg1">
+                  <a:lumMod val="50000"/>
+                </a:schemeClr>
               </a:solidFill>
               <a:effectLst>
                 <a:glow>
@@ -38005,7 +38095,13 @@
           <a:lstStyle/>
           <a:p>
             <a:pPr algn="ctr"/>
-            <a:endParaRPr lang="es-ES" dirty="0"/>
+            <a:endParaRPr lang="es-ES" dirty="0">
+              <a:solidFill>
+                <a:schemeClr val="bg1">
+                  <a:lumMod val="50000"/>
+                </a:schemeClr>
+              </a:solidFill>
+            </a:endParaRPr>
           </a:p>
         </p:txBody>
       </p:sp>
@@ -38043,7 +38139,9 @@
                   <a:prstDash val="solid"/>
                 </a:ln>
                 <a:solidFill>
-                  <a:srgbClr val="FFFFFF"/>
+                  <a:schemeClr val="bg1">
+                    <a:lumMod val="50000"/>
+                  </a:schemeClr>
                 </a:solidFill>
                 <a:effectLst>
                   <a:glow>
@@ -38073,7 +38171,9 @@
                   <a:prstDash val="solid"/>
                 </a:ln>
                 <a:solidFill>
-                  <a:srgbClr val="FFFFFF"/>
+                  <a:schemeClr val="bg1">
+                    <a:lumMod val="50000"/>
+                  </a:schemeClr>
                 </a:solidFill>
                 <a:effectLst>
                   <a:glow>
@@ -38103,7 +38203,9 @@
                   <a:prstDash val="solid"/>
                 </a:ln>
                 <a:solidFill>
-                  <a:srgbClr val="FFFFFF"/>
+                  <a:schemeClr val="bg1">
+                    <a:lumMod val="50000"/>
+                  </a:schemeClr>
                 </a:solidFill>
                 <a:effectLst>
                   <a:glow>
@@ -38132,7 +38234,9 @@
                 <a:prstDash val="solid"/>
               </a:ln>
               <a:solidFill>
-                <a:srgbClr val="FFFFFF"/>
+                <a:schemeClr val="bg1">
+                  <a:lumMod val="50000"/>
+                </a:schemeClr>
               </a:solidFill>
               <a:effectLst>
                 <a:glow>
@@ -39705,7 +39809,7 @@
           <p:nvPr>
             <p:extLst>
               <p:ext uri="{D42A27DB-BD31-4B8C-83A1-F6EECF244321}">
-                <p14:modId xmlns:p14="http://schemas.microsoft.com/office/powerpoint/2010/main" val="704278162"/>
+                <p14:modId xmlns:p14="http://schemas.microsoft.com/office/powerpoint/2010/main" val="1174220195"/>
               </p:ext>
             </p:extLst>
           </p:nvPr>
@@ -40745,70 +40849,6 @@
           </a:p>
         </p:txBody>
       </p:sp>
-      <p:pic>
-        <p:nvPicPr>
-          <p:cNvPr id="1026" name="Picture 2"/>
-          <p:cNvPicPr>
-            <a:picLocks noChangeAspect="1" noChangeArrowheads="1"/>
-          </p:cNvPicPr>
-          <p:nvPr/>
-        </p:nvPicPr>
-        <p:blipFill>
-          <a:blip r:embed="rId3">
-            <a:extLst>
-              <a:ext uri="{28A0092B-C50C-407E-A947-70E740481C1C}">
-                <a14:useLocalDpi xmlns:a14="http://schemas.microsoft.com/office/drawing/2010/main" val="0"/>
-              </a:ext>
-            </a:extLst>
-          </a:blip>
-          <a:srcRect/>
-          <a:stretch>
-            <a:fillRect/>
-          </a:stretch>
-        </p:blipFill>
-        <p:spPr bwMode="auto">
-          <a:xfrm>
-            <a:off x="2699793" y="2852936"/>
-            <a:ext cx="2757640" cy="2376264"/>
-          </a:xfrm>
-          <a:prstGeom prst="rect">
-            <a:avLst/>
-          </a:prstGeom>
-          <a:noFill/>
-          <a:ln>
-            <a:noFill/>
-          </a:ln>
-          <a:effectLst/>
-          <a:extLst>
-            <a:ext uri="{909E8E84-426E-40DD-AFC4-6F175D3DCCD1}">
-              <a14:hiddenFill xmlns:a14="http://schemas.microsoft.com/office/drawing/2010/main">
-                <a:solidFill>
-                  <a:schemeClr val="accent1"/>
-                </a:solidFill>
-              </a14:hiddenFill>
-            </a:ext>
-            <a:ext uri="{91240B29-F687-4F45-9708-019B960494DF}">
-              <a14:hiddenLine xmlns:a14="http://schemas.microsoft.com/office/drawing/2010/main" w="9525">
-                <a:solidFill>
-                  <a:schemeClr val="tx1"/>
-                </a:solidFill>
-                <a:miter lim="800000"/>
-                <a:headEnd/>
-                <a:tailEnd/>
-              </a14:hiddenLine>
-            </a:ext>
-            <a:ext uri="{AF507438-7753-43E0-B8FC-AC1667EBCBE1}">
-              <a14:hiddenEffects xmlns:a14="http://schemas.microsoft.com/office/drawing/2010/main">
-                <a:effectLst>
-                  <a:outerShdw dist="35921" dir="2700000" algn="ctr" rotWithShape="0">
-                    <a:schemeClr val="bg2"/>
-                  </a:outerShdw>
-                </a:effectLst>
-              </a14:hiddenEffects>
-            </a:ext>
-          </a:extLst>
-        </p:spPr>
-      </p:pic>
       <p:sp>
         <p:nvSpPr>
           <p:cNvPr id="2" name="1 CuadroTexto"/>
@@ -41562,7 +41602,7 @@
           <p:nvPr/>
         </p:nvPicPr>
         <p:blipFill>
-          <a:blip r:embed="rId4">
+          <a:blip r:embed="rId3">
             <a:extLst>
               <a:ext uri="{28A0092B-C50C-407E-A947-70E740481C1C}">
                 <a14:useLocalDpi xmlns:a14="http://schemas.microsoft.com/office/drawing/2010/main" val="0"/>
@@ -41617,6 +41657,3162 @@
           </a:extLst>
         </p:spPr>
       </p:pic>
+      <p:sp>
+        <p:nvSpPr>
+          <p:cNvPr id="23" name="Abgerundetes Rechteck 3"/>
+          <p:cNvSpPr/>
+          <p:nvPr/>
+        </p:nvSpPr>
+        <p:spPr>
+          <a:xfrm>
+            <a:off x="4608450" y="3431117"/>
+            <a:ext cx="504056" cy="792088"/>
+          </a:xfrm>
+          <a:prstGeom prst="roundRect">
+            <a:avLst/>
+          </a:prstGeom>
+          <a:solidFill>
+            <a:schemeClr val="bg1">
+              <a:lumMod val="85000"/>
+            </a:schemeClr>
+          </a:solidFill>
+          <a:ln w="12700"/>
+        </p:spPr>
+        <p:style>
+          <a:lnRef idx="2">
+            <a:schemeClr val="dk1"/>
+          </a:lnRef>
+          <a:fillRef idx="1">
+            <a:schemeClr val="lt1"/>
+          </a:fillRef>
+          <a:effectRef idx="0">
+            <a:schemeClr val="dk1"/>
+          </a:effectRef>
+          <a:fontRef idx="minor">
+            <a:schemeClr val="dk1"/>
+          </a:fontRef>
+        </p:style>
+        <p:txBody>
+          <a:bodyPr rtlCol="0" anchor="ctr"/>
+          <a:lstStyle/>
+          <a:p>
+            <a:pPr algn="ctr"/>
+            <a:endParaRPr lang="de-DE"/>
+          </a:p>
+        </p:txBody>
+      </p:sp>
+      <p:sp>
+        <p:nvSpPr>
+          <p:cNvPr id="24" name="Abgerundetes Rechteck 4"/>
+          <p:cNvSpPr/>
+          <p:nvPr/>
+        </p:nvSpPr>
+        <p:spPr>
+          <a:xfrm>
+            <a:off x="4434534" y="3503125"/>
+            <a:ext cx="173916" cy="720080"/>
+          </a:xfrm>
+          <a:prstGeom prst="roundRect">
+            <a:avLst/>
+          </a:prstGeom>
+          <a:solidFill>
+            <a:schemeClr val="bg1">
+              <a:lumMod val="85000"/>
+            </a:schemeClr>
+          </a:solidFill>
+          <a:ln w="12700"/>
+        </p:spPr>
+        <p:style>
+          <a:lnRef idx="2">
+            <a:schemeClr val="dk1"/>
+          </a:lnRef>
+          <a:fillRef idx="1">
+            <a:schemeClr val="lt1"/>
+          </a:fillRef>
+          <a:effectRef idx="0">
+            <a:schemeClr val="dk1"/>
+          </a:effectRef>
+          <a:fontRef idx="minor">
+            <a:schemeClr val="dk1"/>
+          </a:fontRef>
+        </p:style>
+        <p:txBody>
+          <a:bodyPr rtlCol="0" anchor="ctr"/>
+          <a:lstStyle/>
+          <a:p>
+            <a:pPr algn="ctr"/>
+            <a:endParaRPr lang="de-DE"/>
+          </a:p>
+        </p:txBody>
+      </p:sp>
+      <p:sp>
+        <p:nvSpPr>
+          <p:cNvPr id="26" name="Abgerundetes Rechteck 5"/>
+          <p:cNvSpPr/>
+          <p:nvPr/>
+        </p:nvSpPr>
+        <p:spPr>
+          <a:xfrm>
+            <a:off x="5112506" y="3503125"/>
+            <a:ext cx="173916" cy="720080"/>
+          </a:xfrm>
+          <a:prstGeom prst="roundRect">
+            <a:avLst/>
+          </a:prstGeom>
+          <a:solidFill>
+            <a:schemeClr val="bg1">
+              <a:lumMod val="85000"/>
+            </a:schemeClr>
+          </a:solidFill>
+          <a:ln w="12700"/>
+        </p:spPr>
+        <p:style>
+          <a:lnRef idx="2">
+            <a:schemeClr val="dk1"/>
+          </a:lnRef>
+          <a:fillRef idx="1">
+            <a:schemeClr val="lt1"/>
+          </a:fillRef>
+          <a:effectRef idx="0">
+            <a:schemeClr val="dk1"/>
+          </a:effectRef>
+          <a:fontRef idx="minor">
+            <a:schemeClr val="dk1"/>
+          </a:fontRef>
+        </p:style>
+        <p:txBody>
+          <a:bodyPr rtlCol="0" anchor="ctr"/>
+          <a:lstStyle/>
+          <a:p>
+            <a:pPr algn="ctr"/>
+            <a:endParaRPr lang="de-DE"/>
+          </a:p>
+        </p:txBody>
+      </p:sp>
+      <p:sp>
+        <p:nvSpPr>
+          <p:cNvPr id="27" name="Ellipse 6"/>
+          <p:cNvSpPr/>
+          <p:nvPr/>
+        </p:nvSpPr>
+        <p:spPr>
+          <a:xfrm>
+            <a:off x="4651049" y="3068455"/>
+            <a:ext cx="418857" cy="360040"/>
+          </a:xfrm>
+          <a:prstGeom prst="ellipse">
+            <a:avLst/>
+          </a:prstGeom>
+          <a:solidFill>
+            <a:schemeClr val="bg1">
+              <a:lumMod val="85000"/>
+            </a:schemeClr>
+          </a:solidFill>
+          <a:ln w="12700"/>
+        </p:spPr>
+        <p:style>
+          <a:lnRef idx="2">
+            <a:schemeClr val="dk1"/>
+          </a:lnRef>
+          <a:fillRef idx="1">
+            <a:schemeClr val="lt1"/>
+          </a:fillRef>
+          <a:effectRef idx="0">
+            <a:schemeClr val="dk1"/>
+          </a:effectRef>
+          <a:fontRef idx="minor">
+            <a:schemeClr val="dk1"/>
+          </a:fontRef>
+        </p:style>
+        <p:txBody>
+          <a:bodyPr rtlCol="0" anchor="ctr"/>
+          <a:lstStyle/>
+          <a:p>
+            <a:pPr algn="ctr"/>
+            <a:endParaRPr lang="de-DE"/>
+          </a:p>
+        </p:txBody>
+      </p:sp>
+      <p:cxnSp>
+        <p:nvCxnSpPr>
+          <p:cNvPr id="28" name="Gerade Verbindung 7"/>
+          <p:cNvCxnSpPr/>
+          <p:nvPr/>
+        </p:nvCxnSpPr>
+        <p:spPr>
+          <a:xfrm flipH="1" flipV="1">
+            <a:off x="4651049" y="3431117"/>
+            <a:ext cx="141585" cy="216024"/>
+          </a:xfrm>
+          <a:prstGeom prst="line">
+            <a:avLst/>
+          </a:prstGeom>
+          <a:ln w="19050"/>
+        </p:spPr>
+        <p:style>
+          <a:lnRef idx="1">
+            <a:schemeClr val="dk1"/>
+          </a:lnRef>
+          <a:fillRef idx="0">
+            <a:schemeClr val="dk1"/>
+          </a:fillRef>
+          <a:effectRef idx="0">
+            <a:schemeClr val="dk1"/>
+          </a:effectRef>
+          <a:fontRef idx="minor">
+            <a:schemeClr val="tx1"/>
+          </a:fontRef>
+        </p:style>
+      </p:cxnSp>
+      <p:cxnSp>
+        <p:nvCxnSpPr>
+          <p:cNvPr id="29" name="Gerade Verbindung 8"/>
+          <p:cNvCxnSpPr/>
+          <p:nvPr/>
+        </p:nvCxnSpPr>
+        <p:spPr>
+          <a:xfrm flipV="1">
+            <a:off x="4928320" y="3431117"/>
+            <a:ext cx="141586" cy="216024"/>
+          </a:xfrm>
+          <a:prstGeom prst="line">
+            <a:avLst/>
+          </a:prstGeom>
+          <a:ln w="19050"/>
+        </p:spPr>
+        <p:style>
+          <a:lnRef idx="1">
+            <a:schemeClr val="dk1"/>
+          </a:lnRef>
+          <a:fillRef idx="0">
+            <a:schemeClr val="dk1"/>
+          </a:fillRef>
+          <a:effectRef idx="0">
+            <a:schemeClr val="dk1"/>
+          </a:effectRef>
+          <a:fontRef idx="minor">
+            <a:schemeClr val="tx1"/>
+          </a:fontRef>
+        </p:style>
+      </p:cxnSp>
+      <p:cxnSp>
+        <p:nvCxnSpPr>
+          <p:cNvPr id="30" name="Gerade Verbindung 9"/>
+          <p:cNvCxnSpPr>
+            <a:stCxn id="32" idx="1"/>
+          </p:cNvCxnSpPr>
+          <p:nvPr/>
+        </p:nvCxnSpPr>
+        <p:spPr>
+          <a:xfrm flipH="1">
+            <a:off x="4598816" y="3682742"/>
+            <a:ext cx="184184" cy="9520"/>
+          </a:xfrm>
+          <a:prstGeom prst="line">
+            <a:avLst/>
+          </a:prstGeom>
+          <a:ln w="19050"/>
+        </p:spPr>
+        <p:style>
+          <a:lnRef idx="1">
+            <a:schemeClr val="dk1"/>
+          </a:lnRef>
+          <a:fillRef idx="0">
+            <a:schemeClr val="dk1"/>
+          </a:fillRef>
+          <a:effectRef idx="0">
+            <a:schemeClr val="dk1"/>
+          </a:effectRef>
+          <a:fontRef idx="minor">
+            <a:schemeClr val="tx1"/>
+          </a:fontRef>
+        </p:style>
+      </p:cxnSp>
+      <p:cxnSp>
+        <p:nvCxnSpPr>
+          <p:cNvPr id="31" name="Gerade Verbindung 10"/>
+          <p:cNvCxnSpPr>
+            <a:stCxn id="32" idx="3"/>
+          </p:cNvCxnSpPr>
+          <p:nvPr/>
+        </p:nvCxnSpPr>
+        <p:spPr>
+          <a:xfrm>
+            <a:off x="4928320" y="3682742"/>
+            <a:ext cx="184186" cy="4760"/>
+          </a:xfrm>
+          <a:prstGeom prst="line">
+            <a:avLst/>
+          </a:prstGeom>
+          <a:ln w="19050"/>
+        </p:spPr>
+        <p:style>
+          <a:lnRef idx="1">
+            <a:schemeClr val="dk1"/>
+          </a:lnRef>
+          <a:fillRef idx="0">
+            <a:schemeClr val="dk1"/>
+          </a:fillRef>
+          <a:effectRef idx="0">
+            <a:schemeClr val="dk1"/>
+          </a:effectRef>
+          <a:fontRef idx="minor">
+            <a:schemeClr val="tx1"/>
+          </a:fontRef>
+        </p:style>
+      </p:cxnSp>
+      <p:pic>
+        <p:nvPicPr>
+          <p:cNvPr id="32" name="Picture 4"/>
+          <p:cNvPicPr>
+            <a:picLocks noChangeAspect="1" noChangeArrowheads="1"/>
+          </p:cNvPicPr>
+          <p:nvPr/>
+        </p:nvPicPr>
+        <p:blipFill>
+          <a:blip r:embed="rId4" cstate="print">
+            <a:extLst>
+              <a:ext uri="{28A0092B-C50C-407E-A947-70E740481C1C}">
+                <a14:useLocalDpi xmlns:a14="http://schemas.microsoft.com/office/drawing/2010/main" val="0"/>
+              </a:ext>
+            </a:extLst>
+          </a:blip>
+          <a:srcRect/>
+          <a:stretch>
+            <a:fillRect/>
+          </a:stretch>
+        </p:blipFill>
+        <p:spPr bwMode="auto">
+          <a:xfrm>
+            <a:off x="4783000" y="3539130"/>
+            <a:ext cx="145320" cy="287224"/>
+          </a:xfrm>
+          <a:prstGeom prst="rect">
+            <a:avLst/>
+          </a:prstGeom>
+          <a:noFill/>
+          <a:ln>
+            <a:noFill/>
+          </a:ln>
+          <a:effectLst/>
+          <a:extLst>
+            <a:ext uri="{909E8E84-426E-40DD-AFC4-6F175D3DCCD1}">
+              <a14:hiddenFill xmlns:a14="http://schemas.microsoft.com/office/drawing/2010/main">
+                <a:solidFill>
+                  <a:schemeClr val="accent1"/>
+                </a:solidFill>
+              </a14:hiddenFill>
+            </a:ext>
+            <a:ext uri="{91240B29-F687-4F45-9708-019B960494DF}">
+              <a14:hiddenLine xmlns:a14="http://schemas.microsoft.com/office/drawing/2010/main" w="9525">
+                <a:solidFill>
+                  <a:schemeClr val="tx1"/>
+                </a:solidFill>
+                <a:miter lim="800000"/>
+                <a:headEnd/>
+                <a:tailEnd/>
+              </a14:hiddenLine>
+            </a:ext>
+            <a:ext uri="{AF507438-7753-43E0-B8FC-AC1667EBCBE1}">
+              <a14:hiddenEffects xmlns:a14="http://schemas.microsoft.com/office/drawing/2010/main">
+                <a:effectLst>
+                  <a:outerShdw dist="35921" dir="2700000" algn="ctr" rotWithShape="0">
+                    <a:schemeClr val="bg2"/>
+                  </a:outerShdw>
+                </a:effectLst>
+              </a14:hiddenEffects>
+            </a:ext>
+          </a:extLst>
+        </p:spPr>
+      </p:pic>
+      <p:sp>
+        <p:nvSpPr>
+          <p:cNvPr id="33" name="Akkord 12"/>
+          <p:cNvSpPr/>
+          <p:nvPr/>
+        </p:nvSpPr>
+        <p:spPr>
+          <a:xfrm rot="7602083">
+            <a:off x="4642138" y="5022794"/>
+            <a:ext cx="261508" cy="144016"/>
+          </a:xfrm>
+          <a:prstGeom prst="chord">
+            <a:avLst/>
+          </a:prstGeom>
+          <a:ln w="12700"/>
+        </p:spPr>
+        <p:style>
+          <a:lnRef idx="2">
+            <a:schemeClr val="dk1"/>
+          </a:lnRef>
+          <a:fillRef idx="1">
+            <a:schemeClr val="lt1"/>
+          </a:fillRef>
+          <a:effectRef idx="0">
+            <a:schemeClr val="dk1"/>
+          </a:effectRef>
+          <a:fontRef idx="minor">
+            <a:schemeClr val="dk1"/>
+          </a:fontRef>
+        </p:style>
+        <p:txBody>
+          <a:bodyPr rtlCol="0" anchor="ctr"/>
+          <a:lstStyle/>
+          <a:p>
+            <a:pPr algn="ctr"/>
+            <a:endParaRPr lang="de-DE"/>
+          </a:p>
+        </p:txBody>
+      </p:sp>
+      <p:sp>
+        <p:nvSpPr>
+          <p:cNvPr id="34" name="Akkord 13"/>
+          <p:cNvSpPr/>
+          <p:nvPr/>
+        </p:nvSpPr>
+        <p:spPr>
+          <a:xfrm rot="7602083">
+            <a:off x="4913894" y="5022794"/>
+            <a:ext cx="261508" cy="144016"/>
+          </a:xfrm>
+          <a:prstGeom prst="chord">
+            <a:avLst/>
+          </a:prstGeom>
+          <a:ln w="12700"/>
+        </p:spPr>
+        <p:style>
+          <a:lnRef idx="2">
+            <a:schemeClr val="dk1"/>
+          </a:lnRef>
+          <a:fillRef idx="1">
+            <a:schemeClr val="lt1"/>
+          </a:fillRef>
+          <a:effectRef idx="0">
+            <a:schemeClr val="dk1"/>
+          </a:effectRef>
+          <a:fontRef idx="minor">
+            <a:schemeClr val="dk1"/>
+          </a:fontRef>
+        </p:style>
+        <p:txBody>
+          <a:bodyPr rtlCol="0" anchor="ctr"/>
+          <a:lstStyle/>
+          <a:p>
+            <a:pPr algn="ctr"/>
+            <a:endParaRPr lang="de-DE"/>
+          </a:p>
+        </p:txBody>
+      </p:sp>
+      <p:sp>
+        <p:nvSpPr>
+          <p:cNvPr id="35" name="Abgerundetes Rechteck 14"/>
+          <p:cNvSpPr/>
+          <p:nvPr/>
+        </p:nvSpPr>
+        <p:spPr>
+          <a:xfrm>
+            <a:off x="3468530" y="3431117"/>
+            <a:ext cx="504056" cy="792088"/>
+          </a:xfrm>
+          <a:prstGeom prst="roundRect">
+            <a:avLst/>
+          </a:prstGeom>
+          <a:solidFill>
+            <a:schemeClr val="bg1">
+              <a:lumMod val="85000"/>
+            </a:schemeClr>
+          </a:solidFill>
+          <a:ln w="12700"/>
+        </p:spPr>
+        <p:style>
+          <a:lnRef idx="2">
+            <a:schemeClr val="dk1"/>
+          </a:lnRef>
+          <a:fillRef idx="1">
+            <a:schemeClr val="lt1"/>
+          </a:fillRef>
+          <a:effectRef idx="0">
+            <a:schemeClr val="dk1"/>
+          </a:effectRef>
+          <a:fontRef idx="minor">
+            <a:schemeClr val="dk1"/>
+          </a:fontRef>
+        </p:style>
+        <p:txBody>
+          <a:bodyPr rtlCol="0" anchor="ctr"/>
+          <a:lstStyle/>
+          <a:p>
+            <a:pPr algn="ctr"/>
+            <a:endParaRPr lang="de-DE"/>
+          </a:p>
+        </p:txBody>
+      </p:sp>
+      <p:sp>
+        <p:nvSpPr>
+          <p:cNvPr id="36" name="Abgerundetes Rechteck 15"/>
+          <p:cNvSpPr/>
+          <p:nvPr/>
+        </p:nvSpPr>
+        <p:spPr>
+          <a:xfrm>
+            <a:off x="3294614" y="3503125"/>
+            <a:ext cx="173916" cy="720080"/>
+          </a:xfrm>
+          <a:prstGeom prst="roundRect">
+            <a:avLst/>
+          </a:prstGeom>
+          <a:solidFill>
+            <a:schemeClr val="bg1">
+              <a:lumMod val="85000"/>
+            </a:schemeClr>
+          </a:solidFill>
+          <a:ln w="12700"/>
+        </p:spPr>
+        <p:style>
+          <a:lnRef idx="2">
+            <a:schemeClr val="dk1"/>
+          </a:lnRef>
+          <a:fillRef idx="1">
+            <a:schemeClr val="lt1"/>
+          </a:fillRef>
+          <a:effectRef idx="0">
+            <a:schemeClr val="dk1"/>
+          </a:effectRef>
+          <a:fontRef idx="minor">
+            <a:schemeClr val="dk1"/>
+          </a:fontRef>
+        </p:style>
+        <p:txBody>
+          <a:bodyPr rtlCol="0" anchor="ctr"/>
+          <a:lstStyle/>
+          <a:p>
+            <a:pPr algn="ctr"/>
+            <a:endParaRPr lang="de-DE"/>
+          </a:p>
+        </p:txBody>
+      </p:sp>
+      <p:sp>
+        <p:nvSpPr>
+          <p:cNvPr id="37" name="Abgerundetes Rechteck 16"/>
+          <p:cNvSpPr/>
+          <p:nvPr/>
+        </p:nvSpPr>
+        <p:spPr>
+          <a:xfrm>
+            <a:off x="3972586" y="3503125"/>
+            <a:ext cx="173916" cy="720080"/>
+          </a:xfrm>
+          <a:prstGeom prst="roundRect">
+            <a:avLst/>
+          </a:prstGeom>
+          <a:solidFill>
+            <a:schemeClr val="bg1">
+              <a:lumMod val="85000"/>
+            </a:schemeClr>
+          </a:solidFill>
+          <a:ln w="12700"/>
+        </p:spPr>
+        <p:style>
+          <a:lnRef idx="2">
+            <a:schemeClr val="dk1"/>
+          </a:lnRef>
+          <a:fillRef idx="1">
+            <a:schemeClr val="lt1"/>
+          </a:fillRef>
+          <a:effectRef idx="0">
+            <a:schemeClr val="dk1"/>
+          </a:effectRef>
+          <a:fontRef idx="minor">
+            <a:schemeClr val="dk1"/>
+          </a:fontRef>
+        </p:style>
+        <p:txBody>
+          <a:bodyPr rtlCol="0" anchor="ctr"/>
+          <a:lstStyle/>
+          <a:p>
+            <a:pPr algn="ctr"/>
+            <a:endParaRPr lang="de-DE"/>
+          </a:p>
+        </p:txBody>
+      </p:sp>
+      <p:sp>
+        <p:nvSpPr>
+          <p:cNvPr id="38" name="Ellipse 17"/>
+          <p:cNvSpPr/>
+          <p:nvPr/>
+        </p:nvSpPr>
+        <p:spPr>
+          <a:xfrm>
+            <a:off x="3511129" y="3068455"/>
+            <a:ext cx="418857" cy="360040"/>
+          </a:xfrm>
+          <a:prstGeom prst="ellipse">
+            <a:avLst/>
+          </a:prstGeom>
+          <a:solidFill>
+            <a:schemeClr val="bg1">
+              <a:lumMod val="85000"/>
+            </a:schemeClr>
+          </a:solidFill>
+          <a:ln w="12700"/>
+        </p:spPr>
+        <p:style>
+          <a:lnRef idx="2">
+            <a:schemeClr val="dk1"/>
+          </a:lnRef>
+          <a:fillRef idx="1">
+            <a:schemeClr val="lt1"/>
+          </a:fillRef>
+          <a:effectRef idx="0">
+            <a:schemeClr val="dk1"/>
+          </a:effectRef>
+          <a:fontRef idx="minor">
+            <a:schemeClr val="dk1"/>
+          </a:fontRef>
+        </p:style>
+        <p:txBody>
+          <a:bodyPr rtlCol="0" anchor="ctr"/>
+          <a:lstStyle/>
+          <a:p>
+            <a:pPr algn="ctr"/>
+            <a:endParaRPr lang="de-DE"/>
+          </a:p>
+        </p:txBody>
+      </p:sp>
+      <p:cxnSp>
+        <p:nvCxnSpPr>
+          <p:cNvPr id="39" name="Gerade Verbindung 18"/>
+          <p:cNvCxnSpPr/>
+          <p:nvPr/>
+        </p:nvCxnSpPr>
+        <p:spPr>
+          <a:xfrm flipH="1" flipV="1">
+            <a:off x="3511130" y="3431118"/>
+            <a:ext cx="141584" cy="261144"/>
+          </a:xfrm>
+          <a:prstGeom prst="line">
+            <a:avLst/>
+          </a:prstGeom>
+          <a:ln w="19050"/>
+        </p:spPr>
+        <p:style>
+          <a:lnRef idx="1">
+            <a:schemeClr val="dk1"/>
+          </a:lnRef>
+          <a:fillRef idx="0">
+            <a:schemeClr val="dk1"/>
+          </a:fillRef>
+          <a:effectRef idx="0">
+            <a:schemeClr val="dk1"/>
+          </a:effectRef>
+          <a:fontRef idx="minor">
+            <a:schemeClr val="tx1"/>
+          </a:fontRef>
+        </p:style>
+      </p:cxnSp>
+      <p:cxnSp>
+        <p:nvCxnSpPr>
+          <p:cNvPr id="40" name="Gerade Verbindung 19"/>
+          <p:cNvCxnSpPr/>
+          <p:nvPr/>
+        </p:nvCxnSpPr>
+        <p:spPr>
+          <a:xfrm flipV="1">
+            <a:off x="3788400" y="3431117"/>
+            <a:ext cx="141586" cy="261145"/>
+          </a:xfrm>
+          <a:prstGeom prst="line">
+            <a:avLst/>
+          </a:prstGeom>
+          <a:ln w="19050"/>
+        </p:spPr>
+        <p:style>
+          <a:lnRef idx="1">
+            <a:schemeClr val="dk1"/>
+          </a:lnRef>
+          <a:fillRef idx="0">
+            <a:schemeClr val="dk1"/>
+          </a:fillRef>
+          <a:effectRef idx="0">
+            <a:schemeClr val="dk1"/>
+          </a:effectRef>
+          <a:fontRef idx="minor">
+            <a:schemeClr val="tx1"/>
+          </a:fontRef>
+        </p:style>
+      </p:cxnSp>
+      <p:cxnSp>
+        <p:nvCxnSpPr>
+          <p:cNvPr id="41" name="Gerade Verbindung 20"/>
+          <p:cNvCxnSpPr/>
+          <p:nvPr/>
+        </p:nvCxnSpPr>
+        <p:spPr>
+          <a:xfrm flipH="1">
+            <a:off x="3458896" y="3692262"/>
+            <a:ext cx="513690" cy="0"/>
+          </a:xfrm>
+          <a:prstGeom prst="line">
+            <a:avLst/>
+          </a:prstGeom>
+          <a:ln w="19050"/>
+        </p:spPr>
+        <p:style>
+          <a:lnRef idx="1">
+            <a:schemeClr val="dk1"/>
+          </a:lnRef>
+          <a:fillRef idx="0">
+            <a:schemeClr val="dk1"/>
+          </a:fillRef>
+          <a:effectRef idx="0">
+            <a:schemeClr val="dk1"/>
+          </a:effectRef>
+          <a:fontRef idx="minor">
+            <a:schemeClr val="tx1"/>
+          </a:fontRef>
+        </p:style>
+      </p:cxnSp>
+      <p:sp>
+        <p:nvSpPr>
+          <p:cNvPr id="42" name="Akkord 21"/>
+          <p:cNvSpPr/>
+          <p:nvPr/>
+        </p:nvSpPr>
+        <p:spPr>
+          <a:xfrm rot="19015519">
+            <a:off x="3443437" y="5087302"/>
+            <a:ext cx="261508" cy="144016"/>
+          </a:xfrm>
+          <a:prstGeom prst="chord">
+            <a:avLst/>
+          </a:prstGeom>
+          <a:ln w="12700"/>
+        </p:spPr>
+        <p:style>
+          <a:lnRef idx="2">
+            <a:schemeClr val="dk1"/>
+          </a:lnRef>
+          <a:fillRef idx="1">
+            <a:schemeClr val="lt1"/>
+          </a:fillRef>
+          <a:effectRef idx="0">
+            <a:schemeClr val="dk1"/>
+          </a:effectRef>
+          <a:fontRef idx="minor">
+            <a:schemeClr val="dk1"/>
+          </a:fontRef>
+        </p:style>
+        <p:txBody>
+          <a:bodyPr rtlCol="0" anchor="ctr"/>
+          <a:lstStyle/>
+          <a:p>
+            <a:pPr algn="ctr"/>
+            <a:endParaRPr lang="de-DE"/>
+          </a:p>
+        </p:txBody>
+      </p:sp>
+      <p:sp>
+        <p:nvSpPr>
+          <p:cNvPr id="43" name="Akkord 22"/>
+          <p:cNvSpPr/>
+          <p:nvPr/>
+        </p:nvSpPr>
+        <p:spPr>
+          <a:xfrm rot="18867821">
+            <a:off x="3719591" y="5080875"/>
+            <a:ext cx="261508" cy="144016"/>
+          </a:xfrm>
+          <a:prstGeom prst="chord">
+            <a:avLst/>
+          </a:prstGeom>
+          <a:ln w="12700"/>
+        </p:spPr>
+        <p:style>
+          <a:lnRef idx="2">
+            <a:schemeClr val="dk1"/>
+          </a:lnRef>
+          <a:fillRef idx="1">
+            <a:schemeClr val="lt1"/>
+          </a:fillRef>
+          <a:effectRef idx="0">
+            <a:schemeClr val="dk1"/>
+          </a:effectRef>
+          <a:fontRef idx="minor">
+            <a:schemeClr val="dk1"/>
+          </a:fontRef>
+        </p:style>
+        <p:txBody>
+          <a:bodyPr rtlCol="0" anchor="ctr"/>
+          <a:lstStyle/>
+          <a:p>
+            <a:pPr algn="ctr"/>
+            <a:endParaRPr lang="de-DE"/>
+          </a:p>
+        </p:txBody>
+      </p:sp>
+      <p:sp>
+        <p:nvSpPr>
+          <p:cNvPr id="44" name="Abgerundetes Rechteck 23"/>
+          <p:cNvSpPr/>
+          <p:nvPr/>
+        </p:nvSpPr>
+        <p:spPr>
+          <a:xfrm>
+            <a:off x="3468530" y="4223205"/>
+            <a:ext cx="216024" cy="468052"/>
+          </a:xfrm>
+          <a:prstGeom prst="roundRect">
+            <a:avLst/>
+          </a:prstGeom>
+          <a:solidFill>
+            <a:schemeClr val="bg1">
+              <a:lumMod val="85000"/>
+            </a:schemeClr>
+          </a:solidFill>
+          <a:ln w="12700"/>
+        </p:spPr>
+        <p:style>
+          <a:lnRef idx="2">
+            <a:schemeClr val="dk1"/>
+          </a:lnRef>
+          <a:fillRef idx="1">
+            <a:schemeClr val="lt1"/>
+          </a:fillRef>
+          <a:effectRef idx="0">
+            <a:schemeClr val="dk1"/>
+          </a:effectRef>
+          <a:fontRef idx="minor">
+            <a:schemeClr val="dk1"/>
+          </a:fontRef>
+        </p:style>
+        <p:txBody>
+          <a:bodyPr rtlCol="0" anchor="ctr"/>
+          <a:lstStyle/>
+          <a:p>
+            <a:pPr algn="ctr"/>
+            <a:endParaRPr lang="de-DE"/>
+          </a:p>
+        </p:txBody>
+      </p:sp>
+      <p:sp>
+        <p:nvSpPr>
+          <p:cNvPr id="45" name="Abgerundetes Rechteck 24"/>
+          <p:cNvSpPr/>
+          <p:nvPr/>
+        </p:nvSpPr>
+        <p:spPr>
+          <a:xfrm>
+            <a:off x="3468530" y="4699963"/>
+            <a:ext cx="216024" cy="468052"/>
+          </a:xfrm>
+          <a:prstGeom prst="roundRect">
+            <a:avLst/>
+          </a:prstGeom>
+          <a:solidFill>
+            <a:schemeClr val="bg1">
+              <a:lumMod val="85000"/>
+            </a:schemeClr>
+          </a:solidFill>
+          <a:ln w="12700"/>
+        </p:spPr>
+        <p:style>
+          <a:lnRef idx="2">
+            <a:schemeClr val="dk1"/>
+          </a:lnRef>
+          <a:fillRef idx="1">
+            <a:schemeClr val="lt1"/>
+          </a:fillRef>
+          <a:effectRef idx="0">
+            <a:schemeClr val="dk1"/>
+          </a:effectRef>
+          <a:fontRef idx="minor">
+            <a:schemeClr val="dk1"/>
+          </a:fontRef>
+        </p:style>
+        <p:txBody>
+          <a:bodyPr rtlCol="0" anchor="ctr"/>
+          <a:lstStyle/>
+          <a:p>
+            <a:pPr algn="ctr"/>
+            <a:endParaRPr lang="de-DE"/>
+          </a:p>
+        </p:txBody>
+      </p:sp>
+      <p:sp>
+        <p:nvSpPr>
+          <p:cNvPr id="46" name="Abgerundetes Rechteck 25"/>
+          <p:cNvSpPr/>
+          <p:nvPr/>
+        </p:nvSpPr>
+        <p:spPr>
+          <a:xfrm>
+            <a:off x="3738953" y="4223205"/>
+            <a:ext cx="216024" cy="468052"/>
+          </a:xfrm>
+          <a:prstGeom prst="roundRect">
+            <a:avLst/>
+          </a:prstGeom>
+          <a:solidFill>
+            <a:schemeClr val="bg1">
+              <a:lumMod val="85000"/>
+            </a:schemeClr>
+          </a:solidFill>
+          <a:ln w="12700"/>
+        </p:spPr>
+        <p:style>
+          <a:lnRef idx="2">
+            <a:schemeClr val="dk1"/>
+          </a:lnRef>
+          <a:fillRef idx="1">
+            <a:schemeClr val="lt1"/>
+          </a:fillRef>
+          <a:effectRef idx="0">
+            <a:schemeClr val="dk1"/>
+          </a:effectRef>
+          <a:fontRef idx="minor">
+            <a:schemeClr val="dk1"/>
+          </a:fontRef>
+        </p:style>
+        <p:txBody>
+          <a:bodyPr rtlCol="0" anchor="ctr"/>
+          <a:lstStyle/>
+          <a:p>
+            <a:pPr algn="ctr"/>
+            <a:endParaRPr lang="de-DE"/>
+          </a:p>
+        </p:txBody>
+      </p:sp>
+      <p:sp>
+        <p:nvSpPr>
+          <p:cNvPr id="47" name="Abgerundetes Rechteck 26"/>
+          <p:cNvSpPr/>
+          <p:nvPr/>
+        </p:nvSpPr>
+        <p:spPr>
+          <a:xfrm>
+            <a:off x="3738953" y="4697341"/>
+            <a:ext cx="216024" cy="468052"/>
+          </a:xfrm>
+          <a:prstGeom prst="roundRect">
+            <a:avLst/>
+          </a:prstGeom>
+          <a:solidFill>
+            <a:schemeClr val="bg1">
+              <a:lumMod val="85000"/>
+            </a:schemeClr>
+          </a:solidFill>
+          <a:ln w="12700"/>
+        </p:spPr>
+        <p:style>
+          <a:lnRef idx="2">
+            <a:schemeClr val="dk1"/>
+          </a:lnRef>
+          <a:fillRef idx="1">
+            <a:schemeClr val="lt1"/>
+          </a:fillRef>
+          <a:effectRef idx="0">
+            <a:schemeClr val="dk1"/>
+          </a:effectRef>
+          <a:fontRef idx="minor">
+            <a:schemeClr val="dk1"/>
+          </a:fontRef>
+        </p:style>
+        <p:txBody>
+          <a:bodyPr rtlCol="0" anchor="ctr"/>
+          <a:lstStyle/>
+          <a:p>
+            <a:pPr algn="ctr"/>
+            <a:endParaRPr lang="de-DE"/>
+          </a:p>
+        </p:txBody>
+      </p:sp>
+      <p:sp>
+        <p:nvSpPr>
+          <p:cNvPr id="48" name="Abgerundetes Rechteck 27"/>
+          <p:cNvSpPr/>
+          <p:nvPr/>
+        </p:nvSpPr>
+        <p:spPr>
+          <a:xfrm>
+            <a:off x="4613829" y="4220583"/>
+            <a:ext cx="216024" cy="468052"/>
+          </a:xfrm>
+          <a:prstGeom prst="roundRect">
+            <a:avLst/>
+          </a:prstGeom>
+          <a:solidFill>
+            <a:schemeClr val="bg1">
+              <a:lumMod val="85000"/>
+            </a:schemeClr>
+          </a:solidFill>
+          <a:ln w="12700"/>
+        </p:spPr>
+        <p:style>
+          <a:lnRef idx="2">
+            <a:schemeClr val="dk1"/>
+          </a:lnRef>
+          <a:fillRef idx="1">
+            <a:schemeClr val="lt1"/>
+          </a:fillRef>
+          <a:effectRef idx="0">
+            <a:schemeClr val="dk1"/>
+          </a:effectRef>
+          <a:fontRef idx="minor">
+            <a:schemeClr val="dk1"/>
+          </a:fontRef>
+        </p:style>
+        <p:txBody>
+          <a:bodyPr rtlCol="0" anchor="ctr"/>
+          <a:lstStyle/>
+          <a:p>
+            <a:pPr algn="ctr"/>
+            <a:endParaRPr lang="de-DE"/>
+          </a:p>
+        </p:txBody>
+      </p:sp>
+      <p:sp>
+        <p:nvSpPr>
+          <p:cNvPr id="49" name="Abgerundetes Rechteck 28"/>
+          <p:cNvSpPr/>
+          <p:nvPr/>
+        </p:nvSpPr>
+        <p:spPr>
+          <a:xfrm>
+            <a:off x="4613829" y="4697341"/>
+            <a:ext cx="216024" cy="468052"/>
+          </a:xfrm>
+          <a:prstGeom prst="roundRect">
+            <a:avLst/>
+          </a:prstGeom>
+          <a:solidFill>
+            <a:schemeClr val="bg1">
+              <a:lumMod val="85000"/>
+            </a:schemeClr>
+          </a:solidFill>
+          <a:ln w="12700"/>
+        </p:spPr>
+        <p:style>
+          <a:lnRef idx="2">
+            <a:schemeClr val="dk1"/>
+          </a:lnRef>
+          <a:fillRef idx="1">
+            <a:schemeClr val="lt1"/>
+          </a:fillRef>
+          <a:effectRef idx="0">
+            <a:schemeClr val="dk1"/>
+          </a:effectRef>
+          <a:fontRef idx="minor">
+            <a:schemeClr val="dk1"/>
+          </a:fontRef>
+        </p:style>
+        <p:txBody>
+          <a:bodyPr rtlCol="0" anchor="ctr"/>
+          <a:lstStyle/>
+          <a:p>
+            <a:pPr algn="ctr"/>
+            <a:endParaRPr lang="de-DE"/>
+          </a:p>
+        </p:txBody>
+      </p:sp>
+      <p:sp>
+        <p:nvSpPr>
+          <p:cNvPr id="50" name="Abgerundetes Rechteck 29"/>
+          <p:cNvSpPr/>
+          <p:nvPr/>
+        </p:nvSpPr>
+        <p:spPr>
+          <a:xfrm>
+            <a:off x="4884252" y="4220583"/>
+            <a:ext cx="216024" cy="468052"/>
+          </a:xfrm>
+          <a:prstGeom prst="roundRect">
+            <a:avLst/>
+          </a:prstGeom>
+          <a:solidFill>
+            <a:schemeClr val="bg1">
+              <a:lumMod val="85000"/>
+            </a:schemeClr>
+          </a:solidFill>
+          <a:ln w="12700"/>
+        </p:spPr>
+        <p:style>
+          <a:lnRef idx="2">
+            <a:schemeClr val="dk1"/>
+          </a:lnRef>
+          <a:fillRef idx="1">
+            <a:schemeClr val="lt1"/>
+          </a:fillRef>
+          <a:effectRef idx="0">
+            <a:schemeClr val="dk1"/>
+          </a:effectRef>
+          <a:fontRef idx="minor">
+            <a:schemeClr val="dk1"/>
+          </a:fontRef>
+        </p:style>
+        <p:txBody>
+          <a:bodyPr rtlCol="0" anchor="ctr"/>
+          <a:lstStyle/>
+          <a:p>
+            <a:pPr algn="ctr"/>
+            <a:endParaRPr lang="de-DE"/>
+          </a:p>
+        </p:txBody>
+      </p:sp>
+      <p:sp>
+        <p:nvSpPr>
+          <p:cNvPr id="51" name="Abgerundetes Rechteck 30"/>
+          <p:cNvSpPr/>
+          <p:nvPr/>
+        </p:nvSpPr>
+        <p:spPr>
+          <a:xfrm>
+            <a:off x="4884252" y="4694719"/>
+            <a:ext cx="216024" cy="468052"/>
+          </a:xfrm>
+          <a:prstGeom prst="roundRect">
+            <a:avLst/>
+          </a:prstGeom>
+          <a:solidFill>
+            <a:schemeClr val="bg1">
+              <a:lumMod val="85000"/>
+            </a:schemeClr>
+          </a:solidFill>
+          <a:ln w="12700"/>
+        </p:spPr>
+        <p:style>
+          <a:lnRef idx="2">
+            <a:schemeClr val="dk1"/>
+          </a:lnRef>
+          <a:fillRef idx="1">
+            <a:schemeClr val="lt1"/>
+          </a:fillRef>
+          <a:effectRef idx="0">
+            <a:schemeClr val="dk1"/>
+          </a:effectRef>
+          <a:fontRef idx="minor">
+            <a:schemeClr val="dk1"/>
+          </a:fontRef>
+        </p:style>
+        <p:txBody>
+          <a:bodyPr rtlCol="0" anchor="ctr"/>
+          <a:lstStyle/>
+          <a:p>
+            <a:pPr algn="ctr"/>
+            <a:endParaRPr lang="de-DE"/>
+          </a:p>
+        </p:txBody>
+      </p:sp>
+      <p:sp>
+        <p:nvSpPr>
+          <p:cNvPr id="52" name="Rechteck 31"/>
+          <p:cNvSpPr/>
+          <p:nvPr/>
+        </p:nvSpPr>
+        <p:spPr>
+          <a:xfrm>
+            <a:off x="3553683" y="4898342"/>
+            <a:ext cx="45719" cy="66049"/>
+          </a:xfrm>
+          <a:prstGeom prst="rect">
+            <a:avLst/>
+          </a:prstGeom>
+          <a:solidFill>
+            <a:schemeClr val="tx1"/>
+          </a:solidFill>
+          <a:ln w="6350">
+            <a:solidFill>
+              <a:schemeClr val="tx1"/>
+            </a:solidFill>
+          </a:ln>
+        </p:spPr>
+        <p:style>
+          <a:lnRef idx="2">
+            <a:schemeClr val="accent1">
+              <a:shade val="50000"/>
+            </a:schemeClr>
+          </a:lnRef>
+          <a:fillRef idx="1">
+            <a:schemeClr val="accent1"/>
+          </a:fillRef>
+          <a:effectRef idx="0">
+            <a:schemeClr val="accent1"/>
+          </a:effectRef>
+          <a:fontRef idx="minor">
+            <a:schemeClr val="lt1"/>
+          </a:fontRef>
+        </p:style>
+        <p:txBody>
+          <a:bodyPr rtlCol="0" anchor="ctr"/>
+          <a:lstStyle/>
+          <a:p>
+            <a:pPr algn="ctr"/>
+            <a:endParaRPr lang="de-DE"/>
+          </a:p>
+        </p:txBody>
+      </p:sp>
+      <p:sp>
+        <p:nvSpPr>
+          <p:cNvPr id="53" name="Rechteck 32"/>
+          <p:cNvSpPr/>
+          <p:nvPr/>
+        </p:nvSpPr>
+        <p:spPr>
+          <a:xfrm>
+            <a:off x="3824106" y="4898342"/>
+            <a:ext cx="45719" cy="66049"/>
+          </a:xfrm>
+          <a:prstGeom prst="rect">
+            <a:avLst/>
+          </a:prstGeom>
+          <a:solidFill>
+            <a:schemeClr val="tx1"/>
+          </a:solidFill>
+          <a:ln w="6350">
+            <a:solidFill>
+              <a:schemeClr val="tx1"/>
+            </a:solidFill>
+          </a:ln>
+        </p:spPr>
+        <p:style>
+          <a:lnRef idx="2">
+            <a:schemeClr val="accent1">
+              <a:shade val="50000"/>
+            </a:schemeClr>
+          </a:lnRef>
+          <a:fillRef idx="1">
+            <a:schemeClr val="accent1"/>
+          </a:fillRef>
+          <a:effectRef idx="0">
+            <a:schemeClr val="accent1"/>
+          </a:effectRef>
+          <a:fontRef idx="minor">
+            <a:schemeClr val="lt1"/>
+          </a:fontRef>
+        </p:style>
+        <p:txBody>
+          <a:bodyPr rtlCol="0" anchor="ctr"/>
+          <a:lstStyle/>
+          <a:p>
+            <a:pPr algn="ctr"/>
+            <a:endParaRPr lang="de-DE"/>
+          </a:p>
+        </p:txBody>
+      </p:sp>
+      <p:sp>
+        <p:nvSpPr>
+          <p:cNvPr id="54" name="Rechteck 33"/>
+          <p:cNvSpPr/>
+          <p:nvPr/>
+        </p:nvSpPr>
+        <p:spPr>
+          <a:xfrm>
+            <a:off x="3553076" y="4457231"/>
+            <a:ext cx="45719" cy="66049"/>
+          </a:xfrm>
+          <a:prstGeom prst="rect">
+            <a:avLst/>
+          </a:prstGeom>
+          <a:solidFill>
+            <a:schemeClr val="tx1"/>
+          </a:solidFill>
+          <a:ln w="6350">
+            <a:solidFill>
+              <a:schemeClr val="tx1"/>
+            </a:solidFill>
+          </a:ln>
+        </p:spPr>
+        <p:style>
+          <a:lnRef idx="2">
+            <a:schemeClr val="accent1">
+              <a:shade val="50000"/>
+            </a:schemeClr>
+          </a:lnRef>
+          <a:fillRef idx="1">
+            <a:schemeClr val="accent1"/>
+          </a:fillRef>
+          <a:effectRef idx="0">
+            <a:schemeClr val="accent1"/>
+          </a:effectRef>
+          <a:fontRef idx="minor">
+            <a:schemeClr val="lt1"/>
+          </a:fontRef>
+        </p:style>
+        <p:txBody>
+          <a:bodyPr rtlCol="0" anchor="ctr"/>
+          <a:lstStyle/>
+          <a:p>
+            <a:pPr algn="ctr"/>
+            <a:endParaRPr lang="de-DE"/>
+          </a:p>
+        </p:txBody>
+      </p:sp>
+      <p:sp>
+        <p:nvSpPr>
+          <p:cNvPr id="55" name="Rechteck 34"/>
+          <p:cNvSpPr/>
+          <p:nvPr/>
+        </p:nvSpPr>
+        <p:spPr>
+          <a:xfrm>
+            <a:off x="3823499" y="4457231"/>
+            <a:ext cx="45719" cy="66049"/>
+          </a:xfrm>
+          <a:prstGeom prst="rect">
+            <a:avLst/>
+          </a:prstGeom>
+          <a:solidFill>
+            <a:schemeClr val="tx1"/>
+          </a:solidFill>
+          <a:ln w="6350">
+            <a:solidFill>
+              <a:schemeClr val="tx1"/>
+            </a:solidFill>
+          </a:ln>
+        </p:spPr>
+        <p:style>
+          <a:lnRef idx="2">
+            <a:schemeClr val="accent1">
+              <a:shade val="50000"/>
+            </a:schemeClr>
+          </a:lnRef>
+          <a:fillRef idx="1">
+            <a:schemeClr val="accent1"/>
+          </a:fillRef>
+          <a:effectRef idx="0">
+            <a:schemeClr val="accent1"/>
+          </a:effectRef>
+          <a:fontRef idx="minor">
+            <a:schemeClr val="lt1"/>
+          </a:fontRef>
+        </p:style>
+        <p:txBody>
+          <a:bodyPr rtlCol="0" anchor="ctr"/>
+          <a:lstStyle/>
+          <a:p>
+            <a:pPr algn="ctr"/>
+            <a:endParaRPr lang="de-DE"/>
+          </a:p>
+        </p:txBody>
+      </p:sp>
+      <p:sp>
+        <p:nvSpPr>
+          <p:cNvPr id="56" name="Rechteck 35"/>
+          <p:cNvSpPr/>
+          <p:nvPr/>
+        </p:nvSpPr>
+        <p:spPr>
+          <a:xfrm>
+            <a:off x="3246612" y="4076567"/>
+            <a:ext cx="45719" cy="66049"/>
+          </a:xfrm>
+          <a:prstGeom prst="rect">
+            <a:avLst/>
+          </a:prstGeom>
+          <a:solidFill>
+            <a:schemeClr val="tx1"/>
+          </a:solidFill>
+          <a:ln w="6350">
+            <a:solidFill>
+              <a:schemeClr val="tx1"/>
+            </a:solidFill>
+          </a:ln>
+        </p:spPr>
+        <p:style>
+          <a:lnRef idx="2">
+            <a:schemeClr val="accent1">
+              <a:shade val="50000"/>
+            </a:schemeClr>
+          </a:lnRef>
+          <a:fillRef idx="1">
+            <a:schemeClr val="accent1"/>
+          </a:fillRef>
+          <a:effectRef idx="0">
+            <a:schemeClr val="accent1"/>
+          </a:effectRef>
+          <a:fontRef idx="minor">
+            <a:schemeClr val="lt1"/>
+          </a:fontRef>
+        </p:style>
+        <p:txBody>
+          <a:bodyPr rtlCol="0" anchor="ctr"/>
+          <a:lstStyle/>
+          <a:p>
+            <a:pPr algn="ctr"/>
+            <a:endParaRPr lang="de-DE"/>
+          </a:p>
+        </p:txBody>
+      </p:sp>
+      <p:sp>
+        <p:nvSpPr>
+          <p:cNvPr id="57" name="Rechteck 36"/>
+          <p:cNvSpPr/>
+          <p:nvPr/>
+        </p:nvSpPr>
+        <p:spPr>
+          <a:xfrm>
+            <a:off x="4146502" y="4076567"/>
+            <a:ext cx="45719" cy="66049"/>
+          </a:xfrm>
+          <a:prstGeom prst="rect">
+            <a:avLst/>
+          </a:prstGeom>
+          <a:solidFill>
+            <a:schemeClr val="tx1"/>
+          </a:solidFill>
+          <a:ln w="6350">
+            <a:solidFill>
+              <a:schemeClr val="tx1"/>
+            </a:solidFill>
+          </a:ln>
+        </p:spPr>
+        <p:style>
+          <a:lnRef idx="2">
+            <a:schemeClr val="accent1">
+              <a:shade val="50000"/>
+            </a:schemeClr>
+          </a:lnRef>
+          <a:fillRef idx="1">
+            <a:schemeClr val="accent1"/>
+          </a:fillRef>
+          <a:effectRef idx="0">
+            <a:schemeClr val="accent1"/>
+          </a:effectRef>
+          <a:fontRef idx="minor">
+            <a:schemeClr val="lt1"/>
+          </a:fontRef>
+        </p:style>
+        <p:txBody>
+          <a:bodyPr rtlCol="0" anchor="ctr"/>
+          <a:lstStyle/>
+          <a:p>
+            <a:pPr algn="ctr"/>
+            <a:endParaRPr lang="de-DE"/>
+          </a:p>
+        </p:txBody>
+      </p:sp>
+      <p:cxnSp>
+        <p:nvCxnSpPr>
+          <p:cNvPr id="58" name="Gerade Verbindung 37"/>
+          <p:cNvCxnSpPr>
+            <a:stCxn id="52" idx="0"/>
+          </p:cNvCxnSpPr>
+          <p:nvPr/>
+        </p:nvCxnSpPr>
+        <p:spPr>
+          <a:xfrm flipV="1">
+            <a:off x="3576543" y="4523280"/>
+            <a:ext cx="0" cy="375062"/>
+          </a:xfrm>
+          <a:prstGeom prst="line">
+            <a:avLst/>
+          </a:prstGeom>
+          <a:ln>
+            <a:solidFill>
+              <a:schemeClr val="tx1"/>
+            </a:solidFill>
+          </a:ln>
+        </p:spPr>
+        <p:style>
+          <a:lnRef idx="1">
+            <a:schemeClr val="accent1"/>
+          </a:lnRef>
+          <a:fillRef idx="0">
+            <a:schemeClr val="accent1"/>
+          </a:fillRef>
+          <a:effectRef idx="0">
+            <a:schemeClr val="accent1"/>
+          </a:effectRef>
+          <a:fontRef idx="minor">
+            <a:schemeClr val="tx1"/>
+          </a:fontRef>
+        </p:style>
+      </p:cxnSp>
+      <p:cxnSp>
+        <p:nvCxnSpPr>
+          <p:cNvPr id="59" name="Gerade Verbindung 38"/>
+          <p:cNvCxnSpPr/>
+          <p:nvPr/>
+        </p:nvCxnSpPr>
+        <p:spPr>
+          <a:xfrm flipV="1">
+            <a:off x="3846358" y="4523280"/>
+            <a:ext cx="0" cy="375062"/>
+          </a:xfrm>
+          <a:prstGeom prst="line">
+            <a:avLst/>
+          </a:prstGeom>
+          <a:ln>
+            <a:solidFill>
+              <a:schemeClr val="tx1"/>
+            </a:solidFill>
+          </a:ln>
+        </p:spPr>
+        <p:style>
+          <a:lnRef idx="1">
+            <a:schemeClr val="accent1"/>
+          </a:lnRef>
+          <a:fillRef idx="0">
+            <a:schemeClr val="accent1"/>
+          </a:fillRef>
+          <a:effectRef idx="0">
+            <a:schemeClr val="accent1"/>
+          </a:effectRef>
+          <a:fontRef idx="minor">
+            <a:schemeClr val="tx1"/>
+          </a:fontRef>
+        </p:style>
+      </p:cxnSp>
+      <p:sp>
+        <p:nvSpPr>
+          <p:cNvPr id="60" name="Freihandform 39"/>
+          <p:cNvSpPr/>
+          <p:nvPr/>
+        </p:nvSpPr>
+        <p:spPr>
+          <a:xfrm>
+            <a:off x="3846984" y="4205488"/>
+            <a:ext cx="139148" cy="258417"/>
+          </a:xfrm>
+          <a:custGeom>
+            <a:avLst/>
+            <a:gdLst>
+              <a:gd name="connsiteX0" fmla="*/ 0 w 139148"/>
+              <a:gd name="connsiteY0" fmla="*/ 258417 h 258417"/>
+              <a:gd name="connsiteX1" fmla="*/ 4970 w 139148"/>
+              <a:gd name="connsiteY1" fmla="*/ 233570 h 258417"/>
+              <a:gd name="connsiteX2" fmla="*/ 14909 w 139148"/>
+              <a:gd name="connsiteY2" fmla="*/ 223630 h 258417"/>
+              <a:gd name="connsiteX3" fmla="*/ 69574 w 139148"/>
+              <a:gd name="connsiteY3" fmla="*/ 208722 h 258417"/>
+              <a:gd name="connsiteX4" fmla="*/ 84483 w 139148"/>
+              <a:gd name="connsiteY4" fmla="*/ 203752 h 258417"/>
+              <a:gd name="connsiteX5" fmla="*/ 114300 w 139148"/>
+              <a:gd name="connsiteY5" fmla="*/ 188843 h 258417"/>
+              <a:gd name="connsiteX6" fmla="*/ 124239 w 139148"/>
+              <a:gd name="connsiteY6" fmla="*/ 173935 h 258417"/>
+              <a:gd name="connsiteX7" fmla="*/ 134179 w 139148"/>
+              <a:gd name="connsiteY7" fmla="*/ 163996 h 258417"/>
+              <a:gd name="connsiteX8" fmla="*/ 139148 w 139148"/>
+              <a:gd name="connsiteY8" fmla="*/ 149087 h 258417"/>
+              <a:gd name="connsiteX9" fmla="*/ 134179 w 139148"/>
+              <a:gd name="connsiteY9" fmla="*/ 29817 h 258417"/>
+              <a:gd name="connsiteX10" fmla="*/ 129209 w 139148"/>
+              <a:gd name="connsiteY10" fmla="*/ 14909 h 258417"/>
+              <a:gd name="connsiteX11" fmla="*/ 114300 w 139148"/>
+              <a:gd name="connsiteY11" fmla="*/ 0 h 258417"/>
+            </a:gdLst>
+            <a:ahLst/>
+            <a:cxnLst>
+              <a:cxn ang="0">
+                <a:pos x="connsiteX0" y="connsiteY0"/>
+              </a:cxn>
+              <a:cxn ang="0">
+                <a:pos x="connsiteX1" y="connsiteY1"/>
+              </a:cxn>
+              <a:cxn ang="0">
+                <a:pos x="connsiteX2" y="connsiteY2"/>
+              </a:cxn>
+              <a:cxn ang="0">
+                <a:pos x="connsiteX3" y="connsiteY3"/>
+              </a:cxn>
+              <a:cxn ang="0">
+                <a:pos x="connsiteX4" y="connsiteY4"/>
+              </a:cxn>
+              <a:cxn ang="0">
+                <a:pos x="connsiteX5" y="connsiteY5"/>
+              </a:cxn>
+              <a:cxn ang="0">
+                <a:pos x="connsiteX6" y="connsiteY6"/>
+              </a:cxn>
+              <a:cxn ang="0">
+                <a:pos x="connsiteX7" y="connsiteY7"/>
+              </a:cxn>
+              <a:cxn ang="0">
+                <a:pos x="connsiteX8" y="connsiteY8"/>
+              </a:cxn>
+              <a:cxn ang="0">
+                <a:pos x="connsiteX9" y="connsiteY9"/>
+              </a:cxn>
+              <a:cxn ang="0">
+                <a:pos x="connsiteX10" y="connsiteY10"/>
+              </a:cxn>
+              <a:cxn ang="0">
+                <a:pos x="connsiteX11" y="connsiteY11"/>
+              </a:cxn>
+            </a:cxnLst>
+            <a:rect l="l" t="t" r="r" b="b"/>
+            <a:pathLst>
+              <a:path w="139148" h="258417">
+                <a:moveTo>
+                  <a:pt x="0" y="258417"/>
+                </a:moveTo>
+                <a:cubicBezTo>
+                  <a:pt x="1657" y="250135"/>
+                  <a:pt x="1643" y="241333"/>
+                  <a:pt x="4970" y="233570"/>
+                </a:cubicBezTo>
+                <a:cubicBezTo>
+                  <a:pt x="6816" y="229263"/>
+                  <a:pt x="11250" y="226557"/>
+                  <a:pt x="14909" y="223630"/>
+                </a:cubicBezTo>
+                <a:cubicBezTo>
+                  <a:pt x="35789" y="206926"/>
+                  <a:pt x="35388" y="212995"/>
+                  <a:pt x="69574" y="208722"/>
+                </a:cubicBezTo>
+                <a:cubicBezTo>
+                  <a:pt x="74544" y="207065"/>
+                  <a:pt x="79798" y="206095"/>
+                  <a:pt x="84483" y="203752"/>
+                </a:cubicBezTo>
+                <a:cubicBezTo>
+                  <a:pt x="123021" y="184483"/>
+                  <a:pt x="76826" y="201336"/>
+                  <a:pt x="114300" y="188843"/>
+                </a:cubicBezTo>
+                <a:cubicBezTo>
+                  <a:pt x="117613" y="183874"/>
+                  <a:pt x="120508" y="178599"/>
+                  <a:pt x="124239" y="173935"/>
+                </a:cubicBezTo>
+                <a:cubicBezTo>
+                  <a:pt x="127166" y="170276"/>
+                  <a:pt x="131768" y="168014"/>
+                  <a:pt x="134179" y="163996"/>
+                </a:cubicBezTo>
+                <a:cubicBezTo>
+                  <a:pt x="136874" y="159504"/>
+                  <a:pt x="137492" y="154057"/>
+                  <a:pt x="139148" y="149087"/>
+                </a:cubicBezTo>
+                <a:cubicBezTo>
+                  <a:pt x="137492" y="109330"/>
+                  <a:pt x="137118" y="69499"/>
+                  <a:pt x="134179" y="29817"/>
+                </a:cubicBezTo>
+                <a:cubicBezTo>
+                  <a:pt x="133792" y="24593"/>
+                  <a:pt x="132481" y="18999"/>
+                  <a:pt x="129209" y="14909"/>
+                </a:cubicBezTo>
+                <a:cubicBezTo>
+                  <a:pt x="112922" y="-5449"/>
+                  <a:pt x="114300" y="13578"/>
+                  <a:pt x="114300" y="0"/>
+                </a:cubicBezTo>
+              </a:path>
+            </a:pathLst>
+          </a:custGeom>
+        </p:spPr>
+        <p:style>
+          <a:lnRef idx="1">
+            <a:schemeClr val="dk1"/>
+          </a:lnRef>
+          <a:fillRef idx="0">
+            <a:schemeClr val="dk1"/>
+          </a:fillRef>
+          <a:effectRef idx="0">
+            <a:schemeClr val="dk1"/>
+          </a:effectRef>
+          <a:fontRef idx="minor">
+            <a:schemeClr val="tx1"/>
+          </a:fontRef>
+        </p:style>
+        <p:txBody>
+          <a:bodyPr rtlCol="0" anchor="ctr"/>
+          <a:lstStyle/>
+          <a:p>
+            <a:pPr algn="ctr"/>
+            <a:endParaRPr lang="de-DE"/>
+          </a:p>
+        </p:txBody>
+      </p:sp>
+      <p:sp>
+        <p:nvSpPr>
+          <p:cNvPr id="61" name="Freihandform 40"/>
+          <p:cNvSpPr/>
+          <p:nvPr/>
+        </p:nvSpPr>
+        <p:spPr>
+          <a:xfrm flipH="1">
+            <a:off x="3426422" y="4220583"/>
+            <a:ext cx="139148" cy="258417"/>
+          </a:xfrm>
+          <a:custGeom>
+            <a:avLst/>
+            <a:gdLst>
+              <a:gd name="connsiteX0" fmla="*/ 0 w 139148"/>
+              <a:gd name="connsiteY0" fmla="*/ 258417 h 258417"/>
+              <a:gd name="connsiteX1" fmla="*/ 4970 w 139148"/>
+              <a:gd name="connsiteY1" fmla="*/ 233570 h 258417"/>
+              <a:gd name="connsiteX2" fmla="*/ 14909 w 139148"/>
+              <a:gd name="connsiteY2" fmla="*/ 223630 h 258417"/>
+              <a:gd name="connsiteX3" fmla="*/ 69574 w 139148"/>
+              <a:gd name="connsiteY3" fmla="*/ 208722 h 258417"/>
+              <a:gd name="connsiteX4" fmla="*/ 84483 w 139148"/>
+              <a:gd name="connsiteY4" fmla="*/ 203752 h 258417"/>
+              <a:gd name="connsiteX5" fmla="*/ 114300 w 139148"/>
+              <a:gd name="connsiteY5" fmla="*/ 188843 h 258417"/>
+              <a:gd name="connsiteX6" fmla="*/ 124239 w 139148"/>
+              <a:gd name="connsiteY6" fmla="*/ 173935 h 258417"/>
+              <a:gd name="connsiteX7" fmla="*/ 134179 w 139148"/>
+              <a:gd name="connsiteY7" fmla="*/ 163996 h 258417"/>
+              <a:gd name="connsiteX8" fmla="*/ 139148 w 139148"/>
+              <a:gd name="connsiteY8" fmla="*/ 149087 h 258417"/>
+              <a:gd name="connsiteX9" fmla="*/ 134179 w 139148"/>
+              <a:gd name="connsiteY9" fmla="*/ 29817 h 258417"/>
+              <a:gd name="connsiteX10" fmla="*/ 129209 w 139148"/>
+              <a:gd name="connsiteY10" fmla="*/ 14909 h 258417"/>
+              <a:gd name="connsiteX11" fmla="*/ 114300 w 139148"/>
+              <a:gd name="connsiteY11" fmla="*/ 0 h 258417"/>
+            </a:gdLst>
+            <a:ahLst/>
+            <a:cxnLst>
+              <a:cxn ang="0">
+                <a:pos x="connsiteX0" y="connsiteY0"/>
+              </a:cxn>
+              <a:cxn ang="0">
+                <a:pos x="connsiteX1" y="connsiteY1"/>
+              </a:cxn>
+              <a:cxn ang="0">
+                <a:pos x="connsiteX2" y="connsiteY2"/>
+              </a:cxn>
+              <a:cxn ang="0">
+                <a:pos x="connsiteX3" y="connsiteY3"/>
+              </a:cxn>
+              <a:cxn ang="0">
+                <a:pos x="connsiteX4" y="connsiteY4"/>
+              </a:cxn>
+              <a:cxn ang="0">
+                <a:pos x="connsiteX5" y="connsiteY5"/>
+              </a:cxn>
+              <a:cxn ang="0">
+                <a:pos x="connsiteX6" y="connsiteY6"/>
+              </a:cxn>
+              <a:cxn ang="0">
+                <a:pos x="connsiteX7" y="connsiteY7"/>
+              </a:cxn>
+              <a:cxn ang="0">
+                <a:pos x="connsiteX8" y="connsiteY8"/>
+              </a:cxn>
+              <a:cxn ang="0">
+                <a:pos x="connsiteX9" y="connsiteY9"/>
+              </a:cxn>
+              <a:cxn ang="0">
+                <a:pos x="connsiteX10" y="connsiteY10"/>
+              </a:cxn>
+              <a:cxn ang="0">
+                <a:pos x="connsiteX11" y="connsiteY11"/>
+              </a:cxn>
+            </a:cxnLst>
+            <a:rect l="l" t="t" r="r" b="b"/>
+            <a:pathLst>
+              <a:path w="139148" h="258417">
+                <a:moveTo>
+                  <a:pt x="0" y="258417"/>
+                </a:moveTo>
+                <a:cubicBezTo>
+                  <a:pt x="1657" y="250135"/>
+                  <a:pt x="1643" y="241333"/>
+                  <a:pt x="4970" y="233570"/>
+                </a:cubicBezTo>
+                <a:cubicBezTo>
+                  <a:pt x="6816" y="229263"/>
+                  <a:pt x="11250" y="226557"/>
+                  <a:pt x="14909" y="223630"/>
+                </a:cubicBezTo>
+                <a:cubicBezTo>
+                  <a:pt x="35789" y="206926"/>
+                  <a:pt x="35388" y="212995"/>
+                  <a:pt x="69574" y="208722"/>
+                </a:cubicBezTo>
+                <a:cubicBezTo>
+                  <a:pt x="74544" y="207065"/>
+                  <a:pt x="79798" y="206095"/>
+                  <a:pt x="84483" y="203752"/>
+                </a:cubicBezTo>
+                <a:cubicBezTo>
+                  <a:pt x="123021" y="184483"/>
+                  <a:pt x="76826" y="201336"/>
+                  <a:pt x="114300" y="188843"/>
+                </a:cubicBezTo>
+                <a:cubicBezTo>
+                  <a:pt x="117613" y="183874"/>
+                  <a:pt x="120508" y="178599"/>
+                  <a:pt x="124239" y="173935"/>
+                </a:cubicBezTo>
+                <a:cubicBezTo>
+                  <a:pt x="127166" y="170276"/>
+                  <a:pt x="131768" y="168014"/>
+                  <a:pt x="134179" y="163996"/>
+                </a:cubicBezTo>
+                <a:cubicBezTo>
+                  <a:pt x="136874" y="159504"/>
+                  <a:pt x="137492" y="154057"/>
+                  <a:pt x="139148" y="149087"/>
+                </a:cubicBezTo>
+                <a:cubicBezTo>
+                  <a:pt x="137492" y="109330"/>
+                  <a:pt x="137118" y="69499"/>
+                  <a:pt x="134179" y="29817"/>
+                </a:cubicBezTo>
+                <a:cubicBezTo>
+                  <a:pt x="133792" y="24593"/>
+                  <a:pt x="132481" y="18999"/>
+                  <a:pt x="129209" y="14909"/>
+                </a:cubicBezTo>
+                <a:cubicBezTo>
+                  <a:pt x="112922" y="-5449"/>
+                  <a:pt x="114300" y="13578"/>
+                  <a:pt x="114300" y="0"/>
+                </a:cubicBezTo>
+              </a:path>
+            </a:pathLst>
+          </a:custGeom>
+        </p:spPr>
+        <p:style>
+          <a:lnRef idx="1">
+            <a:schemeClr val="dk1"/>
+          </a:lnRef>
+          <a:fillRef idx="0">
+            <a:schemeClr val="dk1"/>
+          </a:fillRef>
+          <a:effectRef idx="0">
+            <a:schemeClr val="dk1"/>
+          </a:effectRef>
+          <a:fontRef idx="minor">
+            <a:schemeClr val="tx1"/>
+          </a:fontRef>
+        </p:style>
+        <p:txBody>
+          <a:bodyPr rtlCol="0" anchor="ctr"/>
+          <a:lstStyle/>
+          <a:p>
+            <a:pPr algn="ctr"/>
+            <a:endParaRPr lang="de-DE"/>
+          </a:p>
+        </p:txBody>
+      </p:sp>
+      <p:sp>
+        <p:nvSpPr>
+          <p:cNvPr id="62" name="Freihandform 41"/>
+          <p:cNvSpPr/>
+          <p:nvPr/>
+        </p:nvSpPr>
+        <p:spPr>
+          <a:xfrm>
+            <a:off x="4617267" y="3823834"/>
+            <a:ext cx="203752" cy="571513"/>
+          </a:xfrm>
+          <a:custGeom>
+            <a:avLst/>
+            <a:gdLst>
+              <a:gd name="connsiteX0" fmla="*/ 203752 w 203752"/>
+              <a:gd name="connsiteY0" fmla="*/ 0 h 571513"/>
+              <a:gd name="connsiteX1" fmla="*/ 193813 w 203752"/>
+              <a:gd name="connsiteY1" fmla="*/ 149087 h 571513"/>
+              <a:gd name="connsiteX2" fmla="*/ 178904 w 203752"/>
+              <a:gd name="connsiteY2" fmla="*/ 233569 h 571513"/>
+              <a:gd name="connsiteX3" fmla="*/ 163996 w 203752"/>
+              <a:gd name="connsiteY3" fmla="*/ 313082 h 571513"/>
+              <a:gd name="connsiteX4" fmla="*/ 139148 w 203752"/>
+              <a:gd name="connsiteY4" fmla="*/ 387626 h 571513"/>
+              <a:gd name="connsiteX5" fmla="*/ 124239 w 203752"/>
+              <a:gd name="connsiteY5" fmla="*/ 422413 h 571513"/>
+              <a:gd name="connsiteX6" fmla="*/ 109330 w 203752"/>
+              <a:gd name="connsiteY6" fmla="*/ 457200 h 571513"/>
+              <a:gd name="connsiteX7" fmla="*/ 94422 w 203752"/>
+              <a:gd name="connsiteY7" fmla="*/ 487017 h 571513"/>
+              <a:gd name="connsiteX8" fmla="*/ 79513 w 203752"/>
+              <a:gd name="connsiteY8" fmla="*/ 496956 h 571513"/>
+              <a:gd name="connsiteX9" fmla="*/ 64604 w 203752"/>
+              <a:gd name="connsiteY9" fmla="*/ 551621 h 571513"/>
+              <a:gd name="connsiteX10" fmla="*/ 19878 w 203752"/>
+              <a:gd name="connsiteY10" fmla="*/ 566530 h 571513"/>
+              <a:gd name="connsiteX11" fmla="*/ 0 w 203752"/>
+              <a:gd name="connsiteY11" fmla="*/ 571500 h 571513"/>
+            </a:gdLst>
+            <a:ahLst/>
+            <a:cxnLst>
+              <a:cxn ang="0">
+                <a:pos x="connsiteX0" y="connsiteY0"/>
+              </a:cxn>
+              <a:cxn ang="0">
+                <a:pos x="connsiteX1" y="connsiteY1"/>
+              </a:cxn>
+              <a:cxn ang="0">
+                <a:pos x="connsiteX2" y="connsiteY2"/>
+              </a:cxn>
+              <a:cxn ang="0">
+                <a:pos x="connsiteX3" y="connsiteY3"/>
+              </a:cxn>
+              <a:cxn ang="0">
+                <a:pos x="connsiteX4" y="connsiteY4"/>
+              </a:cxn>
+              <a:cxn ang="0">
+                <a:pos x="connsiteX5" y="connsiteY5"/>
+              </a:cxn>
+              <a:cxn ang="0">
+                <a:pos x="connsiteX6" y="connsiteY6"/>
+              </a:cxn>
+              <a:cxn ang="0">
+                <a:pos x="connsiteX7" y="connsiteY7"/>
+              </a:cxn>
+              <a:cxn ang="0">
+                <a:pos x="connsiteX8" y="connsiteY8"/>
+              </a:cxn>
+              <a:cxn ang="0">
+                <a:pos x="connsiteX9" y="connsiteY9"/>
+              </a:cxn>
+              <a:cxn ang="0">
+                <a:pos x="connsiteX10" y="connsiteY10"/>
+              </a:cxn>
+              <a:cxn ang="0">
+                <a:pos x="connsiteX11" y="connsiteY11"/>
+              </a:cxn>
+            </a:cxnLst>
+            <a:rect l="l" t="t" r="r" b="b"/>
+            <a:pathLst>
+              <a:path w="203752" h="571513">
+                <a:moveTo>
+                  <a:pt x="203752" y="0"/>
+                </a:moveTo>
+                <a:cubicBezTo>
+                  <a:pt x="200439" y="49696"/>
+                  <a:pt x="202469" y="100039"/>
+                  <a:pt x="193813" y="149087"/>
+                </a:cubicBezTo>
+                <a:cubicBezTo>
+                  <a:pt x="188843" y="177248"/>
+                  <a:pt x="181749" y="205115"/>
+                  <a:pt x="178904" y="233569"/>
+                </a:cubicBezTo>
+                <a:cubicBezTo>
+                  <a:pt x="168867" y="333949"/>
+                  <a:pt x="181733" y="242136"/>
+                  <a:pt x="163996" y="313082"/>
+                </a:cubicBezTo>
+                <a:cubicBezTo>
+                  <a:pt x="147638" y="378511"/>
+                  <a:pt x="160453" y="355668"/>
+                  <a:pt x="139148" y="387626"/>
+                </a:cubicBezTo>
+                <a:cubicBezTo>
+                  <a:pt x="124880" y="444694"/>
+                  <a:pt x="144831" y="374366"/>
+                  <a:pt x="124239" y="422413"/>
+                </a:cubicBezTo>
+                <a:cubicBezTo>
+                  <a:pt x="104984" y="467340"/>
+                  <a:pt x="134283" y="419770"/>
+                  <a:pt x="109330" y="457200"/>
+                </a:cubicBezTo>
+                <a:cubicBezTo>
+                  <a:pt x="105289" y="469325"/>
+                  <a:pt x="104055" y="477384"/>
+                  <a:pt x="94422" y="487017"/>
+                </a:cubicBezTo>
+                <a:cubicBezTo>
+                  <a:pt x="90199" y="491240"/>
+                  <a:pt x="84483" y="493643"/>
+                  <a:pt x="79513" y="496956"/>
+                </a:cubicBezTo>
+                <a:cubicBezTo>
+                  <a:pt x="78298" y="503029"/>
+                  <a:pt x="70008" y="549820"/>
+                  <a:pt x="64604" y="551621"/>
+                </a:cubicBezTo>
+                <a:lnTo>
+                  <a:pt x="19878" y="566530"/>
+                </a:lnTo>
+                <a:cubicBezTo>
+                  <a:pt x="3398" y="572024"/>
+                  <a:pt x="10208" y="571500"/>
+                  <a:pt x="0" y="571500"/>
+                </a:cubicBezTo>
+              </a:path>
+            </a:pathLst>
+          </a:custGeom>
+          <a:noFill/>
+          <a:ln w="9525">
+            <a:solidFill>
+              <a:schemeClr val="tx1"/>
+            </a:solidFill>
+          </a:ln>
+        </p:spPr>
+        <p:style>
+          <a:lnRef idx="2">
+            <a:schemeClr val="accent1">
+              <a:shade val="50000"/>
+            </a:schemeClr>
+          </a:lnRef>
+          <a:fillRef idx="1">
+            <a:schemeClr val="accent1"/>
+          </a:fillRef>
+          <a:effectRef idx="0">
+            <a:schemeClr val="accent1"/>
+          </a:effectRef>
+          <a:fontRef idx="minor">
+            <a:schemeClr val="lt1"/>
+          </a:fontRef>
+        </p:style>
+        <p:txBody>
+          <a:bodyPr rtlCol="0" anchor="ctr"/>
+          <a:lstStyle/>
+          <a:p>
+            <a:pPr algn="ctr"/>
+            <a:endParaRPr lang="de-DE"/>
+          </a:p>
+        </p:txBody>
+      </p:sp>
+      <p:sp>
+        <p:nvSpPr>
+          <p:cNvPr id="63" name="Freihandform 42"/>
+          <p:cNvSpPr/>
+          <p:nvPr/>
+        </p:nvSpPr>
+        <p:spPr>
+          <a:xfrm flipH="1">
+            <a:off x="4890388" y="3826354"/>
+            <a:ext cx="203752" cy="571513"/>
+          </a:xfrm>
+          <a:custGeom>
+            <a:avLst/>
+            <a:gdLst>
+              <a:gd name="connsiteX0" fmla="*/ 203752 w 203752"/>
+              <a:gd name="connsiteY0" fmla="*/ 0 h 571513"/>
+              <a:gd name="connsiteX1" fmla="*/ 193813 w 203752"/>
+              <a:gd name="connsiteY1" fmla="*/ 149087 h 571513"/>
+              <a:gd name="connsiteX2" fmla="*/ 178904 w 203752"/>
+              <a:gd name="connsiteY2" fmla="*/ 233569 h 571513"/>
+              <a:gd name="connsiteX3" fmla="*/ 163996 w 203752"/>
+              <a:gd name="connsiteY3" fmla="*/ 313082 h 571513"/>
+              <a:gd name="connsiteX4" fmla="*/ 139148 w 203752"/>
+              <a:gd name="connsiteY4" fmla="*/ 387626 h 571513"/>
+              <a:gd name="connsiteX5" fmla="*/ 124239 w 203752"/>
+              <a:gd name="connsiteY5" fmla="*/ 422413 h 571513"/>
+              <a:gd name="connsiteX6" fmla="*/ 109330 w 203752"/>
+              <a:gd name="connsiteY6" fmla="*/ 457200 h 571513"/>
+              <a:gd name="connsiteX7" fmla="*/ 94422 w 203752"/>
+              <a:gd name="connsiteY7" fmla="*/ 487017 h 571513"/>
+              <a:gd name="connsiteX8" fmla="*/ 79513 w 203752"/>
+              <a:gd name="connsiteY8" fmla="*/ 496956 h 571513"/>
+              <a:gd name="connsiteX9" fmla="*/ 64604 w 203752"/>
+              <a:gd name="connsiteY9" fmla="*/ 551621 h 571513"/>
+              <a:gd name="connsiteX10" fmla="*/ 19878 w 203752"/>
+              <a:gd name="connsiteY10" fmla="*/ 566530 h 571513"/>
+              <a:gd name="connsiteX11" fmla="*/ 0 w 203752"/>
+              <a:gd name="connsiteY11" fmla="*/ 571500 h 571513"/>
+            </a:gdLst>
+            <a:ahLst/>
+            <a:cxnLst>
+              <a:cxn ang="0">
+                <a:pos x="connsiteX0" y="connsiteY0"/>
+              </a:cxn>
+              <a:cxn ang="0">
+                <a:pos x="connsiteX1" y="connsiteY1"/>
+              </a:cxn>
+              <a:cxn ang="0">
+                <a:pos x="connsiteX2" y="connsiteY2"/>
+              </a:cxn>
+              <a:cxn ang="0">
+                <a:pos x="connsiteX3" y="connsiteY3"/>
+              </a:cxn>
+              <a:cxn ang="0">
+                <a:pos x="connsiteX4" y="connsiteY4"/>
+              </a:cxn>
+              <a:cxn ang="0">
+                <a:pos x="connsiteX5" y="connsiteY5"/>
+              </a:cxn>
+              <a:cxn ang="0">
+                <a:pos x="connsiteX6" y="connsiteY6"/>
+              </a:cxn>
+              <a:cxn ang="0">
+                <a:pos x="connsiteX7" y="connsiteY7"/>
+              </a:cxn>
+              <a:cxn ang="0">
+                <a:pos x="connsiteX8" y="connsiteY8"/>
+              </a:cxn>
+              <a:cxn ang="0">
+                <a:pos x="connsiteX9" y="connsiteY9"/>
+              </a:cxn>
+              <a:cxn ang="0">
+                <a:pos x="connsiteX10" y="connsiteY10"/>
+              </a:cxn>
+              <a:cxn ang="0">
+                <a:pos x="connsiteX11" y="connsiteY11"/>
+              </a:cxn>
+            </a:cxnLst>
+            <a:rect l="l" t="t" r="r" b="b"/>
+            <a:pathLst>
+              <a:path w="203752" h="571513">
+                <a:moveTo>
+                  <a:pt x="203752" y="0"/>
+                </a:moveTo>
+                <a:cubicBezTo>
+                  <a:pt x="200439" y="49696"/>
+                  <a:pt x="202469" y="100039"/>
+                  <a:pt x="193813" y="149087"/>
+                </a:cubicBezTo>
+                <a:cubicBezTo>
+                  <a:pt x="188843" y="177248"/>
+                  <a:pt x="181749" y="205115"/>
+                  <a:pt x="178904" y="233569"/>
+                </a:cubicBezTo>
+                <a:cubicBezTo>
+                  <a:pt x="168867" y="333949"/>
+                  <a:pt x="181733" y="242136"/>
+                  <a:pt x="163996" y="313082"/>
+                </a:cubicBezTo>
+                <a:cubicBezTo>
+                  <a:pt x="147638" y="378511"/>
+                  <a:pt x="160453" y="355668"/>
+                  <a:pt x="139148" y="387626"/>
+                </a:cubicBezTo>
+                <a:cubicBezTo>
+                  <a:pt x="124880" y="444694"/>
+                  <a:pt x="144831" y="374366"/>
+                  <a:pt x="124239" y="422413"/>
+                </a:cubicBezTo>
+                <a:cubicBezTo>
+                  <a:pt x="104984" y="467340"/>
+                  <a:pt x="134283" y="419770"/>
+                  <a:pt x="109330" y="457200"/>
+                </a:cubicBezTo>
+                <a:cubicBezTo>
+                  <a:pt x="105289" y="469325"/>
+                  <a:pt x="104055" y="477384"/>
+                  <a:pt x="94422" y="487017"/>
+                </a:cubicBezTo>
+                <a:cubicBezTo>
+                  <a:pt x="90199" y="491240"/>
+                  <a:pt x="84483" y="493643"/>
+                  <a:pt x="79513" y="496956"/>
+                </a:cubicBezTo>
+                <a:cubicBezTo>
+                  <a:pt x="78298" y="503029"/>
+                  <a:pt x="70008" y="549820"/>
+                  <a:pt x="64604" y="551621"/>
+                </a:cubicBezTo>
+                <a:lnTo>
+                  <a:pt x="19878" y="566530"/>
+                </a:lnTo>
+                <a:cubicBezTo>
+                  <a:pt x="3398" y="572024"/>
+                  <a:pt x="10208" y="571500"/>
+                  <a:pt x="0" y="571500"/>
+                </a:cubicBezTo>
+              </a:path>
+            </a:pathLst>
+          </a:custGeom>
+          <a:noFill/>
+          <a:ln w="9525">
+            <a:solidFill>
+              <a:schemeClr val="tx1"/>
+            </a:solidFill>
+          </a:ln>
+        </p:spPr>
+        <p:style>
+          <a:lnRef idx="2">
+            <a:schemeClr val="accent1">
+              <a:shade val="50000"/>
+            </a:schemeClr>
+          </a:lnRef>
+          <a:fillRef idx="1">
+            <a:schemeClr val="accent1"/>
+          </a:fillRef>
+          <a:effectRef idx="0">
+            <a:schemeClr val="accent1"/>
+          </a:effectRef>
+          <a:fontRef idx="minor">
+            <a:schemeClr val="lt1"/>
+          </a:fontRef>
+        </p:style>
+        <p:txBody>
+          <a:bodyPr rtlCol="0" anchor="ctr"/>
+          <a:lstStyle/>
+          <a:p>
+            <a:pPr algn="ctr"/>
+            <a:endParaRPr lang="de-DE"/>
+          </a:p>
+        </p:txBody>
+      </p:sp>
+      <p:sp>
+        <p:nvSpPr>
+          <p:cNvPr id="64" name="Freihandform 43"/>
+          <p:cNvSpPr/>
+          <p:nvPr/>
+        </p:nvSpPr>
+        <p:spPr>
+          <a:xfrm>
+            <a:off x="4433393" y="3827801"/>
+            <a:ext cx="372717" cy="352839"/>
+          </a:xfrm>
+          <a:custGeom>
+            <a:avLst/>
+            <a:gdLst>
+              <a:gd name="connsiteX0" fmla="*/ 372717 w 372717"/>
+              <a:gd name="connsiteY0" fmla="*/ 0 h 352839"/>
+              <a:gd name="connsiteX1" fmla="*/ 367748 w 372717"/>
+              <a:gd name="connsiteY1" fmla="*/ 24848 h 352839"/>
+              <a:gd name="connsiteX2" fmla="*/ 357809 w 372717"/>
+              <a:gd name="connsiteY2" fmla="*/ 54665 h 352839"/>
+              <a:gd name="connsiteX3" fmla="*/ 347870 w 372717"/>
+              <a:gd name="connsiteY3" fmla="*/ 89452 h 352839"/>
+              <a:gd name="connsiteX4" fmla="*/ 337930 w 372717"/>
+              <a:gd name="connsiteY4" fmla="*/ 109330 h 352839"/>
+              <a:gd name="connsiteX5" fmla="*/ 332961 w 372717"/>
+              <a:gd name="connsiteY5" fmla="*/ 124239 h 352839"/>
+              <a:gd name="connsiteX6" fmla="*/ 323022 w 372717"/>
+              <a:gd name="connsiteY6" fmla="*/ 144117 h 352839"/>
+              <a:gd name="connsiteX7" fmla="*/ 313083 w 372717"/>
+              <a:gd name="connsiteY7" fmla="*/ 178904 h 352839"/>
+              <a:gd name="connsiteX8" fmla="*/ 308113 w 372717"/>
+              <a:gd name="connsiteY8" fmla="*/ 193813 h 352839"/>
+              <a:gd name="connsiteX9" fmla="*/ 303143 w 372717"/>
+              <a:gd name="connsiteY9" fmla="*/ 213691 h 352839"/>
+              <a:gd name="connsiteX10" fmla="*/ 273326 w 372717"/>
+              <a:gd name="connsiteY10" fmla="*/ 243509 h 352839"/>
+              <a:gd name="connsiteX11" fmla="*/ 248478 w 372717"/>
+              <a:gd name="connsiteY11" fmla="*/ 268357 h 352839"/>
+              <a:gd name="connsiteX12" fmla="*/ 233570 w 372717"/>
+              <a:gd name="connsiteY12" fmla="*/ 283265 h 352839"/>
+              <a:gd name="connsiteX13" fmla="*/ 223630 w 372717"/>
+              <a:gd name="connsiteY13" fmla="*/ 293204 h 352839"/>
+              <a:gd name="connsiteX14" fmla="*/ 203752 w 372717"/>
+              <a:gd name="connsiteY14" fmla="*/ 318052 h 352839"/>
+              <a:gd name="connsiteX15" fmla="*/ 178904 w 372717"/>
+              <a:gd name="connsiteY15" fmla="*/ 337930 h 352839"/>
+              <a:gd name="connsiteX16" fmla="*/ 168965 w 372717"/>
+              <a:gd name="connsiteY16" fmla="*/ 347870 h 352839"/>
+              <a:gd name="connsiteX17" fmla="*/ 154057 w 372717"/>
+              <a:gd name="connsiteY17" fmla="*/ 352839 h 352839"/>
+              <a:gd name="connsiteX18" fmla="*/ 54665 w 372717"/>
+              <a:gd name="connsiteY18" fmla="*/ 347870 h 352839"/>
+              <a:gd name="connsiteX19" fmla="*/ 39757 w 372717"/>
+              <a:gd name="connsiteY19" fmla="*/ 337930 h 352839"/>
+              <a:gd name="connsiteX20" fmla="*/ 19878 w 372717"/>
+              <a:gd name="connsiteY20" fmla="*/ 293204 h 352839"/>
+              <a:gd name="connsiteX21" fmla="*/ 9939 w 372717"/>
+              <a:gd name="connsiteY21" fmla="*/ 258417 h 352839"/>
+              <a:gd name="connsiteX22" fmla="*/ 0 w 372717"/>
+              <a:gd name="connsiteY22" fmla="*/ 253448 h 352839"/>
+            </a:gdLst>
+            <a:ahLst/>
+            <a:cxnLst>
+              <a:cxn ang="0">
+                <a:pos x="connsiteX0" y="connsiteY0"/>
+              </a:cxn>
+              <a:cxn ang="0">
+                <a:pos x="connsiteX1" y="connsiteY1"/>
+              </a:cxn>
+              <a:cxn ang="0">
+                <a:pos x="connsiteX2" y="connsiteY2"/>
+              </a:cxn>
+              <a:cxn ang="0">
+                <a:pos x="connsiteX3" y="connsiteY3"/>
+              </a:cxn>
+              <a:cxn ang="0">
+                <a:pos x="connsiteX4" y="connsiteY4"/>
+              </a:cxn>
+              <a:cxn ang="0">
+                <a:pos x="connsiteX5" y="connsiteY5"/>
+              </a:cxn>
+              <a:cxn ang="0">
+                <a:pos x="connsiteX6" y="connsiteY6"/>
+              </a:cxn>
+              <a:cxn ang="0">
+                <a:pos x="connsiteX7" y="connsiteY7"/>
+              </a:cxn>
+              <a:cxn ang="0">
+                <a:pos x="connsiteX8" y="connsiteY8"/>
+              </a:cxn>
+              <a:cxn ang="0">
+                <a:pos x="connsiteX9" y="connsiteY9"/>
+              </a:cxn>
+              <a:cxn ang="0">
+                <a:pos x="connsiteX10" y="connsiteY10"/>
+              </a:cxn>
+              <a:cxn ang="0">
+                <a:pos x="connsiteX11" y="connsiteY11"/>
+              </a:cxn>
+              <a:cxn ang="0">
+                <a:pos x="connsiteX12" y="connsiteY12"/>
+              </a:cxn>
+              <a:cxn ang="0">
+                <a:pos x="connsiteX13" y="connsiteY13"/>
+              </a:cxn>
+              <a:cxn ang="0">
+                <a:pos x="connsiteX14" y="connsiteY14"/>
+              </a:cxn>
+              <a:cxn ang="0">
+                <a:pos x="connsiteX15" y="connsiteY15"/>
+              </a:cxn>
+              <a:cxn ang="0">
+                <a:pos x="connsiteX16" y="connsiteY16"/>
+              </a:cxn>
+              <a:cxn ang="0">
+                <a:pos x="connsiteX17" y="connsiteY17"/>
+              </a:cxn>
+              <a:cxn ang="0">
+                <a:pos x="connsiteX18" y="connsiteY18"/>
+              </a:cxn>
+              <a:cxn ang="0">
+                <a:pos x="connsiteX19" y="connsiteY19"/>
+              </a:cxn>
+              <a:cxn ang="0">
+                <a:pos x="connsiteX20" y="connsiteY20"/>
+              </a:cxn>
+              <a:cxn ang="0">
+                <a:pos x="connsiteX21" y="connsiteY21"/>
+              </a:cxn>
+              <a:cxn ang="0">
+                <a:pos x="connsiteX22" y="connsiteY22"/>
+              </a:cxn>
+            </a:cxnLst>
+            <a:rect l="l" t="t" r="r" b="b"/>
+            <a:pathLst>
+              <a:path w="372717" h="352839">
+                <a:moveTo>
+                  <a:pt x="372717" y="0"/>
+                </a:moveTo>
+                <a:cubicBezTo>
+                  <a:pt x="371061" y="8283"/>
+                  <a:pt x="369970" y="16699"/>
+                  <a:pt x="367748" y="24848"/>
+                </a:cubicBezTo>
+                <a:cubicBezTo>
+                  <a:pt x="364992" y="34955"/>
+                  <a:pt x="360350" y="44501"/>
+                  <a:pt x="357809" y="54665"/>
+                </a:cubicBezTo>
+                <a:cubicBezTo>
+                  <a:pt x="355289" y="64742"/>
+                  <a:pt x="352145" y="79478"/>
+                  <a:pt x="347870" y="89452"/>
+                </a:cubicBezTo>
+                <a:cubicBezTo>
+                  <a:pt x="344952" y="96261"/>
+                  <a:pt x="340848" y="102521"/>
+                  <a:pt x="337930" y="109330"/>
+                </a:cubicBezTo>
+                <a:cubicBezTo>
+                  <a:pt x="335866" y="114145"/>
+                  <a:pt x="335024" y="119424"/>
+                  <a:pt x="332961" y="124239"/>
+                </a:cubicBezTo>
+                <a:cubicBezTo>
+                  <a:pt x="330043" y="131048"/>
+                  <a:pt x="325940" y="137308"/>
+                  <a:pt x="323022" y="144117"/>
+                </a:cubicBezTo>
+                <a:cubicBezTo>
+                  <a:pt x="317913" y="156038"/>
+                  <a:pt x="316688" y="166287"/>
+                  <a:pt x="313083" y="178904"/>
+                </a:cubicBezTo>
+                <a:cubicBezTo>
+                  <a:pt x="311644" y="183941"/>
+                  <a:pt x="309552" y="188776"/>
+                  <a:pt x="308113" y="193813"/>
+                </a:cubicBezTo>
+                <a:cubicBezTo>
+                  <a:pt x="306237" y="200380"/>
+                  <a:pt x="307060" y="208096"/>
+                  <a:pt x="303143" y="213691"/>
+                </a:cubicBezTo>
+                <a:cubicBezTo>
+                  <a:pt x="295082" y="225206"/>
+                  <a:pt x="283265" y="233570"/>
+                  <a:pt x="273326" y="243509"/>
+                </a:cubicBezTo>
+                <a:lnTo>
+                  <a:pt x="248478" y="268357"/>
+                </a:lnTo>
+                <a:lnTo>
+                  <a:pt x="233570" y="283265"/>
+                </a:lnTo>
+                <a:lnTo>
+                  <a:pt x="223630" y="293204"/>
+                </a:lnTo>
+                <a:cubicBezTo>
+                  <a:pt x="213956" y="322229"/>
+                  <a:pt x="226231" y="295573"/>
+                  <a:pt x="203752" y="318052"/>
+                </a:cubicBezTo>
+                <a:cubicBezTo>
+                  <a:pt x="181273" y="340531"/>
+                  <a:pt x="207929" y="328256"/>
+                  <a:pt x="178904" y="337930"/>
+                </a:cubicBezTo>
+                <a:cubicBezTo>
+                  <a:pt x="175591" y="341243"/>
+                  <a:pt x="172983" y="345459"/>
+                  <a:pt x="168965" y="347870"/>
+                </a:cubicBezTo>
+                <a:cubicBezTo>
+                  <a:pt x="164473" y="350565"/>
+                  <a:pt x="159295" y="352839"/>
+                  <a:pt x="154057" y="352839"/>
+                </a:cubicBezTo>
+                <a:cubicBezTo>
+                  <a:pt x="120885" y="352839"/>
+                  <a:pt x="87796" y="349526"/>
+                  <a:pt x="54665" y="347870"/>
+                </a:cubicBezTo>
+                <a:cubicBezTo>
+                  <a:pt x="49696" y="344557"/>
+                  <a:pt x="43980" y="342153"/>
+                  <a:pt x="39757" y="337930"/>
+                </a:cubicBezTo>
+                <a:cubicBezTo>
+                  <a:pt x="28877" y="327050"/>
+                  <a:pt x="23160" y="306332"/>
+                  <a:pt x="19878" y="293204"/>
+                </a:cubicBezTo>
+                <a:cubicBezTo>
+                  <a:pt x="19447" y="291480"/>
+                  <a:pt x="12614" y="261983"/>
+                  <a:pt x="9939" y="258417"/>
+                </a:cubicBezTo>
+                <a:cubicBezTo>
+                  <a:pt x="7717" y="255454"/>
+                  <a:pt x="3313" y="255104"/>
+                  <a:pt x="0" y="253448"/>
+                </a:cubicBezTo>
+              </a:path>
+            </a:pathLst>
+          </a:custGeom>
+          <a:noFill/>
+          <a:ln w="9525">
+            <a:solidFill>
+              <a:schemeClr val="tx1"/>
+            </a:solidFill>
+          </a:ln>
+        </p:spPr>
+        <p:style>
+          <a:lnRef idx="2">
+            <a:schemeClr val="accent1">
+              <a:shade val="50000"/>
+            </a:schemeClr>
+          </a:lnRef>
+          <a:fillRef idx="1">
+            <a:schemeClr val="accent1"/>
+          </a:fillRef>
+          <a:effectRef idx="0">
+            <a:schemeClr val="accent1"/>
+          </a:effectRef>
+          <a:fontRef idx="minor">
+            <a:schemeClr val="lt1"/>
+          </a:fontRef>
+        </p:style>
+        <p:txBody>
+          <a:bodyPr rtlCol="0" anchor="ctr"/>
+          <a:lstStyle/>
+          <a:p>
+            <a:pPr algn="ctr"/>
+            <a:endParaRPr lang="de-DE"/>
+          </a:p>
+        </p:txBody>
+      </p:sp>
+      <p:sp>
+        <p:nvSpPr>
+          <p:cNvPr id="65" name="Rechteck 44"/>
+          <p:cNvSpPr/>
+          <p:nvPr/>
+        </p:nvSpPr>
+        <p:spPr>
+          <a:xfrm>
+            <a:off x="4388815" y="4076565"/>
+            <a:ext cx="45719" cy="66049"/>
+          </a:xfrm>
+          <a:prstGeom prst="rect">
+            <a:avLst/>
+          </a:prstGeom>
+          <a:solidFill>
+            <a:schemeClr val="tx1"/>
+          </a:solidFill>
+          <a:ln w="6350">
+            <a:solidFill>
+              <a:schemeClr val="tx1"/>
+            </a:solidFill>
+          </a:ln>
+        </p:spPr>
+        <p:style>
+          <a:lnRef idx="2">
+            <a:schemeClr val="accent1">
+              <a:shade val="50000"/>
+            </a:schemeClr>
+          </a:lnRef>
+          <a:fillRef idx="1">
+            <a:schemeClr val="accent1"/>
+          </a:fillRef>
+          <a:effectRef idx="0">
+            <a:schemeClr val="accent1"/>
+          </a:effectRef>
+          <a:fontRef idx="minor">
+            <a:schemeClr val="lt1"/>
+          </a:fontRef>
+        </p:style>
+        <p:txBody>
+          <a:bodyPr rtlCol="0" anchor="ctr"/>
+          <a:lstStyle/>
+          <a:p>
+            <a:pPr algn="ctr"/>
+            <a:endParaRPr lang="de-DE"/>
+          </a:p>
+        </p:txBody>
+      </p:sp>
+      <p:sp>
+        <p:nvSpPr>
+          <p:cNvPr id="66" name="Rechteck 45"/>
+          <p:cNvSpPr/>
+          <p:nvPr/>
+        </p:nvSpPr>
+        <p:spPr>
+          <a:xfrm>
+            <a:off x="5286422" y="4080128"/>
+            <a:ext cx="45719" cy="66049"/>
+          </a:xfrm>
+          <a:prstGeom prst="rect">
+            <a:avLst/>
+          </a:prstGeom>
+          <a:solidFill>
+            <a:schemeClr val="tx1"/>
+          </a:solidFill>
+          <a:ln w="6350">
+            <a:solidFill>
+              <a:schemeClr val="tx1"/>
+            </a:solidFill>
+          </a:ln>
+        </p:spPr>
+        <p:style>
+          <a:lnRef idx="2">
+            <a:schemeClr val="accent1">
+              <a:shade val="50000"/>
+            </a:schemeClr>
+          </a:lnRef>
+          <a:fillRef idx="1">
+            <a:schemeClr val="accent1"/>
+          </a:fillRef>
+          <a:effectRef idx="0">
+            <a:schemeClr val="accent1"/>
+          </a:effectRef>
+          <a:fontRef idx="minor">
+            <a:schemeClr val="lt1"/>
+          </a:fontRef>
+        </p:style>
+        <p:txBody>
+          <a:bodyPr rtlCol="0" anchor="ctr"/>
+          <a:lstStyle/>
+          <a:p>
+            <a:pPr algn="ctr"/>
+            <a:endParaRPr lang="de-DE"/>
+          </a:p>
+        </p:txBody>
+      </p:sp>
+      <p:sp>
+        <p:nvSpPr>
+          <p:cNvPr id="67" name="Freihandform 46"/>
+          <p:cNvSpPr/>
+          <p:nvPr/>
+        </p:nvSpPr>
+        <p:spPr>
+          <a:xfrm flipH="1">
+            <a:off x="4907781" y="3826354"/>
+            <a:ext cx="372717" cy="352839"/>
+          </a:xfrm>
+          <a:custGeom>
+            <a:avLst/>
+            <a:gdLst>
+              <a:gd name="connsiteX0" fmla="*/ 372717 w 372717"/>
+              <a:gd name="connsiteY0" fmla="*/ 0 h 352839"/>
+              <a:gd name="connsiteX1" fmla="*/ 367748 w 372717"/>
+              <a:gd name="connsiteY1" fmla="*/ 24848 h 352839"/>
+              <a:gd name="connsiteX2" fmla="*/ 357809 w 372717"/>
+              <a:gd name="connsiteY2" fmla="*/ 54665 h 352839"/>
+              <a:gd name="connsiteX3" fmla="*/ 347870 w 372717"/>
+              <a:gd name="connsiteY3" fmla="*/ 89452 h 352839"/>
+              <a:gd name="connsiteX4" fmla="*/ 337930 w 372717"/>
+              <a:gd name="connsiteY4" fmla="*/ 109330 h 352839"/>
+              <a:gd name="connsiteX5" fmla="*/ 332961 w 372717"/>
+              <a:gd name="connsiteY5" fmla="*/ 124239 h 352839"/>
+              <a:gd name="connsiteX6" fmla="*/ 323022 w 372717"/>
+              <a:gd name="connsiteY6" fmla="*/ 144117 h 352839"/>
+              <a:gd name="connsiteX7" fmla="*/ 313083 w 372717"/>
+              <a:gd name="connsiteY7" fmla="*/ 178904 h 352839"/>
+              <a:gd name="connsiteX8" fmla="*/ 308113 w 372717"/>
+              <a:gd name="connsiteY8" fmla="*/ 193813 h 352839"/>
+              <a:gd name="connsiteX9" fmla="*/ 303143 w 372717"/>
+              <a:gd name="connsiteY9" fmla="*/ 213691 h 352839"/>
+              <a:gd name="connsiteX10" fmla="*/ 273326 w 372717"/>
+              <a:gd name="connsiteY10" fmla="*/ 243509 h 352839"/>
+              <a:gd name="connsiteX11" fmla="*/ 248478 w 372717"/>
+              <a:gd name="connsiteY11" fmla="*/ 268357 h 352839"/>
+              <a:gd name="connsiteX12" fmla="*/ 233570 w 372717"/>
+              <a:gd name="connsiteY12" fmla="*/ 283265 h 352839"/>
+              <a:gd name="connsiteX13" fmla="*/ 223630 w 372717"/>
+              <a:gd name="connsiteY13" fmla="*/ 293204 h 352839"/>
+              <a:gd name="connsiteX14" fmla="*/ 203752 w 372717"/>
+              <a:gd name="connsiteY14" fmla="*/ 318052 h 352839"/>
+              <a:gd name="connsiteX15" fmla="*/ 178904 w 372717"/>
+              <a:gd name="connsiteY15" fmla="*/ 337930 h 352839"/>
+              <a:gd name="connsiteX16" fmla="*/ 168965 w 372717"/>
+              <a:gd name="connsiteY16" fmla="*/ 347870 h 352839"/>
+              <a:gd name="connsiteX17" fmla="*/ 154057 w 372717"/>
+              <a:gd name="connsiteY17" fmla="*/ 352839 h 352839"/>
+              <a:gd name="connsiteX18" fmla="*/ 54665 w 372717"/>
+              <a:gd name="connsiteY18" fmla="*/ 347870 h 352839"/>
+              <a:gd name="connsiteX19" fmla="*/ 39757 w 372717"/>
+              <a:gd name="connsiteY19" fmla="*/ 337930 h 352839"/>
+              <a:gd name="connsiteX20" fmla="*/ 19878 w 372717"/>
+              <a:gd name="connsiteY20" fmla="*/ 293204 h 352839"/>
+              <a:gd name="connsiteX21" fmla="*/ 9939 w 372717"/>
+              <a:gd name="connsiteY21" fmla="*/ 258417 h 352839"/>
+              <a:gd name="connsiteX22" fmla="*/ 0 w 372717"/>
+              <a:gd name="connsiteY22" fmla="*/ 253448 h 352839"/>
+            </a:gdLst>
+            <a:ahLst/>
+            <a:cxnLst>
+              <a:cxn ang="0">
+                <a:pos x="connsiteX0" y="connsiteY0"/>
+              </a:cxn>
+              <a:cxn ang="0">
+                <a:pos x="connsiteX1" y="connsiteY1"/>
+              </a:cxn>
+              <a:cxn ang="0">
+                <a:pos x="connsiteX2" y="connsiteY2"/>
+              </a:cxn>
+              <a:cxn ang="0">
+                <a:pos x="connsiteX3" y="connsiteY3"/>
+              </a:cxn>
+              <a:cxn ang="0">
+                <a:pos x="connsiteX4" y="connsiteY4"/>
+              </a:cxn>
+              <a:cxn ang="0">
+                <a:pos x="connsiteX5" y="connsiteY5"/>
+              </a:cxn>
+              <a:cxn ang="0">
+                <a:pos x="connsiteX6" y="connsiteY6"/>
+              </a:cxn>
+              <a:cxn ang="0">
+                <a:pos x="connsiteX7" y="connsiteY7"/>
+              </a:cxn>
+              <a:cxn ang="0">
+                <a:pos x="connsiteX8" y="connsiteY8"/>
+              </a:cxn>
+              <a:cxn ang="0">
+                <a:pos x="connsiteX9" y="connsiteY9"/>
+              </a:cxn>
+              <a:cxn ang="0">
+                <a:pos x="connsiteX10" y="connsiteY10"/>
+              </a:cxn>
+              <a:cxn ang="0">
+                <a:pos x="connsiteX11" y="connsiteY11"/>
+              </a:cxn>
+              <a:cxn ang="0">
+                <a:pos x="connsiteX12" y="connsiteY12"/>
+              </a:cxn>
+              <a:cxn ang="0">
+                <a:pos x="connsiteX13" y="connsiteY13"/>
+              </a:cxn>
+              <a:cxn ang="0">
+                <a:pos x="connsiteX14" y="connsiteY14"/>
+              </a:cxn>
+              <a:cxn ang="0">
+                <a:pos x="connsiteX15" y="connsiteY15"/>
+              </a:cxn>
+              <a:cxn ang="0">
+                <a:pos x="connsiteX16" y="connsiteY16"/>
+              </a:cxn>
+              <a:cxn ang="0">
+                <a:pos x="connsiteX17" y="connsiteY17"/>
+              </a:cxn>
+              <a:cxn ang="0">
+                <a:pos x="connsiteX18" y="connsiteY18"/>
+              </a:cxn>
+              <a:cxn ang="0">
+                <a:pos x="connsiteX19" y="connsiteY19"/>
+              </a:cxn>
+              <a:cxn ang="0">
+                <a:pos x="connsiteX20" y="connsiteY20"/>
+              </a:cxn>
+              <a:cxn ang="0">
+                <a:pos x="connsiteX21" y="connsiteY21"/>
+              </a:cxn>
+              <a:cxn ang="0">
+                <a:pos x="connsiteX22" y="connsiteY22"/>
+              </a:cxn>
+            </a:cxnLst>
+            <a:rect l="l" t="t" r="r" b="b"/>
+            <a:pathLst>
+              <a:path w="372717" h="352839">
+                <a:moveTo>
+                  <a:pt x="372717" y="0"/>
+                </a:moveTo>
+                <a:cubicBezTo>
+                  <a:pt x="371061" y="8283"/>
+                  <a:pt x="369970" y="16699"/>
+                  <a:pt x="367748" y="24848"/>
+                </a:cubicBezTo>
+                <a:cubicBezTo>
+                  <a:pt x="364992" y="34955"/>
+                  <a:pt x="360350" y="44501"/>
+                  <a:pt x="357809" y="54665"/>
+                </a:cubicBezTo>
+                <a:cubicBezTo>
+                  <a:pt x="355289" y="64742"/>
+                  <a:pt x="352145" y="79478"/>
+                  <a:pt x="347870" y="89452"/>
+                </a:cubicBezTo>
+                <a:cubicBezTo>
+                  <a:pt x="344952" y="96261"/>
+                  <a:pt x="340848" y="102521"/>
+                  <a:pt x="337930" y="109330"/>
+                </a:cubicBezTo>
+                <a:cubicBezTo>
+                  <a:pt x="335866" y="114145"/>
+                  <a:pt x="335024" y="119424"/>
+                  <a:pt x="332961" y="124239"/>
+                </a:cubicBezTo>
+                <a:cubicBezTo>
+                  <a:pt x="330043" y="131048"/>
+                  <a:pt x="325940" y="137308"/>
+                  <a:pt x="323022" y="144117"/>
+                </a:cubicBezTo>
+                <a:cubicBezTo>
+                  <a:pt x="317913" y="156038"/>
+                  <a:pt x="316688" y="166287"/>
+                  <a:pt x="313083" y="178904"/>
+                </a:cubicBezTo>
+                <a:cubicBezTo>
+                  <a:pt x="311644" y="183941"/>
+                  <a:pt x="309552" y="188776"/>
+                  <a:pt x="308113" y="193813"/>
+                </a:cubicBezTo>
+                <a:cubicBezTo>
+                  <a:pt x="306237" y="200380"/>
+                  <a:pt x="307060" y="208096"/>
+                  <a:pt x="303143" y="213691"/>
+                </a:cubicBezTo>
+                <a:cubicBezTo>
+                  <a:pt x="295082" y="225206"/>
+                  <a:pt x="283265" y="233570"/>
+                  <a:pt x="273326" y="243509"/>
+                </a:cubicBezTo>
+                <a:lnTo>
+                  <a:pt x="248478" y="268357"/>
+                </a:lnTo>
+                <a:lnTo>
+                  <a:pt x="233570" y="283265"/>
+                </a:lnTo>
+                <a:lnTo>
+                  <a:pt x="223630" y="293204"/>
+                </a:lnTo>
+                <a:cubicBezTo>
+                  <a:pt x="213956" y="322229"/>
+                  <a:pt x="226231" y="295573"/>
+                  <a:pt x="203752" y="318052"/>
+                </a:cubicBezTo>
+                <a:cubicBezTo>
+                  <a:pt x="181273" y="340531"/>
+                  <a:pt x="207929" y="328256"/>
+                  <a:pt x="178904" y="337930"/>
+                </a:cubicBezTo>
+                <a:cubicBezTo>
+                  <a:pt x="175591" y="341243"/>
+                  <a:pt x="172983" y="345459"/>
+                  <a:pt x="168965" y="347870"/>
+                </a:cubicBezTo>
+                <a:cubicBezTo>
+                  <a:pt x="164473" y="350565"/>
+                  <a:pt x="159295" y="352839"/>
+                  <a:pt x="154057" y="352839"/>
+                </a:cubicBezTo>
+                <a:cubicBezTo>
+                  <a:pt x="120885" y="352839"/>
+                  <a:pt x="87796" y="349526"/>
+                  <a:pt x="54665" y="347870"/>
+                </a:cubicBezTo>
+                <a:cubicBezTo>
+                  <a:pt x="49696" y="344557"/>
+                  <a:pt x="43980" y="342153"/>
+                  <a:pt x="39757" y="337930"/>
+                </a:cubicBezTo>
+                <a:cubicBezTo>
+                  <a:pt x="28877" y="327050"/>
+                  <a:pt x="23160" y="306332"/>
+                  <a:pt x="19878" y="293204"/>
+                </a:cubicBezTo>
+                <a:cubicBezTo>
+                  <a:pt x="19447" y="291480"/>
+                  <a:pt x="12614" y="261983"/>
+                  <a:pt x="9939" y="258417"/>
+                </a:cubicBezTo>
+                <a:cubicBezTo>
+                  <a:pt x="7717" y="255454"/>
+                  <a:pt x="3313" y="255104"/>
+                  <a:pt x="0" y="253448"/>
+                </a:cubicBezTo>
+              </a:path>
+            </a:pathLst>
+          </a:custGeom>
+          <a:noFill/>
+          <a:ln w="9525">
+            <a:solidFill>
+              <a:schemeClr val="tx1"/>
+            </a:solidFill>
+          </a:ln>
+        </p:spPr>
+        <p:style>
+          <a:lnRef idx="2">
+            <a:schemeClr val="accent1">
+              <a:shade val="50000"/>
+            </a:schemeClr>
+          </a:lnRef>
+          <a:fillRef idx="1">
+            <a:schemeClr val="accent1"/>
+          </a:fillRef>
+          <a:effectRef idx="0">
+            <a:schemeClr val="accent1"/>
+          </a:effectRef>
+          <a:fontRef idx="minor">
+            <a:schemeClr val="lt1"/>
+          </a:fontRef>
+        </p:style>
+        <p:txBody>
+          <a:bodyPr rtlCol="0" anchor="ctr"/>
+          <a:lstStyle/>
+          <a:p>
+            <a:pPr algn="ctr"/>
+            <a:endParaRPr lang="de-DE"/>
+          </a:p>
+        </p:txBody>
+      </p:sp>
+      <p:sp>
+        <p:nvSpPr>
+          <p:cNvPr id="68" name="Textfeld 47"/>
+          <p:cNvSpPr txBox="1"/>
+          <p:nvPr/>
+        </p:nvSpPr>
+        <p:spPr>
+          <a:xfrm>
+            <a:off x="2913761" y="4602386"/>
+            <a:ext cx="428322" cy="184666"/>
+          </a:xfrm>
+          <a:prstGeom prst="rect">
+            <a:avLst/>
+          </a:prstGeom>
+          <a:noFill/>
+        </p:spPr>
+        <p:txBody>
+          <a:bodyPr wrap="none" rtlCol="0">
+            <a:spAutoFit/>
+          </a:bodyPr>
+          <a:lstStyle/>
+          <a:p>
+            <a:r>
+              <a:rPr lang="de-DE" sz="600" dirty="0" smtClean="0">
+                <a:latin typeface="Arial" pitchFamily="34" charset="0"/>
+                <a:cs typeface="Arial" pitchFamily="34" charset="0"/>
+              </a:rPr>
+              <a:t>Type A</a:t>
+            </a:r>
+            <a:endParaRPr lang="de-DE" sz="600" dirty="0">
+              <a:latin typeface="Arial" pitchFamily="34" charset="0"/>
+              <a:cs typeface="Arial" pitchFamily="34" charset="0"/>
+            </a:endParaRPr>
+          </a:p>
+        </p:txBody>
+      </p:sp>
+      <p:sp>
+        <p:nvSpPr>
+          <p:cNvPr id="69" name="Geschweifte Klammer links 48"/>
+          <p:cNvSpPr/>
+          <p:nvPr/>
+        </p:nvSpPr>
+        <p:spPr>
+          <a:xfrm>
+            <a:off x="3263640" y="4463905"/>
+            <a:ext cx="177527" cy="464840"/>
+          </a:xfrm>
+          <a:prstGeom prst="leftBrace">
+            <a:avLst/>
+          </a:prstGeom>
+        </p:spPr>
+        <p:style>
+          <a:lnRef idx="1">
+            <a:schemeClr val="accent1"/>
+          </a:lnRef>
+          <a:fillRef idx="0">
+            <a:schemeClr val="accent1"/>
+          </a:fillRef>
+          <a:effectRef idx="0">
+            <a:schemeClr val="accent1"/>
+          </a:effectRef>
+          <a:fontRef idx="minor">
+            <a:schemeClr val="tx1"/>
+          </a:fontRef>
+        </p:style>
+        <p:txBody>
+          <a:bodyPr rtlCol="0" anchor="ctr"/>
+          <a:lstStyle/>
+          <a:p>
+            <a:pPr algn="ctr"/>
+            <a:endParaRPr lang="de-DE"/>
+          </a:p>
+        </p:txBody>
+      </p:sp>
+      <p:sp>
+        <p:nvSpPr>
+          <p:cNvPr id="70" name="Geschweifte Klammer links 49"/>
+          <p:cNvSpPr/>
+          <p:nvPr/>
+        </p:nvSpPr>
+        <p:spPr>
+          <a:xfrm flipH="1">
+            <a:off x="3991834" y="4457231"/>
+            <a:ext cx="177527" cy="464840"/>
+          </a:xfrm>
+          <a:prstGeom prst="leftBrace">
+            <a:avLst/>
+          </a:prstGeom>
+        </p:spPr>
+        <p:style>
+          <a:lnRef idx="1">
+            <a:schemeClr val="accent1"/>
+          </a:lnRef>
+          <a:fillRef idx="0">
+            <a:schemeClr val="accent1"/>
+          </a:fillRef>
+          <a:effectRef idx="0">
+            <a:schemeClr val="accent1"/>
+          </a:effectRef>
+          <a:fontRef idx="minor">
+            <a:schemeClr val="tx1"/>
+          </a:fontRef>
+        </p:style>
+        <p:txBody>
+          <a:bodyPr rtlCol="0" anchor="ctr"/>
+          <a:lstStyle/>
+          <a:p>
+            <a:pPr algn="ctr"/>
+            <a:endParaRPr lang="de-DE"/>
+          </a:p>
+        </p:txBody>
+      </p:sp>
+      <p:sp>
+        <p:nvSpPr>
+          <p:cNvPr id="71" name="Textfeld 50"/>
+          <p:cNvSpPr txBox="1"/>
+          <p:nvPr/>
+        </p:nvSpPr>
+        <p:spPr>
+          <a:xfrm>
+            <a:off x="4093170" y="4585154"/>
+            <a:ext cx="428322" cy="184666"/>
+          </a:xfrm>
+          <a:prstGeom prst="rect">
+            <a:avLst/>
+          </a:prstGeom>
+          <a:noFill/>
+        </p:spPr>
+        <p:txBody>
+          <a:bodyPr wrap="none" rtlCol="0">
+            <a:spAutoFit/>
+          </a:bodyPr>
+          <a:lstStyle/>
+          <a:p>
+            <a:r>
+              <a:rPr lang="de-DE" sz="600" dirty="0" smtClean="0">
+                <a:latin typeface="Arial" pitchFamily="34" charset="0"/>
+                <a:cs typeface="Arial" pitchFamily="34" charset="0"/>
+              </a:rPr>
+              <a:t>Type A</a:t>
+            </a:r>
+            <a:endParaRPr lang="de-DE" sz="600" dirty="0">
+              <a:latin typeface="Arial" pitchFamily="34" charset="0"/>
+              <a:cs typeface="Arial" pitchFamily="34" charset="0"/>
+            </a:endParaRPr>
+          </a:p>
+        </p:txBody>
+      </p:sp>
+      <p:cxnSp>
+        <p:nvCxnSpPr>
+          <p:cNvPr id="72" name="Gerade Verbindung mit Pfeil 51"/>
+          <p:cNvCxnSpPr/>
+          <p:nvPr/>
+        </p:nvCxnSpPr>
+        <p:spPr>
+          <a:xfrm>
+            <a:off x="3127922" y="3827801"/>
+            <a:ext cx="1018580" cy="281788"/>
+          </a:xfrm>
+          <a:prstGeom prst="straightConnector1">
+            <a:avLst/>
+          </a:prstGeom>
+          <a:ln>
+            <a:tailEnd type="arrow"/>
+          </a:ln>
+        </p:spPr>
+        <p:style>
+          <a:lnRef idx="1">
+            <a:schemeClr val="accent1"/>
+          </a:lnRef>
+          <a:fillRef idx="0">
+            <a:schemeClr val="accent1"/>
+          </a:fillRef>
+          <a:effectRef idx="0">
+            <a:schemeClr val="accent1"/>
+          </a:effectRef>
+          <a:fontRef idx="minor">
+            <a:schemeClr val="tx1"/>
+          </a:fontRef>
+        </p:style>
+      </p:cxnSp>
+      <p:cxnSp>
+        <p:nvCxnSpPr>
+          <p:cNvPr id="73" name="Gerade Verbindung mit Pfeil 52"/>
+          <p:cNvCxnSpPr>
+            <a:endCxn id="56" idx="0"/>
+          </p:cNvCxnSpPr>
+          <p:nvPr/>
+        </p:nvCxnSpPr>
+        <p:spPr>
+          <a:xfrm>
+            <a:off x="3127922" y="3827801"/>
+            <a:ext cx="141550" cy="248766"/>
+          </a:xfrm>
+          <a:prstGeom prst="straightConnector1">
+            <a:avLst/>
+          </a:prstGeom>
+          <a:ln>
+            <a:tailEnd type="arrow"/>
+          </a:ln>
+        </p:spPr>
+        <p:style>
+          <a:lnRef idx="1">
+            <a:schemeClr val="accent1"/>
+          </a:lnRef>
+          <a:fillRef idx="0">
+            <a:schemeClr val="accent1"/>
+          </a:fillRef>
+          <a:effectRef idx="0">
+            <a:schemeClr val="accent1"/>
+          </a:effectRef>
+          <a:fontRef idx="minor">
+            <a:schemeClr val="tx1"/>
+          </a:fontRef>
+        </p:style>
+      </p:cxnSp>
+      <p:sp>
+        <p:nvSpPr>
+          <p:cNvPr id="74" name="Textfeld 53"/>
+          <p:cNvSpPr txBox="1"/>
+          <p:nvPr/>
+        </p:nvSpPr>
+        <p:spPr>
+          <a:xfrm>
+            <a:off x="2859188" y="3675877"/>
+            <a:ext cx="428322" cy="184666"/>
+          </a:xfrm>
+          <a:prstGeom prst="rect">
+            <a:avLst/>
+          </a:prstGeom>
+          <a:noFill/>
+        </p:spPr>
+        <p:txBody>
+          <a:bodyPr wrap="none" rtlCol="0">
+            <a:spAutoFit/>
+          </a:bodyPr>
+          <a:lstStyle/>
+          <a:p>
+            <a:r>
+              <a:rPr lang="de-DE" sz="600" dirty="0" smtClean="0">
+                <a:latin typeface="Arial" pitchFamily="34" charset="0"/>
+                <a:cs typeface="Arial" pitchFamily="34" charset="0"/>
+              </a:rPr>
+              <a:t>Type B</a:t>
+            </a:r>
+            <a:endParaRPr lang="de-DE" sz="600" dirty="0">
+              <a:latin typeface="Arial" pitchFamily="34" charset="0"/>
+              <a:cs typeface="Arial" pitchFamily="34" charset="0"/>
+            </a:endParaRPr>
+          </a:p>
+        </p:txBody>
+      </p:sp>
+      <p:cxnSp>
+        <p:nvCxnSpPr>
+          <p:cNvPr id="75" name="Gerade Verbindung mit Pfeil 54"/>
+          <p:cNvCxnSpPr>
+            <a:endCxn id="32" idx="0"/>
+          </p:cNvCxnSpPr>
+          <p:nvPr/>
+        </p:nvCxnSpPr>
+        <p:spPr>
+          <a:xfrm flipH="1">
+            <a:off x="4855660" y="3268663"/>
+            <a:ext cx="424838" cy="270467"/>
+          </a:xfrm>
+          <a:prstGeom prst="straightConnector1">
+            <a:avLst/>
+          </a:prstGeom>
+          <a:ln>
+            <a:tailEnd type="arrow"/>
+          </a:ln>
+        </p:spPr>
+        <p:style>
+          <a:lnRef idx="1">
+            <a:schemeClr val="accent1"/>
+          </a:lnRef>
+          <a:fillRef idx="0">
+            <a:schemeClr val="accent1"/>
+          </a:fillRef>
+          <a:effectRef idx="0">
+            <a:schemeClr val="accent1"/>
+          </a:effectRef>
+          <a:fontRef idx="minor">
+            <a:schemeClr val="tx1"/>
+          </a:fontRef>
+        </p:style>
+      </p:cxnSp>
+      <p:sp>
+        <p:nvSpPr>
+          <p:cNvPr id="76" name="Textfeld 55"/>
+          <p:cNvSpPr txBox="1"/>
+          <p:nvPr/>
+        </p:nvSpPr>
+        <p:spPr>
+          <a:xfrm>
+            <a:off x="5010598" y="3099813"/>
+            <a:ext cx="641522" cy="184666"/>
+          </a:xfrm>
+          <a:prstGeom prst="rect">
+            <a:avLst/>
+          </a:prstGeom>
+          <a:noFill/>
+        </p:spPr>
+        <p:txBody>
+          <a:bodyPr wrap="none" rtlCol="0">
+            <a:spAutoFit/>
+          </a:bodyPr>
+          <a:lstStyle/>
+          <a:p>
+            <a:r>
+              <a:rPr lang="de-DE" sz="600" dirty="0" smtClean="0">
+                <a:latin typeface="Arial" pitchFamily="34" charset="0"/>
+                <a:cs typeface="Arial" pitchFamily="34" charset="0"/>
+              </a:rPr>
+              <a:t>CPU+Type C</a:t>
+            </a:r>
+            <a:endParaRPr lang="de-DE" sz="600" dirty="0">
+              <a:latin typeface="Arial" pitchFamily="34" charset="0"/>
+              <a:cs typeface="Arial" pitchFamily="34" charset="0"/>
+            </a:endParaRPr>
+          </a:p>
+        </p:txBody>
+      </p:sp>
     </p:spTree>
     <p:extLst>
       <p:ext uri="{BB962C8B-B14F-4D97-AF65-F5344CB8AC3E}">
@@ -42149,7 +45345,7 @@
                 </a:solidFill>
                 <a:latin typeface="Arial Narrow" pitchFamily="34" charset="0"/>
               </a:rPr>
-              <a:t>Plateform</a:t>
+              <a:t>Platform</a:t>
             </a:r>
             <a:endParaRPr lang="es-ES" sz="4000" dirty="0">
               <a:solidFill>

--- a/Documents/Project report Vero/Presentation/Presentation_V2.pptx
+++ b/Documents/Project report Vero/Presentation/Presentation_V2.pptx
@@ -325,11 +325,11 @@
           <c:showBubbleSize val="0"/>
         </c:dLbls>
         <c:gapWidth val="150"/>
-        <c:axId val="59088256"/>
-        <c:axId val="59577472"/>
+        <c:axId val="199491584"/>
+        <c:axId val="199493120"/>
       </c:barChart>
       <c:catAx>
-        <c:axId val="59088256"/>
+        <c:axId val="199491584"/>
         <c:scaling>
           <c:orientation val="minMax"/>
         </c:scaling>
@@ -338,7 +338,7 @@
         <c:majorTickMark val="out"/>
         <c:minorTickMark val="none"/>
         <c:tickLblPos val="nextTo"/>
-        <c:crossAx val="59577472"/>
+        <c:crossAx val="199493120"/>
         <c:crosses val="autoZero"/>
         <c:auto val="1"/>
         <c:lblAlgn val="ctr"/>
@@ -346,7 +346,7 @@
         <c:noMultiLvlLbl val="0"/>
       </c:catAx>
       <c:valAx>
-        <c:axId val="59577472"/>
+        <c:axId val="199493120"/>
         <c:scaling>
           <c:orientation val="minMax"/>
         </c:scaling>
@@ -357,7 +357,7 @@
         <c:majorTickMark val="out"/>
         <c:minorTickMark val="none"/>
         <c:tickLblPos val="nextTo"/>
-        <c:crossAx val="59088256"/>
+        <c:crossAx val="199491584"/>
         <c:crosses val="autoZero"/>
         <c:crossBetween val="between"/>
       </c:valAx>
@@ -522,12 +522,12 @@
         </c:dLbls>
         <c:gapWidth val="75"/>
         <c:shape val="cylinder"/>
-        <c:axId val="59409920"/>
-        <c:axId val="59411456"/>
-        <c:axId val="59313664"/>
+        <c:axId val="203224960"/>
+        <c:axId val="203226496"/>
+        <c:axId val="203140608"/>
       </c:bar3DChart>
       <c:catAx>
-        <c:axId val="59409920"/>
+        <c:axId val="203224960"/>
         <c:scaling>
           <c:orientation val="minMax"/>
         </c:scaling>
@@ -536,7 +536,7 @@
         <c:majorTickMark val="none"/>
         <c:minorTickMark val="none"/>
         <c:tickLblPos val="nextTo"/>
-        <c:crossAx val="59411456"/>
+        <c:crossAx val="203226496"/>
         <c:crosses val="autoZero"/>
         <c:auto val="1"/>
         <c:lblAlgn val="ctr"/>
@@ -544,7 +544,7 @@
         <c:noMultiLvlLbl val="0"/>
       </c:catAx>
       <c:valAx>
-        <c:axId val="59411456"/>
+        <c:axId val="203226496"/>
         <c:scaling>
           <c:orientation val="minMax"/>
         </c:scaling>
@@ -554,12 +554,12 @@
         <c:majorTickMark val="none"/>
         <c:minorTickMark val="none"/>
         <c:tickLblPos val="nextTo"/>
-        <c:crossAx val="59409920"/>
+        <c:crossAx val="203224960"/>
         <c:crosses val="autoZero"/>
         <c:crossBetween val="between"/>
       </c:valAx>
       <c:serAx>
-        <c:axId val="59313664"/>
+        <c:axId val="203140608"/>
         <c:scaling>
           <c:orientation val="minMax"/>
         </c:scaling>
@@ -568,13 +568,12 @@
         <c:majorTickMark val="none"/>
         <c:minorTickMark val="none"/>
         <c:tickLblPos val="nextTo"/>
-        <c:crossAx val="59411456"/>
+        <c:crossAx val="203226496"/>
         <c:crosses val="autoZero"/>
       </c:serAx>
     </c:plotArea>
     <c:legend>
       <c:legendPos val="b"/>
-      <c:layout/>
       <c:overlay val="0"/>
     </c:legend>
     <c:plotVisOnly val="1"/>
@@ -777,12 +776,12 @@
         </c:dLbls>
         <c:gapWidth val="75"/>
         <c:shape val="cylinder"/>
-        <c:axId val="59501568"/>
-        <c:axId val="128910080"/>
-        <c:axId val="74316416"/>
+        <c:axId val="203341184"/>
+        <c:axId val="203359360"/>
+        <c:axId val="203221632"/>
       </c:bar3DChart>
       <c:catAx>
-        <c:axId val="59501568"/>
+        <c:axId val="203341184"/>
         <c:scaling>
           <c:orientation val="minMax"/>
         </c:scaling>
@@ -791,7 +790,7 @@
         <c:majorTickMark val="none"/>
         <c:minorTickMark val="none"/>
         <c:tickLblPos val="nextTo"/>
-        <c:crossAx val="128910080"/>
+        <c:crossAx val="203359360"/>
         <c:crosses val="autoZero"/>
         <c:auto val="1"/>
         <c:lblAlgn val="ctr"/>
@@ -799,7 +798,7 @@
         <c:noMultiLvlLbl val="0"/>
       </c:catAx>
       <c:valAx>
-        <c:axId val="128910080"/>
+        <c:axId val="203359360"/>
         <c:scaling>
           <c:orientation val="minMax"/>
         </c:scaling>
@@ -809,12 +808,12 @@
         <c:majorTickMark val="none"/>
         <c:minorTickMark val="none"/>
         <c:tickLblPos val="nextTo"/>
-        <c:crossAx val="59501568"/>
+        <c:crossAx val="203341184"/>
         <c:crosses val="autoZero"/>
         <c:crossBetween val="between"/>
       </c:valAx>
       <c:serAx>
-        <c:axId val="74316416"/>
+        <c:axId val="203221632"/>
         <c:scaling>
           <c:orientation val="minMax"/>
         </c:scaling>
@@ -823,13 +822,12 @@
         <c:majorTickMark val="none"/>
         <c:minorTickMark val="none"/>
         <c:tickLblPos val="nextTo"/>
-        <c:crossAx val="128910080"/>
+        <c:crossAx val="203359360"/>
         <c:crosses val="autoZero"/>
       </c:serAx>
     </c:plotArea>
     <c:legend>
       <c:legendPos val="b"/>
-      <c:layout/>
       <c:overlay val="0"/>
     </c:legend>
     <c:plotVisOnly val="1"/>
@@ -10253,7 +10251,7 @@
           <a:p>
             <a:fld id="{0566BE70-30C3-4B6B-BB66-07A039C630E3}" type="datetimeFigureOut">
               <a:rPr lang="es-ES" smtClean="0"/>
-              <a:t>09/07/2015</a:t>
+              <a:t>13/07/2015</a:t>
             </a:fld>
             <a:endParaRPr lang="es-ES"/>
           </a:p>
@@ -10870,7 +10868,7 @@
           <a:p>
             <a:fld id="{093AD72A-029F-46E5-975B-813CA9779ACF}" type="datetimeFigureOut">
               <a:rPr lang="es-ES" smtClean="0"/>
-              <a:t>09/07/2015</a:t>
+              <a:t>13/07/2015</a:t>
             </a:fld>
             <a:endParaRPr lang="es-ES"/>
           </a:p>
@@ -11040,7 +11038,7 @@
           <a:p>
             <a:fld id="{093AD72A-029F-46E5-975B-813CA9779ACF}" type="datetimeFigureOut">
               <a:rPr lang="es-ES" smtClean="0"/>
-              <a:t>09/07/2015</a:t>
+              <a:t>13/07/2015</a:t>
             </a:fld>
             <a:endParaRPr lang="es-ES"/>
           </a:p>
@@ -11220,7 +11218,7 @@
           <a:p>
             <a:fld id="{093AD72A-029F-46E5-975B-813CA9779ACF}" type="datetimeFigureOut">
               <a:rPr lang="es-ES" smtClean="0"/>
-              <a:t>09/07/2015</a:t>
+              <a:t>13/07/2015</a:t>
             </a:fld>
             <a:endParaRPr lang="es-ES"/>
           </a:p>
@@ -11390,7 +11388,7 @@
           <a:p>
             <a:fld id="{093AD72A-029F-46E5-975B-813CA9779ACF}" type="datetimeFigureOut">
               <a:rPr lang="es-ES" smtClean="0"/>
-              <a:t>09/07/2015</a:t>
+              <a:t>13/07/2015</a:t>
             </a:fld>
             <a:endParaRPr lang="es-ES"/>
           </a:p>
@@ -11636,7 +11634,7 @@
           <a:p>
             <a:fld id="{093AD72A-029F-46E5-975B-813CA9779ACF}" type="datetimeFigureOut">
               <a:rPr lang="es-ES" smtClean="0"/>
-              <a:t>09/07/2015</a:t>
+              <a:t>13/07/2015</a:t>
             </a:fld>
             <a:endParaRPr lang="es-ES"/>
           </a:p>
@@ -11924,7 +11922,7 @@
           <a:p>
             <a:fld id="{093AD72A-029F-46E5-975B-813CA9779ACF}" type="datetimeFigureOut">
               <a:rPr lang="es-ES" smtClean="0"/>
-              <a:t>09/07/2015</a:t>
+              <a:t>13/07/2015</a:t>
             </a:fld>
             <a:endParaRPr lang="es-ES"/>
           </a:p>
@@ -12346,7 +12344,7 @@
           <a:p>
             <a:fld id="{093AD72A-029F-46E5-975B-813CA9779ACF}" type="datetimeFigureOut">
               <a:rPr lang="es-ES" smtClean="0"/>
-              <a:t>09/07/2015</a:t>
+              <a:t>13/07/2015</a:t>
             </a:fld>
             <a:endParaRPr lang="es-ES"/>
           </a:p>
@@ -12464,7 +12462,7 @@
           <a:p>
             <a:fld id="{093AD72A-029F-46E5-975B-813CA9779ACF}" type="datetimeFigureOut">
               <a:rPr lang="es-ES" smtClean="0"/>
-              <a:t>09/07/2015</a:t>
+              <a:t>13/07/2015</a:t>
             </a:fld>
             <a:endParaRPr lang="es-ES"/>
           </a:p>
@@ -12559,7 +12557,7 @@
           <a:p>
             <a:fld id="{093AD72A-029F-46E5-975B-813CA9779ACF}" type="datetimeFigureOut">
               <a:rPr lang="es-ES" smtClean="0"/>
-              <a:t>09/07/2015</a:t>
+              <a:t>13/07/2015</a:t>
             </a:fld>
             <a:endParaRPr lang="es-ES"/>
           </a:p>
@@ -12836,7 +12834,7 @@
           <a:p>
             <a:fld id="{093AD72A-029F-46E5-975B-813CA9779ACF}" type="datetimeFigureOut">
               <a:rPr lang="es-ES" smtClean="0"/>
-              <a:t>09/07/2015</a:t>
+              <a:t>13/07/2015</a:t>
             </a:fld>
             <a:endParaRPr lang="es-ES"/>
           </a:p>
@@ -13089,7 +13087,7 @@
           <a:p>
             <a:fld id="{093AD72A-029F-46E5-975B-813CA9779ACF}" type="datetimeFigureOut">
               <a:rPr lang="es-ES" smtClean="0"/>
-              <a:t>09/07/2015</a:t>
+              <a:t>13/07/2015</a:t>
             </a:fld>
             <a:endParaRPr lang="es-ES"/>
           </a:p>
@@ -13302,7 +13300,7 @@
           <a:p>
             <a:fld id="{093AD72A-029F-46E5-975B-813CA9779ACF}" type="datetimeFigureOut">
               <a:rPr lang="es-ES" smtClean="0"/>
-              <a:t>09/07/2015</a:t>
+              <a:t>13/07/2015</a:t>
             </a:fld>
             <a:endParaRPr lang="es-ES"/>
           </a:p>
@@ -16352,70 +16350,6 @@
       </p:sp>
       <p:pic>
         <p:nvPicPr>
-          <p:cNvPr id="16" name="Picture 2"/>
-          <p:cNvPicPr>
-            <a:picLocks noChangeAspect="1" noChangeArrowheads="1"/>
-          </p:cNvPicPr>
-          <p:nvPr/>
-        </p:nvPicPr>
-        <p:blipFill>
-          <a:blip r:embed="rId4">
-            <a:extLst>
-              <a:ext uri="{28A0092B-C50C-407E-A947-70E740481C1C}">
-                <a14:useLocalDpi xmlns:a14="http://schemas.microsoft.com/office/drawing/2010/main" val="0"/>
-              </a:ext>
-            </a:extLst>
-          </a:blip>
-          <a:srcRect/>
-          <a:stretch>
-            <a:fillRect/>
-          </a:stretch>
-        </p:blipFill>
-        <p:spPr bwMode="auto">
-          <a:xfrm>
-            <a:off x="4133850" y="3271502"/>
-            <a:ext cx="743147" cy="368986"/>
-          </a:xfrm>
-          <a:prstGeom prst="rect">
-            <a:avLst/>
-          </a:prstGeom>
-          <a:noFill/>
-          <a:ln>
-            <a:noFill/>
-          </a:ln>
-          <a:effectLst/>
-          <a:extLst>
-            <a:ext uri="{909E8E84-426E-40DD-AFC4-6F175D3DCCD1}">
-              <a14:hiddenFill xmlns:a14="http://schemas.microsoft.com/office/drawing/2010/main">
-                <a:solidFill>
-                  <a:schemeClr val="accent1"/>
-                </a:solidFill>
-              </a14:hiddenFill>
-            </a:ext>
-            <a:ext uri="{91240B29-F687-4F45-9708-019B960494DF}">
-              <a14:hiddenLine xmlns:a14="http://schemas.microsoft.com/office/drawing/2010/main" w="9525">
-                <a:solidFill>
-                  <a:schemeClr val="tx1"/>
-                </a:solidFill>
-                <a:miter lim="800000"/>
-                <a:headEnd/>
-                <a:tailEnd/>
-              </a14:hiddenLine>
-            </a:ext>
-            <a:ext uri="{AF507438-7753-43E0-B8FC-AC1667EBCBE1}">
-              <a14:hiddenEffects xmlns:a14="http://schemas.microsoft.com/office/drawing/2010/main">
-                <a:effectLst>
-                  <a:outerShdw dist="35921" dir="2700000" algn="ctr" rotWithShape="0">
-                    <a:schemeClr val="bg2"/>
-                  </a:outerShdw>
-                </a:effectLst>
-              </a14:hiddenEffects>
-            </a:ext>
-          </a:extLst>
-        </p:spPr>
-      </p:pic>
-      <p:pic>
-        <p:nvPicPr>
           <p:cNvPr id="17" name="Picture 3"/>
           <p:cNvPicPr>
             <a:picLocks noChangeAspect="1" noChangeArrowheads="1"/>
@@ -16437,7 +16371,7 @@
         </p:blipFill>
         <p:spPr bwMode="auto">
           <a:xfrm>
-            <a:off x="2937094" y="5956795"/>
+            <a:off x="2510838" y="5956795"/>
             <a:ext cx="876300" cy="438150"/>
           </a:xfrm>
           <a:prstGeom prst="rect">
@@ -16501,7 +16435,7 @@
         </p:blipFill>
         <p:spPr bwMode="auto">
           <a:xfrm>
-            <a:off x="3632806" y="5157192"/>
+            <a:off x="4887166" y="5204654"/>
             <a:ext cx="809625" cy="314325"/>
           </a:xfrm>
           <a:prstGeom prst="rect">
@@ -16565,7 +16499,7 @@
         </p:blipFill>
         <p:spPr bwMode="auto">
           <a:xfrm>
-            <a:off x="4710545" y="5157192"/>
+            <a:off x="5873282" y="5164173"/>
             <a:ext cx="853822" cy="395288"/>
           </a:xfrm>
           <a:prstGeom prst="rect">
@@ -16629,7 +16563,7 @@
         </p:blipFill>
         <p:spPr bwMode="auto">
           <a:xfrm>
-            <a:off x="3995935" y="3986113"/>
+            <a:off x="4898107" y="4147795"/>
             <a:ext cx="1762125" cy="695325"/>
           </a:xfrm>
           <a:prstGeom prst="rect">
@@ -33522,19 +33456,7 @@
               <a:rPr lang="es-ES" dirty="0" smtClean="0">
                 <a:latin typeface="Arial Narrow" pitchFamily="34" charset="0"/>
               </a:rPr>
-              <a:t>Clasificar haciendo otro tipo de </a:t>
-            </a:r>
-            <a:r>
-              <a:rPr lang="es-ES" dirty="0" smtClean="0">
-                <a:latin typeface="Arial Narrow" pitchFamily="34" charset="0"/>
-              </a:rPr>
-              <a:t>actividades</a:t>
-            </a:r>
-            <a:r>
-              <a:rPr lang="es-ES" dirty="0" smtClean="0">
-                <a:latin typeface="Arial Narrow" pitchFamily="34" charset="0"/>
-              </a:rPr>
-              <a:t>.</a:t>
+              <a:t>Clasificar haciendo otro tipo de actividades.</a:t>
             </a:r>
           </a:p>
           <a:p>

--- a/Documents/Project report Vero/Presentation/Presentation_V2.pptx
+++ b/Documents/Project report Vero/Presentation/Presentation_V2.pptx
@@ -1,12 +1,15 @@
 
 <file path=ppt/presentation.xml><?xml version="1.0" encoding="utf-8"?>
-<p:presentation xmlns:a="http://schemas.openxmlformats.org/drawingml/2006/main" xmlns:r="http://schemas.openxmlformats.org/officeDocument/2006/relationships" xmlns:p="http://schemas.openxmlformats.org/presentationml/2006/main" saveSubsetFonts="1">
+<p:presentation xmlns:a="http://schemas.openxmlformats.org/drawingml/2006/main" xmlns:r="http://schemas.openxmlformats.org/officeDocument/2006/relationships" xmlns:p="http://schemas.openxmlformats.org/presentationml/2006/main" showSpecialPlsOnTitleSld="0" saveSubsetFonts="1">
   <p:sldMasterIdLst>
     <p:sldMasterId id="2147483648" r:id="rId1"/>
   </p:sldMasterIdLst>
   <p:notesMasterIdLst>
     <p:notesMasterId r:id="rId31"/>
   </p:notesMasterIdLst>
+  <p:handoutMasterIdLst>
+    <p:handoutMasterId r:id="rId32"/>
+  </p:handoutMasterIdLst>
   <p:sldIdLst>
     <p:sldId id="256" r:id="rId2"/>
     <p:sldId id="258" r:id="rId3"/>
@@ -325,11 +328,11 @@
           <c:showBubbleSize val="0"/>
         </c:dLbls>
         <c:gapWidth val="150"/>
-        <c:axId val="199491584"/>
-        <c:axId val="199493120"/>
+        <c:axId val="124836864"/>
+        <c:axId val="124658432"/>
       </c:barChart>
       <c:catAx>
-        <c:axId val="199491584"/>
+        <c:axId val="124836864"/>
         <c:scaling>
           <c:orientation val="minMax"/>
         </c:scaling>
@@ -338,7 +341,7 @@
         <c:majorTickMark val="out"/>
         <c:minorTickMark val="none"/>
         <c:tickLblPos val="nextTo"/>
-        <c:crossAx val="199493120"/>
+        <c:crossAx val="124658432"/>
         <c:crosses val="autoZero"/>
         <c:auto val="1"/>
         <c:lblAlgn val="ctr"/>
@@ -346,7 +349,7 @@
         <c:noMultiLvlLbl val="0"/>
       </c:catAx>
       <c:valAx>
-        <c:axId val="199493120"/>
+        <c:axId val="124658432"/>
         <c:scaling>
           <c:orientation val="minMax"/>
         </c:scaling>
@@ -357,7 +360,7 @@
         <c:majorTickMark val="out"/>
         <c:minorTickMark val="none"/>
         <c:tickLblPos val="nextTo"/>
-        <c:crossAx val="199491584"/>
+        <c:crossAx val="124836864"/>
         <c:crosses val="autoZero"/>
         <c:crossBetween val="between"/>
       </c:valAx>
@@ -522,12 +525,12 @@
         </c:dLbls>
         <c:gapWidth val="75"/>
         <c:shape val="cylinder"/>
-        <c:axId val="203224960"/>
-        <c:axId val="203226496"/>
-        <c:axId val="203140608"/>
+        <c:axId val="97907840"/>
+        <c:axId val="97909376"/>
+        <c:axId val="97851136"/>
       </c:bar3DChart>
       <c:catAx>
-        <c:axId val="203224960"/>
+        <c:axId val="97907840"/>
         <c:scaling>
           <c:orientation val="minMax"/>
         </c:scaling>
@@ -536,7 +539,7 @@
         <c:majorTickMark val="none"/>
         <c:minorTickMark val="none"/>
         <c:tickLblPos val="nextTo"/>
-        <c:crossAx val="203226496"/>
+        <c:crossAx val="97909376"/>
         <c:crosses val="autoZero"/>
         <c:auto val="1"/>
         <c:lblAlgn val="ctr"/>
@@ -544,7 +547,7 @@
         <c:noMultiLvlLbl val="0"/>
       </c:catAx>
       <c:valAx>
-        <c:axId val="203226496"/>
+        <c:axId val="97909376"/>
         <c:scaling>
           <c:orientation val="minMax"/>
         </c:scaling>
@@ -554,12 +557,12 @@
         <c:majorTickMark val="none"/>
         <c:minorTickMark val="none"/>
         <c:tickLblPos val="nextTo"/>
-        <c:crossAx val="203224960"/>
+        <c:crossAx val="97907840"/>
         <c:crosses val="autoZero"/>
         <c:crossBetween val="between"/>
       </c:valAx>
       <c:serAx>
-        <c:axId val="203140608"/>
+        <c:axId val="97851136"/>
         <c:scaling>
           <c:orientation val="minMax"/>
         </c:scaling>
@@ -568,12 +571,13 @@
         <c:majorTickMark val="none"/>
         <c:minorTickMark val="none"/>
         <c:tickLblPos val="nextTo"/>
-        <c:crossAx val="203226496"/>
+        <c:crossAx val="97909376"/>
         <c:crosses val="autoZero"/>
       </c:serAx>
     </c:plotArea>
     <c:legend>
       <c:legendPos val="b"/>
+      <c:layout/>
       <c:overlay val="0"/>
     </c:legend>
     <c:plotVisOnly val="1"/>
@@ -776,12 +780,12 @@
         </c:dLbls>
         <c:gapWidth val="75"/>
         <c:shape val="cylinder"/>
-        <c:axId val="203341184"/>
-        <c:axId val="203359360"/>
-        <c:axId val="203221632"/>
+        <c:axId val="98019968"/>
+        <c:axId val="98038144"/>
+        <c:axId val="98001792"/>
       </c:bar3DChart>
       <c:catAx>
-        <c:axId val="203341184"/>
+        <c:axId val="98019968"/>
         <c:scaling>
           <c:orientation val="minMax"/>
         </c:scaling>
@@ -790,7 +794,7 @@
         <c:majorTickMark val="none"/>
         <c:minorTickMark val="none"/>
         <c:tickLblPos val="nextTo"/>
-        <c:crossAx val="203359360"/>
+        <c:crossAx val="98038144"/>
         <c:crosses val="autoZero"/>
         <c:auto val="1"/>
         <c:lblAlgn val="ctr"/>
@@ -798,7 +802,7 @@
         <c:noMultiLvlLbl val="0"/>
       </c:catAx>
       <c:valAx>
-        <c:axId val="203359360"/>
+        <c:axId val="98038144"/>
         <c:scaling>
           <c:orientation val="minMax"/>
         </c:scaling>
@@ -808,12 +812,12 @@
         <c:majorTickMark val="none"/>
         <c:minorTickMark val="none"/>
         <c:tickLblPos val="nextTo"/>
-        <c:crossAx val="203341184"/>
+        <c:crossAx val="98019968"/>
         <c:crosses val="autoZero"/>
         <c:crossBetween val="between"/>
       </c:valAx>
       <c:serAx>
-        <c:axId val="203221632"/>
+        <c:axId val="98001792"/>
         <c:scaling>
           <c:orientation val="minMax"/>
         </c:scaling>
@@ -822,12 +826,13 @@
         <c:majorTickMark val="none"/>
         <c:minorTickMark val="none"/>
         <c:tickLblPos val="nextTo"/>
-        <c:crossAx val="203359360"/>
+        <c:crossAx val="98038144"/>
         <c:crosses val="autoZero"/>
       </c:serAx>
     </c:plotArea>
     <c:legend>
       <c:legendPos val="b"/>
+      <c:layout/>
       <c:overlay val="0"/>
     </c:legend>
     <c:plotVisOnly val="1"/>
@@ -10169,6 +10174,172 @@
 </dgm:styleDef>
 </file>
 
+<file path=ppt/handoutMasters/handoutMaster1.xml><?xml version="1.0" encoding="utf-8"?>
+<p:handoutMaster xmlns:a="http://schemas.openxmlformats.org/drawingml/2006/main" xmlns:r="http://schemas.openxmlformats.org/officeDocument/2006/relationships" xmlns:p="http://schemas.openxmlformats.org/presentationml/2006/main">
+  <p:cSld>
+    <p:bg>
+      <p:bgRef idx="1001">
+        <a:schemeClr val="bg1"/>
+      </p:bgRef>
+    </p:bg>
+    <p:spTree>
+      <p:nvGrpSpPr>
+        <p:cNvPr id="1" name=""/>
+        <p:cNvGrpSpPr/>
+        <p:nvPr/>
+      </p:nvGrpSpPr>
+      <p:grpSpPr>
+        <a:xfrm>
+          <a:off x="0" y="0"/>
+          <a:ext cx="0" cy="0"/>
+          <a:chOff x="0" y="0"/>
+          <a:chExt cx="0" cy="0"/>
+        </a:xfrm>
+      </p:grpSpPr>
+      <p:sp>
+        <p:nvSpPr>
+          <p:cNvPr id="2" name="1 Marcador de encabezado"/>
+          <p:cNvSpPr>
+            <a:spLocks noGrp="1"/>
+          </p:cNvSpPr>
+          <p:nvPr>
+            <p:ph type="hdr" sz="quarter"/>
+          </p:nvPr>
+        </p:nvSpPr>
+        <p:spPr>
+          <a:xfrm>
+            <a:off x="0" y="0"/>
+            <a:ext cx="2971800" cy="457200"/>
+          </a:xfrm>
+          <a:prstGeom prst="rect">
+            <a:avLst/>
+          </a:prstGeom>
+        </p:spPr>
+        <p:txBody>
+          <a:bodyPr vert="horz" lIns="91440" tIns="45720" rIns="91440" bIns="45720" rtlCol="0"/>
+          <a:lstStyle>
+            <a:lvl1pPr algn="l">
+              <a:defRPr sz="1200"/>
+            </a:lvl1pPr>
+          </a:lstStyle>
+          <a:p>
+            <a:endParaRPr lang="es-ES"/>
+          </a:p>
+        </p:txBody>
+      </p:sp>
+      <p:sp>
+        <p:nvSpPr>
+          <p:cNvPr id="3" name="2 Marcador de fecha"/>
+          <p:cNvSpPr>
+            <a:spLocks noGrp="1"/>
+          </p:cNvSpPr>
+          <p:nvPr>
+            <p:ph type="dt" sz="quarter" idx="1"/>
+          </p:nvPr>
+        </p:nvSpPr>
+        <p:spPr>
+          <a:xfrm>
+            <a:off x="3884613" y="0"/>
+            <a:ext cx="2971800" cy="457200"/>
+          </a:xfrm>
+          <a:prstGeom prst="rect">
+            <a:avLst/>
+          </a:prstGeom>
+        </p:spPr>
+        <p:txBody>
+          <a:bodyPr vert="horz" lIns="91440" tIns="45720" rIns="91440" bIns="45720" rtlCol="0"/>
+          <a:lstStyle>
+            <a:lvl1pPr algn="r">
+              <a:defRPr sz="1200"/>
+            </a:lvl1pPr>
+          </a:lstStyle>
+          <a:p>
+            <a:fld id="{537D119C-D568-4A2B-AC61-E6F68F8CF40E}" type="datetimeFigureOut">
+              <a:rPr lang="es-ES" smtClean="0"/>
+              <a:t>15/07/2015</a:t>
+            </a:fld>
+            <a:endParaRPr lang="es-ES"/>
+          </a:p>
+        </p:txBody>
+      </p:sp>
+      <p:sp>
+        <p:nvSpPr>
+          <p:cNvPr id="4" name="3 Marcador de pie de página"/>
+          <p:cNvSpPr>
+            <a:spLocks noGrp="1"/>
+          </p:cNvSpPr>
+          <p:nvPr>
+            <p:ph type="ftr" sz="quarter" idx="2"/>
+          </p:nvPr>
+        </p:nvSpPr>
+        <p:spPr>
+          <a:xfrm>
+            <a:off x="0" y="8685213"/>
+            <a:ext cx="2971800" cy="457200"/>
+          </a:xfrm>
+          <a:prstGeom prst="rect">
+            <a:avLst/>
+          </a:prstGeom>
+        </p:spPr>
+        <p:txBody>
+          <a:bodyPr vert="horz" lIns="91440" tIns="45720" rIns="91440" bIns="45720" rtlCol="0" anchor="b"/>
+          <a:lstStyle>
+            <a:lvl1pPr algn="l">
+              <a:defRPr sz="1200"/>
+            </a:lvl1pPr>
+          </a:lstStyle>
+          <a:p>
+            <a:endParaRPr lang="es-ES"/>
+          </a:p>
+        </p:txBody>
+      </p:sp>
+      <p:sp>
+        <p:nvSpPr>
+          <p:cNvPr id="5" name="4 Marcador de número de diapositiva"/>
+          <p:cNvSpPr>
+            <a:spLocks noGrp="1"/>
+          </p:cNvSpPr>
+          <p:nvPr>
+            <p:ph type="sldNum" sz="quarter" idx="3"/>
+          </p:nvPr>
+        </p:nvSpPr>
+        <p:spPr>
+          <a:xfrm>
+            <a:off x="3884613" y="8685213"/>
+            <a:ext cx="2971800" cy="457200"/>
+          </a:xfrm>
+          <a:prstGeom prst="rect">
+            <a:avLst/>
+          </a:prstGeom>
+        </p:spPr>
+        <p:txBody>
+          <a:bodyPr vert="horz" lIns="91440" tIns="45720" rIns="91440" bIns="45720" rtlCol="0" anchor="b"/>
+          <a:lstStyle>
+            <a:lvl1pPr algn="r">
+              <a:defRPr sz="1200"/>
+            </a:lvl1pPr>
+          </a:lstStyle>
+          <a:p>
+            <a:fld id="{37C07349-FF48-46D4-BC8C-0ADA4A87BA2C}" type="slidenum">
+              <a:rPr lang="es-ES" smtClean="0"/>
+              <a:t>‹Nº›</a:t>
+            </a:fld>
+            <a:endParaRPr lang="es-ES"/>
+          </a:p>
+        </p:txBody>
+      </p:sp>
+    </p:spTree>
+    <p:extLst>
+      <p:ext uri="{BB962C8B-B14F-4D97-AF65-F5344CB8AC3E}">
+        <p14:creationId xmlns:p14="http://schemas.microsoft.com/office/powerpoint/2010/main" val="1204027885"/>
+      </p:ext>
+    </p:extLst>
+  </p:cSld>
+  <p:clrMap bg1="lt1" tx1="dk1" bg2="lt2" tx2="dk2" accent1="accent1" accent2="accent2" accent3="accent3" accent4="accent4" accent5="accent5" accent6="accent6" hlink="hlink" folHlink="folHlink"/>
+  <p:hf hdr="0" ftr="0" dt="0"/>
+</p:handoutMaster>
+</file>
+
 <file path=ppt/notesMasters/notesMaster1.xml><?xml version="1.0" encoding="utf-8"?>
 <p:notesMaster xmlns:a="http://schemas.openxmlformats.org/drawingml/2006/main" xmlns:r="http://schemas.openxmlformats.org/officeDocument/2006/relationships" xmlns:p="http://schemas.openxmlformats.org/presentationml/2006/main">
   <p:cSld>
@@ -10251,7 +10422,7 @@
           <a:p>
             <a:fld id="{0566BE70-30C3-4B6B-BB66-07A039C630E3}" type="datetimeFigureOut">
               <a:rPr lang="es-ES" smtClean="0"/>
-              <a:t>13/07/2015</a:t>
+              <a:t>15/07/2015</a:t>
             </a:fld>
             <a:endParaRPr lang="es-ES"/>
           </a:p>
@@ -10424,6 +10595,7 @@
     </p:extLst>
   </p:cSld>
   <p:clrMap bg1="lt1" tx1="dk1" bg2="lt2" tx2="dk2" accent1="accent1" accent2="accent2" accent3="accent3" accent4="accent4" accent5="accent5" accent6="accent6" hlink="hlink" folHlink="folHlink"/>
+  <p:hf hdr="0" ftr="0" dt="0"/>
   <p:notesStyle>
     <a:lvl1pPr marL="0" algn="l" defTabSz="914400" rtl="0" eaLnBrk="1" latinLnBrk="0" hangingPunct="1">
       <a:defRPr sz="1200" kern="1200">
@@ -10563,7 +10735,7 @@
           <a:bodyPr/>
           <a:lstStyle/>
           <a:p>
-            <a:endParaRPr lang="es-ES" dirty="0"/>
+            <a:endParaRPr lang="es-ES"/>
           </a:p>
         </p:txBody>
       </p:sp>
@@ -10584,7 +10756,7 @@
           <a:p>
             <a:fld id="{562C6C0C-8A73-476F-A42B-8C37DB8BD32A}" type="slidenum">
               <a:rPr lang="es-ES" smtClean="0"/>
-              <a:t>15</a:t>
+              <a:t>2</a:t>
             </a:fld>
             <a:endParaRPr lang="es-ES"/>
           </a:p>
@@ -10593,7 +10765,7 @@
     </p:spTree>
     <p:extLst>
       <p:ext uri="{BB962C8B-B14F-4D97-AF65-F5344CB8AC3E}">
-        <p14:creationId xmlns:p14="http://schemas.microsoft.com/office/powerpoint/2010/main" val="1360303395"/>
+        <p14:creationId xmlns:p14="http://schemas.microsoft.com/office/powerpoint/2010/main" val="497382046"/>
       </p:ext>
     </p:extLst>
   </p:cSld>
@@ -10668,6 +10840,90 @@
           <a:p>
             <a:fld id="{562C6C0C-8A73-476F-A42B-8C37DB8BD32A}" type="slidenum">
               <a:rPr lang="es-ES" smtClean="0"/>
+              <a:t>15</a:t>
+            </a:fld>
+            <a:endParaRPr lang="es-ES"/>
+          </a:p>
+        </p:txBody>
+      </p:sp>
+    </p:spTree>
+    <p:extLst>
+      <p:ext uri="{BB962C8B-B14F-4D97-AF65-F5344CB8AC3E}">
+        <p14:creationId xmlns:p14="http://schemas.microsoft.com/office/powerpoint/2010/main" val="1360303395"/>
+      </p:ext>
+    </p:extLst>
+  </p:cSld>
+  <p:clrMapOvr>
+    <a:masterClrMapping/>
+  </p:clrMapOvr>
+</p:notes>
+</file>
+
+<file path=ppt/notesSlides/notesSlide3.xml><?xml version="1.0" encoding="utf-8"?>
+<p:notes xmlns:a="http://schemas.openxmlformats.org/drawingml/2006/main" xmlns:r="http://schemas.openxmlformats.org/officeDocument/2006/relationships" xmlns:p="http://schemas.openxmlformats.org/presentationml/2006/main">
+  <p:cSld>
+    <p:spTree>
+      <p:nvGrpSpPr>
+        <p:cNvPr id="1" name=""/>
+        <p:cNvGrpSpPr/>
+        <p:nvPr/>
+      </p:nvGrpSpPr>
+      <p:grpSpPr>
+        <a:xfrm>
+          <a:off x="0" y="0"/>
+          <a:ext cx="0" cy="0"/>
+          <a:chOff x="0" y="0"/>
+          <a:chExt cx="0" cy="0"/>
+        </a:xfrm>
+      </p:grpSpPr>
+      <p:sp>
+        <p:nvSpPr>
+          <p:cNvPr id="2" name="1 Marcador de imagen de diapositiva"/>
+          <p:cNvSpPr>
+            <a:spLocks noGrp="1" noRot="1" noChangeAspect="1"/>
+          </p:cNvSpPr>
+          <p:nvPr>
+            <p:ph type="sldImg"/>
+          </p:nvPr>
+        </p:nvSpPr>
+        <p:spPr/>
+      </p:sp>
+      <p:sp>
+        <p:nvSpPr>
+          <p:cNvPr id="3" name="2 Marcador de notas"/>
+          <p:cNvSpPr>
+            <a:spLocks noGrp="1"/>
+          </p:cNvSpPr>
+          <p:nvPr>
+            <p:ph type="body" idx="1"/>
+          </p:nvPr>
+        </p:nvSpPr>
+        <p:spPr/>
+        <p:txBody>
+          <a:bodyPr/>
+          <a:lstStyle/>
+          <a:p>
+            <a:endParaRPr lang="es-ES" dirty="0"/>
+          </a:p>
+        </p:txBody>
+      </p:sp>
+      <p:sp>
+        <p:nvSpPr>
+          <p:cNvPr id="4" name="3 Marcador de número de diapositiva"/>
+          <p:cNvSpPr>
+            <a:spLocks noGrp="1"/>
+          </p:cNvSpPr>
+          <p:nvPr>
+            <p:ph type="sldNum" sz="quarter" idx="10"/>
+          </p:nvPr>
+        </p:nvSpPr>
+        <p:spPr/>
+        <p:txBody>
+          <a:bodyPr/>
+          <a:lstStyle/>
+          <a:p>
+            <a:fld id="{562C6C0C-8A73-476F-A42B-8C37DB8BD32A}" type="slidenum">
+              <a:rPr lang="es-ES" smtClean="0"/>
               <a:t>19</a:t>
             </a:fld>
             <a:endParaRPr lang="es-ES"/>
@@ -10678,6 +10934,90 @@
     <p:extLst>
       <p:ext uri="{BB962C8B-B14F-4D97-AF65-F5344CB8AC3E}">
         <p14:creationId xmlns:p14="http://schemas.microsoft.com/office/powerpoint/2010/main" val="2337159413"/>
+      </p:ext>
+    </p:extLst>
+  </p:cSld>
+  <p:clrMapOvr>
+    <a:masterClrMapping/>
+  </p:clrMapOvr>
+</p:notes>
+</file>
+
+<file path=ppt/notesSlides/notesSlide4.xml><?xml version="1.0" encoding="utf-8"?>
+<p:notes xmlns:a="http://schemas.openxmlformats.org/drawingml/2006/main" xmlns:r="http://schemas.openxmlformats.org/officeDocument/2006/relationships" xmlns:p="http://schemas.openxmlformats.org/presentationml/2006/main">
+  <p:cSld>
+    <p:spTree>
+      <p:nvGrpSpPr>
+        <p:cNvPr id="1" name=""/>
+        <p:cNvGrpSpPr/>
+        <p:nvPr/>
+      </p:nvGrpSpPr>
+      <p:grpSpPr>
+        <a:xfrm>
+          <a:off x="0" y="0"/>
+          <a:ext cx="0" cy="0"/>
+          <a:chOff x="0" y="0"/>
+          <a:chExt cx="0" cy="0"/>
+        </a:xfrm>
+      </p:grpSpPr>
+      <p:sp>
+        <p:nvSpPr>
+          <p:cNvPr id="2" name="1 Marcador de imagen de diapositiva"/>
+          <p:cNvSpPr>
+            <a:spLocks noGrp="1" noRot="1" noChangeAspect="1"/>
+          </p:cNvSpPr>
+          <p:nvPr>
+            <p:ph type="sldImg"/>
+          </p:nvPr>
+        </p:nvSpPr>
+        <p:spPr/>
+      </p:sp>
+      <p:sp>
+        <p:nvSpPr>
+          <p:cNvPr id="3" name="2 Marcador de notas"/>
+          <p:cNvSpPr>
+            <a:spLocks noGrp="1"/>
+          </p:cNvSpPr>
+          <p:nvPr>
+            <p:ph type="body" idx="1"/>
+          </p:nvPr>
+        </p:nvSpPr>
+        <p:spPr/>
+        <p:txBody>
+          <a:bodyPr/>
+          <a:lstStyle/>
+          <a:p>
+            <a:endParaRPr lang="es-ES" dirty="0"/>
+          </a:p>
+        </p:txBody>
+      </p:sp>
+      <p:sp>
+        <p:nvSpPr>
+          <p:cNvPr id="4" name="3 Marcador de número de diapositiva"/>
+          <p:cNvSpPr>
+            <a:spLocks noGrp="1"/>
+          </p:cNvSpPr>
+          <p:nvPr>
+            <p:ph type="sldNum" sz="quarter" idx="10"/>
+          </p:nvPr>
+        </p:nvSpPr>
+        <p:spPr/>
+        <p:txBody>
+          <a:bodyPr/>
+          <a:lstStyle/>
+          <a:p>
+            <a:fld id="{562C6C0C-8A73-476F-A42B-8C37DB8BD32A}" type="slidenum">
+              <a:rPr lang="es-ES" smtClean="0"/>
+              <a:t>25</a:t>
+            </a:fld>
+            <a:endParaRPr lang="es-ES"/>
+          </a:p>
+        </p:txBody>
+      </p:sp>
+    </p:spTree>
+    <p:extLst>
+      <p:ext uri="{BB962C8B-B14F-4D97-AF65-F5344CB8AC3E}">
+        <p14:creationId xmlns:p14="http://schemas.microsoft.com/office/powerpoint/2010/main" val="3291854491"/>
       </p:ext>
     </p:extLst>
   </p:cSld>
@@ -10866,9 +11206,9 @@
           <a:bodyPr/>
           <a:lstStyle/>
           <a:p>
-            <a:fld id="{093AD72A-029F-46E5-975B-813CA9779ACF}" type="datetimeFigureOut">
+            <a:fld id="{E53E4F27-71F2-48E9-8C76-05050E54B256}" type="datetime1">
               <a:rPr lang="es-ES" smtClean="0"/>
-              <a:t>13/07/2015</a:t>
+              <a:t>15/07/2015</a:t>
             </a:fld>
             <a:endParaRPr lang="es-ES"/>
           </a:p>
@@ -11036,9 +11376,9 @@
           <a:bodyPr/>
           <a:lstStyle/>
           <a:p>
-            <a:fld id="{093AD72A-029F-46E5-975B-813CA9779ACF}" type="datetimeFigureOut">
+            <a:fld id="{0183BDDA-7FEE-4D90-AB49-FF175A840395}" type="datetime1">
               <a:rPr lang="es-ES" smtClean="0"/>
-              <a:t>13/07/2015</a:t>
+              <a:t>15/07/2015</a:t>
             </a:fld>
             <a:endParaRPr lang="es-ES"/>
           </a:p>
@@ -11216,9 +11556,9 @@
           <a:bodyPr/>
           <a:lstStyle/>
           <a:p>
-            <a:fld id="{093AD72A-029F-46E5-975B-813CA9779ACF}" type="datetimeFigureOut">
+            <a:fld id="{1910ACC2-F95E-4DE2-9FEB-4A6B960014E1}" type="datetime1">
               <a:rPr lang="es-ES" smtClean="0"/>
-              <a:t>13/07/2015</a:t>
+              <a:t>15/07/2015</a:t>
             </a:fld>
             <a:endParaRPr lang="es-ES"/>
           </a:p>
@@ -11386,9 +11726,9 @@
           <a:bodyPr/>
           <a:lstStyle/>
           <a:p>
-            <a:fld id="{093AD72A-029F-46E5-975B-813CA9779ACF}" type="datetimeFigureOut">
+            <a:fld id="{A0EFDE46-1F81-4D1B-9E9E-D4D61A3D581C}" type="datetime1">
               <a:rPr lang="es-ES" smtClean="0"/>
-              <a:t>13/07/2015</a:t>
+              <a:t>15/07/2015</a:t>
             </a:fld>
             <a:endParaRPr lang="es-ES"/>
           </a:p>
@@ -11632,9 +11972,9 @@
           <a:bodyPr/>
           <a:lstStyle/>
           <a:p>
-            <a:fld id="{093AD72A-029F-46E5-975B-813CA9779ACF}" type="datetimeFigureOut">
+            <a:fld id="{DFC521A2-107E-44A7-B248-DAB9B393D4C2}" type="datetime1">
               <a:rPr lang="es-ES" smtClean="0"/>
-              <a:t>13/07/2015</a:t>
+              <a:t>15/07/2015</a:t>
             </a:fld>
             <a:endParaRPr lang="es-ES"/>
           </a:p>
@@ -11920,9 +12260,9 @@
           <a:bodyPr/>
           <a:lstStyle/>
           <a:p>
-            <a:fld id="{093AD72A-029F-46E5-975B-813CA9779ACF}" type="datetimeFigureOut">
+            <a:fld id="{1FD63D58-4B5F-4C6E-9C84-4615A853274B}" type="datetime1">
               <a:rPr lang="es-ES" smtClean="0"/>
-              <a:t>13/07/2015</a:t>
+              <a:t>15/07/2015</a:t>
             </a:fld>
             <a:endParaRPr lang="es-ES"/>
           </a:p>
@@ -12342,9 +12682,9 @@
           <a:bodyPr/>
           <a:lstStyle/>
           <a:p>
-            <a:fld id="{093AD72A-029F-46E5-975B-813CA9779ACF}" type="datetimeFigureOut">
+            <a:fld id="{3525D6A8-F519-4076-AE14-C63F69D8339F}" type="datetime1">
               <a:rPr lang="es-ES" smtClean="0"/>
-              <a:t>13/07/2015</a:t>
+              <a:t>15/07/2015</a:t>
             </a:fld>
             <a:endParaRPr lang="es-ES"/>
           </a:p>
@@ -12460,9 +12800,9 @@
           <a:bodyPr/>
           <a:lstStyle/>
           <a:p>
-            <a:fld id="{093AD72A-029F-46E5-975B-813CA9779ACF}" type="datetimeFigureOut">
+            <a:fld id="{5EB20735-7973-4D77-A01B-A22F069A67EF}" type="datetime1">
               <a:rPr lang="es-ES" smtClean="0"/>
-              <a:t>13/07/2015</a:t>
+              <a:t>15/07/2015</a:t>
             </a:fld>
             <a:endParaRPr lang="es-ES"/>
           </a:p>
@@ -12555,9 +12895,9 @@
           <a:bodyPr/>
           <a:lstStyle/>
           <a:p>
-            <a:fld id="{093AD72A-029F-46E5-975B-813CA9779ACF}" type="datetimeFigureOut">
+            <a:fld id="{B73C0F18-FD56-46B6-94BA-77A3C45189F2}" type="datetime1">
               <a:rPr lang="es-ES" smtClean="0"/>
-              <a:t>13/07/2015</a:t>
+              <a:t>15/07/2015</a:t>
             </a:fld>
             <a:endParaRPr lang="es-ES"/>
           </a:p>
@@ -12832,9 +13172,9 @@
           <a:bodyPr/>
           <a:lstStyle/>
           <a:p>
-            <a:fld id="{093AD72A-029F-46E5-975B-813CA9779ACF}" type="datetimeFigureOut">
+            <a:fld id="{EA39C806-9CC0-45C4-8417-09C9D0DA42F8}" type="datetime1">
               <a:rPr lang="es-ES" smtClean="0"/>
-              <a:t>13/07/2015</a:t>
+              <a:t>15/07/2015</a:t>
             </a:fld>
             <a:endParaRPr lang="es-ES"/>
           </a:p>
@@ -13085,9 +13425,9 @@
           <a:bodyPr/>
           <a:lstStyle/>
           <a:p>
-            <a:fld id="{093AD72A-029F-46E5-975B-813CA9779ACF}" type="datetimeFigureOut">
+            <a:fld id="{1BB40C6E-5913-41B9-BEE8-BD0A714989CE}" type="datetime1">
               <a:rPr lang="es-ES" smtClean="0"/>
-              <a:t>13/07/2015</a:t>
+              <a:t>15/07/2015</a:t>
             </a:fld>
             <a:endParaRPr lang="es-ES"/>
           </a:p>
@@ -13298,9 +13638,9 @@
             </a:lvl1pPr>
           </a:lstStyle>
           <a:p>
-            <a:fld id="{093AD72A-029F-46E5-975B-813CA9779ACF}" type="datetimeFigureOut">
+            <a:fld id="{A7E5BA25-187D-44CF-B3B9-F4C764C241B0}" type="datetime1">
               <a:rPr lang="es-ES" smtClean="0"/>
-              <a:t>13/07/2015</a:t>
+              <a:t>15/07/2015</a:t>
             </a:fld>
             <a:endParaRPr lang="es-ES"/>
           </a:p>
@@ -13405,6 +13745,7 @@
     <p:sldLayoutId id="2147483658" r:id="rId10"/>
     <p:sldLayoutId id="2147483659" r:id="rId11"/>
   </p:sldLayoutIdLst>
+  <p:hf hdr="0" ftr="0" dt="0"/>
   <p:txStyles>
     <p:titleStyle>
       <a:lvl1pPr algn="ctr" defTabSz="914400" rtl="0" eaLnBrk="1" latinLnBrk="0" hangingPunct="1">
@@ -13740,6 +14081,24 @@
               <a:t>    </a:t>
             </a:r>
             <a:r>
+              <a:rPr lang="en-GB" sz="2800" b="1" i="1" dirty="0" err="1" smtClean="0">
+                <a:ln>
+                  <a:solidFill>
+                    <a:schemeClr val="bg1">
+                      <a:lumMod val="65000"/>
+                    </a:schemeClr>
+                  </a:solidFill>
+                </a:ln>
+                <a:solidFill>
+                  <a:schemeClr val="bg1">
+                    <a:lumMod val="65000"/>
+                  </a:schemeClr>
+                </a:solidFill>
+                <a:latin typeface="Arial Narrow" pitchFamily="34" charset="0"/>
+              </a:rPr>
+              <a:t>Comparación</a:t>
+            </a:r>
+            <a:r>
               <a:rPr lang="en-GB" sz="2800" b="1" i="1" dirty="0" smtClean="0">
                 <a:ln>
                   <a:solidFill>
@@ -13755,8 +14114,124 @@
                 </a:solidFill>
                 <a:latin typeface="Arial Narrow" pitchFamily="34" charset="0"/>
               </a:rPr>
-              <a:t>Comparison of Posturographic Body-sway</a:t>
-            </a:r>
+              <a:t> de </a:t>
+            </a:r>
+            <a:r>
+              <a:rPr lang="en-GB" sz="2800" b="1" i="1" dirty="0" err="1" smtClean="0">
+                <a:ln>
+                  <a:solidFill>
+                    <a:schemeClr val="bg1">
+                      <a:lumMod val="65000"/>
+                    </a:schemeClr>
+                  </a:solidFill>
+                </a:ln>
+                <a:solidFill>
+                  <a:schemeClr val="bg1">
+                    <a:lumMod val="65000"/>
+                  </a:schemeClr>
+                </a:solidFill>
+                <a:latin typeface="Arial Narrow" pitchFamily="34" charset="0"/>
+              </a:rPr>
+              <a:t>medidas</a:t>
+            </a:r>
+            <a:r>
+              <a:rPr lang="en-GB" sz="2800" b="1" i="1" dirty="0" smtClean="0">
+                <a:ln>
+                  <a:solidFill>
+                    <a:schemeClr val="bg1">
+                      <a:lumMod val="65000"/>
+                    </a:schemeClr>
+                  </a:solidFill>
+                </a:ln>
+                <a:solidFill>
+                  <a:schemeClr val="bg1">
+                    <a:lumMod val="65000"/>
+                  </a:schemeClr>
+                </a:solidFill>
+                <a:latin typeface="Arial Narrow" pitchFamily="34" charset="0"/>
+              </a:rPr>
+              <a:t> de la </a:t>
+            </a:r>
+            <a:r>
+              <a:rPr lang="en-GB" sz="2800" b="1" i="1" dirty="0" err="1" smtClean="0">
+                <a:ln>
+                  <a:solidFill>
+                    <a:schemeClr val="bg1">
+                      <a:lumMod val="65000"/>
+                    </a:schemeClr>
+                  </a:solidFill>
+                </a:ln>
+                <a:solidFill>
+                  <a:schemeClr val="bg1">
+                    <a:lumMod val="65000"/>
+                  </a:schemeClr>
+                </a:solidFill>
+                <a:latin typeface="Arial Narrow" pitchFamily="34" charset="0"/>
+              </a:rPr>
+              <a:t>Postura</a:t>
+            </a:r>
+            <a:r>
+              <a:rPr lang="en-GB" sz="2800" b="1" i="1" dirty="0" smtClean="0">
+                <a:ln>
+                  <a:solidFill>
+                    <a:schemeClr val="bg1">
+                      <a:lumMod val="65000"/>
+                    </a:schemeClr>
+                  </a:solidFill>
+                </a:ln>
+                <a:solidFill>
+                  <a:schemeClr val="bg1">
+                    <a:lumMod val="65000"/>
+                  </a:schemeClr>
+                </a:solidFill>
+                <a:latin typeface="Arial Narrow" pitchFamily="34" charset="0"/>
+              </a:rPr>
+              <a:t> en el </a:t>
+            </a:r>
+            <a:r>
+              <a:rPr lang="en-GB" sz="2800" b="1" i="1" dirty="0" err="1">
+                <a:solidFill>
+                  <a:schemeClr val="bg1">
+                    <a:lumMod val="65000"/>
+                  </a:schemeClr>
+                </a:solidFill>
+                <a:latin typeface="Arial Narrow" pitchFamily="34" charset="0"/>
+              </a:rPr>
+              <a:t>balanceo</a:t>
+            </a:r>
+            <a:r>
+              <a:rPr lang="en-GB" sz="2800" b="1" i="1" dirty="0" smtClean="0">
+                <a:ln>
+                  <a:solidFill>
+                    <a:schemeClr val="bg1">
+                      <a:lumMod val="65000"/>
+                    </a:schemeClr>
+                  </a:solidFill>
+                </a:ln>
+                <a:solidFill>
+                  <a:schemeClr val="bg1">
+                    <a:lumMod val="65000"/>
+                  </a:schemeClr>
+                </a:solidFill>
+                <a:latin typeface="Arial Narrow" pitchFamily="34" charset="0"/>
+              </a:rPr>
+              <a:t> </a:t>
+            </a:r>
+            <a:endParaRPr lang="en-GB" sz="2800" b="1" i="1" dirty="0" smtClean="0">
+              <a:ln>
+                <a:solidFill>
+                  <a:schemeClr val="bg1">
+                    <a:lumMod val="65000"/>
+                  </a:schemeClr>
+                </a:solidFill>
+              </a:ln>
+              <a:solidFill>
+                <a:schemeClr val="bg1">
+                  <a:lumMod val="65000"/>
+                </a:schemeClr>
+              </a:solidFill>
+              <a:latin typeface="Arial Narrow" pitchFamily="34" charset="0"/>
+            </a:endParaRPr>
           </a:p>
           <a:p>
             <a:pPr algn="just"/>
@@ -13805,8 +14280,93 @@
                 </a:solidFill>
                 <a:latin typeface="Arial Narrow" pitchFamily="34" charset="0"/>
               </a:rPr>
-              <a:t>Measurements with Inertial Data of Parkinson Patients</a:t>
-            </a:r>
+              <a:t>del </a:t>
+            </a:r>
+            <a:r>
+              <a:rPr lang="en-GB" sz="2800" b="1" i="1" dirty="0" err="1" smtClean="0">
+                <a:solidFill>
+                  <a:schemeClr val="bg1">
+                    <a:lumMod val="65000"/>
+                  </a:schemeClr>
+                </a:solidFill>
+                <a:latin typeface="Arial Narrow" pitchFamily="34" charset="0"/>
+              </a:rPr>
+              <a:t>cuerpo</a:t>
+            </a:r>
+            <a:r>
+              <a:rPr lang="en-GB" sz="2800" b="1" i="1" dirty="0" smtClean="0">
+                <a:solidFill>
+                  <a:schemeClr val="bg1">
+                    <a:lumMod val="65000"/>
+                  </a:schemeClr>
+                </a:solidFill>
+                <a:latin typeface="Arial Narrow" pitchFamily="34" charset="0"/>
+              </a:rPr>
+              <a:t> de </a:t>
+            </a:r>
+            <a:r>
+              <a:rPr lang="en-GB" sz="2800" b="1" i="1" dirty="0" err="1" smtClean="0">
+                <a:solidFill>
+                  <a:schemeClr val="bg1">
+                    <a:lumMod val="65000"/>
+                  </a:schemeClr>
+                </a:solidFill>
+                <a:latin typeface="Arial Narrow" pitchFamily="34" charset="0"/>
+              </a:rPr>
+              <a:t>pacientes</a:t>
+            </a:r>
+            <a:r>
+              <a:rPr lang="en-GB" sz="2800" b="1" i="1" dirty="0" smtClean="0">
+                <a:solidFill>
+                  <a:schemeClr val="bg1">
+                    <a:lumMod val="65000"/>
+                  </a:schemeClr>
+                </a:solidFill>
+                <a:latin typeface="Arial Narrow" pitchFamily="34" charset="0"/>
+              </a:rPr>
+              <a:t> de Parkinson con </a:t>
+            </a:r>
+            <a:r>
+              <a:rPr lang="en-GB" sz="2800" b="1" i="1" dirty="0" err="1" smtClean="0">
+                <a:solidFill>
+                  <a:schemeClr val="bg1">
+                    <a:lumMod val="65000"/>
+                  </a:schemeClr>
+                </a:solidFill>
+                <a:latin typeface="Arial Narrow" pitchFamily="34" charset="0"/>
+              </a:rPr>
+              <a:t>datos</a:t>
+            </a:r>
+            <a:r>
+              <a:rPr lang="en-GB" sz="2800" b="1" i="1" dirty="0" smtClean="0">
+                <a:solidFill>
+                  <a:schemeClr val="bg1">
+                    <a:lumMod val="65000"/>
+                  </a:schemeClr>
+                </a:solidFill>
+                <a:latin typeface="Arial Narrow" pitchFamily="34" charset="0"/>
+              </a:rPr>
+              <a:t> </a:t>
+            </a:r>
+            <a:r>
+              <a:rPr lang="en-GB" sz="2800" b="1" i="1" dirty="0" err="1" smtClean="0">
+                <a:solidFill>
+                  <a:schemeClr val="bg1">
+                    <a:lumMod val="65000"/>
+                  </a:schemeClr>
+                </a:solidFill>
+                <a:latin typeface="Arial Narrow" pitchFamily="34" charset="0"/>
+              </a:rPr>
+              <a:t>inerciales</a:t>
+            </a:r>
+            <a:endParaRPr lang="en-GB" sz="2800" b="1" i="1" dirty="0" smtClean="0">
+              <a:solidFill>
+                <a:schemeClr val="bg1">
+                  <a:lumMod val="65000"/>
+                </a:schemeClr>
+              </a:solidFill>
+              <a:latin typeface="Arial Narrow" pitchFamily="34" charset="0"/>
+            </a:endParaRPr>
           </a:p>
           <a:p>
             <a:endParaRPr lang="es-ES" dirty="0"/>
@@ -14194,172 +14754,6 @@
           </a:p>
         </p:txBody>
       </p:sp>
-      <p:sp>
-        <p:nvSpPr>
-          <p:cNvPr id="10" name="9 CuadroTexto"/>
-          <p:cNvSpPr txBox="1"/>
-          <p:nvPr/>
-        </p:nvSpPr>
-        <p:spPr>
-          <a:xfrm>
-            <a:off x="1331640" y="6365927"/>
-            <a:ext cx="5328592" cy="307777"/>
-          </a:xfrm>
-          <a:prstGeom prst="rect">
-            <a:avLst/>
-          </a:prstGeom>
-          <a:noFill/>
-        </p:spPr>
-        <p:txBody>
-          <a:bodyPr wrap="square" rtlCol="0">
-            <a:spAutoFit/>
-          </a:bodyPr>
-          <a:lstStyle/>
-          <a:p>
-            <a:r>
-              <a:rPr lang="es-ES" sz="1400" b="1" i="1" dirty="0" smtClean="0">
-                <a:solidFill>
-                  <a:schemeClr val="tx1">
-                    <a:lumMod val="50000"/>
-                    <a:lumOff val="50000"/>
-                  </a:schemeClr>
-                </a:solidFill>
-                <a:latin typeface="Arial Narrow" pitchFamily="34" charset="0"/>
-              </a:rPr>
-              <a:t>Comp. </a:t>
-            </a:r>
-            <a:r>
-              <a:rPr lang="es-ES" sz="1400" b="1" i="1" dirty="0" err="1" smtClean="0">
-                <a:solidFill>
-                  <a:schemeClr val="tx1">
-                    <a:lumMod val="50000"/>
-                    <a:lumOff val="50000"/>
-                  </a:schemeClr>
-                </a:solidFill>
-                <a:latin typeface="Arial Narrow" pitchFamily="34" charset="0"/>
-              </a:rPr>
-              <a:t>Posturographic</a:t>
-            </a:r>
-            <a:r>
-              <a:rPr lang="es-ES" sz="1400" b="1" i="1" dirty="0" smtClean="0">
-                <a:solidFill>
-                  <a:schemeClr val="tx1">
-                    <a:lumMod val="50000"/>
-                    <a:lumOff val="50000"/>
-                  </a:schemeClr>
-                </a:solidFill>
-                <a:latin typeface="Arial Narrow" pitchFamily="34" charset="0"/>
-              </a:rPr>
-              <a:t> </a:t>
-            </a:r>
-            <a:r>
-              <a:rPr lang="es-ES" sz="1400" b="1" i="1" dirty="0" err="1" smtClean="0">
-                <a:solidFill>
-                  <a:schemeClr val="tx1">
-                    <a:lumMod val="50000"/>
-                    <a:lumOff val="50000"/>
-                  </a:schemeClr>
-                </a:solidFill>
-                <a:latin typeface="Arial Narrow" pitchFamily="34" charset="0"/>
-              </a:rPr>
-              <a:t>Body-Swad</a:t>
-            </a:r>
-            <a:r>
-              <a:rPr lang="es-ES" sz="1400" b="1" i="1" dirty="0" smtClean="0">
-                <a:solidFill>
-                  <a:schemeClr val="tx1">
-                    <a:lumMod val="50000"/>
-                    <a:lumOff val="50000"/>
-                  </a:schemeClr>
-                </a:solidFill>
-                <a:latin typeface="Arial Narrow" pitchFamily="34" charset="0"/>
-              </a:rPr>
-              <a:t> </a:t>
-            </a:r>
-            <a:r>
-              <a:rPr lang="es-ES" sz="1400" b="1" i="1" dirty="0" err="1" smtClean="0">
-                <a:solidFill>
-                  <a:schemeClr val="tx1">
-                    <a:lumMod val="50000"/>
-                    <a:lumOff val="50000"/>
-                  </a:schemeClr>
-                </a:solidFill>
-                <a:latin typeface="Arial Narrow" pitchFamily="34" charset="0"/>
-              </a:rPr>
-              <a:t>measurements</a:t>
-            </a:r>
-            <a:r>
-              <a:rPr lang="es-ES" sz="1400" b="1" i="1" dirty="0" smtClean="0">
-                <a:solidFill>
-                  <a:schemeClr val="tx1">
-                    <a:lumMod val="50000"/>
-                    <a:lumOff val="50000"/>
-                  </a:schemeClr>
-                </a:solidFill>
-                <a:latin typeface="Arial Narrow" pitchFamily="34" charset="0"/>
-              </a:rPr>
-              <a:t> </a:t>
-            </a:r>
-            <a:r>
-              <a:rPr lang="es-ES" sz="1400" b="1" i="1" dirty="0" err="1" smtClean="0">
-                <a:solidFill>
-                  <a:schemeClr val="tx1">
-                    <a:lumMod val="50000"/>
-                    <a:lumOff val="50000"/>
-                  </a:schemeClr>
-                </a:solidFill>
-                <a:latin typeface="Arial Narrow" pitchFamily="34" charset="0"/>
-              </a:rPr>
-              <a:t>with</a:t>
-            </a:r>
-            <a:r>
-              <a:rPr lang="es-ES" sz="1400" b="1" i="1" dirty="0" smtClean="0">
-                <a:solidFill>
-                  <a:schemeClr val="tx1">
-                    <a:lumMod val="50000"/>
-                    <a:lumOff val="50000"/>
-                  </a:schemeClr>
-                </a:solidFill>
-                <a:latin typeface="Arial Narrow" pitchFamily="34" charset="0"/>
-              </a:rPr>
-              <a:t> </a:t>
-            </a:r>
-            <a:r>
-              <a:rPr lang="es-ES" sz="1400" b="1" i="1" dirty="0" err="1" smtClean="0">
-                <a:solidFill>
-                  <a:schemeClr val="tx1">
-                    <a:lumMod val="50000"/>
-                    <a:lumOff val="50000"/>
-                  </a:schemeClr>
-                </a:solidFill>
-                <a:latin typeface="Arial Narrow" pitchFamily="34" charset="0"/>
-              </a:rPr>
-              <a:t>Inertail</a:t>
-            </a:r>
-            <a:r>
-              <a:rPr lang="es-ES" sz="1400" b="1" i="1" dirty="0" smtClean="0">
-                <a:solidFill>
-                  <a:schemeClr val="tx1">
-                    <a:lumMod val="50000"/>
-                    <a:lumOff val="50000"/>
-                  </a:schemeClr>
-                </a:solidFill>
-                <a:latin typeface="Arial Narrow" pitchFamily="34" charset="0"/>
-              </a:rPr>
-              <a:t> data in PD</a:t>
-            </a:r>
-            <a:endParaRPr lang="es-ES" sz="1400" b="1" i="1" dirty="0">
-              <a:solidFill>
-                <a:schemeClr val="tx1">
-                  <a:lumMod val="50000"/>
-                  <a:lumOff val="50000"/>
-                </a:schemeClr>
-              </a:solidFill>
-              <a:latin typeface="Arial Narrow" pitchFamily="34" charset="0"/>
-            </a:endParaRPr>
-          </a:p>
-        </p:txBody>
-      </p:sp>
       <p:pic>
         <p:nvPicPr>
           <p:cNvPr id="11" name="Picture 2"/>
@@ -14842,6 +15236,76 @@
           </a:prstGeom>
         </p:spPr>
       </p:pic>
+      <p:sp>
+        <p:nvSpPr>
+          <p:cNvPr id="3" name="2 Marcador de número de diapositiva"/>
+          <p:cNvSpPr>
+            <a:spLocks noGrp="1"/>
+          </p:cNvSpPr>
+          <p:nvPr>
+            <p:ph type="sldNum" sz="quarter" idx="12"/>
+          </p:nvPr>
+        </p:nvSpPr>
+        <p:spPr/>
+        <p:txBody>
+          <a:bodyPr/>
+          <a:lstStyle/>
+          <a:p>
+            <a:fld id="{F2D1D08B-C82B-420D-B57B-371E8E2125CA}" type="slidenum">
+              <a:rPr lang="es-ES" smtClean="0"/>
+              <a:t>10</a:t>
+            </a:fld>
+            <a:endParaRPr lang="es-ES"/>
+          </a:p>
+        </p:txBody>
+      </p:sp>
+      <p:sp>
+        <p:nvSpPr>
+          <p:cNvPr id="19" name="18 CuadroTexto"/>
+          <p:cNvSpPr txBox="1"/>
+          <p:nvPr/>
+        </p:nvSpPr>
+        <p:spPr>
+          <a:xfrm>
+            <a:off x="1331640" y="6365927"/>
+            <a:ext cx="5328592" cy="369332"/>
+          </a:xfrm>
+          <a:prstGeom prst="rect">
+            <a:avLst/>
+          </a:prstGeom>
+          <a:noFill/>
+        </p:spPr>
+        <p:txBody>
+          <a:bodyPr wrap="square" rtlCol="0">
+            <a:spAutoFit/>
+          </a:bodyPr>
+          <a:lstStyle/>
+          <a:p>
+            <a:pPr algn="ctr"/>
+            <a:r>
+              <a:rPr lang="es-ES" b="1" i="1" dirty="0" smtClean="0">
+                <a:solidFill>
+                  <a:schemeClr val="tx1">
+                    <a:lumMod val="50000"/>
+                    <a:lumOff val="50000"/>
+                  </a:schemeClr>
+                </a:solidFill>
+                <a:latin typeface="Arial Narrow" pitchFamily="34" charset="0"/>
+              </a:rPr>
+              <a:t>10</a:t>
+            </a:r>
+            <a:endParaRPr lang="es-ES" b="1" i="1" dirty="0">
+              <a:solidFill>
+                <a:schemeClr val="tx1">
+                  <a:lumMod val="50000"/>
+                  <a:lumOff val="50000"/>
+                </a:schemeClr>
+              </a:solidFill>
+              <a:latin typeface="Arial Narrow" pitchFamily="34" charset="0"/>
+            </a:endParaRPr>
+          </a:p>
+        </p:txBody>
+      </p:sp>
     </p:spTree>
     <p:extLst>
       <p:ext uri="{BB962C8B-B14F-4D97-AF65-F5344CB8AC3E}">
@@ -15502,172 +15966,6 @@
           </a:p>
         </p:txBody>
       </p:sp>
-      <p:sp>
-        <p:nvSpPr>
-          <p:cNvPr id="10" name="9 CuadroTexto"/>
-          <p:cNvSpPr txBox="1"/>
-          <p:nvPr/>
-        </p:nvSpPr>
-        <p:spPr>
-          <a:xfrm>
-            <a:off x="1331640" y="6365927"/>
-            <a:ext cx="5328592" cy="307777"/>
-          </a:xfrm>
-          <a:prstGeom prst="rect">
-            <a:avLst/>
-          </a:prstGeom>
-          <a:noFill/>
-        </p:spPr>
-        <p:txBody>
-          <a:bodyPr wrap="square" rtlCol="0">
-            <a:spAutoFit/>
-          </a:bodyPr>
-          <a:lstStyle/>
-          <a:p>
-            <a:r>
-              <a:rPr lang="es-ES" sz="1400" b="1" i="1" dirty="0" smtClean="0">
-                <a:solidFill>
-                  <a:schemeClr val="tx1">
-                    <a:lumMod val="50000"/>
-                    <a:lumOff val="50000"/>
-                  </a:schemeClr>
-                </a:solidFill>
-                <a:latin typeface="Arial Narrow" pitchFamily="34" charset="0"/>
-              </a:rPr>
-              <a:t>Comp. </a:t>
-            </a:r>
-            <a:r>
-              <a:rPr lang="es-ES" sz="1400" b="1" i="1" dirty="0" err="1" smtClean="0">
-                <a:solidFill>
-                  <a:schemeClr val="tx1">
-                    <a:lumMod val="50000"/>
-                    <a:lumOff val="50000"/>
-                  </a:schemeClr>
-                </a:solidFill>
-                <a:latin typeface="Arial Narrow" pitchFamily="34" charset="0"/>
-              </a:rPr>
-              <a:t>Posturographic</a:t>
-            </a:r>
-            <a:r>
-              <a:rPr lang="es-ES" sz="1400" b="1" i="1" dirty="0" smtClean="0">
-                <a:solidFill>
-                  <a:schemeClr val="tx1">
-                    <a:lumMod val="50000"/>
-                    <a:lumOff val="50000"/>
-                  </a:schemeClr>
-                </a:solidFill>
-                <a:latin typeface="Arial Narrow" pitchFamily="34" charset="0"/>
-              </a:rPr>
-              <a:t> </a:t>
-            </a:r>
-            <a:r>
-              <a:rPr lang="es-ES" sz="1400" b="1" i="1" dirty="0" err="1" smtClean="0">
-                <a:solidFill>
-                  <a:schemeClr val="tx1">
-                    <a:lumMod val="50000"/>
-                    <a:lumOff val="50000"/>
-                  </a:schemeClr>
-                </a:solidFill>
-                <a:latin typeface="Arial Narrow" pitchFamily="34" charset="0"/>
-              </a:rPr>
-              <a:t>Body-Swad</a:t>
-            </a:r>
-            <a:r>
-              <a:rPr lang="es-ES" sz="1400" b="1" i="1" dirty="0" smtClean="0">
-                <a:solidFill>
-                  <a:schemeClr val="tx1">
-                    <a:lumMod val="50000"/>
-                    <a:lumOff val="50000"/>
-                  </a:schemeClr>
-                </a:solidFill>
-                <a:latin typeface="Arial Narrow" pitchFamily="34" charset="0"/>
-              </a:rPr>
-              <a:t> </a:t>
-            </a:r>
-            <a:r>
-              <a:rPr lang="es-ES" sz="1400" b="1" i="1" dirty="0" err="1" smtClean="0">
-                <a:solidFill>
-                  <a:schemeClr val="tx1">
-                    <a:lumMod val="50000"/>
-                    <a:lumOff val="50000"/>
-                  </a:schemeClr>
-                </a:solidFill>
-                <a:latin typeface="Arial Narrow" pitchFamily="34" charset="0"/>
-              </a:rPr>
-              <a:t>measurements</a:t>
-            </a:r>
-            <a:r>
-              <a:rPr lang="es-ES" sz="1400" b="1" i="1" dirty="0" smtClean="0">
-                <a:solidFill>
-                  <a:schemeClr val="tx1">
-                    <a:lumMod val="50000"/>
-                    <a:lumOff val="50000"/>
-                  </a:schemeClr>
-                </a:solidFill>
-                <a:latin typeface="Arial Narrow" pitchFamily="34" charset="0"/>
-              </a:rPr>
-              <a:t> </a:t>
-            </a:r>
-            <a:r>
-              <a:rPr lang="es-ES" sz="1400" b="1" i="1" dirty="0" err="1" smtClean="0">
-                <a:solidFill>
-                  <a:schemeClr val="tx1">
-                    <a:lumMod val="50000"/>
-                    <a:lumOff val="50000"/>
-                  </a:schemeClr>
-                </a:solidFill>
-                <a:latin typeface="Arial Narrow" pitchFamily="34" charset="0"/>
-              </a:rPr>
-              <a:t>with</a:t>
-            </a:r>
-            <a:r>
-              <a:rPr lang="es-ES" sz="1400" b="1" i="1" dirty="0" smtClean="0">
-                <a:solidFill>
-                  <a:schemeClr val="tx1">
-                    <a:lumMod val="50000"/>
-                    <a:lumOff val="50000"/>
-                  </a:schemeClr>
-                </a:solidFill>
-                <a:latin typeface="Arial Narrow" pitchFamily="34" charset="0"/>
-              </a:rPr>
-              <a:t> </a:t>
-            </a:r>
-            <a:r>
-              <a:rPr lang="es-ES" sz="1400" b="1" i="1" dirty="0" err="1" smtClean="0">
-                <a:solidFill>
-                  <a:schemeClr val="tx1">
-                    <a:lumMod val="50000"/>
-                    <a:lumOff val="50000"/>
-                  </a:schemeClr>
-                </a:solidFill>
-                <a:latin typeface="Arial Narrow" pitchFamily="34" charset="0"/>
-              </a:rPr>
-              <a:t>Inertail</a:t>
-            </a:r>
-            <a:r>
-              <a:rPr lang="es-ES" sz="1400" b="1" i="1" dirty="0" smtClean="0">
-                <a:solidFill>
-                  <a:schemeClr val="tx1">
-                    <a:lumMod val="50000"/>
-                    <a:lumOff val="50000"/>
-                  </a:schemeClr>
-                </a:solidFill>
-                <a:latin typeface="Arial Narrow" pitchFamily="34" charset="0"/>
-              </a:rPr>
-              <a:t> data in PD</a:t>
-            </a:r>
-            <a:endParaRPr lang="es-ES" sz="1400" b="1" i="1" dirty="0">
-              <a:solidFill>
-                <a:schemeClr val="tx1">
-                  <a:lumMod val="50000"/>
-                  <a:lumOff val="50000"/>
-                </a:schemeClr>
-              </a:solidFill>
-              <a:latin typeface="Arial Narrow" pitchFamily="34" charset="0"/>
-            </a:endParaRPr>
-          </a:p>
-        </p:txBody>
-      </p:sp>
       <p:pic>
         <p:nvPicPr>
           <p:cNvPr id="11" name="Picture 2"/>
@@ -15905,7 +16203,7 @@
         <p:spPr>
           <a:xfrm>
             <a:off x="481400" y="2996951"/>
-            <a:ext cx="7258952" cy="3693012"/>
+            <a:ext cx="7258952" cy="3397994"/>
           </a:xfrm>
           <a:prstGeom prst="rect">
             <a:avLst/>
@@ -16309,18 +16607,6 @@
                 <a:latin typeface="Arial Narrow" pitchFamily="34" charset="0"/>
               </a:rPr>
             </a:br>
-            <a:endParaRPr lang="es-ES" dirty="0" smtClean="0">
-              <a:solidFill>
-                <a:schemeClr val="tx1">
-                  <a:lumMod val="50000"/>
-                  <a:lumOff val="50000"/>
-                </a:schemeClr>
-              </a:solidFill>
-              <a:latin typeface="Arial Narrow" pitchFamily="34" charset="0"/>
-            </a:endParaRPr>
-          </a:p>
-          <a:p>
-            <a:pPr lvl="1"/>
             <a:endParaRPr lang="es-ES" dirty="0" smtClean="0">
               <a:solidFill>
                 <a:schemeClr val="tx1">
@@ -16668,6 +16954,76 @@
           </a:extLst>
         </p:spPr>
       </p:pic>
+      <p:sp>
+        <p:nvSpPr>
+          <p:cNvPr id="3" name="2 Marcador de número de diapositiva"/>
+          <p:cNvSpPr>
+            <a:spLocks noGrp="1"/>
+          </p:cNvSpPr>
+          <p:nvPr>
+            <p:ph type="sldNum" sz="quarter" idx="12"/>
+          </p:nvPr>
+        </p:nvSpPr>
+        <p:spPr/>
+        <p:txBody>
+          <a:bodyPr/>
+          <a:lstStyle/>
+          <a:p>
+            <a:fld id="{F2D1D08B-C82B-420D-B57B-371E8E2125CA}" type="slidenum">
+              <a:rPr lang="es-ES" smtClean="0"/>
+              <a:t>11</a:t>
+            </a:fld>
+            <a:endParaRPr lang="es-ES"/>
+          </a:p>
+        </p:txBody>
+      </p:sp>
+      <p:sp>
+        <p:nvSpPr>
+          <p:cNvPr id="22" name="21 CuadroTexto"/>
+          <p:cNvSpPr txBox="1"/>
+          <p:nvPr/>
+        </p:nvSpPr>
+        <p:spPr>
+          <a:xfrm>
+            <a:off x="1331640" y="6365927"/>
+            <a:ext cx="5328592" cy="369332"/>
+          </a:xfrm>
+          <a:prstGeom prst="rect">
+            <a:avLst/>
+          </a:prstGeom>
+          <a:noFill/>
+        </p:spPr>
+        <p:txBody>
+          <a:bodyPr wrap="square" rtlCol="0">
+            <a:spAutoFit/>
+          </a:bodyPr>
+          <a:lstStyle/>
+          <a:p>
+            <a:pPr algn="ctr"/>
+            <a:r>
+              <a:rPr lang="es-ES" b="1" i="1" dirty="0" smtClean="0">
+                <a:solidFill>
+                  <a:schemeClr val="tx1">
+                    <a:lumMod val="50000"/>
+                    <a:lumOff val="50000"/>
+                  </a:schemeClr>
+                </a:solidFill>
+                <a:latin typeface="Arial Narrow" pitchFamily="34" charset="0"/>
+              </a:rPr>
+              <a:t>11</a:t>
+            </a:r>
+            <a:endParaRPr lang="es-ES" b="1" i="1" dirty="0">
+              <a:solidFill>
+                <a:schemeClr val="tx1">
+                  <a:lumMod val="50000"/>
+                  <a:lumOff val="50000"/>
+                </a:schemeClr>
+              </a:solidFill>
+              <a:latin typeface="Arial Narrow" pitchFamily="34" charset="0"/>
+            </a:endParaRPr>
+          </a:p>
+        </p:txBody>
+      </p:sp>
     </p:spTree>
     <p:extLst>
       <p:ext uri="{BB962C8B-B14F-4D97-AF65-F5344CB8AC3E}">
@@ -17005,172 +17361,6 @@
           </a:p>
         </p:txBody>
       </p:sp>
-      <p:sp>
-        <p:nvSpPr>
-          <p:cNvPr id="10" name="9 CuadroTexto"/>
-          <p:cNvSpPr txBox="1"/>
-          <p:nvPr/>
-        </p:nvSpPr>
-        <p:spPr>
-          <a:xfrm>
-            <a:off x="1331640" y="6365927"/>
-            <a:ext cx="5328592" cy="307777"/>
-          </a:xfrm>
-          <a:prstGeom prst="rect">
-            <a:avLst/>
-          </a:prstGeom>
-          <a:noFill/>
-        </p:spPr>
-        <p:txBody>
-          <a:bodyPr wrap="square" rtlCol="0">
-            <a:spAutoFit/>
-          </a:bodyPr>
-          <a:lstStyle/>
-          <a:p>
-            <a:r>
-              <a:rPr lang="es-ES" sz="1400" b="1" i="1" dirty="0" smtClean="0">
-                <a:solidFill>
-                  <a:schemeClr val="tx1">
-                    <a:lumMod val="50000"/>
-                    <a:lumOff val="50000"/>
-                  </a:schemeClr>
-                </a:solidFill>
-                <a:latin typeface="Arial Narrow" pitchFamily="34" charset="0"/>
-              </a:rPr>
-              <a:t>Comp. </a:t>
-            </a:r>
-            <a:r>
-              <a:rPr lang="es-ES" sz="1400" b="1" i="1" dirty="0" err="1" smtClean="0">
-                <a:solidFill>
-                  <a:schemeClr val="tx1">
-                    <a:lumMod val="50000"/>
-                    <a:lumOff val="50000"/>
-                  </a:schemeClr>
-                </a:solidFill>
-                <a:latin typeface="Arial Narrow" pitchFamily="34" charset="0"/>
-              </a:rPr>
-              <a:t>Posturographic</a:t>
-            </a:r>
-            <a:r>
-              <a:rPr lang="es-ES" sz="1400" b="1" i="1" dirty="0" smtClean="0">
-                <a:solidFill>
-                  <a:schemeClr val="tx1">
-                    <a:lumMod val="50000"/>
-                    <a:lumOff val="50000"/>
-                  </a:schemeClr>
-                </a:solidFill>
-                <a:latin typeface="Arial Narrow" pitchFamily="34" charset="0"/>
-              </a:rPr>
-              <a:t> </a:t>
-            </a:r>
-            <a:r>
-              <a:rPr lang="es-ES" sz="1400" b="1" i="1" dirty="0" err="1" smtClean="0">
-                <a:solidFill>
-                  <a:schemeClr val="tx1">
-                    <a:lumMod val="50000"/>
-                    <a:lumOff val="50000"/>
-                  </a:schemeClr>
-                </a:solidFill>
-                <a:latin typeface="Arial Narrow" pitchFamily="34" charset="0"/>
-              </a:rPr>
-              <a:t>Body-Swad</a:t>
-            </a:r>
-            <a:r>
-              <a:rPr lang="es-ES" sz="1400" b="1" i="1" dirty="0" smtClean="0">
-                <a:solidFill>
-                  <a:schemeClr val="tx1">
-                    <a:lumMod val="50000"/>
-                    <a:lumOff val="50000"/>
-                  </a:schemeClr>
-                </a:solidFill>
-                <a:latin typeface="Arial Narrow" pitchFamily="34" charset="0"/>
-              </a:rPr>
-              <a:t> </a:t>
-            </a:r>
-            <a:r>
-              <a:rPr lang="es-ES" sz="1400" b="1" i="1" dirty="0" err="1" smtClean="0">
-                <a:solidFill>
-                  <a:schemeClr val="tx1">
-                    <a:lumMod val="50000"/>
-                    <a:lumOff val="50000"/>
-                  </a:schemeClr>
-                </a:solidFill>
-                <a:latin typeface="Arial Narrow" pitchFamily="34" charset="0"/>
-              </a:rPr>
-              <a:t>measurements</a:t>
-            </a:r>
-            <a:r>
-              <a:rPr lang="es-ES" sz="1400" b="1" i="1" dirty="0" smtClean="0">
-                <a:solidFill>
-                  <a:schemeClr val="tx1">
-                    <a:lumMod val="50000"/>
-                    <a:lumOff val="50000"/>
-                  </a:schemeClr>
-                </a:solidFill>
-                <a:latin typeface="Arial Narrow" pitchFamily="34" charset="0"/>
-              </a:rPr>
-              <a:t> </a:t>
-            </a:r>
-            <a:r>
-              <a:rPr lang="es-ES" sz="1400" b="1" i="1" dirty="0" err="1" smtClean="0">
-                <a:solidFill>
-                  <a:schemeClr val="tx1">
-                    <a:lumMod val="50000"/>
-                    <a:lumOff val="50000"/>
-                  </a:schemeClr>
-                </a:solidFill>
-                <a:latin typeface="Arial Narrow" pitchFamily="34" charset="0"/>
-              </a:rPr>
-              <a:t>with</a:t>
-            </a:r>
-            <a:r>
-              <a:rPr lang="es-ES" sz="1400" b="1" i="1" dirty="0" smtClean="0">
-                <a:solidFill>
-                  <a:schemeClr val="tx1">
-                    <a:lumMod val="50000"/>
-                    <a:lumOff val="50000"/>
-                  </a:schemeClr>
-                </a:solidFill>
-                <a:latin typeface="Arial Narrow" pitchFamily="34" charset="0"/>
-              </a:rPr>
-              <a:t> </a:t>
-            </a:r>
-            <a:r>
-              <a:rPr lang="es-ES" sz="1400" b="1" i="1" dirty="0" err="1" smtClean="0">
-                <a:solidFill>
-                  <a:schemeClr val="tx1">
-                    <a:lumMod val="50000"/>
-                    <a:lumOff val="50000"/>
-                  </a:schemeClr>
-                </a:solidFill>
-                <a:latin typeface="Arial Narrow" pitchFamily="34" charset="0"/>
-              </a:rPr>
-              <a:t>Inertail</a:t>
-            </a:r>
-            <a:r>
-              <a:rPr lang="es-ES" sz="1400" b="1" i="1" dirty="0" smtClean="0">
-                <a:solidFill>
-                  <a:schemeClr val="tx1">
-                    <a:lumMod val="50000"/>
-                    <a:lumOff val="50000"/>
-                  </a:schemeClr>
-                </a:solidFill>
-                <a:latin typeface="Arial Narrow" pitchFamily="34" charset="0"/>
-              </a:rPr>
-              <a:t> data in PD</a:t>
-            </a:r>
-            <a:endParaRPr lang="es-ES" sz="1400" b="1" i="1" dirty="0">
-              <a:solidFill>
-                <a:schemeClr val="tx1">
-                  <a:lumMod val="50000"/>
-                  <a:lumOff val="50000"/>
-                </a:schemeClr>
-              </a:solidFill>
-              <a:latin typeface="Arial Narrow" pitchFamily="34" charset="0"/>
-            </a:endParaRPr>
-          </a:p>
-        </p:txBody>
-      </p:sp>
       <p:pic>
         <p:nvPicPr>
           <p:cNvPr id="11" name="Picture 2"/>
@@ -17407,8 +17597,8 @@
         </p:nvSpPr>
         <p:spPr>
           <a:xfrm>
-            <a:off x="481400" y="2996951"/>
-            <a:ext cx="7258952" cy="3693012"/>
+            <a:off x="481400" y="2996952"/>
+            <a:ext cx="7258952" cy="3218564"/>
           </a:xfrm>
           <a:prstGeom prst="rect">
             <a:avLst/>
@@ -17416,7 +17606,7 @@
         </p:spPr>
         <p:txBody>
           <a:bodyPr vert="horz" lIns="91440" tIns="45720" rIns="91440" bIns="45720" rtlCol="0">
-            <a:normAutofit fontScale="77500" lnSpcReduction="20000"/>
+            <a:normAutofit fontScale="70000" lnSpcReduction="20000"/>
           </a:bodyPr>
           <a:lstStyle>
             <a:lvl1pPr marL="342900" indent="-342900" algn="l" defTabSz="914400" rtl="0" eaLnBrk="1" latinLnBrk="0" hangingPunct="1">
@@ -17798,7 +17988,7 @@
         </p:blipFill>
         <p:spPr bwMode="auto">
           <a:xfrm>
-            <a:off x="7073910" y="4575659"/>
+            <a:off x="7049810" y="4249118"/>
             <a:ext cx="1381083" cy="642918"/>
           </a:xfrm>
           <a:prstGeom prst="rect">
@@ -17975,7 +18165,7 @@
         </p:nvSpPr>
         <p:spPr>
           <a:xfrm>
-            <a:off x="6038502" y="4778782"/>
+            <a:off x="6038503" y="4570577"/>
             <a:ext cx="810853" cy="236672"/>
           </a:xfrm>
           <a:prstGeom prst="rightArrow">
@@ -18011,6 +18201,76 @@
           <a:p>
             <a:pPr algn="ctr"/>
             <a:endParaRPr lang="es-ES"/>
+          </a:p>
+        </p:txBody>
+      </p:sp>
+      <p:sp>
+        <p:nvSpPr>
+          <p:cNvPr id="3" name="2 Marcador de número de diapositiva"/>
+          <p:cNvSpPr>
+            <a:spLocks noGrp="1"/>
+          </p:cNvSpPr>
+          <p:nvPr>
+            <p:ph type="sldNum" sz="quarter" idx="12"/>
+          </p:nvPr>
+        </p:nvSpPr>
+        <p:spPr/>
+        <p:txBody>
+          <a:bodyPr/>
+          <a:lstStyle/>
+          <a:p>
+            <a:fld id="{F2D1D08B-C82B-420D-B57B-371E8E2125CA}" type="slidenum">
+              <a:rPr lang="es-ES" smtClean="0"/>
+              <a:t>12</a:t>
+            </a:fld>
+            <a:endParaRPr lang="es-ES" dirty="0"/>
+          </a:p>
+        </p:txBody>
+      </p:sp>
+      <p:sp>
+        <p:nvSpPr>
+          <p:cNvPr id="20" name="19 CuadroTexto"/>
+          <p:cNvSpPr txBox="1"/>
+          <p:nvPr/>
+        </p:nvSpPr>
+        <p:spPr>
+          <a:xfrm>
+            <a:off x="1331640" y="6365927"/>
+            <a:ext cx="5328592" cy="369332"/>
+          </a:xfrm>
+          <a:prstGeom prst="rect">
+            <a:avLst/>
+          </a:prstGeom>
+          <a:noFill/>
+        </p:spPr>
+        <p:txBody>
+          <a:bodyPr wrap="square" rtlCol="0">
+            <a:spAutoFit/>
+          </a:bodyPr>
+          <a:lstStyle/>
+          <a:p>
+            <a:pPr algn="ctr"/>
+            <a:r>
+              <a:rPr lang="es-ES" b="1" i="1" dirty="0" smtClean="0">
+                <a:solidFill>
+                  <a:schemeClr val="tx1">
+                    <a:lumMod val="50000"/>
+                    <a:lumOff val="50000"/>
+                  </a:schemeClr>
+                </a:solidFill>
+                <a:latin typeface="Arial Narrow" pitchFamily="34" charset="0"/>
+              </a:rPr>
+              <a:t>12</a:t>
+            </a:r>
+            <a:endParaRPr lang="es-ES" b="1" i="1" dirty="0">
+              <a:solidFill>
+                <a:schemeClr val="tx1">
+                  <a:lumMod val="50000"/>
+                  <a:lumOff val="50000"/>
+                </a:schemeClr>
+              </a:solidFill>
+              <a:latin typeface="Arial Narrow" pitchFamily="34" charset="0"/>
+            </a:endParaRPr>
           </a:p>
         </p:txBody>
       </p:sp>
@@ -18479,172 +18739,6 @@
           </a:p>
         </p:txBody>
       </p:sp>
-      <p:sp>
-        <p:nvSpPr>
-          <p:cNvPr id="10" name="9 CuadroTexto"/>
-          <p:cNvSpPr txBox="1"/>
-          <p:nvPr/>
-        </p:nvSpPr>
-        <p:spPr>
-          <a:xfrm>
-            <a:off x="1331640" y="6365927"/>
-            <a:ext cx="5328592" cy="307777"/>
-          </a:xfrm>
-          <a:prstGeom prst="rect">
-            <a:avLst/>
-          </a:prstGeom>
-          <a:noFill/>
-        </p:spPr>
-        <p:txBody>
-          <a:bodyPr wrap="square" rtlCol="0">
-            <a:spAutoFit/>
-          </a:bodyPr>
-          <a:lstStyle/>
-          <a:p>
-            <a:r>
-              <a:rPr lang="es-ES" sz="1400" b="1" i="1" dirty="0" smtClean="0">
-                <a:solidFill>
-                  <a:schemeClr val="tx1">
-                    <a:lumMod val="50000"/>
-                    <a:lumOff val="50000"/>
-                  </a:schemeClr>
-                </a:solidFill>
-                <a:latin typeface="Arial Narrow" pitchFamily="34" charset="0"/>
-              </a:rPr>
-              <a:t>Comp. </a:t>
-            </a:r>
-            <a:r>
-              <a:rPr lang="es-ES" sz="1400" b="1" i="1" dirty="0" err="1" smtClean="0">
-                <a:solidFill>
-                  <a:schemeClr val="tx1">
-                    <a:lumMod val="50000"/>
-                    <a:lumOff val="50000"/>
-                  </a:schemeClr>
-                </a:solidFill>
-                <a:latin typeface="Arial Narrow" pitchFamily="34" charset="0"/>
-              </a:rPr>
-              <a:t>Posturographic</a:t>
-            </a:r>
-            <a:r>
-              <a:rPr lang="es-ES" sz="1400" b="1" i="1" dirty="0" smtClean="0">
-                <a:solidFill>
-                  <a:schemeClr val="tx1">
-                    <a:lumMod val="50000"/>
-                    <a:lumOff val="50000"/>
-                  </a:schemeClr>
-                </a:solidFill>
-                <a:latin typeface="Arial Narrow" pitchFamily="34" charset="0"/>
-              </a:rPr>
-              <a:t> </a:t>
-            </a:r>
-            <a:r>
-              <a:rPr lang="es-ES" sz="1400" b="1" i="1" dirty="0" err="1" smtClean="0">
-                <a:solidFill>
-                  <a:schemeClr val="tx1">
-                    <a:lumMod val="50000"/>
-                    <a:lumOff val="50000"/>
-                  </a:schemeClr>
-                </a:solidFill>
-                <a:latin typeface="Arial Narrow" pitchFamily="34" charset="0"/>
-              </a:rPr>
-              <a:t>Body-Swad</a:t>
-            </a:r>
-            <a:r>
-              <a:rPr lang="es-ES" sz="1400" b="1" i="1" dirty="0" smtClean="0">
-                <a:solidFill>
-                  <a:schemeClr val="tx1">
-                    <a:lumMod val="50000"/>
-                    <a:lumOff val="50000"/>
-                  </a:schemeClr>
-                </a:solidFill>
-                <a:latin typeface="Arial Narrow" pitchFamily="34" charset="0"/>
-              </a:rPr>
-              <a:t> </a:t>
-            </a:r>
-            <a:r>
-              <a:rPr lang="es-ES" sz="1400" b="1" i="1" dirty="0" err="1" smtClean="0">
-                <a:solidFill>
-                  <a:schemeClr val="tx1">
-                    <a:lumMod val="50000"/>
-                    <a:lumOff val="50000"/>
-                  </a:schemeClr>
-                </a:solidFill>
-                <a:latin typeface="Arial Narrow" pitchFamily="34" charset="0"/>
-              </a:rPr>
-              <a:t>measurements</a:t>
-            </a:r>
-            <a:r>
-              <a:rPr lang="es-ES" sz="1400" b="1" i="1" dirty="0" smtClean="0">
-                <a:solidFill>
-                  <a:schemeClr val="tx1">
-                    <a:lumMod val="50000"/>
-                    <a:lumOff val="50000"/>
-                  </a:schemeClr>
-                </a:solidFill>
-                <a:latin typeface="Arial Narrow" pitchFamily="34" charset="0"/>
-              </a:rPr>
-              <a:t> </a:t>
-            </a:r>
-            <a:r>
-              <a:rPr lang="es-ES" sz="1400" b="1" i="1" dirty="0" err="1" smtClean="0">
-                <a:solidFill>
-                  <a:schemeClr val="tx1">
-                    <a:lumMod val="50000"/>
-                    <a:lumOff val="50000"/>
-                  </a:schemeClr>
-                </a:solidFill>
-                <a:latin typeface="Arial Narrow" pitchFamily="34" charset="0"/>
-              </a:rPr>
-              <a:t>with</a:t>
-            </a:r>
-            <a:r>
-              <a:rPr lang="es-ES" sz="1400" b="1" i="1" dirty="0" smtClean="0">
-                <a:solidFill>
-                  <a:schemeClr val="tx1">
-                    <a:lumMod val="50000"/>
-                    <a:lumOff val="50000"/>
-                  </a:schemeClr>
-                </a:solidFill>
-                <a:latin typeface="Arial Narrow" pitchFamily="34" charset="0"/>
-              </a:rPr>
-              <a:t> </a:t>
-            </a:r>
-            <a:r>
-              <a:rPr lang="es-ES" sz="1400" b="1" i="1" dirty="0" err="1" smtClean="0">
-                <a:solidFill>
-                  <a:schemeClr val="tx1">
-                    <a:lumMod val="50000"/>
-                    <a:lumOff val="50000"/>
-                  </a:schemeClr>
-                </a:solidFill>
-                <a:latin typeface="Arial Narrow" pitchFamily="34" charset="0"/>
-              </a:rPr>
-              <a:t>Inertail</a:t>
-            </a:r>
-            <a:r>
-              <a:rPr lang="es-ES" sz="1400" b="1" i="1" dirty="0" smtClean="0">
-                <a:solidFill>
-                  <a:schemeClr val="tx1">
-                    <a:lumMod val="50000"/>
-                    <a:lumOff val="50000"/>
-                  </a:schemeClr>
-                </a:solidFill>
-                <a:latin typeface="Arial Narrow" pitchFamily="34" charset="0"/>
-              </a:rPr>
-              <a:t> data in PD</a:t>
-            </a:r>
-            <a:endParaRPr lang="es-ES" sz="1400" b="1" i="1" dirty="0">
-              <a:solidFill>
-                <a:schemeClr val="tx1">
-                  <a:lumMod val="50000"/>
-                  <a:lumOff val="50000"/>
-                </a:schemeClr>
-              </a:solidFill>
-              <a:latin typeface="Arial Narrow" pitchFamily="34" charset="0"/>
-            </a:endParaRPr>
-          </a:p>
-        </p:txBody>
-      </p:sp>
       <p:pic>
         <p:nvPicPr>
           <p:cNvPr id="11" name="Picture 2"/>
@@ -18999,6 +19093,76 @@
           </a:extLst>
         </p:spPr>
       </p:pic>
+      <p:sp>
+        <p:nvSpPr>
+          <p:cNvPr id="3" name="2 Marcador de número de diapositiva"/>
+          <p:cNvSpPr>
+            <a:spLocks noGrp="1"/>
+          </p:cNvSpPr>
+          <p:nvPr>
+            <p:ph type="sldNum" sz="quarter" idx="12"/>
+          </p:nvPr>
+        </p:nvSpPr>
+        <p:spPr/>
+        <p:txBody>
+          <a:bodyPr/>
+          <a:lstStyle/>
+          <a:p>
+            <a:fld id="{F2D1D08B-C82B-420D-B57B-371E8E2125CA}" type="slidenum">
+              <a:rPr lang="es-ES" smtClean="0"/>
+              <a:t>13</a:t>
+            </a:fld>
+            <a:endParaRPr lang="es-ES"/>
+          </a:p>
+        </p:txBody>
+      </p:sp>
+      <p:sp>
+        <p:nvSpPr>
+          <p:cNvPr id="19" name="18 CuadroTexto"/>
+          <p:cNvSpPr txBox="1"/>
+          <p:nvPr/>
+        </p:nvSpPr>
+        <p:spPr>
+          <a:xfrm>
+            <a:off x="1331640" y="6365927"/>
+            <a:ext cx="5328592" cy="369332"/>
+          </a:xfrm>
+          <a:prstGeom prst="rect">
+            <a:avLst/>
+          </a:prstGeom>
+          <a:noFill/>
+        </p:spPr>
+        <p:txBody>
+          <a:bodyPr wrap="square" rtlCol="0">
+            <a:spAutoFit/>
+          </a:bodyPr>
+          <a:lstStyle/>
+          <a:p>
+            <a:pPr algn="ctr"/>
+            <a:r>
+              <a:rPr lang="es-ES" b="1" i="1" dirty="0" smtClean="0">
+                <a:solidFill>
+                  <a:schemeClr val="tx1">
+                    <a:lumMod val="50000"/>
+                    <a:lumOff val="50000"/>
+                  </a:schemeClr>
+                </a:solidFill>
+                <a:latin typeface="Arial Narrow" pitchFamily="34" charset="0"/>
+              </a:rPr>
+              <a:t>13</a:t>
+            </a:r>
+            <a:endParaRPr lang="es-ES" b="1" i="1" dirty="0">
+              <a:solidFill>
+                <a:schemeClr val="tx1">
+                  <a:lumMod val="50000"/>
+                  <a:lumOff val="50000"/>
+                </a:schemeClr>
+              </a:solidFill>
+              <a:latin typeface="Arial Narrow" pitchFamily="34" charset="0"/>
+            </a:endParaRPr>
+          </a:p>
+        </p:txBody>
+      </p:sp>
     </p:spTree>
     <p:extLst>
       <p:ext uri="{BB962C8B-B14F-4D97-AF65-F5344CB8AC3E}">
@@ -19539,172 +19703,6 @@
           </a:p>
         </p:txBody>
       </p:sp>
-      <p:sp>
-        <p:nvSpPr>
-          <p:cNvPr id="10" name="9 CuadroTexto"/>
-          <p:cNvSpPr txBox="1"/>
-          <p:nvPr/>
-        </p:nvSpPr>
-        <p:spPr>
-          <a:xfrm>
-            <a:off x="1331640" y="6365927"/>
-            <a:ext cx="5328592" cy="307777"/>
-          </a:xfrm>
-          <a:prstGeom prst="rect">
-            <a:avLst/>
-          </a:prstGeom>
-          <a:noFill/>
-        </p:spPr>
-        <p:txBody>
-          <a:bodyPr wrap="square" rtlCol="0">
-            <a:spAutoFit/>
-          </a:bodyPr>
-          <a:lstStyle/>
-          <a:p>
-            <a:r>
-              <a:rPr lang="es-ES" sz="1400" b="1" i="1" dirty="0" smtClean="0">
-                <a:solidFill>
-                  <a:schemeClr val="tx1">
-                    <a:lumMod val="50000"/>
-                    <a:lumOff val="50000"/>
-                  </a:schemeClr>
-                </a:solidFill>
-                <a:latin typeface="Arial Narrow" pitchFamily="34" charset="0"/>
-              </a:rPr>
-              <a:t>Comp. </a:t>
-            </a:r>
-            <a:r>
-              <a:rPr lang="es-ES" sz="1400" b="1" i="1" dirty="0" err="1" smtClean="0">
-                <a:solidFill>
-                  <a:schemeClr val="tx1">
-                    <a:lumMod val="50000"/>
-                    <a:lumOff val="50000"/>
-                  </a:schemeClr>
-                </a:solidFill>
-                <a:latin typeface="Arial Narrow" pitchFamily="34" charset="0"/>
-              </a:rPr>
-              <a:t>Posturographic</a:t>
-            </a:r>
-            <a:r>
-              <a:rPr lang="es-ES" sz="1400" b="1" i="1" dirty="0" smtClean="0">
-                <a:solidFill>
-                  <a:schemeClr val="tx1">
-                    <a:lumMod val="50000"/>
-                    <a:lumOff val="50000"/>
-                  </a:schemeClr>
-                </a:solidFill>
-                <a:latin typeface="Arial Narrow" pitchFamily="34" charset="0"/>
-              </a:rPr>
-              <a:t> </a:t>
-            </a:r>
-            <a:r>
-              <a:rPr lang="es-ES" sz="1400" b="1" i="1" dirty="0" err="1" smtClean="0">
-                <a:solidFill>
-                  <a:schemeClr val="tx1">
-                    <a:lumMod val="50000"/>
-                    <a:lumOff val="50000"/>
-                  </a:schemeClr>
-                </a:solidFill>
-                <a:latin typeface="Arial Narrow" pitchFamily="34" charset="0"/>
-              </a:rPr>
-              <a:t>Body-Swad</a:t>
-            </a:r>
-            <a:r>
-              <a:rPr lang="es-ES" sz="1400" b="1" i="1" dirty="0" smtClean="0">
-                <a:solidFill>
-                  <a:schemeClr val="tx1">
-                    <a:lumMod val="50000"/>
-                    <a:lumOff val="50000"/>
-                  </a:schemeClr>
-                </a:solidFill>
-                <a:latin typeface="Arial Narrow" pitchFamily="34" charset="0"/>
-              </a:rPr>
-              <a:t> </a:t>
-            </a:r>
-            <a:r>
-              <a:rPr lang="es-ES" sz="1400" b="1" i="1" dirty="0" err="1" smtClean="0">
-                <a:solidFill>
-                  <a:schemeClr val="tx1">
-                    <a:lumMod val="50000"/>
-                    <a:lumOff val="50000"/>
-                  </a:schemeClr>
-                </a:solidFill>
-                <a:latin typeface="Arial Narrow" pitchFamily="34" charset="0"/>
-              </a:rPr>
-              <a:t>measurements</a:t>
-            </a:r>
-            <a:r>
-              <a:rPr lang="es-ES" sz="1400" b="1" i="1" dirty="0" smtClean="0">
-                <a:solidFill>
-                  <a:schemeClr val="tx1">
-                    <a:lumMod val="50000"/>
-                    <a:lumOff val="50000"/>
-                  </a:schemeClr>
-                </a:solidFill>
-                <a:latin typeface="Arial Narrow" pitchFamily="34" charset="0"/>
-              </a:rPr>
-              <a:t> </a:t>
-            </a:r>
-            <a:r>
-              <a:rPr lang="es-ES" sz="1400" b="1" i="1" dirty="0" err="1" smtClean="0">
-                <a:solidFill>
-                  <a:schemeClr val="tx1">
-                    <a:lumMod val="50000"/>
-                    <a:lumOff val="50000"/>
-                  </a:schemeClr>
-                </a:solidFill>
-                <a:latin typeface="Arial Narrow" pitchFamily="34" charset="0"/>
-              </a:rPr>
-              <a:t>with</a:t>
-            </a:r>
-            <a:r>
-              <a:rPr lang="es-ES" sz="1400" b="1" i="1" dirty="0" smtClean="0">
-                <a:solidFill>
-                  <a:schemeClr val="tx1">
-                    <a:lumMod val="50000"/>
-                    <a:lumOff val="50000"/>
-                  </a:schemeClr>
-                </a:solidFill>
-                <a:latin typeface="Arial Narrow" pitchFamily="34" charset="0"/>
-              </a:rPr>
-              <a:t> </a:t>
-            </a:r>
-            <a:r>
-              <a:rPr lang="es-ES" sz="1400" b="1" i="1" dirty="0" err="1" smtClean="0">
-                <a:solidFill>
-                  <a:schemeClr val="tx1">
-                    <a:lumMod val="50000"/>
-                    <a:lumOff val="50000"/>
-                  </a:schemeClr>
-                </a:solidFill>
-                <a:latin typeface="Arial Narrow" pitchFamily="34" charset="0"/>
-              </a:rPr>
-              <a:t>Inertail</a:t>
-            </a:r>
-            <a:r>
-              <a:rPr lang="es-ES" sz="1400" b="1" i="1" dirty="0" smtClean="0">
-                <a:solidFill>
-                  <a:schemeClr val="tx1">
-                    <a:lumMod val="50000"/>
-                    <a:lumOff val="50000"/>
-                  </a:schemeClr>
-                </a:solidFill>
-                <a:latin typeface="Arial Narrow" pitchFamily="34" charset="0"/>
-              </a:rPr>
-              <a:t> data in PD</a:t>
-            </a:r>
-            <a:endParaRPr lang="es-ES" sz="1400" b="1" i="1" dirty="0">
-              <a:solidFill>
-                <a:schemeClr val="tx1">
-                  <a:lumMod val="50000"/>
-                  <a:lumOff val="50000"/>
-                </a:schemeClr>
-              </a:solidFill>
-              <a:latin typeface="Arial Narrow" pitchFamily="34" charset="0"/>
-            </a:endParaRPr>
-          </a:p>
-        </p:txBody>
-      </p:sp>
       <p:pic>
         <p:nvPicPr>
           <p:cNvPr id="11" name="Picture 2"/>
@@ -19991,6 +19989,76 @@
           </a:prstGeom>
         </p:spPr>
       </p:pic>
+      <p:sp>
+        <p:nvSpPr>
+          <p:cNvPr id="5" name="4 Marcador de número de diapositiva"/>
+          <p:cNvSpPr>
+            <a:spLocks noGrp="1"/>
+          </p:cNvSpPr>
+          <p:nvPr>
+            <p:ph type="sldNum" sz="quarter" idx="12"/>
+          </p:nvPr>
+        </p:nvSpPr>
+        <p:spPr/>
+        <p:txBody>
+          <a:bodyPr/>
+          <a:lstStyle/>
+          <a:p>
+            <a:fld id="{F2D1D08B-C82B-420D-B57B-371E8E2125CA}" type="slidenum">
+              <a:rPr lang="es-ES" smtClean="0"/>
+              <a:t>14</a:t>
+            </a:fld>
+            <a:endParaRPr lang="es-ES"/>
+          </a:p>
+        </p:txBody>
+      </p:sp>
+      <p:sp>
+        <p:nvSpPr>
+          <p:cNvPr id="19" name="18 CuadroTexto"/>
+          <p:cNvSpPr txBox="1"/>
+          <p:nvPr/>
+        </p:nvSpPr>
+        <p:spPr>
+          <a:xfrm>
+            <a:off x="1331640" y="6365927"/>
+            <a:ext cx="5328592" cy="369332"/>
+          </a:xfrm>
+          <a:prstGeom prst="rect">
+            <a:avLst/>
+          </a:prstGeom>
+          <a:noFill/>
+        </p:spPr>
+        <p:txBody>
+          <a:bodyPr wrap="square" rtlCol="0">
+            <a:spAutoFit/>
+          </a:bodyPr>
+          <a:lstStyle/>
+          <a:p>
+            <a:pPr algn="ctr"/>
+            <a:r>
+              <a:rPr lang="es-ES" b="1" i="1" dirty="0" smtClean="0">
+                <a:solidFill>
+                  <a:schemeClr val="tx1">
+                    <a:lumMod val="50000"/>
+                    <a:lumOff val="50000"/>
+                  </a:schemeClr>
+                </a:solidFill>
+                <a:latin typeface="Arial Narrow" pitchFamily="34" charset="0"/>
+              </a:rPr>
+              <a:t>14</a:t>
+            </a:r>
+            <a:endParaRPr lang="es-ES" b="1" i="1" dirty="0">
+              <a:solidFill>
+                <a:schemeClr val="tx1">
+                  <a:lumMod val="50000"/>
+                  <a:lumOff val="50000"/>
+                </a:schemeClr>
+              </a:solidFill>
+              <a:latin typeface="Arial Narrow" pitchFamily="34" charset="0"/>
+            </a:endParaRPr>
+          </a:p>
+        </p:txBody>
+      </p:sp>
     </p:spTree>
     <p:extLst>
       <p:ext uri="{BB962C8B-B14F-4D97-AF65-F5344CB8AC3E}">
@@ -20549,172 +20617,6 @@
           </a:p>
         </p:txBody>
       </p:sp>
-      <p:sp>
-        <p:nvSpPr>
-          <p:cNvPr id="10" name="9 CuadroTexto"/>
-          <p:cNvSpPr txBox="1"/>
-          <p:nvPr/>
-        </p:nvSpPr>
-        <p:spPr>
-          <a:xfrm>
-            <a:off x="1331640" y="6365927"/>
-            <a:ext cx="5328592" cy="307777"/>
-          </a:xfrm>
-          <a:prstGeom prst="rect">
-            <a:avLst/>
-          </a:prstGeom>
-          <a:noFill/>
-        </p:spPr>
-        <p:txBody>
-          <a:bodyPr wrap="square" rtlCol="0">
-            <a:spAutoFit/>
-          </a:bodyPr>
-          <a:lstStyle/>
-          <a:p>
-            <a:r>
-              <a:rPr lang="es-ES" sz="1400" b="1" i="1" dirty="0" smtClean="0">
-                <a:solidFill>
-                  <a:schemeClr val="tx1">
-                    <a:lumMod val="50000"/>
-                    <a:lumOff val="50000"/>
-                  </a:schemeClr>
-                </a:solidFill>
-                <a:latin typeface="Arial Narrow" pitchFamily="34" charset="0"/>
-              </a:rPr>
-              <a:t>Comp. </a:t>
-            </a:r>
-            <a:r>
-              <a:rPr lang="es-ES" sz="1400" b="1" i="1" dirty="0" err="1" smtClean="0">
-                <a:solidFill>
-                  <a:schemeClr val="tx1">
-                    <a:lumMod val="50000"/>
-                    <a:lumOff val="50000"/>
-                  </a:schemeClr>
-                </a:solidFill>
-                <a:latin typeface="Arial Narrow" pitchFamily="34" charset="0"/>
-              </a:rPr>
-              <a:t>Posturographic</a:t>
-            </a:r>
-            <a:r>
-              <a:rPr lang="es-ES" sz="1400" b="1" i="1" dirty="0" smtClean="0">
-                <a:solidFill>
-                  <a:schemeClr val="tx1">
-                    <a:lumMod val="50000"/>
-                    <a:lumOff val="50000"/>
-                  </a:schemeClr>
-                </a:solidFill>
-                <a:latin typeface="Arial Narrow" pitchFamily="34" charset="0"/>
-              </a:rPr>
-              <a:t> </a:t>
-            </a:r>
-            <a:r>
-              <a:rPr lang="es-ES" sz="1400" b="1" i="1" dirty="0" err="1" smtClean="0">
-                <a:solidFill>
-                  <a:schemeClr val="tx1">
-                    <a:lumMod val="50000"/>
-                    <a:lumOff val="50000"/>
-                  </a:schemeClr>
-                </a:solidFill>
-                <a:latin typeface="Arial Narrow" pitchFamily="34" charset="0"/>
-              </a:rPr>
-              <a:t>Body-Swad</a:t>
-            </a:r>
-            <a:r>
-              <a:rPr lang="es-ES" sz="1400" b="1" i="1" dirty="0" smtClean="0">
-                <a:solidFill>
-                  <a:schemeClr val="tx1">
-                    <a:lumMod val="50000"/>
-                    <a:lumOff val="50000"/>
-                  </a:schemeClr>
-                </a:solidFill>
-                <a:latin typeface="Arial Narrow" pitchFamily="34" charset="0"/>
-              </a:rPr>
-              <a:t> </a:t>
-            </a:r>
-            <a:r>
-              <a:rPr lang="es-ES" sz="1400" b="1" i="1" dirty="0" err="1" smtClean="0">
-                <a:solidFill>
-                  <a:schemeClr val="tx1">
-                    <a:lumMod val="50000"/>
-                    <a:lumOff val="50000"/>
-                  </a:schemeClr>
-                </a:solidFill>
-                <a:latin typeface="Arial Narrow" pitchFamily="34" charset="0"/>
-              </a:rPr>
-              <a:t>measurements</a:t>
-            </a:r>
-            <a:r>
-              <a:rPr lang="es-ES" sz="1400" b="1" i="1" dirty="0" smtClean="0">
-                <a:solidFill>
-                  <a:schemeClr val="tx1">
-                    <a:lumMod val="50000"/>
-                    <a:lumOff val="50000"/>
-                  </a:schemeClr>
-                </a:solidFill>
-                <a:latin typeface="Arial Narrow" pitchFamily="34" charset="0"/>
-              </a:rPr>
-              <a:t> </a:t>
-            </a:r>
-            <a:r>
-              <a:rPr lang="es-ES" sz="1400" b="1" i="1" dirty="0" err="1" smtClean="0">
-                <a:solidFill>
-                  <a:schemeClr val="tx1">
-                    <a:lumMod val="50000"/>
-                    <a:lumOff val="50000"/>
-                  </a:schemeClr>
-                </a:solidFill>
-                <a:latin typeface="Arial Narrow" pitchFamily="34" charset="0"/>
-              </a:rPr>
-              <a:t>with</a:t>
-            </a:r>
-            <a:r>
-              <a:rPr lang="es-ES" sz="1400" b="1" i="1" dirty="0" smtClean="0">
-                <a:solidFill>
-                  <a:schemeClr val="tx1">
-                    <a:lumMod val="50000"/>
-                    <a:lumOff val="50000"/>
-                  </a:schemeClr>
-                </a:solidFill>
-                <a:latin typeface="Arial Narrow" pitchFamily="34" charset="0"/>
-              </a:rPr>
-              <a:t> </a:t>
-            </a:r>
-            <a:r>
-              <a:rPr lang="es-ES" sz="1400" b="1" i="1" dirty="0" err="1" smtClean="0">
-                <a:solidFill>
-                  <a:schemeClr val="tx1">
-                    <a:lumMod val="50000"/>
-                    <a:lumOff val="50000"/>
-                  </a:schemeClr>
-                </a:solidFill>
-                <a:latin typeface="Arial Narrow" pitchFamily="34" charset="0"/>
-              </a:rPr>
-              <a:t>Inertail</a:t>
-            </a:r>
-            <a:r>
-              <a:rPr lang="es-ES" sz="1400" b="1" i="1" dirty="0" smtClean="0">
-                <a:solidFill>
-                  <a:schemeClr val="tx1">
-                    <a:lumMod val="50000"/>
-                    <a:lumOff val="50000"/>
-                  </a:schemeClr>
-                </a:solidFill>
-                <a:latin typeface="Arial Narrow" pitchFamily="34" charset="0"/>
-              </a:rPr>
-              <a:t> data in PD</a:t>
-            </a:r>
-            <a:endParaRPr lang="es-ES" sz="1400" b="1" i="1" dirty="0">
-              <a:solidFill>
-                <a:schemeClr val="tx1">
-                  <a:lumMod val="50000"/>
-                  <a:lumOff val="50000"/>
-                </a:schemeClr>
-              </a:solidFill>
-              <a:latin typeface="Arial Narrow" pitchFamily="34" charset="0"/>
-            </a:endParaRPr>
-          </a:p>
-        </p:txBody>
-      </p:sp>
       <p:pic>
         <p:nvPicPr>
           <p:cNvPr id="11" name="Picture 2"/>
@@ -20963,6 +20865,76 @@
           </a:graphicData>
         </a:graphic>
       </p:graphicFrame>
+      <p:sp>
+        <p:nvSpPr>
+          <p:cNvPr id="4" name="3 Marcador de número de diapositiva"/>
+          <p:cNvSpPr>
+            <a:spLocks noGrp="1"/>
+          </p:cNvSpPr>
+          <p:nvPr>
+            <p:ph type="sldNum" sz="quarter" idx="12"/>
+          </p:nvPr>
+        </p:nvSpPr>
+        <p:spPr/>
+        <p:txBody>
+          <a:bodyPr/>
+          <a:lstStyle/>
+          <a:p>
+            <a:fld id="{F2D1D08B-C82B-420D-B57B-371E8E2125CA}" type="slidenum">
+              <a:rPr lang="es-ES" smtClean="0"/>
+              <a:t>15</a:t>
+            </a:fld>
+            <a:endParaRPr lang="es-ES"/>
+          </a:p>
+        </p:txBody>
+      </p:sp>
+      <p:sp>
+        <p:nvSpPr>
+          <p:cNvPr id="16" name="15 CuadroTexto"/>
+          <p:cNvSpPr txBox="1"/>
+          <p:nvPr/>
+        </p:nvSpPr>
+        <p:spPr>
+          <a:xfrm>
+            <a:off x="1331640" y="6365927"/>
+            <a:ext cx="5328592" cy="369332"/>
+          </a:xfrm>
+          <a:prstGeom prst="rect">
+            <a:avLst/>
+          </a:prstGeom>
+          <a:noFill/>
+        </p:spPr>
+        <p:txBody>
+          <a:bodyPr wrap="square" rtlCol="0">
+            <a:spAutoFit/>
+          </a:bodyPr>
+          <a:lstStyle/>
+          <a:p>
+            <a:pPr algn="ctr"/>
+            <a:r>
+              <a:rPr lang="es-ES" b="1" i="1" dirty="0" smtClean="0">
+                <a:solidFill>
+                  <a:schemeClr val="tx1">
+                    <a:lumMod val="50000"/>
+                    <a:lumOff val="50000"/>
+                  </a:schemeClr>
+                </a:solidFill>
+                <a:latin typeface="Arial Narrow" pitchFamily="34" charset="0"/>
+              </a:rPr>
+              <a:t>15</a:t>
+            </a:r>
+            <a:endParaRPr lang="es-ES" b="1" i="1" dirty="0">
+              <a:solidFill>
+                <a:schemeClr val="tx1">
+                  <a:lumMod val="50000"/>
+                  <a:lumOff val="50000"/>
+                </a:schemeClr>
+              </a:solidFill>
+              <a:latin typeface="Arial Narrow" pitchFamily="34" charset="0"/>
+            </a:endParaRPr>
+          </a:p>
+        </p:txBody>
+      </p:sp>
     </p:spTree>
     <p:extLst>
       <p:ext uri="{BB962C8B-B14F-4D97-AF65-F5344CB8AC3E}">
@@ -21427,172 +21399,6 @@
           </a:p>
         </p:txBody>
       </p:sp>
-      <p:sp>
-        <p:nvSpPr>
-          <p:cNvPr id="10" name="9 CuadroTexto"/>
-          <p:cNvSpPr txBox="1"/>
-          <p:nvPr/>
-        </p:nvSpPr>
-        <p:spPr>
-          <a:xfrm>
-            <a:off x="1331640" y="6365927"/>
-            <a:ext cx="5328592" cy="307777"/>
-          </a:xfrm>
-          <a:prstGeom prst="rect">
-            <a:avLst/>
-          </a:prstGeom>
-          <a:noFill/>
-        </p:spPr>
-        <p:txBody>
-          <a:bodyPr wrap="square" rtlCol="0">
-            <a:spAutoFit/>
-          </a:bodyPr>
-          <a:lstStyle/>
-          <a:p>
-            <a:r>
-              <a:rPr lang="es-ES" sz="1400" b="1" i="1" dirty="0" smtClean="0">
-                <a:solidFill>
-                  <a:schemeClr val="tx1">
-                    <a:lumMod val="50000"/>
-                    <a:lumOff val="50000"/>
-                  </a:schemeClr>
-                </a:solidFill>
-                <a:latin typeface="Arial Narrow" pitchFamily="34" charset="0"/>
-              </a:rPr>
-              <a:t>Comp. </a:t>
-            </a:r>
-            <a:r>
-              <a:rPr lang="es-ES" sz="1400" b="1" i="1" dirty="0" err="1" smtClean="0">
-                <a:solidFill>
-                  <a:schemeClr val="tx1">
-                    <a:lumMod val="50000"/>
-                    <a:lumOff val="50000"/>
-                  </a:schemeClr>
-                </a:solidFill>
-                <a:latin typeface="Arial Narrow" pitchFamily="34" charset="0"/>
-              </a:rPr>
-              <a:t>Posturographic</a:t>
-            </a:r>
-            <a:r>
-              <a:rPr lang="es-ES" sz="1400" b="1" i="1" dirty="0" smtClean="0">
-                <a:solidFill>
-                  <a:schemeClr val="tx1">
-                    <a:lumMod val="50000"/>
-                    <a:lumOff val="50000"/>
-                  </a:schemeClr>
-                </a:solidFill>
-                <a:latin typeface="Arial Narrow" pitchFamily="34" charset="0"/>
-              </a:rPr>
-              <a:t> </a:t>
-            </a:r>
-            <a:r>
-              <a:rPr lang="es-ES" sz="1400" b="1" i="1" dirty="0" err="1" smtClean="0">
-                <a:solidFill>
-                  <a:schemeClr val="tx1">
-                    <a:lumMod val="50000"/>
-                    <a:lumOff val="50000"/>
-                  </a:schemeClr>
-                </a:solidFill>
-                <a:latin typeface="Arial Narrow" pitchFamily="34" charset="0"/>
-              </a:rPr>
-              <a:t>Body-Swad</a:t>
-            </a:r>
-            <a:r>
-              <a:rPr lang="es-ES" sz="1400" b="1" i="1" dirty="0" smtClean="0">
-                <a:solidFill>
-                  <a:schemeClr val="tx1">
-                    <a:lumMod val="50000"/>
-                    <a:lumOff val="50000"/>
-                  </a:schemeClr>
-                </a:solidFill>
-                <a:latin typeface="Arial Narrow" pitchFamily="34" charset="0"/>
-              </a:rPr>
-              <a:t> </a:t>
-            </a:r>
-            <a:r>
-              <a:rPr lang="es-ES" sz="1400" b="1" i="1" dirty="0" err="1" smtClean="0">
-                <a:solidFill>
-                  <a:schemeClr val="tx1">
-                    <a:lumMod val="50000"/>
-                    <a:lumOff val="50000"/>
-                  </a:schemeClr>
-                </a:solidFill>
-                <a:latin typeface="Arial Narrow" pitchFamily="34" charset="0"/>
-              </a:rPr>
-              <a:t>measurements</a:t>
-            </a:r>
-            <a:r>
-              <a:rPr lang="es-ES" sz="1400" b="1" i="1" dirty="0" smtClean="0">
-                <a:solidFill>
-                  <a:schemeClr val="tx1">
-                    <a:lumMod val="50000"/>
-                    <a:lumOff val="50000"/>
-                  </a:schemeClr>
-                </a:solidFill>
-                <a:latin typeface="Arial Narrow" pitchFamily="34" charset="0"/>
-              </a:rPr>
-              <a:t> </a:t>
-            </a:r>
-            <a:r>
-              <a:rPr lang="es-ES" sz="1400" b="1" i="1" dirty="0" err="1" smtClean="0">
-                <a:solidFill>
-                  <a:schemeClr val="tx1">
-                    <a:lumMod val="50000"/>
-                    <a:lumOff val="50000"/>
-                  </a:schemeClr>
-                </a:solidFill>
-                <a:latin typeface="Arial Narrow" pitchFamily="34" charset="0"/>
-              </a:rPr>
-              <a:t>with</a:t>
-            </a:r>
-            <a:r>
-              <a:rPr lang="es-ES" sz="1400" b="1" i="1" dirty="0" smtClean="0">
-                <a:solidFill>
-                  <a:schemeClr val="tx1">
-                    <a:lumMod val="50000"/>
-                    <a:lumOff val="50000"/>
-                  </a:schemeClr>
-                </a:solidFill>
-                <a:latin typeface="Arial Narrow" pitchFamily="34" charset="0"/>
-              </a:rPr>
-              <a:t> </a:t>
-            </a:r>
-            <a:r>
-              <a:rPr lang="es-ES" sz="1400" b="1" i="1" dirty="0" err="1" smtClean="0">
-                <a:solidFill>
-                  <a:schemeClr val="tx1">
-                    <a:lumMod val="50000"/>
-                    <a:lumOff val="50000"/>
-                  </a:schemeClr>
-                </a:solidFill>
-                <a:latin typeface="Arial Narrow" pitchFamily="34" charset="0"/>
-              </a:rPr>
-              <a:t>Inertail</a:t>
-            </a:r>
-            <a:r>
-              <a:rPr lang="es-ES" sz="1400" b="1" i="1" dirty="0" smtClean="0">
-                <a:solidFill>
-                  <a:schemeClr val="tx1">
-                    <a:lumMod val="50000"/>
-                    <a:lumOff val="50000"/>
-                  </a:schemeClr>
-                </a:solidFill>
-                <a:latin typeface="Arial Narrow" pitchFamily="34" charset="0"/>
-              </a:rPr>
-              <a:t> data in PD</a:t>
-            </a:r>
-            <a:endParaRPr lang="es-ES" sz="1400" b="1" i="1" dirty="0">
-              <a:solidFill>
-                <a:schemeClr val="tx1">
-                  <a:lumMod val="50000"/>
-                  <a:lumOff val="50000"/>
-                </a:schemeClr>
-              </a:solidFill>
-              <a:latin typeface="Arial Narrow" pitchFamily="34" charset="0"/>
-            </a:endParaRPr>
-          </a:p>
-        </p:txBody>
-      </p:sp>
       <p:pic>
         <p:nvPicPr>
           <p:cNvPr id="11" name="Picture 2"/>
@@ -21996,6 +21802,76 @@
           </a:extLst>
         </p:spPr>
       </p:pic>
+      <p:sp>
+        <p:nvSpPr>
+          <p:cNvPr id="3" name="2 Marcador de número de diapositiva"/>
+          <p:cNvSpPr>
+            <a:spLocks noGrp="1"/>
+          </p:cNvSpPr>
+          <p:nvPr>
+            <p:ph type="sldNum" sz="quarter" idx="12"/>
+          </p:nvPr>
+        </p:nvSpPr>
+        <p:spPr/>
+        <p:txBody>
+          <a:bodyPr/>
+          <a:lstStyle/>
+          <a:p>
+            <a:fld id="{F2D1D08B-C82B-420D-B57B-371E8E2125CA}" type="slidenum">
+              <a:rPr lang="es-ES" smtClean="0"/>
+              <a:t>16</a:t>
+            </a:fld>
+            <a:endParaRPr lang="es-ES"/>
+          </a:p>
+        </p:txBody>
+      </p:sp>
+      <p:sp>
+        <p:nvSpPr>
+          <p:cNvPr id="15" name="14 CuadroTexto"/>
+          <p:cNvSpPr txBox="1"/>
+          <p:nvPr/>
+        </p:nvSpPr>
+        <p:spPr>
+          <a:xfrm>
+            <a:off x="1331640" y="6365927"/>
+            <a:ext cx="5328592" cy="369332"/>
+          </a:xfrm>
+          <a:prstGeom prst="rect">
+            <a:avLst/>
+          </a:prstGeom>
+          <a:noFill/>
+        </p:spPr>
+        <p:txBody>
+          <a:bodyPr wrap="square" rtlCol="0">
+            <a:spAutoFit/>
+          </a:bodyPr>
+          <a:lstStyle/>
+          <a:p>
+            <a:pPr algn="ctr"/>
+            <a:r>
+              <a:rPr lang="es-ES" b="1" i="1" dirty="0" smtClean="0">
+                <a:solidFill>
+                  <a:schemeClr val="tx1">
+                    <a:lumMod val="50000"/>
+                    <a:lumOff val="50000"/>
+                  </a:schemeClr>
+                </a:solidFill>
+                <a:latin typeface="Arial Narrow" pitchFamily="34" charset="0"/>
+              </a:rPr>
+              <a:t>16</a:t>
+            </a:r>
+            <a:endParaRPr lang="es-ES" b="1" i="1" dirty="0">
+              <a:solidFill>
+                <a:schemeClr val="tx1">
+                  <a:lumMod val="50000"/>
+                  <a:lumOff val="50000"/>
+                </a:schemeClr>
+              </a:solidFill>
+              <a:latin typeface="Arial Narrow" pitchFamily="34" charset="0"/>
+            </a:endParaRPr>
+          </a:p>
+        </p:txBody>
+      </p:sp>
     </p:spTree>
     <p:extLst>
       <p:ext uri="{BB962C8B-B14F-4D97-AF65-F5344CB8AC3E}">
@@ -22455,172 +22331,6 @@
           </a:p>
         </p:txBody>
       </p:sp>
-      <p:sp>
-        <p:nvSpPr>
-          <p:cNvPr id="10" name="9 CuadroTexto"/>
-          <p:cNvSpPr txBox="1"/>
-          <p:nvPr/>
-        </p:nvSpPr>
-        <p:spPr>
-          <a:xfrm>
-            <a:off x="1331640" y="6365927"/>
-            <a:ext cx="5328592" cy="307777"/>
-          </a:xfrm>
-          <a:prstGeom prst="rect">
-            <a:avLst/>
-          </a:prstGeom>
-          <a:noFill/>
-        </p:spPr>
-        <p:txBody>
-          <a:bodyPr wrap="square" rtlCol="0">
-            <a:spAutoFit/>
-          </a:bodyPr>
-          <a:lstStyle/>
-          <a:p>
-            <a:r>
-              <a:rPr lang="es-ES" sz="1400" b="1" i="1" dirty="0" smtClean="0">
-                <a:solidFill>
-                  <a:schemeClr val="tx1">
-                    <a:lumMod val="50000"/>
-                    <a:lumOff val="50000"/>
-                  </a:schemeClr>
-                </a:solidFill>
-                <a:latin typeface="Arial Narrow" pitchFamily="34" charset="0"/>
-              </a:rPr>
-              <a:t>Comp. </a:t>
-            </a:r>
-            <a:r>
-              <a:rPr lang="es-ES" sz="1400" b="1" i="1" dirty="0" err="1" smtClean="0">
-                <a:solidFill>
-                  <a:schemeClr val="tx1">
-                    <a:lumMod val="50000"/>
-                    <a:lumOff val="50000"/>
-                  </a:schemeClr>
-                </a:solidFill>
-                <a:latin typeface="Arial Narrow" pitchFamily="34" charset="0"/>
-              </a:rPr>
-              <a:t>Posturographic</a:t>
-            </a:r>
-            <a:r>
-              <a:rPr lang="es-ES" sz="1400" b="1" i="1" dirty="0" smtClean="0">
-                <a:solidFill>
-                  <a:schemeClr val="tx1">
-                    <a:lumMod val="50000"/>
-                    <a:lumOff val="50000"/>
-                  </a:schemeClr>
-                </a:solidFill>
-                <a:latin typeface="Arial Narrow" pitchFamily="34" charset="0"/>
-              </a:rPr>
-              <a:t> </a:t>
-            </a:r>
-            <a:r>
-              <a:rPr lang="es-ES" sz="1400" b="1" i="1" dirty="0" err="1" smtClean="0">
-                <a:solidFill>
-                  <a:schemeClr val="tx1">
-                    <a:lumMod val="50000"/>
-                    <a:lumOff val="50000"/>
-                  </a:schemeClr>
-                </a:solidFill>
-                <a:latin typeface="Arial Narrow" pitchFamily="34" charset="0"/>
-              </a:rPr>
-              <a:t>Body-Swad</a:t>
-            </a:r>
-            <a:r>
-              <a:rPr lang="es-ES" sz="1400" b="1" i="1" dirty="0" smtClean="0">
-                <a:solidFill>
-                  <a:schemeClr val="tx1">
-                    <a:lumMod val="50000"/>
-                    <a:lumOff val="50000"/>
-                  </a:schemeClr>
-                </a:solidFill>
-                <a:latin typeface="Arial Narrow" pitchFamily="34" charset="0"/>
-              </a:rPr>
-              <a:t> </a:t>
-            </a:r>
-            <a:r>
-              <a:rPr lang="es-ES" sz="1400" b="1" i="1" dirty="0" err="1" smtClean="0">
-                <a:solidFill>
-                  <a:schemeClr val="tx1">
-                    <a:lumMod val="50000"/>
-                    <a:lumOff val="50000"/>
-                  </a:schemeClr>
-                </a:solidFill>
-                <a:latin typeface="Arial Narrow" pitchFamily="34" charset="0"/>
-              </a:rPr>
-              <a:t>measurements</a:t>
-            </a:r>
-            <a:r>
-              <a:rPr lang="es-ES" sz="1400" b="1" i="1" dirty="0" smtClean="0">
-                <a:solidFill>
-                  <a:schemeClr val="tx1">
-                    <a:lumMod val="50000"/>
-                    <a:lumOff val="50000"/>
-                  </a:schemeClr>
-                </a:solidFill>
-                <a:latin typeface="Arial Narrow" pitchFamily="34" charset="0"/>
-              </a:rPr>
-              <a:t> </a:t>
-            </a:r>
-            <a:r>
-              <a:rPr lang="es-ES" sz="1400" b="1" i="1" dirty="0" err="1" smtClean="0">
-                <a:solidFill>
-                  <a:schemeClr val="tx1">
-                    <a:lumMod val="50000"/>
-                    <a:lumOff val="50000"/>
-                  </a:schemeClr>
-                </a:solidFill>
-                <a:latin typeface="Arial Narrow" pitchFamily="34" charset="0"/>
-              </a:rPr>
-              <a:t>with</a:t>
-            </a:r>
-            <a:r>
-              <a:rPr lang="es-ES" sz="1400" b="1" i="1" dirty="0" smtClean="0">
-                <a:solidFill>
-                  <a:schemeClr val="tx1">
-                    <a:lumMod val="50000"/>
-                    <a:lumOff val="50000"/>
-                  </a:schemeClr>
-                </a:solidFill>
-                <a:latin typeface="Arial Narrow" pitchFamily="34" charset="0"/>
-              </a:rPr>
-              <a:t> </a:t>
-            </a:r>
-            <a:r>
-              <a:rPr lang="es-ES" sz="1400" b="1" i="1" dirty="0" err="1" smtClean="0">
-                <a:solidFill>
-                  <a:schemeClr val="tx1">
-                    <a:lumMod val="50000"/>
-                    <a:lumOff val="50000"/>
-                  </a:schemeClr>
-                </a:solidFill>
-                <a:latin typeface="Arial Narrow" pitchFamily="34" charset="0"/>
-              </a:rPr>
-              <a:t>Inertail</a:t>
-            </a:r>
-            <a:r>
-              <a:rPr lang="es-ES" sz="1400" b="1" i="1" dirty="0" smtClean="0">
-                <a:solidFill>
-                  <a:schemeClr val="tx1">
-                    <a:lumMod val="50000"/>
-                    <a:lumOff val="50000"/>
-                  </a:schemeClr>
-                </a:solidFill>
-                <a:latin typeface="Arial Narrow" pitchFamily="34" charset="0"/>
-              </a:rPr>
-              <a:t> data in PD</a:t>
-            </a:r>
-            <a:endParaRPr lang="es-ES" sz="1400" b="1" i="1" dirty="0">
-              <a:solidFill>
-                <a:schemeClr val="tx1">
-                  <a:lumMod val="50000"/>
-                  <a:lumOff val="50000"/>
-                </a:schemeClr>
-              </a:solidFill>
-              <a:latin typeface="Arial Narrow" pitchFamily="34" charset="0"/>
-            </a:endParaRPr>
-          </a:p>
-        </p:txBody>
-      </p:sp>
       <p:pic>
         <p:nvPicPr>
           <p:cNvPr id="11" name="Picture 2"/>
@@ -22871,6 +22581,76 @@
           </a:extLst>
         </p:spPr>
       </p:pic>
+      <p:sp>
+        <p:nvSpPr>
+          <p:cNvPr id="3" name="2 Marcador de número de diapositiva"/>
+          <p:cNvSpPr>
+            <a:spLocks noGrp="1"/>
+          </p:cNvSpPr>
+          <p:nvPr>
+            <p:ph type="sldNum" sz="quarter" idx="12"/>
+          </p:nvPr>
+        </p:nvSpPr>
+        <p:spPr/>
+        <p:txBody>
+          <a:bodyPr/>
+          <a:lstStyle/>
+          <a:p>
+            <a:fld id="{F2D1D08B-C82B-420D-B57B-371E8E2125CA}" type="slidenum">
+              <a:rPr lang="es-ES" smtClean="0"/>
+              <a:t>17</a:t>
+            </a:fld>
+            <a:endParaRPr lang="es-ES"/>
+          </a:p>
+        </p:txBody>
+      </p:sp>
+      <p:sp>
+        <p:nvSpPr>
+          <p:cNvPr id="15" name="14 CuadroTexto"/>
+          <p:cNvSpPr txBox="1"/>
+          <p:nvPr/>
+        </p:nvSpPr>
+        <p:spPr>
+          <a:xfrm>
+            <a:off x="1331640" y="6365927"/>
+            <a:ext cx="5328592" cy="369332"/>
+          </a:xfrm>
+          <a:prstGeom prst="rect">
+            <a:avLst/>
+          </a:prstGeom>
+          <a:noFill/>
+        </p:spPr>
+        <p:txBody>
+          <a:bodyPr wrap="square" rtlCol="0">
+            <a:spAutoFit/>
+          </a:bodyPr>
+          <a:lstStyle/>
+          <a:p>
+            <a:pPr algn="ctr"/>
+            <a:r>
+              <a:rPr lang="es-ES" b="1" i="1" dirty="0" smtClean="0">
+                <a:solidFill>
+                  <a:schemeClr val="tx1">
+                    <a:lumMod val="50000"/>
+                    <a:lumOff val="50000"/>
+                  </a:schemeClr>
+                </a:solidFill>
+                <a:latin typeface="Arial Narrow" pitchFamily="34" charset="0"/>
+              </a:rPr>
+              <a:t>17</a:t>
+            </a:r>
+            <a:endParaRPr lang="es-ES" b="1" i="1" dirty="0">
+              <a:solidFill>
+                <a:schemeClr val="tx1">
+                  <a:lumMod val="50000"/>
+                  <a:lumOff val="50000"/>
+                </a:schemeClr>
+              </a:solidFill>
+              <a:latin typeface="Arial Narrow" pitchFamily="34" charset="0"/>
+            </a:endParaRPr>
+          </a:p>
+        </p:txBody>
+      </p:sp>
     </p:spTree>
     <p:extLst>
       <p:ext uri="{BB962C8B-B14F-4D97-AF65-F5344CB8AC3E}">
@@ -23330,172 +23110,6 @@
           </a:p>
         </p:txBody>
       </p:sp>
-      <p:sp>
-        <p:nvSpPr>
-          <p:cNvPr id="10" name="9 CuadroTexto"/>
-          <p:cNvSpPr txBox="1"/>
-          <p:nvPr/>
-        </p:nvSpPr>
-        <p:spPr>
-          <a:xfrm>
-            <a:off x="1331640" y="6365927"/>
-            <a:ext cx="5328592" cy="307777"/>
-          </a:xfrm>
-          <a:prstGeom prst="rect">
-            <a:avLst/>
-          </a:prstGeom>
-          <a:noFill/>
-        </p:spPr>
-        <p:txBody>
-          <a:bodyPr wrap="square" rtlCol="0">
-            <a:spAutoFit/>
-          </a:bodyPr>
-          <a:lstStyle/>
-          <a:p>
-            <a:r>
-              <a:rPr lang="es-ES" sz="1400" b="1" i="1" dirty="0" smtClean="0">
-                <a:solidFill>
-                  <a:schemeClr val="tx1">
-                    <a:lumMod val="50000"/>
-                    <a:lumOff val="50000"/>
-                  </a:schemeClr>
-                </a:solidFill>
-                <a:latin typeface="Arial Narrow" pitchFamily="34" charset="0"/>
-              </a:rPr>
-              <a:t>Comp. </a:t>
-            </a:r>
-            <a:r>
-              <a:rPr lang="es-ES" sz="1400" b="1" i="1" dirty="0" err="1" smtClean="0">
-                <a:solidFill>
-                  <a:schemeClr val="tx1">
-                    <a:lumMod val="50000"/>
-                    <a:lumOff val="50000"/>
-                  </a:schemeClr>
-                </a:solidFill>
-                <a:latin typeface="Arial Narrow" pitchFamily="34" charset="0"/>
-              </a:rPr>
-              <a:t>Posturographic</a:t>
-            </a:r>
-            <a:r>
-              <a:rPr lang="es-ES" sz="1400" b="1" i="1" dirty="0" smtClean="0">
-                <a:solidFill>
-                  <a:schemeClr val="tx1">
-                    <a:lumMod val="50000"/>
-                    <a:lumOff val="50000"/>
-                  </a:schemeClr>
-                </a:solidFill>
-                <a:latin typeface="Arial Narrow" pitchFamily="34" charset="0"/>
-              </a:rPr>
-              <a:t> </a:t>
-            </a:r>
-            <a:r>
-              <a:rPr lang="es-ES" sz="1400" b="1" i="1" dirty="0" err="1" smtClean="0">
-                <a:solidFill>
-                  <a:schemeClr val="tx1">
-                    <a:lumMod val="50000"/>
-                    <a:lumOff val="50000"/>
-                  </a:schemeClr>
-                </a:solidFill>
-                <a:latin typeface="Arial Narrow" pitchFamily="34" charset="0"/>
-              </a:rPr>
-              <a:t>Body-Swad</a:t>
-            </a:r>
-            <a:r>
-              <a:rPr lang="es-ES" sz="1400" b="1" i="1" dirty="0" smtClean="0">
-                <a:solidFill>
-                  <a:schemeClr val="tx1">
-                    <a:lumMod val="50000"/>
-                    <a:lumOff val="50000"/>
-                  </a:schemeClr>
-                </a:solidFill>
-                <a:latin typeface="Arial Narrow" pitchFamily="34" charset="0"/>
-              </a:rPr>
-              <a:t> </a:t>
-            </a:r>
-            <a:r>
-              <a:rPr lang="es-ES" sz="1400" b="1" i="1" dirty="0" err="1" smtClean="0">
-                <a:solidFill>
-                  <a:schemeClr val="tx1">
-                    <a:lumMod val="50000"/>
-                    <a:lumOff val="50000"/>
-                  </a:schemeClr>
-                </a:solidFill>
-                <a:latin typeface="Arial Narrow" pitchFamily="34" charset="0"/>
-              </a:rPr>
-              <a:t>measurements</a:t>
-            </a:r>
-            <a:r>
-              <a:rPr lang="es-ES" sz="1400" b="1" i="1" dirty="0" smtClean="0">
-                <a:solidFill>
-                  <a:schemeClr val="tx1">
-                    <a:lumMod val="50000"/>
-                    <a:lumOff val="50000"/>
-                  </a:schemeClr>
-                </a:solidFill>
-                <a:latin typeface="Arial Narrow" pitchFamily="34" charset="0"/>
-              </a:rPr>
-              <a:t> </a:t>
-            </a:r>
-            <a:r>
-              <a:rPr lang="es-ES" sz="1400" b="1" i="1" dirty="0" err="1" smtClean="0">
-                <a:solidFill>
-                  <a:schemeClr val="tx1">
-                    <a:lumMod val="50000"/>
-                    <a:lumOff val="50000"/>
-                  </a:schemeClr>
-                </a:solidFill>
-                <a:latin typeface="Arial Narrow" pitchFamily="34" charset="0"/>
-              </a:rPr>
-              <a:t>with</a:t>
-            </a:r>
-            <a:r>
-              <a:rPr lang="es-ES" sz="1400" b="1" i="1" dirty="0" smtClean="0">
-                <a:solidFill>
-                  <a:schemeClr val="tx1">
-                    <a:lumMod val="50000"/>
-                    <a:lumOff val="50000"/>
-                  </a:schemeClr>
-                </a:solidFill>
-                <a:latin typeface="Arial Narrow" pitchFamily="34" charset="0"/>
-              </a:rPr>
-              <a:t> </a:t>
-            </a:r>
-            <a:r>
-              <a:rPr lang="es-ES" sz="1400" b="1" i="1" dirty="0" err="1" smtClean="0">
-                <a:solidFill>
-                  <a:schemeClr val="tx1">
-                    <a:lumMod val="50000"/>
-                    <a:lumOff val="50000"/>
-                  </a:schemeClr>
-                </a:solidFill>
-                <a:latin typeface="Arial Narrow" pitchFamily="34" charset="0"/>
-              </a:rPr>
-              <a:t>Inertail</a:t>
-            </a:r>
-            <a:r>
-              <a:rPr lang="es-ES" sz="1400" b="1" i="1" dirty="0" smtClean="0">
-                <a:solidFill>
-                  <a:schemeClr val="tx1">
-                    <a:lumMod val="50000"/>
-                    <a:lumOff val="50000"/>
-                  </a:schemeClr>
-                </a:solidFill>
-                <a:latin typeface="Arial Narrow" pitchFamily="34" charset="0"/>
-              </a:rPr>
-              <a:t> data in PD</a:t>
-            </a:r>
-            <a:endParaRPr lang="es-ES" sz="1400" b="1" i="1" dirty="0">
-              <a:solidFill>
-                <a:schemeClr val="tx1">
-                  <a:lumMod val="50000"/>
-                  <a:lumOff val="50000"/>
-                </a:schemeClr>
-              </a:solidFill>
-              <a:latin typeface="Arial Narrow" pitchFamily="34" charset="0"/>
-            </a:endParaRPr>
-          </a:p>
-        </p:txBody>
-      </p:sp>
       <p:pic>
         <p:nvPicPr>
           <p:cNvPr id="11" name="Picture 2"/>
@@ -23776,6 +23390,76 @@
           </a:extLst>
         </p:spPr>
       </p:pic>
+      <p:sp>
+        <p:nvSpPr>
+          <p:cNvPr id="4" name="3 Marcador de número de diapositiva"/>
+          <p:cNvSpPr>
+            <a:spLocks noGrp="1"/>
+          </p:cNvSpPr>
+          <p:nvPr>
+            <p:ph type="sldNum" sz="quarter" idx="12"/>
+          </p:nvPr>
+        </p:nvSpPr>
+        <p:spPr/>
+        <p:txBody>
+          <a:bodyPr/>
+          <a:lstStyle/>
+          <a:p>
+            <a:fld id="{F2D1D08B-C82B-420D-B57B-371E8E2125CA}" type="slidenum">
+              <a:rPr lang="es-ES" smtClean="0"/>
+              <a:t>18</a:t>
+            </a:fld>
+            <a:endParaRPr lang="es-ES"/>
+          </a:p>
+        </p:txBody>
+      </p:sp>
+      <p:sp>
+        <p:nvSpPr>
+          <p:cNvPr id="16" name="15 CuadroTexto"/>
+          <p:cNvSpPr txBox="1"/>
+          <p:nvPr/>
+        </p:nvSpPr>
+        <p:spPr>
+          <a:xfrm>
+            <a:off x="1331640" y="6365927"/>
+            <a:ext cx="5328592" cy="369332"/>
+          </a:xfrm>
+          <a:prstGeom prst="rect">
+            <a:avLst/>
+          </a:prstGeom>
+          <a:noFill/>
+        </p:spPr>
+        <p:txBody>
+          <a:bodyPr wrap="square" rtlCol="0">
+            <a:spAutoFit/>
+          </a:bodyPr>
+          <a:lstStyle/>
+          <a:p>
+            <a:pPr algn="ctr"/>
+            <a:r>
+              <a:rPr lang="es-ES" b="1" i="1" dirty="0" smtClean="0">
+                <a:solidFill>
+                  <a:schemeClr val="tx1">
+                    <a:lumMod val="50000"/>
+                    <a:lumOff val="50000"/>
+                  </a:schemeClr>
+                </a:solidFill>
+                <a:latin typeface="Arial Narrow" pitchFamily="34" charset="0"/>
+              </a:rPr>
+              <a:t>18</a:t>
+            </a:r>
+            <a:endParaRPr lang="es-ES" b="1" i="1" dirty="0">
+              <a:solidFill>
+                <a:schemeClr val="tx1">
+                  <a:lumMod val="50000"/>
+                  <a:lumOff val="50000"/>
+                </a:schemeClr>
+              </a:solidFill>
+              <a:latin typeface="Arial Narrow" pitchFamily="34" charset="0"/>
+            </a:endParaRPr>
+          </a:p>
+        </p:txBody>
+      </p:sp>
     </p:spTree>
     <p:extLst>
       <p:ext uri="{BB962C8B-B14F-4D97-AF65-F5344CB8AC3E}">
@@ -24334,172 +24018,6 @@
           </a:p>
         </p:txBody>
       </p:sp>
-      <p:sp>
-        <p:nvSpPr>
-          <p:cNvPr id="10" name="9 CuadroTexto"/>
-          <p:cNvSpPr txBox="1"/>
-          <p:nvPr/>
-        </p:nvSpPr>
-        <p:spPr>
-          <a:xfrm>
-            <a:off x="1331640" y="6365927"/>
-            <a:ext cx="5328592" cy="307777"/>
-          </a:xfrm>
-          <a:prstGeom prst="rect">
-            <a:avLst/>
-          </a:prstGeom>
-          <a:noFill/>
-        </p:spPr>
-        <p:txBody>
-          <a:bodyPr wrap="square" rtlCol="0">
-            <a:spAutoFit/>
-          </a:bodyPr>
-          <a:lstStyle/>
-          <a:p>
-            <a:r>
-              <a:rPr lang="es-ES" sz="1400" b="1" i="1" dirty="0" smtClean="0">
-                <a:solidFill>
-                  <a:schemeClr val="tx1">
-                    <a:lumMod val="50000"/>
-                    <a:lumOff val="50000"/>
-                  </a:schemeClr>
-                </a:solidFill>
-                <a:latin typeface="Arial Narrow" pitchFamily="34" charset="0"/>
-              </a:rPr>
-              <a:t>Comp. </a:t>
-            </a:r>
-            <a:r>
-              <a:rPr lang="es-ES" sz="1400" b="1" i="1" dirty="0" err="1" smtClean="0">
-                <a:solidFill>
-                  <a:schemeClr val="tx1">
-                    <a:lumMod val="50000"/>
-                    <a:lumOff val="50000"/>
-                  </a:schemeClr>
-                </a:solidFill>
-                <a:latin typeface="Arial Narrow" pitchFamily="34" charset="0"/>
-              </a:rPr>
-              <a:t>Posturographic</a:t>
-            </a:r>
-            <a:r>
-              <a:rPr lang="es-ES" sz="1400" b="1" i="1" dirty="0" smtClean="0">
-                <a:solidFill>
-                  <a:schemeClr val="tx1">
-                    <a:lumMod val="50000"/>
-                    <a:lumOff val="50000"/>
-                  </a:schemeClr>
-                </a:solidFill>
-                <a:latin typeface="Arial Narrow" pitchFamily="34" charset="0"/>
-              </a:rPr>
-              <a:t> </a:t>
-            </a:r>
-            <a:r>
-              <a:rPr lang="es-ES" sz="1400" b="1" i="1" dirty="0" err="1" smtClean="0">
-                <a:solidFill>
-                  <a:schemeClr val="tx1">
-                    <a:lumMod val="50000"/>
-                    <a:lumOff val="50000"/>
-                  </a:schemeClr>
-                </a:solidFill>
-                <a:latin typeface="Arial Narrow" pitchFamily="34" charset="0"/>
-              </a:rPr>
-              <a:t>Body-Swad</a:t>
-            </a:r>
-            <a:r>
-              <a:rPr lang="es-ES" sz="1400" b="1" i="1" dirty="0" smtClean="0">
-                <a:solidFill>
-                  <a:schemeClr val="tx1">
-                    <a:lumMod val="50000"/>
-                    <a:lumOff val="50000"/>
-                  </a:schemeClr>
-                </a:solidFill>
-                <a:latin typeface="Arial Narrow" pitchFamily="34" charset="0"/>
-              </a:rPr>
-              <a:t> </a:t>
-            </a:r>
-            <a:r>
-              <a:rPr lang="es-ES" sz="1400" b="1" i="1" dirty="0" err="1" smtClean="0">
-                <a:solidFill>
-                  <a:schemeClr val="tx1">
-                    <a:lumMod val="50000"/>
-                    <a:lumOff val="50000"/>
-                  </a:schemeClr>
-                </a:solidFill>
-                <a:latin typeface="Arial Narrow" pitchFamily="34" charset="0"/>
-              </a:rPr>
-              <a:t>measurements</a:t>
-            </a:r>
-            <a:r>
-              <a:rPr lang="es-ES" sz="1400" b="1" i="1" dirty="0" smtClean="0">
-                <a:solidFill>
-                  <a:schemeClr val="tx1">
-                    <a:lumMod val="50000"/>
-                    <a:lumOff val="50000"/>
-                  </a:schemeClr>
-                </a:solidFill>
-                <a:latin typeface="Arial Narrow" pitchFamily="34" charset="0"/>
-              </a:rPr>
-              <a:t> </a:t>
-            </a:r>
-            <a:r>
-              <a:rPr lang="es-ES" sz="1400" b="1" i="1" dirty="0" err="1" smtClean="0">
-                <a:solidFill>
-                  <a:schemeClr val="tx1">
-                    <a:lumMod val="50000"/>
-                    <a:lumOff val="50000"/>
-                  </a:schemeClr>
-                </a:solidFill>
-                <a:latin typeface="Arial Narrow" pitchFamily="34" charset="0"/>
-              </a:rPr>
-              <a:t>with</a:t>
-            </a:r>
-            <a:r>
-              <a:rPr lang="es-ES" sz="1400" b="1" i="1" dirty="0" smtClean="0">
-                <a:solidFill>
-                  <a:schemeClr val="tx1">
-                    <a:lumMod val="50000"/>
-                    <a:lumOff val="50000"/>
-                  </a:schemeClr>
-                </a:solidFill>
-                <a:latin typeface="Arial Narrow" pitchFamily="34" charset="0"/>
-              </a:rPr>
-              <a:t> </a:t>
-            </a:r>
-            <a:r>
-              <a:rPr lang="es-ES" sz="1400" b="1" i="1" dirty="0" err="1" smtClean="0">
-                <a:solidFill>
-                  <a:schemeClr val="tx1">
-                    <a:lumMod val="50000"/>
-                    <a:lumOff val="50000"/>
-                  </a:schemeClr>
-                </a:solidFill>
-                <a:latin typeface="Arial Narrow" pitchFamily="34" charset="0"/>
-              </a:rPr>
-              <a:t>Inertail</a:t>
-            </a:r>
-            <a:r>
-              <a:rPr lang="es-ES" sz="1400" b="1" i="1" dirty="0" smtClean="0">
-                <a:solidFill>
-                  <a:schemeClr val="tx1">
-                    <a:lumMod val="50000"/>
-                    <a:lumOff val="50000"/>
-                  </a:schemeClr>
-                </a:solidFill>
-                <a:latin typeface="Arial Narrow" pitchFamily="34" charset="0"/>
-              </a:rPr>
-              <a:t> data in PD</a:t>
-            </a:r>
-            <a:endParaRPr lang="es-ES" sz="1400" b="1" i="1" dirty="0">
-              <a:solidFill>
-                <a:schemeClr val="tx1">
-                  <a:lumMod val="50000"/>
-                  <a:lumOff val="50000"/>
-                </a:schemeClr>
-              </a:solidFill>
-              <a:latin typeface="Arial Narrow" pitchFamily="34" charset="0"/>
-            </a:endParaRPr>
-          </a:p>
-        </p:txBody>
-      </p:sp>
       <p:pic>
         <p:nvPicPr>
           <p:cNvPr id="11" name="Picture 2"/>
@@ -24750,6 +24268,76 @@
           </a:extLst>
         </p:spPr>
       </p:pic>
+      <p:sp>
+        <p:nvSpPr>
+          <p:cNvPr id="3" name="2 Marcador de número de diapositiva"/>
+          <p:cNvSpPr>
+            <a:spLocks noGrp="1"/>
+          </p:cNvSpPr>
+          <p:nvPr>
+            <p:ph type="sldNum" sz="quarter" idx="12"/>
+          </p:nvPr>
+        </p:nvSpPr>
+        <p:spPr/>
+        <p:txBody>
+          <a:bodyPr/>
+          <a:lstStyle/>
+          <a:p>
+            <a:fld id="{F2D1D08B-C82B-420D-B57B-371E8E2125CA}" type="slidenum">
+              <a:rPr lang="es-ES" smtClean="0"/>
+              <a:t>19</a:t>
+            </a:fld>
+            <a:endParaRPr lang="es-ES"/>
+          </a:p>
+        </p:txBody>
+      </p:sp>
+      <p:sp>
+        <p:nvSpPr>
+          <p:cNvPr id="16" name="15 CuadroTexto"/>
+          <p:cNvSpPr txBox="1"/>
+          <p:nvPr/>
+        </p:nvSpPr>
+        <p:spPr>
+          <a:xfrm>
+            <a:off x="1331640" y="6365927"/>
+            <a:ext cx="5328592" cy="369332"/>
+          </a:xfrm>
+          <a:prstGeom prst="rect">
+            <a:avLst/>
+          </a:prstGeom>
+          <a:noFill/>
+        </p:spPr>
+        <p:txBody>
+          <a:bodyPr wrap="square" rtlCol="0">
+            <a:spAutoFit/>
+          </a:bodyPr>
+          <a:lstStyle/>
+          <a:p>
+            <a:pPr algn="ctr"/>
+            <a:r>
+              <a:rPr lang="es-ES" b="1" i="1" dirty="0" smtClean="0">
+                <a:solidFill>
+                  <a:schemeClr val="tx1">
+                    <a:lumMod val="50000"/>
+                    <a:lumOff val="50000"/>
+                  </a:schemeClr>
+                </a:solidFill>
+                <a:latin typeface="Arial Narrow" pitchFamily="34" charset="0"/>
+              </a:rPr>
+              <a:t>19</a:t>
+            </a:r>
+            <a:endParaRPr lang="es-ES" b="1" i="1" dirty="0">
+              <a:solidFill>
+                <a:schemeClr val="tx1">
+                  <a:lumMod val="50000"/>
+                  <a:lumOff val="50000"/>
+                </a:schemeClr>
+              </a:solidFill>
+              <a:latin typeface="Arial Narrow" pitchFamily="34" charset="0"/>
+            </a:endParaRPr>
+          </a:p>
+        </p:txBody>
+      </p:sp>
     </p:spTree>
     <p:extLst>
       <p:ext uri="{BB962C8B-B14F-4D97-AF65-F5344CB8AC3E}">
@@ -24918,7 +24506,7 @@
           <p:nvPr/>
         </p:nvPicPr>
         <p:blipFill>
-          <a:blip r:embed="rId2">
+          <a:blip r:embed="rId3">
             <a:extLst>
               <a:ext uri="{28A0092B-C50C-407E-A947-70E740481C1C}">
                 <a14:useLocalDpi xmlns:a14="http://schemas.microsoft.com/office/drawing/2010/main" val="0"/>
@@ -25273,7 +24861,7 @@
           <p:nvPr/>
         </p:nvPicPr>
         <p:blipFill>
-          <a:blip r:embed="rId3">
+          <a:blip r:embed="rId4">
             <a:extLst>
               <a:ext uri="{28A0092B-C50C-407E-A947-70E740481C1C}">
                 <a14:useLocalDpi xmlns:a14="http://schemas.microsoft.com/office/drawing/2010/main" val="0"/>
@@ -25337,7 +24925,7 @@
         <p:spPr>
           <a:xfrm>
             <a:off x="1331640" y="6365927"/>
-            <a:ext cx="5328592" cy="307777"/>
+            <a:ext cx="5328592" cy="369332"/>
           </a:xfrm>
           <a:prstGeom prst="rect">
             <a:avLst/>
@@ -25350,8 +24938,9 @@
           </a:bodyPr>
           <a:lstStyle/>
           <a:p>
-            <a:r>
-              <a:rPr lang="es-ES" sz="1400" b="1" i="1" dirty="0" smtClean="0">
+            <a:pPr algn="ctr"/>
+            <a:r>
+              <a:rPr lang="es-ES" b="1" i="1" dirty="0">
                 <a:solidFill>
                   <a:schemeClr val="tx1">
                     <a:lumMod val="50000"/>
@@ -25360,129 +24949,9 @@
                 </a:solidFill>
                 <a:latin typeface="Arial Narrow" pitchFamily="34" charset="0"/>
               </a:rPr>
-              <a:t>Comp. </a:t>
-            </a:r>
-            <a:r>
-              <a:rPr lang="es-ES" sz="1400" b="1" i="1" dirty="0" err="1" smtClean="0">
-                <a:solidFill>
-                  <a:schemeClr val="tx1">
-                    <a:lumMod val="50000"/>
-                    <a:lumOff val="50000"/>
-                  </a:schemeClr>
-                </a:solidFill>
-                <a:latin typeface="Arial Narrow" pitchFamily="34" charset="0"/>
-              </a:rPr>
-              <a:t>Posturographic</a:t>
-            </a:r>
-            <a:r>
-              <a:rPr lang="es-ES" sz="1400" b="1" i="1" dirty="0" smtClean="0">
-                <a:solidFill>
-                  <a:schemeClr val="tx1">
-                    <a:lumMod val="50000"/>
-                    <a:lumOff val="50000"/>
-                  </a:schemeClr>
-                </a:solidFill>
-                <a:latin typeface="Arial Narrow" pitchFamily="34" charset="0"/>
-              </a:rPr>
-              <a:t> </a:t>
-            </a:r>
-            <a:r>
-              <a:rPr lang="es-ES" sz="1400" b="1" i="1" dirty="0" err="1" smtClean="0">
-                <a:solidFill>
-                  <a:schemeClr val="tx1">
-                    <a:lumMod val="50000"/>
-                    <a:lumOff val="50000"/>
-                  </a:schemeClr>
-                </a:solidFill>
-                <a:latin typeface="Arial Narrow" pitchFamily="34" charset="0"/>
-              </a:rPr>
-              <a:t>Body-Swad</a:t>
-            </a:r>
-            <a:r>
-              <a:rPr lang="es-ES" sz="1400" b="1" i="1" dirty="0" smtClean="0">
-                <a:solidFill>
-                  <a:schemeClr val="tx1">
-                    <a:lumMod val="50000"/>
-                    <a:lumOff val="50000"/>
-                  </a:schemeClr>
-                </a:solidFill>
-                <a:latin typeface="Arial Narrow" pitchFamily="34" charset="0"/>
-              </a:rPr>
-              <a:t> </a:t>
-            </a:r>
-            <a:r>
-              <a:rPr lang="es-ES" sz="1400" b="1" i="1" dirty="0" err="1" smtClean="0">
-                <a:solidFill>
-                  <a:schemeClr val="tx1">
-                    <a:lumMod val="50000"/>
-                    <a:lumOff val="50000"/>
-                  </a:schemeClr>
-                </a:solidFill>
-                <a:latin typeface="Arial Narrow" pitchFamily="34" charset="0"/>
-              </a:rPr>
-              <a:t>measurements</a:t>
-            </a:r>
-            <a:r>
-              <a:rPr lang="es-ES" sz="1400" b="1" i="1" dirty="0" smtClean="0">
-                <a:solidFill>
-                  <a:schemeClr val="tx1">
-                    <a:lumMod val="50000"/>
-                    <a:lumOff val="50000"/>
-                  </a:schemeClr>
-                </a:solidFill>
-                <a:latin typeface="Arial Narrow" pitchFamily="34" charset="0"/>
-              </a:rPr>
-              <a:t> </a:t>
-            </a:r>
-            <a:r>
-              <a:rPr lang="es-ES" sz="1400" b="1" i="1" dirty="0" err="1" smtClean="0">
-                <a:solidFill>
-                  <a:schemeClr val="tx1">
-                    <a:lumMod val="50000"/>
-                    <a:lumOff val="50000"/>
-                  </a:schemeClr>
-                </a:solidFill>
-                <a:latin typeface="Arial Narrow" pitchFamily="34" charset="0"/>
-              </a:rPr>
-              <a:t>with</a:t>
-            </a:r>
-            <a:r>
-              <a:rPr lang="es-ES" sz="1400" b="1" i="1" dirty="0" smtClean="0">
-                <a:solidFill>
-                  <a:schemeClr val="tx1">
-                    <a:lumMod val="50000"/>
-                    <a:lumOff val="50000"/>
-                  </a:schemeClr>
-                </a:solidFill>
-                <a:latin typeface="Arial Narrow" pitchFamily="34" charset="0"/>
-              </a:rPr>
-              <a:t> </a:t>
-            </a:r>
-            <a:r>
-              <a:rPr lang="es-ES" sz="1400" b="1" i="1" dirty="0" err="1" smtClean="0">
-                <a:solidFill>
-                  <a:schemeClr val="tx1">
-                    <a:lumMod val="50000"/>
-                    <a:lumOff val="50000"/>
-                  </a:schemeClr>
-                </a:solidFill>
-                <a:latin typeface="Arial Narrow" pitchFamily="34" charset="0"/>
-              </a:rPr>
-              <a:t>Inertail</a:t>
-            </a:r>
-            <a:r>
-              <a:rPr lang="es-ES" sz="1400" b="1" i="1" dirty="0" smtClean="0">
-                <a:solidFill>
-                  <a:schemeClr val="tx1">
-                    <a:lumMod val="50000"/>
-                    <a:lumOff val="50000"/>
-                  </a:schemeClr>
-                </a:solidFill>
-                <a:latin typeface="Arial Narrow" pitchFamily="34" charset="0"/>
-              </a:rPr>
-              <a:t> data in PD</a:t>
-            </a:r>
-            <a:endParaRPr lang="es-ES" sz="1400" b="1" i="1" dirty="0">
+              <a:t>2</a:t>
+            </a:r>
+            <a:endParaRPr lang="es-ES" b="1" i="1" dirty="0">
               <a:solidFill>
                 <a:schemeClr val="tx1">
                   <a:lumMod val="50000"/>
@@ -25831,172 +25300,6 @@
           </a:p>
         </p:txBody>
       </p:sp>
-      <p:sp>
-        <p:nvSpPr>
-          <p:cNvPr id="10" name="9 CuadroTexto"/>
-          <p:cNvSpPr txBox="1"/>
-          <p:nvPr/>
-        </p:nvSpPr>
-        <p:spPr>
-          <a:xfrm>
-            <a:off x="1331640" y="6365927"/>
-            <a:ext cx="5328592" cy="307777"/>
-          </a:xfrm>
-          <a:prstGeom prst="rect">
-            <a:avLst/>
-          </a:prstGeom>
-          <a:noFill/>
-        </p:spPr>
-        <p:txBody>
-          <a:bodyPr wrap="square" rtlCol="0">
-            <a:spAutoFit/>
-          </a:bodyPr>
-          <a:lstStyle/>
-          <a:p>
-            <a:r>
-              <a:rPr lang="es-ES" sz="1400" b="1" i="1" dirty="0" smtClean="0">
-                <a:solidFill>
-                  <a:schemeClr val="tx1">
-                    <a:lumMod val="50000"/>
-                    <a:lumOff val="50000"/>
-                  </a:schemeClr>
-                </a:solidFill>
-                <a:latin typeface="Arial Narrow" pitchFamily="34" charset="0"/>
-              </a:rPr>
-              <a:t>Comp. </a:t>
-            </a:r>
-            <a:r>
-              <a:rPr lang="es-ES" sz="1400" b="1" i="1" dirty="0" err="1" smtClean="0">
-                <a:solidFill>
-                  <a:schemeClr val="tx1">
-                    <a:lumMod val="50000"/>
-                    <a:lumOff val="50000"/>
-                  </a:schemeClr>
-                </a:solidFill>
-                <a:latin typeface="Arial Narrow" pitchFamily="34" charset="0"/>
-              </a:rPr>
-              <a:t>Posturographic</a:t>
-            </a:r>
-            <a:r>
-              <a:rPr lang="es-ES" sz="1400" b="1" i="1" dirty="0" smtClean="0">
-                <a:solidFill>
-                  <a:schemeClr val="tx1">
-                    <a:lumMod val="50000"/>
-                    <a:lumOff val="50000"/>
-                  </a:schemeClr>
-                </a:solidFill>
-                <a:latin typeface="Arial Narrow" pitchFamily="34" charset="0"/>
-              </a:rPr>
-              <a:t> </a:t>
-            </a:r>
-            <a:r>
-              <a:rPr lang="es-ES" sz="1400" b="1" i="1" dirty="0" err="1" smtClean="0">
-                <a:solidFill>
-                  <a:schemeClr val="tx1">
-                    <a:lumMod val="50000"/>
-                    <a:lumOff val="50000"/>
-                  </a:schemeClr>
-                </a:solidFill>
-                <a:latin typeface="Arial Narrow" pitchFamily="34" charset="0"/>
-              </a:rPr>
-              <a:t>Body-Swad</a:t>
-            </a:r>
-            <a:r>
-              <a:rPr lang="es-ES" sz="1400" b="1" i="1" dirty="0" smtClean="0">
-                <a:solidFill>
-                  <a:schemeClr val="tx1">
-                    <a:lumMod val="50000"/>
-                    <a:lumOff val="50000"/>
-                  </a:schemeClr>
-                </a:solidFill>
-                <a:latin typeface="Arial Narrow" pitchFamily="34" charset="0"/>
-              </a:rPr>
-              <a:t> </a:t>
-            </a:r>
-            <a:r>
-              <a:rPr lang="es-ES" sz="1400" b="1" i="1" dirty="0" err="1" smtClean="0">
-                <a:solidFill>
-                  <a:schemeClr val="tx1">
-                    <a:lumMod val="50000"/>
-                    <a:lumOff val="50000"/>
-                  </a:schemeClr>
-                </a:solidFill>
-                <a:latin typeface="Arial Narrow" pitchFamily="34" charset="0"/>
-              </a:rPr>
-              <a:t>measurements</a:t>
-            </a:r>
-            <a:r>
-              <a:rPr lang="es-ES" sz="1400" b="1" i="1" dirty="0" smtClean="0">
-                <a:solidFill>
-                  <a:schemeClr val="tx1">
-                    <a:lumMod val="50000"/>
-                    <a:lumOff val="50000"/>
-                  </a:schemeClr>
-                </a:solidFill>
-                <a:latin typeface="Arial Narrow" pitchFamily="34" charset="0"/>
-              </a:rPr>
-              <a:t> </a:t>
-            </a:r>
-            <a:r>
-              <a:rPr lang="es-ES" sz="1400" b="1" i="1" dirty="0" err="1" smtClean="0">
-                <a:solidFill>
-                  <a:schemeClr val="tx1">
-                    <a:lumMod val="50000"/>
-                    <a:lumOff val="50000"/>
-                  </a:schemeClr>
-                </a:solidFill>
-                <a:latin typeface="Arial Narrow" pitchFamily="34" charset="0"/>
-              </a:rPr>
-              <a:t>with</a:t>
-            </a:r>
-            <a:r>
-              <a:rPr lang="es-ES" sz="1400" b="1" i="1" dirty="0" smtClean="0">
-                <a:solidFill>
-                  <a:schemeClr val="tx1">
-                    <a:lumMod val="50000"/>
-                    <a:lumOff val="50000"/>
-                  </a:schemeClr>
-                </a:solidFill>
-                <a:latin typeface="Arial Narrow" pitchFamily="34" charset="0"/>
-              </a:rPr>
-              <a:t> </a:t>
-            </a:r>
-            <a:r>
-              <a:rPr lang="es-ES" sz="1400" b="1" i="1" dirty="0" err="1" smtClean="0">
-                <a:solidFill>
-                  <a:schemeClr val="tx1">
-                    <a:lumMod val="50000"/>
-                    <a:lumOff val="50000"/>
-                  </a:schemeClr>
-                </a:solidFill>
-                <a:latin typeface="Arial Narrow" pitchFamily="34" charset="0"/>
-              </a:rPr>
-              <a:t>Inertail</a:t>
-            </a:r>
-            <a:r>
-              <a:rPr lang="es-ES" sz="1400" b="1" i="1" dirty="0" smtClean="0">
-                <a:solidFill>
-                  <a:schemeClr val="tx1">
-                    <a:lumMod val="50000"/>
-                    <a:lumOff val="50000"/>
-                  </a:schemeClr>
-                </a:solidFill>
-                <a:latin typeface="Arial Narrow" pitchFamily="34" charset="0"/>
-              </a:rPr>
-              <a:t> data in PD</a:t>
-            </a:r>
-            <a:endParaRPr lang="es-ES" sz="1400" b="1" i="1" dirty="0">
-              <a:solidFill>
-                <a:schemeClr val="tx1">
-                  <a:lumMod val="50000"/>
-                  <a:lumOff val="50000"/>
-                </a:schemeClr>
-              </a:solidFill>
-              <a:latin typeface="Arial Narrow" pitchFamily="34" charset="0"/>
-            </a:endParaRPr>
-          </a:p>
-        </p:txBody>
-      </p:sp>
       <p:pic>
         <p:nvPicPr>
           <p:cNvPr id="11" name="Picture 2"/>
@@ -26247,6 +25550,76 @@
           </a:extLst>
         </p:spPr>
       </p:pic>
+      <p:sp>
+        <p:nvSpPr>
+          <p:cNvPr id="3" name="2 Marcador de número de diapositiva"/>
+          <p:cNvSpPr>
+            <a:spLocks noGrp="1"/>
+          </p:cNvSpPr>
+          <p:nvPr>
+            <p:ph type="sldNum" sz="quarter" idx="12"/>
+          </p:nvPr>
+        </p:nvSpPr>
+        <p:spPr/>
+        <p:txBody>
+          <a:bodyPr/>
+          <a:lstStyle/>
+          <a:p>
+            <a:fld id="{F2D1D08B-C82B-420D-B57B-371E8E2125CA}" type="slidenum">
+              <a:rPr lang="es-ES" smtClean="0"/>
+              <a:t>20</a:t>
+            </a:fld>
+            <a:endParaRPr lang="es-ES"/>
+          </a:p>
+        </p:txBody>
+      </p:sp>
+      <p:sp>
+        <p:nvSpPr>
+          <p:cNvPr id="15" name="14 CuadroTexto"/>
+          <p:cNvSpPr txBox="1"/>
+          <p:nvPr/>
+        </p:nvSpPr>
+        <p:spPr>
+          <a:xfrm>
+            <a:off x="1331640" y="6365927"/>
+            <a:ext cx="5328592" cy="369332"/>
+          </a:xfrm>
+          <a:prstGeom prst="rect">
+            <a:avLst/>
+          </a:prstGeom>
+          <a:noFill/>
+        </p:spPr>
+        <p:txBody>
+          <a:bodyPr wrap="square" rtlCol="0">
+            <a:spAutoFit/>
+          </a:bodyPr>
+          <a:lstStyle/>
+          <a:p>
+            <a:pPr algn="ctr"/>
+            <a:r>
+              <a:rPr lang="es-ES" b="1" i="1" dirty="0" smtClean="0">
+                <a:solidFill>
+                  <a:schemeClr val="tx1">
+                    <a:lumMod val="50000"/>
+                    <a:lumOff val="50000"/>
+                  </a:schemeClr>
+                </a:solidFill>
+                <a:latin typeface="Arial Narrow" pitchFamily="34" charset="0"/>
+              </a:rPr>
+              <a:t>20</a:t>
+            </a:r>
+            <a:endParaRPr lang="es-ES" b="1" i="1" dirty="0">
+              <a:solidFill>
+                <a:schemeClr val="tx1">
+                  <a:lumMod val="50000"/>
+                  <a:lumOff val="50000"/>
+                </a:schemeClr>
+              </a:solidFill>
+              <a:latin typeface="Arial Narrow" pitchFamily="34" charset="0"/>
+            </a:endParaRPr>
+          </a:p>
+        </p:txBody>
+      </p:sp>
     </p:spTree>
     <p:extLst>
       <p:ext uri="{BB962C8B-B14F-4D97-AF65-F5344CB8AC3E}">
@@ -26706,172 +26079,6 @@
           </a:p>
         </p:txBody>
       </p:sp>
-      <p:sp>
-        <p:nvSpPr>
-          <p:cNvPr id="10" name="9 CuadroTexto"/>
-          <p:cNvSpPr txBox="1"/>
-          <p:nvPr/>
-        </p:nvSpPr>
-        <p:spPr>
-          <a:xfrm>
-            <a:off x="1331640" y="6365927"/>
-            <a:ext cx="5328592" cy="307777"/>
-          </a:xfrm>
-          <a:prstGeom prst="rect">
-            <a:avLst/>
-          </a:prstGeom>
-          <a:noFill/>
-        </p:spPr>
-        <p:txBody>
-          <a:bodyPr wrap="square" rtlCol="0">
-            <a:spAutoFit/>
-          </a:bodyPr>
-          <a:lstStyle/>
-          <a:p>
-            <a:r>
-              <a:rPr lang="es-ES" sz="1400" b="1" i="1" dirty="0" smtClean="0">
-                <a:solidFill>
-                  <a:schemeClr val="tx1">
-                    <a:lumMod val="50000"/>
-                    <a:lumOff val="50000"/>
-                  </a:schemeClr>
-                </a:solidFill>
-                <a:latin typeface="Arial Narrow" pitchFamily="34" charset="0"/>
-              </a:rPr>
-              <a:t>Comp. </a:t>
-            </a:r>
-            <a:r>
-              <a:rPr lang="es-ES" sz="1400" b="1" i="1" dirty="0" err="1" smtClean="0">
-                <a:solidFill>
-                  <a:schemeClr val="tx1">
-                    <a:lumMod val="50000"/>
-                    <a:lumOff val="50000"/>
-                  </a:schemeClr>
-                </a:solidFill>
-                <a:latin typeface="Arial Narrow" pitchFamily="34" charset="0"/>
-              </a:rPr>
-              <a:t>Posturographic</a:t>
-            </a:r>
-            <a:r>
-              <a:rPr lang="es-ES" sz="1400" b="1" i="1" dirty="0" smtClean="0">
-                <a:solidFill>
-                  <a:schemeClr val="tx1">
-                    <a:lumMod val="50000"/>
-                    <a:lumOff val="50000"/>
-                  </a:schemeClr>
-                </a:solidFill>
-                <a:latin typeface="Arial Narrow" pitchFamily="34" charset="0"/>
-              </a:rPr>
-              <a:t> </a:t>
-            </a:r>
-            <a:r>
-              <a:rPr lang="es-ES" sz="1400" b="1" i="1" dirty="0" err="1" smtClean="0">
-                <a:solidFill>
-                  <a:schemeClr val="tx1">
-                    <a:lumMod val="50000"/>
-                    <a:lumOff val="50000"/>
-                  </a:schemeClr>
-                </a:solidFill>
-                <a:latin typeface="Arial Narrow" pitchFamily="34" charset="0"/>
-              </a:rPr>
-              <a:t>Body-Swad</a:t>
-            </a:r>
-            <a:r>
-              <a:rPr lang="es-ES" sz="1400" b="1" i="1" dirty="0" smtClean="0">
-                <a:solidFill>
-                  <a:schemeClr val="tx1">
-                    <a:lumMod val="50000"/>
-                    <a:lumOff val="50000"/>
-                  </a:schemeClr>
-                </a:solidFill>
-                <a:latin typeface="Arial Narrow" pitchFamily="34" charset="0"/>
-              </a:rPr>
-              <a:t> </a:t>
-            </a:r>
-            <a:r>
-              <a:rPr lang="es-ES" sz="1400" b="1" i="1" dirty="0" err="1" smtClean="0">
-                <a:solidFill>
-                  <a:schemeClr val="tx1">
-                    <a:lumMod val="50000"/>
-                    <a:lumOff val="50000"/>
-                  </a:schemeClr>
-                </a:solidFill>
-                <a:latin typeface="Arial Narrow" pitchFamily="34" charset="0"/>
-              </a:rPr>
-              <a:t>measurements</a:t>
-            </a:r>
-            <a:r>
-              <a:rPr lang="es-ES" sz="1400" b="1" i="1" dirty="0" smtClean="0">
-                <a:solidFill>
-                  <a:schemeClr val="tx1">
-                    <a:lumMod val="50000"/>
-                    <a:lumOff val="50000"/>
-                  </a:schemeClr>
-                </a:solidFill>
-                <a:latin typeface="Arial Narrow" pitchFamily="34" charset="0"/>
-              </a:rPr>
-              <a:t> </a:t>
-            </a:r>
-            <a:r>
-              <a:rPr lang="es-ES" sz="1400" b="1" i="1" dirty="0" err="1" smtClean="0">
-                <a:solidFill>
-                  <a:schemeClr val="tx1">
-                    <a:lumMod val="50000"/>
-                    <a:lumOff val="50000"/>
-                  </a:schemeClr>
-                </a:solidFill>
-                <a:latin typeface="Arial Narrow" pitchFamily="34" charset="0"/>
-              </a:rPr>
-              <a:t>with</a:t>
-            </a:r>
-            <a:r>
-              <a:rPr lang="es-ES" sz="1400" b="1" i="1" dirty="0" smtClean="0">
-                <a:solidFill>
-                  <a:schemeClr val="tx1">
-                    <a:lumMod val="50000"/>
-                    <a:lumOff val="50000"/>
-                  </a:schemeClr>
-                </a:solidFill>
-                <a:latin typeface="Arial Narrow" pitchFamily="34" charset="0"/>
-              </a:rPr>
-              <a:t> </a:t>
-            </a:r>
-            <a:r>
-              <a:rPr lang="es-ES" sz="1400" b="1" i="1" dirty="0" err="1" smtClean="0">
-                <a:solidFill>
-                  <a:schemeClr val="tx1">
-                    <a:lumMod val="50000"/>
-                    <a:lumOff val="50000"/>
-                  </a:schemeClr>
-                </a:solidFill>
-                <a:latin typeface="Arial Narrow" pitchFamily="34" charset="0"/>
-              </a:rPr>
-              <a:t>Inertail</a:t>
-            </a:r>
-            <a:r>
-              <a:rPr lang="es-ES" sz="1400" b="1" i="1" dirty="0" smtClean="0">
-                <a:solidFill>
-                  <a:schemeClr val="tx1">
-                    <a:lumMod val="50000"/>
-                    <a:lumOff val="50000"/>
-                  </a:schemeClr>
-                </a:solidFill>
-                <a:latin typeface="Arial Narrow" pitchFamily="34" charset="0"/>
-              </a:rPr>
-              <a:t> data in PD</a:t>
-            </a:r>
-            <a:endParaRPr lang="es-ES" sz="1400" b="1" i="1" dirty="0">
-              <a:solidFill>
-                <a:schemeClr val="tx1">
-                  <a:lumMod val="50000"/>
-                  <a:lumOff val="50000"/>
-                </a:schemeClr>
-              </a:solidFill>
-              <a:latin typeface="Arial Narrow" pitchFamily="34" charset="0"/>
-            </a:endParaRPr>
-          </a:p>
-        </p:txBody>
-      </p:sp>
       <p:pic>
         <p:nvPicPr>
           <p:cNvPr id="11" name="Picture 2"/>
@@ -27122,6 +26329,76 @@
           </a:extLst>
         </p:spPr>
       </p:pic>
+      <p:sp>
+        <p:nvSpPr>
+          <p:cNvPr id="3" name="2 Marcador de número de diapositiva"/>
+          <p:cNvSpPr>
+            <a:spLocks noGrp="1"/>
+          </p:cNvSpPr>
+          <p:nvPr>
+            <p:ph type="sldNum" sz="quarter" idx="12"/>
+          </p:nvPr>
+        </p:nvSpPr>
+        <p:spPr/>
+        <p:txBody>
+          <a:bodyPr/>
+          <a:lstStyle/>
+          <a:p>
+            <a:fld id="{F2D1D08B-C82B-420D-B57B-371E8E2125CA}" type="slidenum">
+              <a:rPr lang="es-ES" smtClean="0"/>
+              <a:t>21</a:t>
+            </a:fld>
+            <a:endParaRPr lang="es-ES"/>
+          </a:p>
+        </p:txBody>
+      </p:sp>
+      <p:sp>
+        <p:nvSpPr>
+          <p:cNvPr id="15" name="14 CuadroTexto"/>
+          <p:cNvSpPr txBox="1"/>
+          <p:nvPr/>
+        </p:nvSpPr>
+        <p:spPr>
+          <a:xfrm>
+            <a:off x="1331640" y="6365927"/>
+            <a:ext cx="5328592" cy="369332"/>
+          </a:xfrm>
+          <a:prstGeom prst="rect">
+            <a:avLst/>
+          </a:prstGeom>
+          <a:noFill/>
+        </p:spPr>
+        <p:txBody>
+          <a:bodyPr wrap="square" rtlCol="0">
+            <a:spAutoFit/>
+          </a:bodyPr>
+          <a:lstStyle/>
+          <a:p>
+            <a:pPr algn="ctr"/>
+            <a:r>
+              <a:rPr lang="es-ES" b="1" i="1" dirty="0" smtClean="0">
+                <a:solidFill>
+                  <a:schemeClr val="tx1">
+                    <a:lumMod val="50000"/>
+                    <a:lumOff val="50000"/>
+                  </a:schemeClr>
+                </a:solidFill>
+                <a:latin typeface="Arial Narrow" pitchFamily="34" charset="0"/>
+              </a:rPr>
+              <a:t>21</a:t>
+            </a:r>
+            <a:endParaRPr lang="es-ES" b="1" i="1" dirty="0">
+              <a:solidFill>
+                <a:schemeClr val="tx1">
+                  <a:lumMod val="50000"/>
+                  <a:lumOff val="50000"/>
+                </a:schemeClr>
+              </a:solidFill>
+              <a:latin typeface="Arial Narrow" pitchFamily="34" charset="0"/>
+            </a:endParaRPr>
+          </a:p>
+        </p:txBody>
+      </p:sp>
     </p:spTree>
     <p:extLst>
       <p:ext uri="{BB962C8B-B14F-4D97-AF65-F5344CB8AC3E}">
@@ -27581,172 +26858,6 @@
           </a:p>
         </p:txBody>
       </p:sp>
-      <p:sp>
-        <p:nvSpPr>
-          <p:cNvPr id="10" name="9 CuadroTexto"/>
-          <p:cNvSpPr txBox="1"/>
-          <p:nvPr/>
-        </p:nvSpPr>
-        <p:spPr>
-          <a:xfrm>
-            <a:off x="1331640" y="6365927"/>
-            <a:ext cx="5328592" cy="307777"/>
-          </a:xfrm>
-          <a:prstGeom prst="rect">
-            <a:avLst/>
-          </a:prstGeom>
-          <a:noFill/>
-        </p:spPr>
-        <p:txBody>
-          <a:bodyPr wrap="square" rtlCol="0">
-            <a:spAutoFit/>
-          </a:bodyPr>
-          <a:lstStyle/>
-          <a:p>
-            <a:r>
-              <a:rPr lang="es-ES" sz="1400" b="1" i="1" dirty="0" smtClean="0">
-                <a:solidFill>
-                  <a:schemeClr val="tx1">
-                    <a:lumMod val="50000"/>
-                    <a:lumOff val="50000"/>
-                  </a:schemeClr>
-                </a:solidFill>
-                <a:latin typeface="Arial Narrow" pitchFamily="34" charset="0"/>
-              </a:rPr>
-              <a:t>Comp. </a:t>
-            </a:r>
-            <a:r>
-              <a:rPr lang="es-ES" sz="1400" b="1" i="1" dirty="0" err="1" smtClean="0">
-                <a:solidFill>
-                  <a:schemeClr val="tx1">
-                    <a:lumMod val="50000"/>
-                    <a:lumOff val="50000"/>
-                  </a:schemeClr>
-                </a:solidFill>
-                <a:latin typeface="Arial Narrow" pitchFamily="34" charset="0"/>
-              </a:rPr>
-              <a:t>Posturographic</a:t>
-            </a:r>
-            <a:r>
-              <a:rPr lang="es-ES" sz="1400" b="1" i="1" dirty="0" smtClean="0">
-                <a:solidFill>
-                  <a:schemeClr val="tx1">
-                    <a:lumMod val="50000"/>
-                    <a:lumOff val="50000"/>
-                  </a:schemeClr>
-                </a:solidFill>
-                <a:latin typeface="Arial Narrow" pitchFamily="34" charset="0"/>
-              </a:rPr>
-              <a:t> </a:t>
-            </a:r>
-            <a:r>
-              <a:rPr lang="es-ES" sz="1400" b="1" i="1" dirty="0" err="1" smtClean="0">
-                <a:solidFill>
-                  <a:schemeClr val="tx1">
-                    <a:lumMod val="50000"/>
-                    <a:lumOff val="50000"/>
-                  </a:schemeClr>
-                </a:solidFill>
-                <a:latin typeface="Arial Narrow" pitchFamily="34" charset="0"/>
-              </a:rPr>
-              <a:t>Body-Swad</a:t>
-            </a:r>
-            <a:r>
-              <a:rPr lang="es-ES" sz="1400" b="1" i="1" dirty="0" smtClean="0">
-                <a:solidFill>
-                  <a:schemeClr val="tx1">
-                    <a:lumMod val="50000"/>
-                    <a:lumOff val="50000"/>
-                  </a:schemeClr>
-                </a:solidFill>
-                <a:latin typeface="Arial Narrow" pitchFamily="34" charset="0"/>
-              </a:rPr>
-              <a:t> </a:t>
-            </a:r>
-            <a:r>
-              <a:rPr lang="es-ES" sz="1400" b="1" i="1" dirty="0" err="1" smtClean="0">
-                <a:solidFill>
-                  <a:schemeClr val="tx1">
-                    <a:lumMod val="50000"/>
-                    <a:lumOff val="50000"/>
-                  </a:schemeClr>
-                </a:solidFill>
-                <a:latin typeface="Arial Narrow" pitchFamily="34" charset="0"/>
-              </a:rPr>
-              <a:t>measurements</a:t>
-            </a:r>
-            <a:r>
-              <a:rPr lang="es-ES" sz="1400" b="1" i="1" dirty="0" smtClean="0">
-                <a:solidFill>
-                  <a:schemeClr val="tx1">
-                    <a:lumMod val="50000"/>
-                    <a:lumOff val="50000"/>
-                  </a:schemeClr>
-                </a:solidFill>
-                <a:latin typeface="Arial Narrow" pitchFamily="34" charset="0"/>
-              </a:rPr>
-              <a:t> </a:t>
-            </a:r>
-            <a:r>
-              <a:rPr lang="es-ES" sz="1400" b="1" i="1" dirty="0" err="1" smtClean="0">
-                <a:solidFill>
-                  <a:schemeClr val="tx1">
-                    <a:lumMod val="50000"/>
-                    <a:lumOff val="50000"/>
-                  </a:schemeClr>
-                </a:solidFill>
-                <a:latin typeface="Arial Narrow" pitchFamily="34" charset="0"/>
-              </a:rPr>
-              <a:t>with</a:t>
-            </a:r>
-            <a:r>
-              <a:rPr lang="es-ES" sz="1400" b="1" i="1" dirty="0" smtClean="0">
-                <a:solidFill>
-                  <a:schemeClr val="tx1">
-                    <a:lumMod val="50000"/>
-                    <a:lumOff val="50000"/>
-                  </a:schemeClr>
-                </a:solidFill>
-                <a:latin typeface="Arial Narrow" pitchFamily="34" charset="0"/>
-              </a:rPr>
-              <a:t> </a:t>
-            </a:r>
-            <a:r>
-              <a:rPr lang="es-ES" sz="1400" b="1" i="1" dirty="0" err="1" smtClean="0">
-                <a:solidFill>
-                  <a:schemeClr val="tx1">
-                    <a:lumMod val="50000"/>
-                    <a:lumOff val="50000"/>
-                  </a:schemeClr>
-                </a:solidFill>
-                <a:latin typeface="Arial Narrow" pitchFamily="34" charset="0"/>
-              </a:rPr>
-              <a:t>Inertail</a:t>
-            </a:r>
-            <a:r>
-              <a:rPr lang="es-ES" sz="1400" b="1" i="1" dirty="0" smtClean="0">
-                <a:solidFill>
-                  <a:schemeClr val="tx1">
-                    <a:lumMod val="50000"/>
-                    <a:lumOff val="50000"/>
-                  </a:schemeClr>
-                </a:solidFill>
-                <a:latin typeface="Arial Narrow" pitchFamily="34" charset="0"/>
-              </a:rPr>
-              <a:t> data in PD</a:t>
-            </a:r>
-            <a:endParaRPr lang="es-ES" sz="1400" b="1" i="1" dirty="0">
-              <a:solidFill>
-                <a:schemeClr val="tx1">
-                  <a:lumMod val="50000"/>
-                  <a:lumOff val="50000"/>
-                </a:schemeClr>
-              </a:solidFill>
-              <a:latin typeface="Arial Narrow" pitchFamily="34" charset="0"/>
-            </a:endParaRPr>
-          </a:p>
-        </p:txBody>
-      </p:sp>
       <p:pic>
         <p:nvPicPr>
           <p:cNvPr id="11" name="Picture 2"/>
@@ -28187,70 +27298,228 @@
           </a:extLst>
         </p:spPr>
       </p:pic>
-      <p:pic>
-        <p:nvPicPr>
-          <p:cNvPr id="5123" name="Picture 3"/>
-          <p:cNvPicPr>
-            <a:picLocks noChangeAspect="1" noChangeArrowheads="1"/>
-          </p:cNvPicPr>
+      <mc:AlternateContent xmlns:mc="http://schemas.openxmlformats.org/markup-compatibility/2006">
+        <mc:Choice xmlns:a14="http://schemas.microsoft.com/office/drawing/2010/main" Requires="a14">
+          <p:sp>
+            <p:nvSpPr>
+              <p:cNvPr id="2" name="1 CuadroTexto"/>
+              <p:cNvSpPr txBox="1"/>
+              <p:nvPr/>
+            </p:nvSpPr>
+            <p:spPr>
+              <a:xfrm>
+                <a:off x="2411760" y="4948130"/>
+                <a:ext cx="1699376" cy="566694"/>
+              </a:xfrm>
+              <a:prstGeom prst="rect">
+                <a:avLst/>
+              </a:prstGeom>
+              <a:noFill/>
+            </p:spPr>
+            <p:txBody>
+              <a:bodyPr wrap="none" rtlCol="0">
+                <a:spAutoFit/>
+              </a:bodyPr>
+              <a:lstStyle/>
+              <a:p>
+                <a14:m>
+                  <m:oMathPara xmlns:m="http://schemas.openxmlformats.org/officeDocument/2006/math">
+                    <m:oMathParaPr>
+                      <m:jc m:val="centerGroup"/>
+                    </m:oMathParaPr>
+                    <m:oMath xmlns:m="http://schemas.openxmlformats.org/officeDocument/2006/math">
+                      <m:sSub>
+                        <m:sSubPr>
+                          <m:ctrlPr>
+                            <a:rPr lang="es-ES" i="1" smtClean="0">
+                              <a:latin typeface="Cambria Math"/>
+                            </a:rPr>
+                          </m:ctrlPr>
+                        </m:sSubPr>
+                        <m:e>
+                          <m:r>
+                            <a:rPr lang="es-ES" i="1" smtClean="0">
+                              <a:latin typeface="Cambria Math"/>
+                              <a:ea typeface="Cambria Math"/>
+                            </a:rPr>
+                            <m:t>𝜗</m:t>
+                          </m:r>
+                        </m:e>
+                        <m:sub>
+                          <m:r>
+                            <a:rPr lang="es-ES" b="0" i="1" smtClean="0">
+                              <a:latin typeface="Cambria Math"/>
+                            </a:rPr>
+                            <m:t>𝑄𝑆</m:t>
+                          </m:r>
+                        </m:sub>
+                      </m:sSub>
+                      <m:r>
+                        <a:rPr lang="es-ES" i="1" smtClean="0">
+                          <a:latin typeface="Cambria Math"/>
+                        </a:rPr>
+                        <m:t>=</m:t>
+                      </m:r>
+                      <m:r>
+                        <a:rPr lang="es-ES" b="0" i="1" smtClean="0">
+                          <a:latin typeface="Cambria Math"/>
+                        </a:rPr>
+                        <m:t>𝑎𝑡𝑎𝑛</m:t>
+                      </m:r>
+                      <m:r>
+                        <a:rPr lang="es-ES" b="0" i="1" smtClean="0">
+                          <a:latin typeface="Cambria Math"/>
+                        </a:rPr>
+                        <m:t>(</m:t>
+                      </m:r>
+                      <m:f>
+                        <m:fPr>
+                          <m:ctrlPr>
+                            <a:rPr lang="es-ES" i="1" dirty="0" smtClean="0">
+                              <a:latin typeface="Cambria Math"/>
+                            </a:rPr>
+                          </m:ctrlPr>
+                        </m:fPr>
+                        <m:num>
+                          <m:r>
+                            <a:rPr lang="es-ES" b="0" i="1" dirty="0" smtClean="0">
+                              <a:latin typeface="Cambria Math"/>
+                            </a:rPr>
+                            <m:t>𝑎</m:t>
+                          </m:r>
+                        </m:num>
+                        <m:den>
+                          <m:r>
+                            <a:rPr lang="es-ES" b="0" i="1" dirty="0" smtClean="0">
+                              <a:latin typeface="Cambria Math"/>
+                            </a:rPr>
+                            <m:t>𝑏</m:t>
+                          </m:r>
+                        </m:den>
+                      </m:f>
+                      <m:r>
+                        <a:rPr lang="es-ES" b="0" i="1" smtClean="0">
+                          <a:latin typeface="Cambria Math"/>
+                        </a:rPr>
+                        <m:t>)</m:t>
+                      </m:r>
+                    </m:oMath>
+                  </m:oMathPara>
+                </a14:m>
+                <a:endParaRPr lang="es-ES" dirty="0"/>
+              </a:p>
+            </p:txBody>
+          </p:sp>
+        </mc:Choice>
+        <mc:Fallback>
+          <p:sp>
+            <p:nvSpPr>
+              <p:cNvPr id="2" name="1 CuadroTexto"/>
+              <p:cNvSpPr txBox="1">
+                <a:spLocks noRot="1" noChangeAspect="1" noMove="1" noResize="1" noEditPoints="1" noAdjustHandles="1" noChangeArrowheads="1" noChangeShapeType="1" noTextEdit="1"/>
+              </p:cNvSpPr>
+              <p:nvPr/>
+            </p:nvSpPr>
+            <p:spPr>
+              <a:xfrm>
+                <a:off x="2411760" y="4948130"/>
+                <a:ext cx="1699376" cy="566694"/>
+              </a:xfrm>
+              <a:prstGeom prst="rect">
+                <a:avLst/>
+              </a:prstGeom>
+              <a:blipFill rotWithShape="1">
+                <a:blip r:embed="rId5"/>
+                <a:stretch>
+                  <a:fillRect/>
+                </a:stretch>
+              </a:blipFill>
+            </p:spPr>
+            <p:txBody>
+              <a:bodyPr/>
+              <a:lstStyle/>
+              <a:p>
+                <a:r>
+                  <a:rPr lang="es-ES">
+                    <a:noFill/>
+                  </a:rPr>
+                  <a:t> </a:t>
+                </a:r>
+              </a:p>
+            </p:txBody>
+          </p:sp>
+        </mc:Fallback>
+      </mc:AlternateContent>
+      <p:sp>
+        <p:nvSpPr>
+          <p:cNvPr id="4" name="3 Marcador de número de diapositiva"/>
+          <p:cNvSpPr>
+            <a:spLocks noGrp="1"/>
+          </p:cNvSpPr>
+          <p:nvPr>
+            <p:ph type="sldNum" sz="quarter" idx="12"/>
+          </p:nvPr>
+        </p:nvSpPr>
+        <p:spPr/>
+        <p:txBody>
+          <a:bodyPr/>
+          <a:lstStyle/>
+          <a:p>
+            <a:fld id="{F2D1D08B-C82B-420D-B57B-371E8E2125CA}" type="slidenum">
+              <a:rPr lang="es-ES" smtClean="0"/>
+              <a:t>22</a:t>
+            </a:fld>
+            <a:endParaRPr lang="es-ES"/>
+          </a:p>
+        </p:txBody>
+      </p:sp>
+      <p:sp>
+        <p:nvSpPr>
+          <p:cNvPr id="19" name="18 CuadroTexto"/>
+          <p:cNvSpPr txBox="1"/>
           <p:nvPr/>
-        </p:nvPicPr>
-        <p:blipFill>
-          <a:blip r:embed="rId5">
-            <a:extLst>
-              <a:ext uri="{28A0092B-C50C-407E-A947-70E740481C1C}">
-                <a14:useLocalDpi xmlns:a14="http://schemas.microsoft.com/office/drawing/2010/main" val="0"/>
-              </a:ext>
-            </a:extLst>
-          </a:blip>
-          <a:srcRect/>
-          <a:stretch>
-            <a:fillRect/>
-          </a:stretch>
-        </p:blipFill>
-        <p:spPr bwMode="auto">
+        </p:nvSpPr>
+        <p:spPr>
           <a:xfrm>
-            <a:off x="2267744" y="4969197"/>
-            <a:ext cx="1943100" cy="619125"/>
+            <a:off x="1331640" y="6365927"/>
+            <a:ext cx="5328592" cy="369332"/>
           </a:xfrm>
           <a:prstGeom prst="rect">
             <a:avLst/>
           </a:prstGeom>
           <a:noFill/>
-          <a:ln>
-            <a:noFill/>
-          </a:ln>
-          <a:effectLst/>
-          <a:extLst>
-            <a:ext uri="{909E8E84-426E-40DD-AFC4-6F175D3DCCD1}">
-              <a14:hiddenFill xmlns:a14="http://schemas.microsoft.com/office/drawing/2010/main">
-                <a:solidFill>
-                  <a:schemeClr val="accent1"/>
-                </a:solidFill>
-              </a14:hiddenFill>
-            </a:ext>
-            <a:ext uri="{91240B29-F687-4F45-9708-019B960494DF}">
-              <a14:hiddenLine xmlns:a14="http://schemas.microsoft.com/office/drawing/2010/main" w="9525">
-                <a:solidFill>
-                  <a:schemeClr val="tx1"/>
-                </a:solidFill>
-                <a:miter lim="800000"/>
-                <a:headEnd/>
-                <a:tailEnd/>
-              </a14:hiddenLine>
-            </a:ext>
-            <a:ext uri="{AF507438-7753-43E0-B8FC-AC1667EBCBE1}">
-              <a14:hiddenEffects xmlns:a14="http://schemas.microsoft.com/office/drawing/2010/main">
-                <a:effectLst>
-                  <a:outerShdw dist="35921" dir="2700000" algn="ctr" rotWithShape="0">
-                    <a:schemeClr val="bg2"/>
-                  </a:outerShdw>
-                </a:effectLst>
-              </a14:hiddenEffects>
-            </a:ext>
-          </a:extLst>
         </p:spPr>
-      </p:pic>
+        <p:txBody>
+          <a:bodyPr wrap="square" rtlCol="0">
+            <a:spAutoFit/>
+          </a:bodyPr>
+          <a:lstStyle/>
+          <a:p>
+            <a:pPr algn="ctr"/>
+            <a:r>
+              <a:rPr lang="es-ES" b="1" i="1" dirty="0" smtClean="0">
+                <a:solidFill>
+                  <a:schemeClr val="tx1">
+                    <a:lumMod val="50000"/>
+                    <a:lumOff val="50000"/>
+                  </a:schemeClr>
+                </a:solidFill>
+                <a:latin typeface="Arial Narrow" pitchFamily="34" charset="0"/>
+              </a:rPr>
+              <a:t>22</a:t>
+            </a:r>
+            <a:endParaRPr lang="es-ES" b="1" i="1" dirty="0">
+              <a:solidFill>
+                <a:schemeClr val="tx1">
+                  <a:lumMod val="50000"/>
+                  <a:lumOff val="50000"/>
+                </a:schemeClr>
+              </a:solidFill>
+              <a:latin typeface="Arial Narrow" pitchFamily="34" charset="0"/>
+            </a:endParaRPr>
+          </a:p>
+        </p:txBody>
+      </p:sp>
     </p:spTree>
     <p:extLst>
       <p:ext uri="{BB962C8B-B14F-4D97-AF65-F5344CB8AC3E}">
@@ -28588,172 +27857,6 @@
           </a:p>
         </p:txBody>
       </p:sp>
-      <p:sp>
-        <p:nvSpPr>
-          <p:cNvPr id="10" name="9 CuadroTexto"/>
-          <p:cNvSpPr txBox="1"/>
-          <p:nvPr/>
-        </p:nvSpPr>
-        <p:spPr>
-          <a:xfrm>
-            <a:off x="1331640" y="6365927"/>
-            <a:ext cx="5328592" cy="307777"/>
-          </a:xfrm>
-          <a:prstGeom prst="rect">
-            <a:avLst/>
-          </a:prstGeom>
-          <a:noFill/>
-        </p:spPr>
-        <p:txBody>
-          <a:bodyPr wrap="square" rtlCol="0">
-            <a:spAutoFit/>
-          </a:bodyPr>
-          <a:lstStyle/>
-          <a:p>
-            <a:r>
-              <a:rPr lang="es-ES" sz="1400" b="1" i="1" dirty="0" smtClean="0">
-                <a:solidFill>
-                  <a:schemeClr val="tx1">
-                    <a:lumMod val="50000"/>
-                    <a:lumOff val="50000"/>
-                  </a:schemeClr>
-                </a:solidFill>
-                <a:latin typeface="Arial Narrow" pitchFamily="34" charset="0"/>
-              </a:rPr>
-              <a:t>Comp. </a:t>
-            </a:r>
-            <a:r>
-              <a:rPr lang="es-ES" sz="1400" b="1" i="1" dirty="0" err="1" smtClean="0">
-                <a:solidFill>
-                  <a:schemeClr val="tx1">
-                    <a:lumMod val="50000"/>
-                    <a:lumOff val="50000"/>
-                  </a:schemeClr>
-                </a:solidFill>
-                <a:latin typeface="Arial Narrow" pitchFamily="34" charset="0"/>
-              </a:rPr>
-              <a:t>Posturographic</a:t>
-            </a:r>
-            <a:r>
-              <a:rPr lang="es-ES" sz="1400" b="1" i="1" dirty="0" smtClean="0">
-                <a:solidFill>
-                  <a:schemeClr val="tx1">
-                    <a:lumMod val="50000"/>
-                    <a:lumOff val="50000"/>
-                  </a:schemeClr>
-                </a:solidFill>
-                <a:latin typeface="Arial Narrow" pitchFamily="34" charset="0"/>
-              </a:rPr>
-              <a:t> </a:t>
-            </a:r>
-            <a:r>
-              <a:rPr lang="es-ES" sz="1400" b="1" i="1" dirty="0" err="1" smtClean="0">
-                <a:solidFill>
-                  <a:schemeClr val="tx1">
-                    <a:lumMod val="50000"/>
-                    <a:lumOff val="50000"/>
-                  </a:schemeClr>
-                </a:solidFill>
-                <a:latin typeface="Arial Narrow" pitchFamily="34" charset="0"/>
-              </a:rPr>
-              <a:t>Body-Swad</a:t>
-            </a:r>
-            <a:r>
-              <a:rPr lang="es-ES" sz="1400" b="1" i="1" dirty="0" smtClean="0">
-                <a:solidFill>
-                  <a:schemeClr val="tx1">
-                    <a:lumMod val="50000"/>
-                    <a:lumOff val="50000"/>
-                  </a:schemeClr>
-                </a:solidFill>
-                <a:latin typeface="Arial Narrow" pitchFamily="34" charset="0"/>
-              </a:rPr>
-              <a:t> </a:t>
-            </a:r>
-            <a:r>
-              <a:rPr lang="es-ES" sz="1400" b="1" i="1" dirty="0" err="1" smtClean="0">
-                <a:solidFill>
-                  <a:schemeClr val="tx1">
-                    <a:lumMod val="50000"/>
-                    <a:lumOff val="50000"/>
-                  </a:schemeClr>
-                </a:solidFill>
-                <a:latin typeface="Arial Narrow" pitchFamily="34" charset="0"/>
-              </a:rPr>
-              <a:t>measurements</a:t>
-            </a:r>
-            <a:r>
-              <a:rPr lang="es-ES" sz="1400" b="1" i="1" dirty="0" smtClean="0">
-                <a:solidFill>
-                  <a:schemeClr val="tx1">
-                    <a:lumMod val="50000"/>
-                    <a:lumOff val="50000"/>
-                  </a:schemeClr>
-                </a:solidFill>
-                <a:latin typeface="Arial Narrow" pitchFamily="34" charset="0"/>
-              </a:rPr>
-              <a:t> </a:t>
-            </a:r>
-            <a:r>
-              <a:rPr lang="es-ES" sz="1400" b="1" i="1" dirty="0" err="1" smtClean="0">
-                <a:solidFill>
-                  <a:schemeClr val="tx1">
-                    <a:lumMod val="50000"/>
-                    <a:lumOff val="50000"/>
-                  </a:schemeClr>
-                </a:solidFill>
-                <a:latin typeface="Arial Narrow" pitchFamily="34" charset="0"/>
-              </a:rPr>
-              <a:t>with</a:t>
-            </a:r>
-            <a:r>
-              <a:rPr lang="es-ES" sz="1400" b="1" i="1" dirty="0" smtClean="0">
-                <a:solidFill>
-                  <a:schemeClr val="tx1">
-                    <a:lumMod val="50000"/>
-                    <a:lumOff val="50000"/>
-                  </a:schemeClr>
-                </a:solidFill>
-                <a:latin typeface="Arial Narrow" pitchFamily="34" charset="0"/>
-              </a:rPr>
-              <a:t> </a:t>
-            </a:r>
-            <a:r>
-              <a:rPr lang="es-ES" sz="1400" b="1" i="1" dirty="0" err="1" smtClean="0">
-                <a:solidFill>
-                  <a:schemeClr val="tx1">
-                    <a:lumMod val="50000"/>
-                    <a:lumOff val="50000"/>
-                  </a:schemeClr>
-                </a:solidFill>
-                <a:latin typeface="Arial Narrow" pitchFamily="34" charset="0"/>
-              </a:rPr>
-              <a:t>Inertail</a:t>
-            </a:r>
-            <a:r>
-              <a:rPr lang="es-ES" sz="1400" b="1" i="1" dirty="0" smtClean="0">
-                <a:solidFill>
-                  <a:schemeClr val="tx1">
-                    <a:lumMod val="50000"/>
-                    <a:lumOff val="50000"/>
-                  </a:schemeClr>
-                </a:solidFill>
-                <a:latin typeface="Arial Narrow" pitchFamily="34" charset="0"/>
-              </a:rPr>
-              <a:t> data in PD</a:t>
-            </a:r>
-            <a:endParaRPr lang="es-ES" sz="1400" b="1" i="1" dirty="0">
-              <a:solidFill>
-                <a:schemeClr val="tx1">
-                  <a:lumMod val="50000"/>
-                  <a:lumOff val="50000"/>
-                </a:schemeClr>
-              </a:solidFill>
-              <a:latin typeface="Arial Narrow" pitchFamily="34" charset="0"/>
-            </a:endParaRPr>
-          </a:p>
-        </p:txBody>
-      </p:sp>
       <p:pic>
         <p:nvPicPr>
           <p:cNvPr id="11" name="Picture 2"/>
@@ -29059,6 +28162,76 @@
           </a:extLst>
         </p:spPr>
       </p:pic>
+      <p:sp>
+        <p:nvSpPr>
+          <p:cNvPr id="3" name="2 Marcador de número de diapositiva"/>
+          <p:cNvSpPr>
+            <a:spLocks noGrp="1"/>
+          </p:cNvSpPr>
+          <p:nvPr>
+            <p:ph type="sldNum" sz="quarter" idx="12"/>
+          </p:nvPr>
+        </p:nvSpPr>
+        <p:spPr/>
+        <p:txBody>
+          <a:bodyPr/>
+          <a:lstStyle/>
+          <a:p>
+            <a:fld id="{F2D1D08B-C82B-420D-B57B-371E8E2125CA}" type="slidenum">
+              <a:rPr lang="es-ES" smtClean="0"/>
+              <a:t>23</a:t>
+            </a:fld>
+            <a:endParaRPr lang="es-ES"/>
+          </a:p>
+        </p:txBody>
+      </p:sp>
+      <p:sp>
+        <p:nvSpPr>
+          <p:cNvPr id="15" name="14 CuadroTexto"/>
+          <p:cNvSpPr txBox="1"/>
+          <p:nvPr/>
+        </p:nvSpPr>
+        <p:spPr>
+          <a:xfrm>
+            <a:off x="1331640" y="6365927"/>
+            <a:ext cx="5328592" cy="369332"/>
+          </a:xfrm>
+          <a:prstGeom prst="rect">
+            <a:avLst/>
+          </a:prstGeom>
+          <a:noFill/>
+        </p:spPr>
+        <p:txBody>
+          <a:bodyPr wrap="square" rtlCol="0">
+            <a:spAutoFit/>
+          </a:bodyPr>
+          <a:lstStyle/>
+          <a:p>
+            <a:pPr algn="ctr"/>
+            <a:r>
+              <a:rPr lang="es-ES" b="1" i="1" dirty="0" smtClean="0">
+                <a:solidFill>
+                  <a:schemeClr val="tx1">
+                    <a:lumMod val="50000"/>
+                    <a:lumOff val="50000"/>
+                  </a:schemeClr>
+                </a:solidFill>
+                <a:latin typeface="Arial Narrow" pitchFamily="34" charset="0"/>
+              </a:rPr>
+              <a:t>23</a:t>
+            </a:r>
+            <a:endParaRPr lang="es-ES" b="1" i="1" dirty="0">
+              <a:solidFill>
+                <a:schemeClr val="tx1">
+                  <a:lumMod val="50000"/>
+                  <a:lumOff val="50000"/>
+                </a:schemeClr>
+              </a:solidFill>
+              <a:latin typeface="Arial Narrow" pitchFamily="34" charset="0"/>
+            </a:endParaRPr>
+          </a:p>
+        </p:txBody>
+      </p:sp>
     </p:spTree>
     <p:extLst>
       <p:ext uri="{BB962C8B-B14F-4D97-AF65-F5344CB8AC3E}">
@@ -29518,172 +28691,6 @@
           </a:p>
         </p:txBody>
       </p:sp>
-      <p:sp>
-        <p:nvSpPr>
-          <p:cNvPr id="10" name="9 CuadroTexto"/>
-          <p:cNvSpPr txBox="1"/>
-          <p:nvPr/>
-        </p:nvSpPr>
-        <p:spPr>
-          <a:xfrm>
-            <a:off x="1331640" y="6365927"/>
-            <a:ext cx="5328592" cy="307777"/>
-          </a:xfrm>
-          <a:prstGeom prst="rect">
-            <a:avLst/>
-          </a:prstGeom>
-          <a:noFill/>
-        </p:spPr>
-        <p:txBody>
-          <a:bodyPr wrap="square" rtlCol="0">
-            <a:spAutoFit/>
-          </a:bodyPr>
-          <a:lstStyle/>
-          <a:p>
-            <a:r>
-              <a:rPr lang="es-ES" sz="1400" b="1" i="1" dirty="0" smtClean="0">
-                <a:solidFill>
-                  <a:schemeClr val="tx1">
-                    <a:lumMod val="50000"/>
-                    <a:lumOff val="50000"/>
-                  </a:schemeClr>
-                </a:solidFill>
-                <a:latin typeface="Arial Narrow" pitchFamily="34" charset="0"/>
-              </a:rPr>
-              <a:t>Comp. </a:t>
-            </a:r>
-            <a:r>
-              <a:rPr lang="es-ES" sz="1400" b="1" i="1" dirty="0" err="1" smtClean="0">
-                <a:solidFill>
-                  <a:schemeClr val="tx1">
-                    <a:lumMod val="50000"/>
-                    <a:lumOff val="50000"/>
-                  </a:schemeClr>
-                </a:solidFill>
-                <a:latin typeface="Arial Narrow" pitchFamily="34" charset="0"/>
-              </a:rPr>
-              <a:t>Posturographic</a:t>
-            </a:r>
-            <a:r>
-              <a:rPr lang="es-ES" sz="1400" b="1" i="1" dirty="0" smtClean="0">
-                <a:solidFill>
-                  <a:schemeClr val="tx1">
-                    <a:lumMod val="50000"/>
-                    <a:lumOff val="50000"/>
-                  </a:schemeClr>
-                </a:solidFill>
-                <a:latin typeface="Arial Narrow" pitchFamily="34" charset="0"/>
-              </a:rPr>
-              <a:t> </a:t>
-            </a:r>
-            <a:r>
-              <a:rPr lang="es-ES" sz="1400" b="1" i="1" dirty="0" err="1" smtClean="0">
-                <a:solidFill>
-                  <a:schemeClr val="tx1">
-                    <a:lumMod val="50000"/>
-                    <a:lumOff val="50000"/>
-                  </a:schemeClr>
-                </a:solidFill>
-                <a:latin typeface="Arial Narrow" pitchFamily="34" charset="0"/>
-              </a:rPr>
-              <a:t>Body-Swad</a:t>
-            </a:r>
-            <a:r>
-              <a:rPr lang="es-ES" sz="1400" b="1" i="1" dirty="0" smtClean="0">
-                <a:solidFill>
-                  <a:schemeClr val="tx1">
-                    <a:lumMod val="50000"/>
-                    <a:lumOff val="50000"/>
-                  </a:schemeClr>
-                </a:solidFill>
-                <a:latin typeface="Arial Narrow" pitchFamily="34" charset="0"/>
-              </a:rPr>
-              <a:t> </a:t>
-            </a:r>
-            <a:r>
-              <a:rPr lang="es-ES" sz="1400" b="1" i="1" dirty="0" err="1" smtClean="0">
-                <a:solidFill>
-                  <a:schemeClr val="tx1">
-                    <a:lumMod val="50000"/>
-                    <a:lumOff val="50000"/>
-                  </a:schemeClr>
-                </a:solidFill>
-                <a:latin typeface="Arial Narrow" pitchFamily="34" charset="0"/>
-              </a:rPr>
-              <a:t>measurements</a:t>
-            </a:r>
-            <a:r>
-              <a:rPr lang="es-ES" sz="1400" b="1" i="1" dirty="0" smtClean="0">
-                <a:solidFill>
-                  <a:schemeClr val="tx1">
-                    <a:lumMod val="50000"/>
-                    <a:lumOff val="50000"/>
-                  </a:schemeClr>
-                </a:solidFill>
-                <a:latin typeface="Arial Narrow" pitchFamily="34" charset="0"/>
-              </a:rPr>
-              <a:t> </a:t>
-            </a:r>
-            <a:r>
-              <a:rPr lang="es-ES" sz="1400" b="1" i="1" dirty="0" err="1" smtClean="0">
-                <a:solidFill>
-                  <a:schemeClr val="tx1">
-                    <a:lumMod val="50000"/>
-                    <a:lumOff val="50000"/>
-                  </a:schemeClr>
-                </a:solidFill>
-                <a:latin typeface="Arial Narrow" pitchFamily="34" charset="0"/>
-              </a:rPr>
-              <a:t>with</a:t>
-            </a:r>
-            <a:r>
-              <a:rPr lang="es-ES" sz="1400" b="1" i="1" dirty="0" smtClean="0">
-                <a:solidFill>
-                  <a:schemeClr val="tx1">
-                    <a:lumMod val="50000"/>
-                    <a:lumOff val="50000"/>
-                  </a:schemeClr>
-                </a:solidFill>
-                <a:latin typeface="Arial Narrow" pitchFamily="34" charset="0"/>
-              </a:rPr>
-              <a:t> </a:t>
-            </a:r>
-            <a:r>
-              <a:rPr lang="es-ES" sz="1400" b="1" i="1" dirty="0" err="1" smtClean="0">
-                <a:solidFill>
-                  <a:schemeClr val="tx1">
-                    <a:lumMod val="50000"/>
-                    <a:lumOff val="50000"/>
-                  </a:schemeClr>
-                </a:solidFill>
-                <a:latin typeface="Arial Narrow" pitchFamily="34" charset="0"/>
-              </a:rPr>
-              <a:t>Inertail</a:t>
-            </a:r>
-            <a:r>
-              <a:rPr lang="es-ES" sz="1400" b="1" i="1" dirty="0" smtClean="0">
-                <a:solidFill>
-                  <a:schemeClr val="tx1">
-                    <a:lumMod val="50000"/>
-                    <a:lumOff val="50000"/>
-                  </a:schemeClr>
-                </a:solidFill>
-                <a:latin typeface="Arial Narrow" pitchFamily="34" charset="0"/>
-              </a:rPr>
-              <a:t> data in PD</a:t>
-            </a:r>
-            <a:endParaRPr lang="es-ES" sz="1400" b="1" i="1" dirty="0">
-              <a:solidFill>
-                <a:schemeClr val="tx1">
-                  <a:lumMod val="50000"/>
-                  <a:lumOff val="50000"/>
-                </a:schemeClr>
-              </a:solidFill>
-              <a:latin typeface="Arial Narrow" pitchFamily="34" charset="0"/>
-            </a:endParaRPr>
-          </a:p>
-        </p:txBody>
-      </p:sp>
       <p:pic>
         <p:nvPicPr>
           <p:cNvPr id="11" name="Picture 2"/>
@@ -29947,6 +28954,76 @@
           </a:graphicData>
         </a:graphic>
       </p:graphicFrame>
+      <p:sp>
+        <p:nvSpPr>
+          <p:cNvPr id="3" name="2 Marcador de número de diapositiva"/>
+          <p:cNvSpPr>
+            <a:spLocks noGrp="1"/>
+          </p:cNvSpPr>
+          <p:nvPr>
+            <p:ph type="sldNum" sz="quarter" idx="12"/>
+          </p:nvPr>
+        </p:nvSpPr>
+        <p:spPr/>
+        <p:txBody>
+          <a:bodyPr/>
+          <a:lstStyle/>
+          <a:p>
+            <a:fld id="{F2D1D08B-C82B-420D-B57B-371E8E2125CA}" type="slidenum">
+              <a:rPr lang="es-ES" smtClean="0"/>
+              <a:t>24</a:t>
+            </a:fld>
+            <a:endParaRPr lang="es-ES"/>
+          </a:p>
+        </p:txBody>
+      </p:sp>
+      <p:sp>
+        <p:nvSpPr>
+          <p:cNvPr id="15" name="14 CuadroTexto"/>
+          <p:cNvSpPr txBox="1"/>
+          <p:nvPr/>
+        </p:nvSpPr>
+        <p:spPr>
+          <a:xfrm>
+            <a:off x="1331640" y="6365927"/>
+            <a:ext cx="5328592" cy="369332"/>
+          </a:xfrm>
+          <a:prstGeom prst="rect">
+            <a:avLst/>
+          </a:prstGeom>
+          <a:noFill/>
+        </p:spPr>
+        <p:txBody>
+          <a:bodyPr wrap="square" rtlCol="0">
+            <a:spAutoFit/>
+          </a:bodyPr>
+          <a:lstStyle/>
+          <a:p>
+            <a:pPr algn="ctr"/>
+            <a:r>
+              <a:rPr lang="es-ES" b="1" i="1" dirty="0" smtClean="0">
+                <a:solidFill>
+                  <a:schemeClr val="tx1">
+                    <a:lumMod val="50000"/>
+                    <a:lumOff val="50000"/>
+                  </a:schemeClr>
+                </a:solidFill>
+                <a:latin typeface="Arial Narrow" pitchFamily="34" charset="0"/>
+              </a:rPr>
+              <a:t>24</a:t>
+            </a:r>
+            <a:endParaRPr lang="es-ES" b="1" i="1" dirty="0">
+              <a:solidFill>
+                <a:schemeClr val="tx1">
+                  <a:lumMod val="50000"/>
+                  <a:lumOff val="50000"/>
+                </a:schemeClr>
+              </a:solidFill>
+              <a:latin typeface="Arial Narrow" pitchFamily="34" charset="0"/>
+            </a:endParaRPr>
+          </a:p>
+        </p:txBody>
+      </p:sp>
     </p:spTree>
     <p:extLst>
       <p:ext uri="{BB962C8B-B14F-4D97-AF65-F5344CB8AC3E}">
@@ -30120,7 +29197,7 @@
           <p:nvPr/>
         </p:nvPicPr>
         <p:blipFill>
-          <a:blip r:embed="rId2">
+          <a:blip r:embed="rId3">
             <a:extLst>
               <a:ext uri="{28A0092B-C50C-407E-A947-70E740481C1C}">
                 <a14:useLocalDpi xmlns:a14="http://schemas.microsoft.com/office/drawing/2010/main" val="0"/>
@@ -30411,172 +29488,6 @@
           </a:p>
         </p:txBody>
       </p:sp>
-      <p:sp>
-        <p:nvSpPr>
-          <p:cNvPr id="10" name="9 CuadroTexto"/>
-          <p:cNvSpPr txBox="1"/>
-          <p:nvPr/>
-        </p:nvSpPr>
-        <p:spPr>
-          <a:xfrm>
-            <a:off x="1331640" y="6365927"/>
-            <a:ext cx="5328592" cy="307777"/>
-          </a:xfrm>
-          <a:prstGeom prst="rect">
-            <a:avLst/>
-          </a:prstGeom>
-          <a:noFill/>
-        </p:spPr>
-        <p:txBody>
-          <a:bodyPr wrap="square" rtlCol="0">
-            <a:spAutoFit/>
-          </a:bodyPr>
-          <a:lstStyle/>
-          <a:p>
-            <a:r>
-              <a:rPr lang="es-ES" sz="1400" b="1" i="1" dirty="0" smtClean="0">
-                <a:solidFill>
-                  <a:schemeClr val="tx1">
-                    <a:lumMod val="50000"/>
-                    <a:lumOff val="50000"/>
-                  </a:schemeClr>
-                </a:solidFill>
-                <a:latin typeface="Arial Narrow" pitchFamily="34" charset="0"/>
-              </a:rPr>
-              <a:t>Comp. </a:t>
-            </a:r>
-            <a:r>
-              <a:rPr lang="es-ES" sz="1400" b="1" i="1" dirty="0" err="1" smtClean="0">
-                <a:solidFill>
-                  <a:schemeClr val="tx1">
-                    <a:lumMod val="50000"/>
-                    <a:lumOff val="50000"/>
-                  </a:schemeClr>
-                </a:solidFill>
-                <a:latin typeface="Arial Narrow" pitchFamily="34" charset="0"/>
-              </a:rPr>
-              <a:t>Posturographic</a:t>
-            </a:r>
-            <a:r>
-              <a:rPr lang="es-ES" sz="1400" b="1" i="1" dirty="0" smtClean="0">
-                <a:solidFill>
-                  <a:schemeClr val="tx1">
-                    <a:lumMod val="50000"/>
-                    <a:lumOff val="50000"/>
-                  </a:schemeClr>
-                </a:solidFill>
-                <a:latin typeface="Arial Narrow" pitchFamily="34" charset="0"/>
-              </a:rPr>
-              <a:t> </a:t>
-            </a:r>
-            <a:r>
-              <a:rPr lang="es-ES" sz="1400" b="1" i="1" dirty="0" err="1" smtClean="0">
-                <a:solidFill>
-                  <a:schemeClr val="tx1">
-                    <a:lumMod val="50000"/>
-                    <a:lumOff val="50000"/>
-                  </a:schemeClr>
-                </a:solidFill>
-                <a:latin typeface="Arial Narrow" pitchFamily="34" charset="0"/>
-              </a:rPr>
-              <a:t>Body-Swad</a:t>
-            </a:r>
-            <a:r>
-              <a:rPr lang="es-ES" sz="1400" b="1" i="1" dirty="0" smtClean="0">
-                <a:solidFill>
-                  <a:schemeClr val="tx1">
-                    <a:lumMod val="50000"/>
-                    <a:lumOff val="50000"/>
-                  </a:schemeClr>
-                </a:solidFill>
-                <a:latin typeface="Arial Narrow" pitchFamily="34" charset="0"/>
-              </a:rPr>
-              <a:t> </a:t>
-            </a:r>
-            <a:r>
-              <a:rPr lang="es-ES" sz="1400" b="1" i="1" dirty="0" err="1" smtClean="0">
-                <a:solidFill>
-                  <a:schemeClr val="tx1">
-                    <a:lumMod val="50000"/>
-                    <a:lumOff val="50000"/>
-                  </a:schemeClr>
-                </a:solidFill>
-                <a:latin typeface="Arial Narrow" pitchFamily="34" charset="0"/>
-              </a:rPr>
-              <a:t>measurements</a:t>
-            </a:r>
-            <a:r>
-              <a:rPr lang="es-ES" sz="1400" b="1" i="1" dirty="0" smtClean="0">
-                <a:solidFill>
-                  <a:schemeClr val="tx1">
-                    <a:lumMod val="50000"/>
-                    <a:lumOff val="50000"/>
-                  </a:schemeClr>
-                </a:solidFill>
-                <a:latin typeface="Arial Narrow" pitchFamily="34" charset="0"/>
-              </a:rPr>
-              <a:t> </a:t>
-            </a:r>
-            <a:r>
-              <a:rPr lang="es-ES" sz="1400" b="1" i="1" dirty="0" err="1" smtClean="0">
-                <a:solidFill>
-                  <a:schemeClr val="tx1">
-                    <a:lumMod val="50000"/>
-                    <a:lumOff val="50000"/>
-                  </a:schemeClr>
-                </a:solidFill>
-                <a:latin typeface="Arial Narrow" pitchFamily="34" charset="0"/>
-              </a:rPr>
-              <a:t>with</a:t>
-            </a:r>
-            <a:r>
-              <a:rPr lang="es-ES" sz="1400" b="1" i="1" dirty="0" smtClean="0">
-                <a:solidFill>
-                  <a:schemeClr val="tx1">
-                    <a:lumMod val="50000"/>
-                    <a:lumOff val="50000"/>
-                  </a:schemeClr>
-                </a:solidFill>
-                <a:latin typeface="Arial Narrow" pitchFamily="34" charset="0"/>
-              </a:rPr>
-              <a:t> </a:t>
-            </a:r>
-            <a:r>
-              <a:rPr lang="es-ES" sz="1400" b="1" i="1" dirty="0" err="1" smtClean="0">
-                <a:solidFill>
-                  <a:schemeClr val="tx1">
-                    <a:lumMod val="50000"/>
-                    <a:lumOff val="50000"/>
-                  </a:schemeClr>
-                </a:solidFill>
-                <a:latin typeface="Arial Narrow" pitchFamily="34" charset="0"/>
-              </a:rPr>
-              <a:t>Inertail</a:t>
-            </a:r>
-            <a:r>
-              <a:rPr lang="es-ES" sz="1400" b="1" i="1" dirty="0" smtClean="0">
-                <a:solidFill>
-                  <a:schemeClr val="tx1">
-                    <a:lumMod val="50000"/>
-                    <a:lumOff val="50000"/>
-                  </a:schemeClr>
-                </a:solidFill>
-                <a:latin typeface="Arial Narrow" pitchFamily="34" charset="0"/>
-              </a:rPr>
-              <a:t> data in PD</a:t>
-            </a:r>
-            <a:endParaRPr lang="es-ES" sz="1400" b="1" i="1" dirty="0">
-              <a:solidFill>
-                <a:schemeClr val="tx1">
-                  <a:lumMod val="50000"/>
-                  <a:lumOff val="50000"/>
-                </a:schemeClr>
-              </a:solidFill>
-              <a:latin typeface="Arial Narrow" pitchFamily="34" charset="0"/>
-            </a:endParaRPr>
-          </a:p>
-        </p:txBody>
-      </p:sp>
       <p:pic>
         <p:nvPicPr>
           <p:cNvPr id="11" name="Picture 2"/>
@@ -30586,7 +29497,7 @@
           <p:nvPr/>
         </p:nvPicPr>
         <p:blipFill>
-          <a:blip r:embed="rId3">
+          <a:blip r:embed="rId4">
             <a:extLst>
               <a:ext uri="{28A0092B-C50C-407E-A947-70E740481C1C}">
                 <a14:useLocalDpi xmlns:a14="http://schemas.microsoft.com/office/drawing/2010/main" val="0"/>
@@ -30836,10 +29747,80 @@
         </p:xfrm>
         <a:graphic>
           <a:graphicData uri="http://schemas.openxmlformats.org/drawingml/2006/chart">
-            <c:chart xmlns:c="http://schemas.openxmlformats.org/drawingml/2006/chart" xmlns:r="http://schemas.openxmlformats.org/officeDocument/2006/relationships" r:id="rId4"/>
+            <c:chart xmlns:c="http://schemas.openxmlformats.org/drawingml/2006/chart" xmlns:r="http://schemas.openxmlformats.org/officeDocument/2006/relationships" r:id="rId5"/>
           </a:graphicData>
         </a:graphic>
       </p:graphicFrame>
+      <p:sp>
+        <p:nvSpPr>
+          <p:cNvPr id="3" name="2 Marcador de número de diapositiva"/>
+          <p:cNvSpPr>
+            <a:spLocks noGrp="1"/>
+          </p:cNvSpPr>
+          <p:nvPr>
+            <p:ph type="sldNum" sz="quarter" idx="12"/>
+          </p:nvPr>
+        </p:nvSpPr>
+        <p:spPr/>
+        <p:txBody>
+          <a:bodyPr/>
+          <a:lstStyle/>
+          <a:p>
+            <a:fld id="{F2D1D08B-C82B-420D-B57B-371E8E2125CA}" type="slidenum">
+              <a:rPr lang="es-ES" smtClean="0"/>
+              <a:t>25</a:t>
+            </a:fld>
+            <a:endParaRPr lang="es-ES"/>
+          </a:p>
+        </p:txBody>
+      </p:sp>
+      <p:sp>
+        <p:nvSpPr>
+          <p:cNvPr id="16" name="15 CuadroTexto"/>
+          <p:cNvSpPr txBox="1"/>
+          <p:nvPr/>
+        </p:nvSpPr>
+        <p:spPr>
+          <a:xfrm>
+            <a:off x="1331640" y="6365927"/>
+            <a:ext cx="5328592" cy="369332"/>
+          </a:xfrm>
+          <a:prstGeom prst="rect">
+            <a:avLst/>
+          </a:prstGeom>
+          <a:noFill/>
+        </p:spPr>
+        <p:txBody>
+          <a:bodyPr wrap="square" rtlCol="0">
+            <a:spAutoFit/>
+          </a:bodyPr>
+          <a:lstStyle/>
+          <a:p>
+            <a:pPr algn="ctr"/>
+            <a:r>
+              <a:rPr lang="es-ES" b="1" i="1" dirty="0" smtClean="0">
+                <a:solidFill>
+                  <a:schemeClr val="tx1">
+                    <a:lumMod val="50000"/>
+                    <a:lumOff val="50000"/>
+                  </a:schemeClr>
+                </a:solidFill>
+                <a:latin typeface="Arial Narrow" pitchFamily="34" charset="0"/>
+              </a:rPr>
+              <a:t>25</a:t>
+            </a:r>
+            <a:endParaRPr lang="es-ES" b="1" i="1" dirty="0">
+              <a:solidFill>
+                <a:schemeClr val="tx1">
+                  <a:lumMod val="50000"/>
+                  <a:lumOff val="50000"/>
+                </a:schemeClr>
+              </a:solidFill>
+              <a:latin typeface="Arial Narrow" pitchFamily="34" charset="0"/>
+            </a:endParaRPr>
+          </a:p>
+        </p:txBody>
+      </p:sp>
     </p:spTree>
     <p:extLst>
       <p:ext uri="{BB962C8B-B14F-4D97-AF65-F5344CB8AC3E}">
@@ -31376,172 +30357,6 @@
           </a:p>
         </p:txBody>
       </p:sp>
-      <p:sp>
-        <p:nvSpPr>
-          <p:cNvPr id="10" name="9 CuadroTexto"/>
-          <p:cNvSpPr txBox="1"/>
-          <p:nvPr/>
-        </p:nvSpPr>
-        <p:spPr>
-          <a:xfrm>
-            <a:off x="1331640" y="6365927"/>
-            <a:ext cx="5328592" cy="307777"/>
-          </a:xfrm>
-          <a:prstGeom prst="rect">
-            <a:avLst/>
-          </a:prstGeom>
-          <a:noFill/>
-        </p:spPr>
-        <p:txBody>
-          <a:bodyPr wrap="square" rtlCol="0">
-            <a:spAutoFit/>
-          </a:bodyPr>
-          <a:lstStyle/>
-          <a:p>
-            <a:r>
-              <a:rPr lang="es-ES" sz="1400" b="1" i="1" dirty="0" smtClean="0">
-                <a:solidFill>
-                  <a:schemeClr val="tx1">
-                    <a:lumMod val="50000"/>
-                    <a:lumOff val="50000"/>
-                  </a:schemeClr>
-                </a:solidFill>
-                <a:latin typeface="Arial Narrow" pitchFamily="34" charset="0"/>
-              </a:rPr>
-              <a:t>Comp. </a:t>
-            </a:r>
-            <a:r>
-              <a:rPr lang="es-ES" sz="1400" b="1" i="1" dirty="0" err="1" smtClean="0">
-                <a:solidFill>
-                  <a:schemeClr val="tx1">
-                    <a:lumMod val="50000"/>
-                    <a:lumOff val="50000"/>
-                  </a:schemeClr>
-                </a:solidFill>
-                <a:latin typeface="Arial Narrow" pitchFamily="34" charset="0"/>
-              </a:rPr>
-              <a:t>Posturographic</a:t>
-            </a:r>
-            <a:r>
-              <a:rPr lang="es-ES" sz="1400" b="1" i="1" dirty="0" smtClean="0">
-                <a:solidFill>
-                  <a:schemeClr val="tx1">
-                    <a:lumMod val="50000"/>
-                    <a:lumOff val="50000"/>
-                  </a:schemeClr>
-                </a:solidFill>
-                <a:latin typeface="Arial Narrow" pitchFamily="34" charset="0"/>
-              </a:rPr>
-              <a:t> </a:t>
-            </a:r>
-            <a:r>
-              <a:rPr lang="es-ES" sz="1400" b="1" i="1" dirty="0" err="1" smtClean="0">
-                <a:solidFill>
-                  <a:schemeClr val="tx1">
-                    <a:lumMod val="50000"/>
-                    <a:lumOff val="50000"/>
-                  </a:schemeClr>
-                </a:solidFill>
-                <a:latin typeface="Arial Narrow" pitchFamily="34" charset="0"/>
-              </a:rPr>
-              <a:t>Body-Swad</a:t>
-            </a:r>
-            <a:r>
-              <a:rPr lang="es-ES" sz="1400" b="1" i="1" dirty="0" smtClean="0">
-                <a:solidFill>
-                  <a:schemeClr val="tx1">
-                    <a:lumMod val="50000"/>
-                    <a:lumOff val="50000"/>
-                  </a:schemeClr>
-                </a:solidFill>
-                <a:latin typeface="Arial Narrow" pitchFamily="34" charset="0"/>
-              </a:rPr>
-              <a:t> </a:t>
-            </a:r>
-            <a:r>
-              <a:rPr lang="es-ES" sz="1400" b="1" i="1" dirty="0" err="1" smtClean="0">
-                <a:solidFill>
-                  <a:schemeClr val="tx1">
-                    <a:lumMod val="50000"/>
-                    <a:lumOff val="50000"/>
-                  </a:schemeClr>
-                </a:solidFill>
-                <a:latin typeface="Arial Narrow" pitchFamily="34" charset="0"/>
-              </a:rPr>
-              <a:t>measurements</a:t>
-            </a:r>
-            <a:r>
-              <a:rPr lang="es-ES" sz="1400" b="1" i="1" dirty="0" smtClean="0">
-                <a:solidFill>
-                  <a:schemeClr val="tx1">
-                    <a:lumMod val="50000"/>
-                    <a:lumOff val="50000"/>
-                  </a:schemeClr>
-                </a:solidFill>
-                <a:latin typeface="Arial Narrow" pitchFamily="34" charset="0"/>
-              </a:rPr>
-              <a:t> </a:t>
-            </a:r>
-            <a:r>
-              <a:rPr lang="es-ES" sz="1400" b="1" i="1" dirty="0" err="1" smtClean="0">
-                <a:solidFill>
-                  <a:schemeClr val="tx1">
-                    <a:lumMod val="50000"/>
-                    <a:lumOff val="50000"/>
-                  </a:schemeClr>
-                </a:solidFill>
-                <a:latin typeface="Arial Narrow" pitchFamily="34" charset="0"/>
-              </a:rPr>
-              <a:t>with</a:t>
-            </a:r>
-            <a:r>
-              <a:rPr lang="es-ES" sz="1400" b="1" i="1" dirty="0" smtClean="0">
-                <a:solidFill>
-                  <a:schemeClr val="tx1">
-                    <a:lumMod val="50000"/>
-                    <a:lumOff val="50000"/>
-                  </a:schemeClr>
-                </a:solidFill>
-                <a:latin typeface="Arial Narrow" pitchFamily="34" charset="0"/>
-              </a:rPr>
-              <a:t> </a:t>
-            </a:r>
-            <a:r>
-              <a:rPr lang="es-ES" sz="1400" b="1" i="1" dirty="0" err="1" smtClean="0">
-                <a:solidFill>
-                  <a:schemeClr val="tx1">
-                    <a:lumMod val="50000"/>
-                    <a:lumOff val="50000"/>
-                  </a:schemeClr>
-                </a:solidFill>
-                <a:latin typeface="Arial Narrow" pitchFamily="34" charset="0"/>
-              </a:rPr>
-              <a:t>Inertail</a:t>
-            </a:r>
-            <a:r>
-              <a:rPr lang="es-ES" sz="1400" b="1" i="1" dirty="0" smtClean="0">
-                <a:solidFill>
-                  <a:schemeClr val="tx1">
-                    <a:lumMod val="50000"/>
-                    <a:lumOff val="50000"/>
-                  </a:schemeClr>
-                </a:solidFill>
-                <a:latin typeface="Arial Narrow" pitchFamily="34" charset="0"/>
-              </a:rPr>
-              <a:t> data in PD</a:t>
-            </a:r>
-            <a:endParaRPr lang="es-ES" sz="1400" b="1" i="1" dirty="0">
-              <a:solidFill>
-                <a:schemeClr val="tx1">
-                  <a:lumMod val="50000"/>
-                  <a:lumOff val="50000"/>
-                </a:schemeClr>
-              </a:solidFill>
-              <a:latin typeface="Arial Narrow" pitchFamily="34" charset="0"/>
-            </a:endParaRPr>
-          </a:p>
-        </p:txBody>
-      </p:sp>
       <p:pic>
         <p:nvPicPr>
           <p:cNvPr id="11" name="Picture 2"/>
@@ -31628,12 +30443,131 @@
         </p:blipFill>
         <p:spPr>
           <a:xfrm>
-            <a:off x="4514383" y="4581128"/>
+            <a:off x="2442179" y="5251803"/>
             <a:ext cx="1553757" cy="1110800"/>
           </a:xfrm>
           <a:prstGeom prst="rect">
             <a:avLst/>
           </a:prstGeom>
+        </p:spPr>
+      </p:pic>
+      <p:sp>
+        <p:nvSpPr>
+          <p:cNvPr id="12" name="11 CuadroTexto"/>
+          <p:cNvSpPr txBox="1"/>
+          <p:nvPr/>
+        </p:nvSpPr>
+        <p:spPr>
+          <a:xfrm>
+            <a:off x="1331640" y="6365927"/>
+            <a:ext cx="5328592" cy="369332"/>
+          </a:xfrm>
+          <a:prstGeom prst="rect">
+            <a:avLst/>
+          </a:prstGeom>
+          <a:noFill/>
+        </p:spPr>
+        <p:txBody>
+          <a:bodyPr wrap="square" rtlCol="0">
+            <a:spAutoFit/>
+          </a:bodyPr>
+          <a:lstStyle/>
+          <a:p>
+            <a:pPr algn="ctr"/>
+            <a:r>
+              <a:rPr lang="es-ES" b="1" i="1" dirty="0" smtClean="0">
+                <a:solidFill>
+                  <a:schemeClr val="tx1">
+                    <a:lumMod val="50000"/>
+                    <a:lumOff val="50000"/>
+                  </a:schemeClr>
+                </a:solidFill>
+                <a:latin typeface="Arial Narrow" pitchFamily="34" charset="0"/>
+              </a:rPr>
+              <a:t>26</a:t>
+            </a:r>
+            <a:endParaRPr lang="es-ES" b="1" i="1" dirty="0">
+              <a:solidFill>
+                <a:schemeClr val="tx1">
+                  <a:lumMod val="50000"/>
+                  <a:lumOff val="50000"/>
+                </a:schemeClr>
+              </a:solidFill>
+              <a:latin typeface="Arial Narrow" pitchFamily="34" charset="0"/>
+            </a:endParaRPr>
+          </a:p>
+        </p:txBody>
+      </p:sp>
+      <p:pic>
+        <p:nvPicPr>
+          <p:cNvPr id="2" name="1 Imagen"/>
+          <p:cNvPicPr>
+            <a:picLocks noChangeAspect="1"/>
+          </p:cNvPicPr>
+          <p:nvPr/>
+        </p:nvPicPr>
+        <p:blipFill>
+          <a:blip r:embed="rId5">
+            <a:extLst>
+              <a:ext uri="{28A0092B-C50C-407E-A947-70E740481C1C}">
+                <a14:useLocalDpi xmlns:a14="http://schemas.microsoft.com/office/drawing/2010/main" val="0"/>
+              </a:ext>
+            </a:extLst>
+          </a:blip>
+          <a:stretch>
+            <a:fillRect/>
+          </a:stretch>
+        </p:blipFill>
+        <p:spPr>
+          <a:xfrm rot="660000">
+            <a:off x="6400746" y="2384198"/>
+            <a:ext cx="1244825" cy="1244825"/>
+          </a:xfrm>
+          <a:prstGeom prst="ellipse">
+            <a:avLst/>
+          </a:prstGeom>
+          <a:ln>
+            <a:noFill/>
+          </a:ln>
+          <a:effectLst>
+            <a:softEdge rad="112500"/>
+          </a:effectLst>
+        </p:spPr>
+      </p:pic>
+      <p:pic>
+        <p:nvPicPr>
+          <p:cNvPr id="5" name="4 Imagen"/>
+          <p:cNvPicPr>
+            <a:picLocks noChangeAspect="1"/>
+          </p:cNvPicPr>
+          <p:nvPr/>
+        </p:nvPicPr>
+        <p:blipFill>
+          <a:blip r:embed="rId6">
+            <a:extLst>
+              <a:ext uri="{28A0092B-C50C-407E-A947-70E740481C1C}">
+                <a14:useLocalDpi xmlns:a14="http://schemas.microsoft.com/office/drawing/2010/main" val="0"/>
+              </a:ext>
+            </a:extLst>
+          </a:blip>
+          <a:stretch>
+            <a:fillRect/>
+          </a:stretch>
+        </p:blipFill>
+        <p:spPr>
+          <a:xfrm>
+            <a:off x="4932040" y="4079232"/>
+            <a:ext cx="1594628" cy="1194432"/>
+          </a:xfrm>
+          <a:prstGeom prst="rect">
+            <a:avLst/>
+          </a:prstGeom>
+          <a:ln>
+            <a:noFill/>
+          </a:ln>
+          <a:effectLst>
+            <a:softEdge rad="112500"/>
+          </a:effectLst>
         </p:spPr>
       </p:pic>
     </p:spTree>
@@ -31973,172 +30907,6 @@
           </a:p>
         </p:txBody>
       </p:sp>
-      <p:sp>
-        <p:nvSpPr>
-          <p:cNvPr id="10" name="9 CuadroTexto"/>
-          <p:cNvSpPr txBox="1"/>
-          <p:nvPr/>
-        </p:nvSpPr>
-        <p:spPr>
-          <a:xfrm>
-            <a:off x="1331640" y="6365927"/>
-            <a:ext cx="5328592" cy="307777"/>
-          </a:xfrm>
-          <a:prstGeom prst="rect">
-            <a:avLst/>
-          </a:prstGeom>
-          <a:noFill/>
-        </p:spPr>
-        <p:txBody>
-          <a:bodyPr wrap="square" rtlCol="0">
-            <a:spAutoFit/>
-          </a:bodyPr>
-          <a:lstStyle/>
-          <a:p>
-            <a:r>
-              <a:rPr lang="es-ES" sz="1400" b="1" i="1" dirty="0" smtClean="0">
-                <a:solidFill>
-                  <a:schemeClr val="tx1">
-                    <a:lumMod val="50000"/>
-                    <a:lumOff val="50000"/>
-                  </a:schemeClr>
-                </a:solidFill>
-                <a:latin typeface="Arial Narrow" pitchFamily="34" charset="0"/>
-              </a:rPr>
-              <a:t>Comp. </a:t>
-            </a:r>
-            <a:r>
-              <a:rPr lang="es-ES" sz="1400" b="1" i="1" dirty="0" err="1" smtClean="0">
-                <a:solidFill>
-                  <a:schemeClr val="tx1">
-                    <a:lumMod val="50000"/>
-                    <a:lumOff val="50000"/>
-                  </a:schemeClr>
-                </a:solidFill>
-                <a:latin typeface="Arial Narrow" pitchFamily="34" charset="0"/>
-              </a:rPr>
-              <a:t>Posturographic</a:t>
-            </a:r>
-            <a:r>
-              <a:rPr lang="es-ES" sz="1400" b="1" i="1" dirty="0" smtClean="0">
-                <a:solidFill>
-                  <a:schemeClr val="tx1">
-                    <a:lumMod val="50000"/>
-                    <a:lumOff val="50000"/>
-                  </a:schemeClr>
-                </a:solidFill>
-                <a:latin typeface="Arial Narrow" pitchFamily="34" charset="0"/>
-              </a:rPr>
-              <a:t> </a:t>
-            </a:r>
-            <a:r>
-              <a:rPr lang="es-ES" sz="1400" b="1" i="1" dirty="0" err="1" smtClean="0">
-                <a:solidFill>
-                  <a:schemeClr val="tx1">
-                    <a:lumMod val="50000"/>
-                    <a:lumOff val="50000"/>
-                  </a:schemeClr>
-                </a:solidFill>
-                <a:latin typeface="Arial Narrow" pitchFamily="34" charset="0"/>
-              </a:rPr>
-              <a:t>Body-Swad</a:t>
-            </a:r>
-            <a:r>
-              <a:rPr lang="es-ES" sz="1400" b="1" i="1" dirty="0" smtClean="0">
-                <a:solidFill>
-                  <a:schemeClr val="tx1">
-                    <a:lumMod val="50000"/>
-                    <a:lumOff val="50000"/>
-                  </a:schemeClr>
-                </a:solidFill>
-                <a:latin typeface="Arial Narrow" pitchFamily="34" charset="0"/>
-              </a:rPr>
-              <a:t> </a:t>
-            </a:r>
-            <a:r>
-              <a:rPr lang="es-ES" sz="1400" b="1" i="1" dirty="0" err="1" smtClean="0">
-                <a:solidFill>
-                  <a:schemeClr val="tx1">
-                    <a:lumMod val="50000"/>
-                    <a:lumOff val="50000"/>
-                  </a:schemeClr>
-                </a:solidFill>
-                <a:latin typeface="Arial Narrow" pitchFamily="34" charset="0"/>
-              </a:rPr>
-              <a:t>measurements</a:t>
-            </a:r>
-            <a:r>
-              <a:rPr lang="es-ES" sz="1400" b="1" i="1" dirty="0" smtClean="0">
-                <a:solidFill>
-                  <a:schemeClr val="tx1">
-                    <a:lumMod val="50000"/>
-                    <a:lumOff val="50000"/>
-                  </a:schemeClr>
-                </a:solidFill>
-                <a:latin typeface="Arial Narrow" pitchFamily="34" charset="0"/>
-              </a:rPr>
-              <a:t> </a:t>
-            </a:r>
-            <a:r>
-              <a:rPr lang="es-ES" sz="1400" b="1" i="1" dirty="0" err="1" smtClean="0">
-                <a:solidFill>
-                  <a:schemeClr val="tx1">
-                    <a:lumMod val="50000"/>
-                    <a:lumOff val="50000"/>
-                  </a:schemeClr>
-                </a:solidFill>
-                <a:latin typeface="Arial Narrow" pitchFamily="34" charset="0"/>
-              </a:rPr>
-              <a:t>with</a:t>
-            </a:r>
-            <a:r>
-              <a:rPr lang="es-ES" sz="1400" b="1" i="1" dirty="0" smtClean="0">
-                <a:solidFill>
-                  <a:schemeClr val="tx1">
-                    <a:lumMod val="50000"/>
-                    <a:lumOff val="50000"/>
-                  </a:schemeClr>
-                </a:solidFill>
-                <a:latin typeface="Arial Narrow" pitchFamily="34" charset="0"/>
-              </a:rPr>
-              <a:t> </a:t>
-            </a:r>
-            <a:r>
-              <a:rPr lang="es-ES" sz="1400" b="1" i="1" dirty="0" err="1" smtClean="0">
-                <a:solidFill>
-                  <a:schemeClr val="tx1">
-                    <a:lumMod val="50000"/>
-                    <a:lumOff val="50000"/>
-                  </a:schemeClr>
-                </a:solidFill>
-                <a:latin typeface="Arial Narrow" pitchFamily="34" charset="0"/>
-              </a:rPr>
-              <a:t>Inertail</a:t>
-            </a:r>
-            <a:r>
-              <a:rPr lang="es-ES" sz="1400" b="1" i="1" dirty="0" smtClean="0">
-                <a:solidFill>
-                  <a:schemeClr val="tx1">
-                    <a:lumMod val="50000"/>
-                    <a:lumOff val="50000"/>
-                  </a:schemeClr>
-                </a:solidFill>
-                <a:latin typeface="Arial Narrow" pitchFamily="34" charset="0"/>
-              </a:rPr>
-              <a:t> data in PD</a:t>
-            </a:r>
-            <a:endParaRPr lang="es-ES" sz="1400" b="1" i="1" dirty="0">
-              <a:solidFill>
-                <a:schemeClr val="tx1">
-                  <a:lumMod val="50000"/>
-                  <a:lumOff val="50000"/>
-                </a:schemeClr>
-              </a:solidFill>
-              <a:latin typeface="Arial Narrow" pitchFamily="34" charset="0"/>
-            </a:endParaRPr>
-          </a:p>
-        </p:txBody>
-      </p:sp>
       <p:pic>
         <p:nvPicPr>
           <p:cNvPr id="11" name="Picture 2"/>
@@ -32320,12 +31088,12 @@
         <p:spPr>
           <a:xfrm>
             <a:off x="435945" y="2718182"/>
-            <a:ext cx="7624935" cy="3810896"/>
+            <a:ext cx="7624935" cy="3647745"/>
           </a:xfrm>
         </p:spPr>
         <p:txBody>
           <a:bodyPr>
-            <a:normAutofit fontScale="70000" lnSpcReduction="20000"/>
+            <a:normAutofit fontScale="62500" lnSpcReduction="20000"/>
           </a:bodyPr>
           <a:lstStyle/>
           <a:p>
@@ -32484,6 +31252,53 @@
               <a:buChar char="•"/>
             </a:pPr>
             <a:endParaRPr lang="es-ES" dirty="0">
+              <a:latin typeface="Arial Narrow" pitchFamily="34" charset="0"/>
+            </a:endParaRPr>
+          </a:p>
+        </p:txBody>
+      </p:sp>
+      <p:sp>
+        <p:nvSpPr>
+          <p:cNvPr id="13" name="12 CuadroTexto"/>
+          <p:cNvSpPr txBox="1"/>
+          <p:nvPr/>
+        </p:nvSpPr>
+        <p:spPr>
+          <a:xfrm>
+            <a:off x="1331640" y="6365927"/>
+            <a:ext cx="5328592" cy="369332"/>
+          </a:xfrm>
+          <a:prstGeom prst="rect">
+            <a:avLst/>
+          </a:prstGeom>
+          <a:noFill/>
+        </p:spPr>
+        <p:txBody>
+          <a:bodyPr wrap="square" rtlCol="0">
+            <a:spAutoFit/>
+          </a:bodyPr>
+          <a:lstStyle/>
+          <a:p>
+            <a:pPr algn="ctr"/>
+            <a:r>
+              <a:rPr lang="es-ES" b="1" i="1" dirty="0" smtClean="0">
+                <a:solidFill>
+                  <a:schemeClr val="tx1">
+                    <a:lumMod val="50000"/>
+                    <a:lumOff val="50000"/>
+                  </a:schemeClr>
+                </a:solidFill>
+                <a:latin typeface="Arial Narrow" pitchFamily="34" charset="0"/>
+              </a:rPr>
+              <a:t>27</a:t>
+            </a:r>
+            <a:endParaRPr lang="es-ES" b="1" i="1" dirty="0">
+              <a:solidFill>
+                <a:schemeClr val="tx1">
+                  <a:lumMod val="50000"/>
+                  <a:lumOff val="50000"/>
+                </a:schemeClr>
+              </a:solidFill>
               <a:latin typeface="Arial Narrow" pitchFamily="34" charset="0"/>
             </a:endParaRPr>
           </a:p>
@@ -32826,172 +31641,6 @@
           </a:p>
         </p:txBody>
       </p:sp>
-      <p:sp>
-        <p:nvSpPr>
-          <p:cNvPr id="10" name="9 CuadroTexto"/>
-          <p:cNvSpPr txBox="1"/>
-          <p:nvPr/>
-        </p:nvSpPr>
-        <p:spPr>
-          <a:xfrm>
-            <a:off x="1331640" y="6365927"/>
-            <a:ext cx="5328592" cy="307777"/>
-          </a:xfrm>
-          <a:prstGeom prst="rect">
-            <a:avLst/>
-          </a:prstGeom>
-          <a:noFill/>
-        </p:spPr>
-        <p:txBody>
-          <a:bodyPr wrap="square" rtlCol="0">
-            <a:spAutoFit/>
-          </a:bodyPr>
-          <a:lstStyle/>
-          <a:p>
-            <a:r>
-              <a:rPr lang="es-ES" sz="1400" b="1" i="1" dirty="0" smtClean="0">
-                <a:solidFill>
-                  <a:schemeClr val="tx1">
-                    <a:lumMod val="50000"/>
-                    <a:lumOff val="50000"/>
-                  </a:schemeClr>
-                </a:solidFill>
-                <a:latin typeface="Arial Narrow" pitchFamily="34" charset="0"/>
-              </a:rPr>
-              <a:t>Comp. </a:t>
-            </a:r>
-            <a:r>
-              <a:rPr lang="es-ES" sz="1400" b="1" i="1" dirty="0" err="1" smtClean="0">
-                <a:solidFill>
-                  <a:schemeClr val="tx1">
-                    <a:lumMod val="50000"/>
-                    <a:lumOff val="50000"/>
-                  </a:schemeClr>
-                </a:solidFill>
-                <a:latin typeface="Arial Narrow" pitchFamily="34" charset="0"/>
-              </a:rPr>
-              <a:t>Posturographic</a:t>
-            </a:r>
-            <a:r>
-              <a:rPr lang="es-ES" sz="1400" b="1" i="1" dirty="0" smtClean="0">
-                <a:solidFill>
-                  <a:schemeClr val="tx1">
-                    <a:lumMod val="50000"/>
-                    <a:lumOff val="50000"/>
-                  </a:schemeClr>
-                </a:solidFill>
-                <a:latin typeface="Arial Narrow" pitchFamily="34" charset="0"/>
-              </a:rPr>
-              <a:t> </a:t>
-            </a:r>
-            <a:r>
-              <a:rPr lang="es-ES" sz="1400" b="1" i="1" dirty="0" err="1" smtClean="0">
-                <a:solidFill>
-                  <a:schemeClr val="tx1">
-                    <a:lumMod val="50000"/>
-                    <a:lumOff val="50000"/>
-                  </a:schemeClr>
-                </a:solidFill>
-                <a:latin typeface="Arial Narrow" pitchFamily="34" charset="0"/>
-              </a:rPr>
-              <a:t>Body-Swad</a:t>
-            </a:r>
-            <a:r>
-              <a:rPr lang="es-ES" sz="1400" b="1" i="1" dirty="0" smtClean="0">
-                <a:solidFill>
-                  <a:schemeClr val="tx1">
-                    <a:lumMod val="50000"/>
-                    <a:lumOff val="50000"/>
-                  </a:schemeClr>
-                </a:solidFill>
-                <a:latin typeface="Arial Narrow" pitchFamily="34" charset="0"/>
-              </a:rPr>
-              <a:t> </a:t>
-            </a:r>
-            <a:r>
-              <a:rPr lang="es-ES" sz="1400" b="1" i="1" dirty="0" err="1" smtClean="0">
-                <a:solidFill>
-                  <a:schemeClr val="tx1">
-                    <a:lumMod val="50000"/>
-                    <a:lumOff val="50000"/>
-                  </a:schemeClr>
-                </a:solidFill>
-                <a:latin typeface="Arial Narrow" pitchFamily="34" charset="0"/>
-              </a:rPr>
-              <a:t>measurements</a:t>
-            </a:r>
-            <a:r>
-              <a:rPr lang="es-ES" sz="1400" b="1" i="1" dirty="0" smtClean="0">
-                <a:solidFill>
-                  <a:schemeClr val="tx1">
-                    <a:lumMod val="50000"/>
-                    <a:lumOff val="50000"/>
-                  </a:schemeClr>
-                </a:solidFill>
-                <a:latin typeface="Arial Narrow" pitchFamily="34" charset="0"/>
-              </a:rPr>
-              <a:t> </a:t>
-            </a:r>
-            <a:r>
-              <a:rPr lang="es-ES" sz="1400" b="1" i="1" dirty="0" err="1" smtClean="0">
-                <a:solidFill>
-                  <a:schemeClr val="tx1">
-                    <a:lumMod val="50000"/>
-                    <a:lumOff val="50000"/>
-                  </a:schemeClr>
-                </a:solidFill>
-                <a:latin typeface="Arial Narrow" pitchFamily="34" charset="0"/>
-              </a:rPr>
-              <a:t>with</a:t>
-            </a:r>
-            <a:r>
-              <a:rPr lang="es-ES" sz="1400" b="1" i="1" dirty="0" smtClean="0">
-                <a:solidFill>
-                  <a:schemeClr val="tx1">
-                    <a:lumMod val="50000"/>
-                    <a:lumOff val="50000"/>
-                  </a:schemeClr>
-                </a:solidFill>
-                <a:latin typeface="Arial Narrow" pitchFamily="34" charset="0"/>
-              </a:rPr>
-              <a:t> </a:t>
-            </a:r>
-            <a:r>
-              <a:rPr lang="es-ES" sz="1400" b="1" i="1" dirty="0" err="1" smtClean="0">
-                <a:solidFill>
-                  <a:schemeClr val="tx1">
-                    <a:lumMod val="50000"/>
-                    <a:lumOff val="50000"/>
-                  </a:schemeClr>
-                </a:solidFill>
-                <a:latin typeface="Arial Narrow" pitchFamily="34" charset="0"/>
-              </a:rPr>
-              <a:t>Inertail</a:t>
-            </a:r>
-            <a:r>
-              <a:rPr lang="es-ES" sz="1400" b="1" i="1" dirty="0" smtClean="0">
-                <a:solidFill>
-                  <a:schemeClr val="tx1">
-                    <a:lumMod val="50000"/>
-                    <a:lumOff val="50000"/>
-                  </a:schemeClr>
-                </a:solidFill>
-                <a:latin typeface="Arial Narrow" pitchFamily="34" charset="0"/>
-              </a:rPr>
-              <a:t> data in PD</a:t>
-            </a:r>
-            <a:endParaRPr lang="es-ES" sz="1400" b="1" i="1" dirty="0">
-              <a:solidFill>
-                <a:schemeClr val="tx1">
-                  <a:lumMod val="50000"/>
-                  <a:lumOff val="50000"/>
-                </a:schemeClr>
-              </a:solidFill>
-              <a:latin typeface="Arial Narrow" pitchFamily="34" charset="0"/>
-            </a:endParaRPr>
-          </a:p>
-        </p:txBody>
-      </p:sp>
       <p:pic>
         <p:nvPicPr>
           <p:cNvPr id="11" name="Picture 2"/>
@@ -33186,7 +31835,7 @@
         <p:spPr>
           <a:xfrm>
             <a:off x="763488" y="2708919"/>
-            <a:ext cx="7624935" cy="3810896"/>
+            <a:ext cx="7624935" cy="3456385"/>
           </a:xfrm>
           <a:prstGeom prst="rect">
             <a:avLst/>
@@ -33505,35 +32154,55 @@
             </a:endParaRPr>
           </a:p>
           <a:p>
-            <a:pPr marL="457200" indent="-457200" algn="l">
-              <a:buFont typeface="Arial" pitchFamily="34" charset="0"/>
-              <a:buChar char="•"/>
-            </a:pPr>
-            <a:endParaRPr lang="es-ES" dirty="0" smtClean="0">
+            <a:pPr lvl="1" algn="l"/>
+            <a:endParaRPr lang="es-ES" dirty="0">
               <a:latin typeface="Arial Narrow" pitchFamily="34" charset="0"/>
             </a:endParaRPr>
           </a:p>
-          <a:p>
-            <a:pPr marL="457200" indent="-457200" algn="l">
-              <a:buFont typeface="Wingdings" pitchFamily="2" charset="2"/>
-              <a:buChar char="ü"/>
-            </a:pPr>
-            <a:endParaRPr lang="es-ES" dirty="0" smtClean="0">
-              <a:latin typeface="Arial Narrow" pitchFamily="34" charset="0"/>
-            </a:endParaRPr>
-          </a:p>
-          <a:p>
-            <a:pPr marL="457200" indent="-457200" algn="l">
-              <a:buFont typeface="Wingdings" pitchFamily="2" charset="2"/>
-              <a:buChar char="ü"/>
-            </a:pPr>
-            <a:endParaRPr lang="es-ES" dirty="0" smtClean="0">
-              <a:latin typeface="Arial Narrow" pitchFamily="34" charset="0"/>
-            </a:endParaRPr>
-          </a:p>
-          <a:p>
-            <a:pPr lvl="1" algn="l"/>
-            <a:endParaRPr lang="es-ES" dirty="0">
+        </p:txBody>
+      </p:sp>
+      <p:sp>
+        <p:nvSpPr>
+          <p:cNvPr id="13" name="12 CuadroTexto"/>
+          <p:cNvSpPr txBox="1"/>
+          <p:nvPr/>
+        </p:nvSpPr>
+        <p:spPr>
+          <a:xfrm>
+            <a:off x="1331640" y="6365927"/>
+            <a:ext cx="5328592" cy="369332"/>
+          </a:xfrm>
+          <a:prstGeom prst="rect">
+            <a:avLst/>
+          </a:prstGeom>
+          <a:noFill/>
+        </p:spPr>
+        <p:txBody>
+          <a:bodyPr wrap="square" rtlCol="0">
+            <a:spAutoFit/>
+          </a:bodyPr>
+          <a:lstStyle/>
+          <a:p>
+            <a:pPr algn="ctr"/>
+            <a:r>
+              <a:rPr lang="es-ES" b="1" i="1" dirty="0" smtClean="0">
+                <a:solidFill>
+                  <a:schemeClr val="tx1">
+                    <a:lumMod val="50000"/>
+                    <a:lumOff val="50000"/>
+                  </a:schemeClr>
+                </a:solidFill>
+                <a:latin typeface="Arial Narrow" pitchFamily="34" charset="0"/>
+              </a:rPr>
+              <a:t>28</a:t>
+            </a:r>
+            <a:endParaRPr lang="es-ES" b="1" i="1" dirty="0">
+              <a:solidFill>
+                <a:schemeClr val="tx1">
+                  <a:lumMod val="50000"/>
+                  <a:lumOff val="50000"/>
+                </a:schemeClr>
+              </a:solidFill>
               <a:latin typeface="Arial Narrow" pitchFamily="34" charset="0"/>
             </a:endParaRPr>
           </a:p>
@@ -33876,172 +32545,6 @@
           </a:p>
         </p:txBody>
       </p:sp>
-      <p:sp>
-        <p:nvSpPr>
-          <p:cNvPr id="10" name="9 CuadroTexto"/>
-          <p:cNvSpPr txBox="1"/>
-          <p:nvPr/>
-        </p:nvSpPr>
-        <p:spPr>
-          <a:xfrm>
-            <a:off x="1331640" y="6365927"/>
-            <a:ext cx="5328592" cy="307777"/>
-          </a:xfrm>
-          <a:prstGeom prst="rect">
-            <a:avLst/>
-          </a:prstGeom>
-          <a:noFill/>
-        </p:spPr>
-        <p:txBody>
-          <a:bodyPr wrap="square" rtlCol="0">
-            <a:spAutoFit/>
-          </a:bodyPr>
-          <a:lstStyle/>
-          <a:p>
-            <a:r>
-              <a:rPr lang="es-ES" sz="1400" b="1" i="1" dirty="0" smtClean="0">
-                <a:solidFill>
-                  <a:schemeClr val="tx1">
-                    <a:lumMod val="50000"/>
-                    <a:lumOff val="50000"/>
-                  </a:schemeClr>
-                </a:solidFill>
-                <a:latin typeface="Arial Narrow" pitchFamily="34" charset="0"/>
-              </a:rPr>
-              <a:t>Comp. </a:t>
-            </a:r>
-            <a:r>
-              <a:rPr lang="es-ES" sz="1400" b="1" i="1" dirty="0" err="1" smtClean="0">
-                <a:solidFill>
-                  <a:schemeClr val="tx1">
-                    <a:lumMod val="50000"/>
-                    <a:lumOff val="50000"/>
-                  </a:schemeClr>
-                </a:solidFill>
-                <a:latin typeface="Arial Narrow" pitchFamily="34" charset="0"/>
-              </a:rPr>
-              <a:t>Posturographic</a:t>
-            </a:r>
-            <a:r>
-              <a:rPr lang="es-ES" sz="1400" b="1" i="1" dirty="0" smtClean="0">
-                <a:solidFill>
-                  <a:schemeClr val="tx1">
-                    <a:lumMod val="50000"/>
-                    <a:lumOff val="50000"/>
-                  </a:schemeClr>
-                </a:solidFill>
-                <a:latin typeface="Arial Narrow" pitchFamily="34" charset="0"/>
-              </a:rPr>
-              <a:t> </a:t>
-            </a:r>
-            <a:r>
-              <a:rPr lang="es-ES" sz="1400" b="1" i="1" dirty="0" err="1" smtClean="0">
-                <a:solidFill>
-                  <a:schemeClr val="tx1">
-                    <a:lumMod val="50000"/>
-                    <a:lumOff val="50000"/>
-                  </a:schemeClr>
-                </a:solidFill>
-                <a:latin typeface="Arial Narrow" pitchFamily="34" charset="0"/>
-              </a:rPr>
-              <a:t>Body-Swad</a:t>
-            </a:r>
-            <a:r>
-              <a:rPr lang="es-ES" sz="1400" b="1" i="1" dirty="0" smtClean="0">
-                <a:solidFill>
-                  <a:schemeClr val="tx1">
-                    <a:lumMod val="50000"/>
-                    <a:lumOff val="50000"/>
-                  </a:schemeClr>
-                </a:solidFill>
-                <a:latin typeface="Arial Narrow" pitchFamily="34" charset="0"/>
-              </a:rPr>
-              <a:t> </a:t>
-            </a:r>
-            <a:r>
-              <a:rPr lang="es-ES" sz="1400" b="1" i="1" dirty="0" err="1" smtClean="0">
-                <a:solidFill>
-                  <a:schemeClr val="tx1">
-                    <a:lumMod val="50000"/>
-                    <a:lumOff val="50000"/>
-                  </a:schemeClr>
-                </a:solidFill>
-                <a:latin typeface="Arial Narrow" pitchFamily="34" charset="0"/>
-              </a:rPr>
-              <a:t>measurements</a:t>
-            </a:r>
-            <a:r>
-              <a:rPr lang="es-ES" sz="1400" b="1" i="1" dirty="0" smtClean="0">
-                <a:solidFill>
-                  <a:schemeClr val="tx1">
-                    <a:lumMod val="50000"/>
-                    <a:lumOff val="50000"/>
-                  </a:schemeClr>
-                </a:solidFill>
-                <a:latin typeface="Arial Narrow" pitchFamily="34" charset="0"/>
-              </a:rPr>
-              <a:t> </a:t>
-            </a:r>
-            <a:r>
-              <a:rPr lang="es-ES" sz="1400" b="1" i="1" dirty="0" err="1" smtClean="0">
-                <a:solidFill>
-                  <a:schemeClr val="tx1">
-                    <a:lumMod val="50000"/>
-                    <a:lumOff val="50000"/>
-                  </a:schemeClr>
-                </a:solidFill>
-                <a:latin typeface="Arial Narrow" pitchFamily="34" charset="0"/>
-              </a:rPr>
-              <a:t>with</a:t>
-            </a:r>
-            <a:r>
-              <a:rPr lang="es-ES" sz="1400" b="1" i="1" dirty="0" smtClean="0">
-                <a:solidFill>
-                  <a:schemeClr val="tx1">
-                    <a:lumMod val="50000"/>
-                    <a:lumOff val="50000"/>
-                  </a:schemeClr>
-                </a:solidFill>
-                <a:latin typeface="Arial Narrow" pitchFamily="34" charset="0"/>
-              </a:rPr>
-              <a:t> </a:t>
-            </a:r>
-            <a:r>
-              <a:rPr lang="es-ES" sz="1400" b="1" i="1" dirty="0" err="1" smtClean="0">
-                <a:solidFill>
-                  <a:schemeClr val="tx1">
-                    <a:lumMod val="50000"/>
-                    <a:lumOff val="50000"/>
-                  </a:schemeClr>
-                </a:solidFill>
-                <a:latin typeface="Arial Narrow" pitchFamily="34" charset="0"/>
-              </a:rPr>
-              <a:t>Inertail</a:t>
-            </a:r>
-            <a:r>
-              <a:rPr lang="es-ES" sz="1400" b="1" i="1" dirty="0" smtClean="0">
-                <a:solidFill>
-                  <a:schemeClr val="tx1">
-                    <a:lumMod val="50000"/>
-                    <a:lumOff val="50000"/>
-                  </a:schemeClr>
-                </a:solidFill>
-                <a:latin typeface="Arial Narrow" pitchFamily="34" charset="0"/>
-              </a:rPr>
-              <a:t> data in PD</a:t>
-            </a:r>
-            <a:endParaRPr lang="es-ES" sz="1400" b="1" i="1" dirty="0">
-              <a:solidFill>
-                <a:schemeClr val="tx1">
-                  <a:lumMod val="50000"/>
-                  <a:lumOff val="50000"/>
-                </a:schemeClr>
-              </a:solidFill>
-              <a:latin typeface="Arial Narrow" pitchFamily="34" charset="0"/>
-            </a:endParaRPr>
-          </a:p>
-        </p:txBody>
-      </p:sp>
       <p:pic>
         <p:nvPicPr>
           <p:cNvPr id="11" name="Picture 2"/>
@@ -34197,6 +32700,53 @@
           </a:prstGeom>
         </p:spPr>
       </p:pic>
+      <p:sp>
+        <p:nvSpPr>
+          <p:cNvPr id="13" name="12 CuadroTexto"/>
+          <p:cNvSpPr txBox="1"/>
+          <p:nvPr/>
+        </p:nvSpPr>
+        <p:spPr>
+          <a:xfrm>
+            <a:off x="1331640" y="6365927"/>
+            <a:ext cx="5328592" cy="369332"/>
+          </a:xfrm>
+          <a:prstGeom prst="rect">
+            <a:avLst/>
+          </a:prstGeom>
+          <a:noFill/>
+        </p:spPr>
+        <p:txBody>
+          <a:bodyPr wrap="square" rtlCol="0">
+            <a:spAutoFit/>
+          </a:bodyPr>
+          <a:lstStyle/>
+          <a:p>
+            <a:pPr algn="ctr"/>
+            <a:r>
+              <a:rPr lang="es-ES" b="1" i="1" dirty="0" smtClean="0">
+                <a:solidFill>
+                  <a:schemeClr val="tx1">
+                    <a:lumMod val="50000"/>
+                    <a:lumOff val="50000"/>
+                  </a:schemeClr>
+                </a:solidFill>
+                <a:latin typeface="Arial Narrow" pitchFamily="34" charset="0"/>
+              </a:rPr>
+              <a:t>29</a:t>
+            </a:r>
+            <a:endParaRPr lang="es-ES" b="1" i="1" dirty="0">
+              <a:solidFill>
+                <a:schemeClr val="tx1">
+                  <a:lumMod val="50000"/>
+                  <a:lumOff val="50000"/>
+                </a:schemeClr>
+              </a:solidFill>
+              <a:latin typeface="Arial Narrow" pitchFamily="34" charset="0"/>
+            </a:endParaRPr>
+          </a:p>
+        </p:txBody>
+      </p:sp>
     </p:spTree>
     <p:extLst>
       <p:ext uri="{BB962C8B-B14F-4D97-AF65-F5344CB8AC3E}">
@@ -35859,14 +34409,14 @@
       </p:pic>
       <p:sp>
         <p:nvSpPr>
-          <p:cNvPr id="23" name="22 CuadroTexto"/>
+          <p:cNvPr id="24" name="23 CuadroTexto"/>
           <p:cNvSpPr txBox="1"/>
           <p:nvPr/>
         </p:nvSpPr>
         <p:spPr>
           <a:xfrm>
             <a:off x="1331640" y="6365927"/>
-            <a:ext cx="5328592" cy="307777"/>
+            <a:ext cx="5328592" cy="369332"/>
           </a:xfrm>
           <a:prstGeom prst="rect">
             <a:avLst/>
@@ -35879,8 +34429,9 @@
           </a:bodyPr>
           <a:lstStyle/>
           <a:p>
-            <a:r>
-              <a:rPr lang="es-ES" sz="1400" b="1" i="1" dirty="0" smtClean="0">
+            <a:pPr algn="ctr"/>
+            <a:r>
+              <a:rPr lang="es-ES" b="1" i="1" dirty="0" smtClean="0">
                 <a:solidFill>
                   <a:schemeClr val="tx1">
                     <a:lumMod val="50000"/>
@@ -35889,129 +34440,9 @@
                 </a:solidFill>
                 <a:latin typeface="Arial Narrow" pitchFamily="34" charset="0"/>
               </a:rPr>
-              <a:t>Comp. </a:t>
-            </a:r>
-            <a:r>
-              <a:rPr lang="es-ES" sz="1400" b="1" i="1" dirty="0" err="1" smtClean="0">
-                <a:solidFill>
-                  <a:schemeClr val="tx1">
-                    <a:lumMod val="50000"/>
-                    <a:lumOff val="50000"/>
-                  </a:schemeClr>
-                </a:solidFill>
-                <a:latin typeface="Arial Narrow" pitchFamily="34" charset="0"/>
-              </a:rPr>
-              <a:t>Posturographic</a:t>
-            </a:r>
-            <a:r>
-              <a:rPr lang="es-ES" sz="1400" b="1" i="1" dirty="0" smtClean="0">
-                <a:solidFill>
-                  <a:schemeClr val="tx1">
-                    <a:lumMod val="50000"/>
-                    <a:lumOff val="50000"/>
-                  </a:schemeClr>
-                </a:solidFill>
-                <a:latin typeface="Arial Narrow" pitchFamily="34" charset="0"/>
-              </a:rPr>
-              <a:t> </a:t>
-            </a:r>
-            <a:r>
-              <a:rPr lang="es-ES" sz="1400" b="1" i="1" dirty="0" err="1" smtClean="0">
-                <a:solidFill>
-                  <a:schemeClr val="tx1">
-                    <a:lumMod val="50000"/>
-                    <a:lumOff val="50000"/>
-                  </a:schemeClr>
-                </a:solidFill>
-                <a:latin typeface="Arial Narrow" pitchFamily="34" charset="0"/>
-              </a:rPr>
-              <a:t>Body-Swad</a:t>
-            </a:r>
-            <a:r>
-              <a:rPr lang="es-ES" sz="1400" b="1" i="1" dirty="0" smtClean="0">
-                <a:solidFill>
-                  <a:schemeClr val="tx1">
-                    <a:lumMod val="50000"/>
-                    <a:lumOff val="50000"/>
-                  </a:schemeClr>
-                </a:solidFill>
-                <a:latin typeface="Arial Narrow" pitchFamily="34" charset="0"/>
-              </a:rPr>
-              <a:t> </a:t>
-            </a:r>
-            <a:r>
-              <a:rPr lang="es-ES" sz="1400" b="1" i="1" dirty="0" err="1" smtClean="0">
-                <a:solidFill>
-                  <a:schemeClr val="tx1">
-                    <a:lumMod val="50000"/>
-                    <a:lumOff val="50000"/>
-                  </a:schemeClr>
-                </a:solidFill>
-                <a:latin typeface="Arial Narrow" pitchFamily="34" charset="0"/>
-              </a:rPr>
-              <a:t>measurements</a:t>
-            </a:r>
-            <a:r>
-              <a:rPr lang="es-ES" sz="1400" b="1" i="1" dirty="0" smtClean="0">
-                <a:solidFill>
-                  <a:schemeClr val="tx1">
-                    <a:lumMod val="50000"/>
-                    <a:lumOff val="50000"/>
-                  </a:schemeClr>
-                </a:solidFill>
-                <a:latin typeface="Arial Narrow" pitchFamily="34" charset="0"/>
-              </a:rPr>
-              <a:t> </a:t>
-            </a:r>
-            <a:r>
-              <a:rPr lang="es-ES" sz="1400" b="1" i="1" dirty="0" err="1" smtClean="0">
-                <a:solidFill>
-                  <a:schemeClr val="tx1">
-                    <a:lumMod val="50000"/>
-                    <a:lumOff val="50000"/>
-                  </a:schemeClr>
-                </a:solidFill>
-                <a:latin typeface="Arial Narrow" pitchFamily="34" charset="0"/>
-              </a:rPr>
-              <a:t>with</a:t>
-            </a:r>
-            <a:r>
-              <a:rPr lang="es-ES" sz="1400" b="1" i="1" dirty="0" smtClean="0">
-                <a:solidFill>
-                  <a:schemeClr val="tx1">
-                    <a:lumMod val="50000"/>
-                    <a:lumOff val="50000"/>
-                  </a:schemeClr>
-                </a:solidFill>
-                <a:latin typeface="Arial Narrow" pitchFamily="34" charset="0"/>
-              </a:rPr>
-              <a:t> </a:t>
-            </a:r>
-            <a:r>
-              <a:rPr lang="es-ES" sz="1400" b="1" i="1" dirty="0" err="1" smtClean="0">
-                <a:solidFill>
-                  <a:schemeClr val="tx1">
-                    <a:lumMod val="50000"/>
-                    <a:lumOff val="50000"/>
-                  </a:schemeClr>
-                </a:solidFill>
-                <a:latin typeface="Arial Narrow" pitchFamily="34" charset="0"/>
-              </a:rPr>
-              <a:t>Inertail</a:t>
-            </a:r>
-            <a:r>
-              <a:rPr lang="es-ES" sz="1400" b="1" i="1" dirty="0" smtClean="0">
-                <a:solidFill>
-                  <a:schemeClr val="tx1">
-                    <a:lumMod val="50000"/>
-                    <a:lumOff val="50000"/>
-                  </a:schemeClr>
-                </a:solidFill>
-                <a:latin typeface="Arial Narrow" pitchFamily="34" charset="0"/>
-              </a:rPr>
-              <a:t> data in PD</a:t>
-            </a:r>
-            <a:endParaRPr lang="es-ES" sz="1400" b="1" i="1" dirty="0">
+              <a:t>3</a:t>
+            </a:r>
+            <a:endParaRPr lang="es-ES" b="1" i="1" dirty="0">
               <a:solidFill>
                 <a:schemeClr val="tx1">
                   <a:lumMod val="50000"/>
@@ -38177,172 +36608,6 @@
           </a:p>
         </p:txBody>
       </p:sp>
-      <p:sp>
-        <p:nvSpPr>
-          <p:cNvPr id="19" name="18 CuadroTexto"/>
-          <p:cNvSpPr txBox="1"/>
-          <p:nvPr/>
-        </p:nvSpPr>
-        <p:spPr>
-          <a:xfrm>
-            <a:off x="1331640" y="6365927"/>
-            <a:ext cx="5328592" cy="307777"/>
-          </a:xfrm>
-          <a:prstGeom prst="rect">
-            <a:avLst/>
-          </a:prstGeom>
-          <a:noFill/>
-        </p:spPr>
-        <p:txBody>
-          <a:bodyPr wrap="square" rtlCol="0">
-            <a:spAutoFit/>
-          </a:bodyPr>
-          <a:lstStyle/>
-          <a:p>
-            <a:r>
-              <a:rPr lang="es-ES" sz="1400" b="1" i="1" dirty="0" smtClean="0">
-                <a:solidFill>
-                  <a:schemeClr val="tx1">
-                    <a:lumMod val="50000"/>
-                    <a:lumOff val="50000"/>
-                  </a:schemeClr>
-                </a:solidFill>
-                <a:latin typeface="Arial Narrow" pitchFamily="34" charset="0"/>
-              </a:rPr>
-              <a:t>Comp. </a:t>
-            </a:r>
-            <a:r>
-              <a:rPr lang="es-ES" sz="1400" b="1" i="1" dirty="0" err="1" smtClean="0">
-                <a:solidFill>
-                  <a:schemeClr val="tx1">
-                    <a:lumMod val="50000"/>
-                    <a:lumOff val="50000"/>
-                  </a:schemeClr>
-                </a:solidFill>
-                <a:latin typeface="Arial Narrow" pitchFamily="34" charset="0"/>
-              </a:rPr>
-              <a:t>Posturographic</a:t>
-            </a:r>
-            <a:r>
-              <a:rPr lang="es-ES" sz="1400" b="1" i="1" dirty="0" smtClean="0">
-                <a:solidFill>
-                  <a:schemeClr val="tx1">
-                    <a:lumMod val="50000"/>
-                    <a:lumOff val="50000"/>
-                  </a:schemeClr>
-                </a:solidFill>
-                <a:latin typeface="Arial Narrow" pitchFamily="34" charset="0"/>
-              </a:rPr>
-              <a:t> </a:t>
-            </a:r>
-            <a:r>
-              <a:rPr lang="es-ES" sz="1400" b="1" i="1" dirty="0" err="1" smtClean="0">
-                <a:solidFill>
-                  <a:schemeClr val="tx1">
-                    <a:lumMod val="50000"/>
-                    <a:lumOff val="50000"/>
-                  </a:schemeClr>
-                </a:solidFill>
-                <a:latin typeface="Arial Narrow" pitchFamily="34" charset="0"/>
-              </a:rPr>
-              <a:t>Body-Swad</a:t>
-            </a:r>
-            <a:r>
-              <a:rPr lang="es-ES" sz="1400" b="1" i="1" dirty="0" smtClean="0">
-                <a:solidFill>
-                  <a:schemeClr val="tx1">
-                    <a:lumMod val="50000"/>
-                    <a:lumOff val="50000"/>
-                  </a:schemeClr>
-                </a:solidFill>
-                <a:latin typeface="Arial Narrow" pitchFamily="34" charset="0"/>
-              </a:rPr>
-              <a:t> </a:t>
-            </a:r>
-            <a:r>
-              <a:rPr lang="es-ES" sz="1400" b="1" i="1" dirty="0" err="1" smtClean="0">
-                <a:solidFill>
-                  <a:schemeClr val="tx1">
-                    <a:lumMod val="50000"/>
-                    <a:lumOff val="50000"/>
-                  </a:schemeClr>
-                </a:solidFill>
-                <a:latin typeface="Arial Narrow" pitchFamily="34" charset="0"/>
-              </a:rPr>
-              <a:t>measurements</a:t>
-            </a:r>
-            <a:r>
-              <a:rPr lang="es-ES" sz="1400" b="1" i="1" dirty="0" smtClean="0">
-                <a:solidFill>
-                  <a:schemeClr val="tx1">
-                    <a:lumMod val="50000"/>
-                    <a:lumOff val="50000"/>
-                  </a:schemeClr>
-                </a:solidFill>
-                <a:latin typeface="Arial Narrow" pitchFamily="34" charset="0"/>
-              </a:rPr>
-              <a:t> </a:t>
-            </a:r>
-            <a:r>
-              <a:rPr lang="es-ES" sz="1400" b="1" i="1" dirty="0" err="1" smtClean="0">
-                <a:solidFill>
-                  <a:schemeClr val="tx1">
-                    <a:lumMod val="50000"/>
-                    <a:lumOff val="50000"/>
-                  </a:schemeClr>
-                </a:solidFill>
-                <a:latin typeface="Arial Narrow" pitchFamily="34" charset="0"/>
-              </a:rPr>
-              <a:t>with</a:t>
-            </a:r>
-            <a:r>
-              <a:rPr lang="es-ES" sz="1400" b="1" i="1" dirty="0" smtClean="0">
-                <a:solidFill>
-                  <a:schemeClr val="tx1">
-                    <a:lumMod val="50000"/>
-                    <a:lumOff val="50000"/>
-                  </a:schemeClr>
-                </a:solidFill>
-                <a:latin typeface="Arial Narrow" pitchFamily="34" charset="0"/>
-              </a:rPr>
-              <a:t> </a:t>
-            </a:r>
-            <a:r>
-              <a:rPr lang="es-ES" sz="1400" b="1" i="1" dirty="0" err="1" smtClean="0">
-                <a:solidFill>
-                  <a:schemeClr val="tx1">
-                    <a:lumMod val="50000"/>
-                    <a:lumOff val="50000"/>
-                  </a:schemeClr>
-                </a:solidFill>
-                <a:latin typeface="Arial Narrow" pitchFamily="34" charset="0"/>
-              </a:rPr>
-              <a:t>Inertail</a:t>
-            </a:r>
-            <a:r>
-              <a:rPr lang="es-ES" sz="1400" b="1" i="1" dirty="0" smtClean="0">
-                <a:solidFill>
-                  <a:schemeClr val="tx1">
-                    <a:lumMod val="50000"/>
-                    <a:lumOff val="50000"/>
-                  </a:schemeClr>
-                </a:solidFill>
-                <a:latin typeface="Arial Narrow" pitchFamily="34" charset="0"/>
-              </a:rPr>
-              <a:t> data in PD</a:t>
-            </a:r>
-            <a:endParaRPr lang="es-ES" sz="1400" b="1" i="1" dirty="0">
-              <a:solidFill>
-                <a:schemeClr val="tx1">
-                  <a:lumMod val="50000"/>
-                  <a:lumOff val="50000"/>
-                </a:schemeClr>
-              </a:solidFill>
-              <a:latin typeface="Arial Narrow" pitchFamily="34" charset="0"/>
-            </a:endParaRPr>
-          </a:p>
-        </p:txBody>
-      </p:sp>
       <p:pic>
         <p:nvPicPr>
           <p:cNvPr id="20" name="Picture 2"/>
@@ -38407,6 +36672,53 @@
           </a:extLst>
         </p:spPr>
       </p:pic>
+      <p:sp>
+        <p:nvSpPr>
+          <p:cNvPr id="25" name="24 CuadroTexto"/>
+          <p:cNvSpPr txBox="1"/>
+          <p:nvPr/>
+        </p:nvSpPr>
+        <p:spPr>
+          <a:xfrm>
+            <a:off x="1331640" y="6365927"/>
+            <a:ext cx="5328592" cy="369332"/>
+          </a:xfrm>
+          <a:prstGeom prst="rect">
+            <a:avLst/>
+          </a:prstGeom>
+          <a:noFill/>
+        </p:spPr>
+        <p:txBody>
+          <a:bodyPr wrap="square" rtlCol="0">
+            <a:spAutoFit/>
+          </a:bodyPr>
+          <a:lstStyle/>
+          <a:p>
+            <a:pPr algn="ctr"/>
+            <a:r>
+              <a:rPr lang="es-ES" b="1" i="1" dirty="0" smtClean="0">
+                <a:solidFill>
+                  <a:schemeClr val="tx1">
+                    <a:lumMod val="50000"/>
+                    <a:lumOff val="50000"/>
+                  </a:schemeClr>
+                </a:solidFill>
+                <a:latin typeface="Arial Narrow" pitchFamily="34" charset="0"/>
+              </a:rPr>
+              <a:t>4</a:t>
+            </a:r>
+            <a:endParaRPr lang="es-ES" b="1" i="1" dirty="0">
+              <a:solidFill>
+                <a:schemeClr val="tx1">
+                  <a:lumMod val="50000"/>
+                  <a:lumOff val="50000"/>
+                </a:schemeClr>
+              </a:solidFill>
+              <a:latin typeface="Arial Narrow" pitchFamily="34" charset="0"/>
+            </a:endParaRPr>
+          </a:p>
+        </p:txBody>
+      </p:sp>
     </p:spTree>
     <p:extLst>
       <p:ext uri="{BB962C8B-B14F-4D97-AF65-F5344CB8AC3E}">
@@ -39790,172 +38102,6 @@
           </a:graphicData>
         </a:graphic>
       </p:graphicFrame>
-      <p:sp>
-        <p:nvSpPr>
-          <p:cNvPr id="12" name="11 CuadroTexto"/>
-          <p:cNvSpPr txBox="1"/>
-          <p:nvPr/>
-        </p:nvSpPr>
-        <p:spPr>
-          <a:xfrm>
-            <a:off x="1331640" y="6365927"/>
-            <a:ext cx="5328592" cy="307777"/>
-          </a:xfrm>
-          <a:prstGeom prst="rect">
-            <a:avLst/>
-          </a:prstGeom>
-          <a:noFill/>
-        </p:spPr>
-        <p:txBody>
-          <a:bodyPr wrap="square" rtlCol="0">
-            <a:spAutoFit/>
-          </a:bodyPr>
-          <a:lstStyle/>
-          <a:p>
-            <a:r>
-              <a:rPr lang="es-ES" sz="1400" b="1" i="1" dirty="0" smtClean="0">
-                <a:solidFill>
-                  <a:schemeClr val="tx1">
-                    <a:lumMod val="50000"/>
-                    <a:lumOff val="50000"/>
-                  </a:schemeClr>
-                </a:solidFill>
-                <a:latin typeface="Arial Narrow" pitchFamily="34" charset="0"/>
-              </a:rPr>
-              <a:t>Comp. </a:t>
-            </a:r>
-            <a:r>
-              <a:rPr lang="es-ES" sz="1400" b="1" i="1" dirty="0" err="1" smtClean="0">
-                <a:solidFill>
-                  <a:schemeClr val="tx1">
-                    <a:lumMod val="50000"/>
-                    <a:lumOff val="50000"/>
-                  </a:schemeClr>
-                </a:solidFill>
-                <a:latin typeface="Arial Narrow" pitchFamily="34" charset="0"/>
-              </a:rPr>
-              <a:t>Posturographic</a:t>
-            </a:r>
-            <a:r>
-              <a:rPr lang="es-ES" sz="1400" b="1" i="1" dirty="0" smtClean="0">
-                <a:solidFill>
-                  <a:schemeClr val="tx1">
-                    <a:lumMod val="50000"/>
-                    <a:lumOff val="50000"/>
-                  </a:schemeClr>
-                </a:solidFill>
-                <a:latin typeface="Arial Narrow" pitchFamily="34" charset="0"/>
-              </a:rPr>
-              <a:t> </a:t>
-            </a:r>
-            <a:r>
-              <a:rPr lang="es-ES" sz="1400" b="1" i="1" dirty="0" err="1" smtClean="0">
-                <a:solidFill>
-                  <a:schemeClr val="tx1">
-                    <a:lumMod val="50000"/>
-                    <a:lumOff val="50000"/>
-                  </a:schemeClr>
-                </a:solidFill>
-                <a:latin typeface="Arial Narrow" pitchFamily="34" charset="0"/>
-              </a:rPr>
-              <a:t>Body-Swad</a:t>
-            </a:r>
-            <a:r>
-              <a:rPr lang="es-ES" sz="1400" b="1" i="1" dirty="0" smtClean="0">
-                <a:solidFill>
-                  <a:schemeClr val="tx1">
-                    <a:lumMod val="50000"/>
-                    <a:lumOff val="50000"/>
-                  </a:schemeClr>
-                </a:solidFill>
-                <a:latin typeface="Arial Narrow" pitchFamily="34" charset="0"/>
-              </a:rPr>
-              <a:t> </a:t>
-            </a:r>
-            <a:r>
-              <a:rPr lang="es-ES" sz="1400" b="1" i="1" dirty="0" err="1" smtClean="0">
-                <a:solidFill>
-                  <a:schemeClr val="tx1">
-                    <a:lumMod val="50000"/>
-                    <a:lumOff val="50000"/>
-                  </a:schemeClr>
-                </a:solidFill>
-                <a:latin typeface="Arial Narrow" pitchFamily="34" charset="0"/>
-              </a:rPr>
-              <a:t>measurements</a:t>
-            </a:r>
-            <a:r>
-              <a:rPr lang="es-ES" sz="1400" b="1" i="1" dirty="0" smtClean="0">
-                <a:solidFill>
-                  <a:schemeClr val="tx1">
-                    <a:lumMod val="50000"/>
-                    <a:lumOff val="50000"/>
-                  </a:schemeClr>
-                </a:solidFill>
-                <a:latin typeface="Arial Narrow" pitchFamily="34" charset="0"/>
-              </a:rPr>
-              <a:t> </a:t>
-            </a:r>
-            <a:r>
-              <a:rPr lang="es-ES" sz="1400" b="1" i="1" dirty="0" err="1" smtClean="0">
-                <a:solidFill>
-                  <a:schemeClr val="tx1">
-                    <a:lumMod val="50000"/>
-                    <a:lumOff val="50000"/>
-                  </a:schemeClr>
-                </a:solidFill>
-                <a:latin typeface="Arial Narrow" pitchFamily="34" charset="0"/>
-              </a:rPr>
-              <a:t>with</a:t>
-            </a:r>
-            <a:r>
-              <a:rPr lang="es-ES" sz="1400" b="1" i="1" dirty="0" smtClean="0">
-                <a:solidFill>
-                  <a:schemeClr val="tx1">
-                    <a:lumMod val="50000"/>
-                    <a:lumOff val="50000"/>
-                  </a:schemeClr>
-                </a:solidFill>
-                <a:latin typeface="Arial Narrow" pitchFamily="34" charset="0"/>
-              </a:rPr>
-              <a:t> </a:t>
-            </a:r>
-            <a:r>
-              <a:rPr lang="es-ES" sz="1400" b="1" i="1" dirty="0" err="1" smtClean="0">
-                <a:solidFill>
-                  <a:schemeClr val="tx1">
-                    <a:lumMod val="50000"/>
-                    <a:lumOff val="50000"/>
-                  </a:schemeClr>
-                </a:solidFill>
-                <a:latin typeface="Arial Narrow" pitchFamily="34" charset="0"/>
-              </a:rPr>
-              <a:t>Inertail</a:t>
-            </a:r>
-            <a:r>
-              <a:rPr lang="es-ES" sz="1400" b="1" i="1" dirty="0" smtClean="0">
-                <a:solidFill>
-                  <a:schemeClr val="tx1">
-                    <a:lumMod val="50000"/>
-                    <a:lumOff val="50000"/>
-                  </a:schemeClr>
-                </a:solidFill>
-                <a:latin typeface="Arial Narrow" pitchFamily="34" charset="0"/>
-              </a:rPr>
-              <a:t> data in PD</a:t>
-            </a:r>
-            <a:endParaRPr lang="es-ES" sz="1400" b="1" i="1" dirty="0">
-              <a:solidFill>
-                <a:schemeClr val="tx1">
-                  <a:lumMod val="50000"/>
-                  <a:lumOff val="50000"/>
-                </a:schemeClr>
-              </a:solidFill>
-              <a:latin typeface="Arial Narrow" pitchFamily="34" charset="0"/>
-            </a:endParaRPr>
-          </a:p>
-        </p:txBody>
-      </p:sp>
       <p:pic>
         <p:nvPicPr>
           <p:cNvPr id="13" name="Picture 2"/>
@@ -40020,6 +38166,53 @@
           </a:extLst>
         </p:spPr>
       </p:pic>
+      <p:sp>
+        <p:nvSpPr>
+          <p:cNvPr id="14" name="13 CuadroTexto"/>
+          <p:cNvSpPr txBox="1"/>
+          <p:nvPr/>
+        </p:nvSpPr>
+        <p:spPr>
+          <a:xfrm>
+            <a:off x="1342937" y="6365927"/>
+            <a:ext cx="5328592" cy="369332"/>
+          </a:xfrm>
+          <a:prstGeom prst="rect">
+            <a:avLst/>
+          </a:prstGeom>
+          <a:noFill/>
+        </p:spPr>
+        <p:txBody>
+          <a:bodyPr wrap="square" rtlCol="0">
+            <a:spAutoFit/>
+          </a:bodyPr>
+          <a:lstStyle/>
+          <a:p>
+            <a:pPr algn="ctr"/>
+            <a:r>
+              <a:rPr lang="es-ES" b="1" i="1" dirty="0" smtClean="0">
+                <a:solidFill>
+                  <a:schemeClr val="tx1">
+                    <a:lumMod val="50000"/>
+                    <a:lumOff val="50000"/>
+                  </a:schemeClr>
+                </a:solidFill>
+                <a:latin typeface="Arial Narrow" pitchFamily="34" charset="0"/>
+              </a:rPr>
+              <a:t>5</a:t>
+            </a:r>
+            <a:endParaRPr lang="es-ES" b="1" i="1" dirty="0">
+              <a:solidFill>
+                <a:schemeClr val="tx1">
+                  <a:lumMod val="50000"/>
+                  <a:lumOff val="50000"/>
+                </a:schemeClr>
+              </a:solidFill>
+              <a:latin typeface="Arial Narrow" pitchFamily="34" charset="0"/>
+            </a:endParaRPr>
+          </a:p>
+        </p:txBody>
+      </p:sp>
     </p:spTree>
     <p:extLst>
       <p:ext uri="{BB962C8B-B14F-4D97-AF65-F5344CB8AC3E}">
@@ -40779,7 +38972,7 @@
         </p:nvSpPr>
         <p:spPr>
           <a:xfrm rot="10800000" flipH="1" flipV="1">
-            <a:off x="796291" y="4957719"/>
+            <a:off x="418043" y="4224350"/>
             <a:ext cx="1543461" cy="1200329"/>
           </a:xfrm>
           <a:prstGeom prst="rect">
@@ -40880,13 +39073,15 @@
       <p:cxnSp>
         <p:nvCxnSpPr>
           <p:cNvPr id="11" name="10 Conector recto de flecha"/>
-          <p:cNvCxnSpPr/>
+          <p:cNvCxnSpPr>
+            <a:stCxn id="2" idx="3"/>
+          </p:cNvCxnSpPr>
           <p:nvPr/>
         </p:nvCxnSpPr>
         <p:spPr>
           <a:xfrm flipV="1">
-            <a:off x="2145789" y="4653136"/>
-            <a:ext cx="770027" cy="720080"/>
+            <a:off x="1961504" y="4653136"/>
+            <a:ext cx="954312" cy="171379"/>
           </a:xfrm>
           <a:prstGeom prst="straightConnector1">
             <a:avLst/>
@@ -41342,172 +39537,6 @@
                 <a:schemeClr val="tx1">
                   <a:lumMod val="75000"/>
                   <a:lumOff val="25000"/>
-                </a:schemeClr>
-              </a:solidFill>
-              <a:latin typeface="Arial Narrow" pitchFamily="34" charset="0"/>
-            </a:endParaRPr>
-          </a:p>
-        </p:txBody>
-      </p:sp>
-      <p:sp>
-        <p:nvSpPr>
-          <p:cNvPr id="21" name="20 CuadroTexto"/>
-          <p:cNvSpPr txBox="1"/>
-          <p:nvPr/>
-        </p:nvSpPr>
-        <p:spPr>
-          <a:xfrm>
-            <a:off x="1331640" y="6365927"/>
-            <a:ext cx="5328592" cy="307777"/>
-          </a:xfrm>
-          <a:prstGeom prst="rect">
-            <a:avLst/>
-          </a:prstGeom>
-          <a:noFill/>
-        </p:spPr>
-        <p:txBody>
-          <a:bodyPr wrap="square" rtlCol="0">
-            <a:spAutoFit/>
-          </a:bodyPr>
-          <a:lstStyle/>
-          <a:p>
-            <a:r>
-              <a:rPr lang="es-ES" sz="1400" b="1" i="1" dirty="0" smtClean="0">
-                <a:solidFill>
-                  <a:schemeClr val="tx1">
-                    <a:lumMod val="50000"/>
-                    <a:lumOff val="50000"/>
-                  </a:schemeClr>
-                </a:solidFill>
-                <a:latin typeface="Arial Narrow" pitchFamily="34" charset="0"/>
-              </a:rPr>
-              <a:t>Comp. </a:t>
-            </a:r>
-            <a:r>
-              <a:rPr lang="es-ES" sz="1400" b="1" i="1" dirty="0" err="1" smtClean="0">
-                <a:solidFill>
-                  <a:schemeClr val="tx1">
-                    <a:lumMod val="50000"/>
-                    <a:lumOff val="50000"/>
-                  </a:schemeClr>
-                </a:solidFill>
-                <a:latin typeface="Arial Narrow" pitchFamily="34" charset="0"/>
-              </a:rPr>
-              <a:t>Posturographic</a:t>
-            </a:r>
-            <a:r>
-              <a:rPr lang="es-ES" sz="1400" b="1" i="1" dirty="0" smtClean="0">
-                <a:solidFill>
-                  <a:schemeClr val="tx1">
-                    <a:lumMod val="50000"/>
-                    <a:lumOff val="50000"/>
-                  </a:schemeClr>
-                </a:solidFill>
-                <a:latin typeface="Arial Narrow" pitchFamily="34" charset="0"/>
-              </a:rPr>
-              <a:t> </a:t>
-            </a:r>
-            <a:r>
-              <a:rPr lang="es-ES" sz="1400" b="1" i="1" dirty="0" err="1" smtClean="0">
-                <a:solidFill>
-                  <a:schemeClr val="tx1">
-                    <a:lumMod val="50000"/>
-                    <a:lumOff val="50000"/>
-                  </a:schemeClr>
-                </a:solidFill>
-                <a:latin typeface="Arial Narrow" pitchFamily="34" charset="0"/>
-              </a:rPr>
-              <a:t>Body-Swad</a:t>
-            </a:r>
-            <a:r>
-              <a:rPr lang="es-ES" sz="1400" b="1" i="1" dirty="0" smtClean="0">
-                <a:solidFill>
-                  <a:schemeClr val="tx1">
-                    <a:lumMod val="50000"/>
-                    <a:lumOff val="50000"/>
-                  </a:schemeClr>
-                </a:solidFill>
-                <a:latin typeface="Arial Narrow" pitchFamily="34" charset="0"/>
-              </a:rPr>
-              <a:t> </a:t>
-            </a:r>
-            <a:r>
-              <a:rPr lang="es-ES" sz="1400" b="1" i="1" dirty="0" err="1" smtClean="0">
-                <a:solidFill>
-                  <a:schemeClr val="tx1">
-                    <a:lumMod val="50000"/>
-                    <a:lumOff val="50000"/>
-                  </a:schemeClr>
-                </a:solidFill>
-                <a:latin typeface="Arial Narrow" pitchFamily="34" charset="0"/>
-              </a:rPr>
-              <a:t>measurements</a:t>
-            </a:r>
-            <a:r>
-              <a:rPr lang="es-ES" sz="1400" b="1" i="1" dirty="0" smtClean="0">
-                <a:solidFill>
-                  <a:schemeClr val="tx1">
-                    <a:lumMod val="50000"/>
-                    <a:lumOff val="50000"/>
-                  </a:schemeClr>
-                </a:solidFill>
-                <a:latin typeface="Arial Narrow" pitchFamily="34" charset="0"/>
-              </a:rPr>
-              <a:t> </a:t>
-            </a:r>
-            <a:r>
-              <a:rPr lang="es-ES" sz="1400" b="1" i="1" dirty="0" err="1" smtClean="0">
-                <a:solidFill>
-                  <a:schemeClr val="tx1">
-                    <a:lumMod val="50000"/>
-                    <a:lumOff val="50000"/>
-                  </a:schemeClr>
-                </a:solidFill>
-                <a:latin typeface="Arial Narrow" pitchFamily="34" charset="0"/>
-              </a:rPr>
-              <a:t>with</a:t>
-            </a:r>
-            <a:r>
-              <a:rPr lang="es-ES" sz="1400" b="1" i="1" dirty="0" smtClean="0">
-                <a:solidFill>
-                  <a:schemeClr val="tx1">
-                    <a:lumMod val="50000"/>
-                    <a:lumOff val="50000"/>
-                  </a:schemeClr>
-                </a:solidFill>
-                <a:latin typeface="Arial Narrow" pitchFamily="34" charset="0"/>
-              </a:rPr>
-              <a:t> </a:t>
-            </a:r>
-            <a:r>
-              <a:rPr lang="es-ES" sz="1400" b="1" i="1" dirty="0" err="1" smtClean="0">
-                <a:solidFill>
-                  <a:schemeClr val="tx1">
-                    <a:lumMod val="50000"/>
-                    <a:lumOff val="50000"/>
-                  </a:schemeClr>
-                </a:solidFill>
-                <a:latin typeface="Arial Narrow" pitchFamily="34" charset="0"/>
-              </a:rPr>
-              <a:t>Inertail</a:t>
-            </a:r>
-            <a:r>
-              <a:rPr lang="es-ES" sz="1400" b="1" i="1" dirty="0" smtClean="0">
-                <a:solidFill>
-                  <a:schemeClr val="tx1">
-                    <a:lumMod val="50000"/>
-                    <a:lumOff val="50000"/>
-                  </a:schemeClr>
-                </a:solidFill>
-                <a:latin typeface="Arial Narrow" pitchFamily="34" charset="0"/>
-              </a:rPr>
-              <a:t> data in PD</a:t>
-            </a:r>
-            <a:endParaRPr lang="es-ES" sz="1400" b="1" i="1" dirty="0">
-              <a:solidFill>
-                <a:schemeClr val="tx1">
-                  <a:lumMod val="50000"/>
-                  <a:lumOff val="50000"/>
                 </a:schemeClr>
               </a:solidFill>
               <a:latin typeface="Arial Narrow" pitchFamily="34" charset="0"/>
@@ -44735,6 +42764,232 @@
           </a:p>
         </p:txBody>
       </p:sp>
+      <p:sp>
+        <p:nvSpPr>
+          <p:cNvPr id="4" name="3 Marcador de número de diapositiva"/>
+          <p:cNvSpPr>
+            <a:spLocks noGrp="1"/>
+          </p:cNvSpPr>
+          <p:nvPr>
+            <p:ph type="sldNum" sz="quarter" idx="12"/>
+          </p:nvPr>
+        </p:nvSpPr>
+        <p:spPr/>
+        <p:txBody>
+          <a:bodyPr/>
+          <a:lstStyle/>
+          <a:p>
+            <a:fld id="{F2D1D08B-C82B-420D-B57B-371E8E2125CA}" type="slidenum">
+              <a:rPr lang="es-ES" smtClean="0"/>
+              <a:t>6</a:t>
+            </a:fld>
+            <a:endParaRPr lang="es-ES"/>
+          </a:p>
+        </p:txBody>
+      </p:sp>
+      <p:sp>
+        <p:nvSpPr>
+          <p:cNvPr id="77" name="76 CuadroTexto"/>
+          <p:cNvSpPr txBox="1"/>
+          <p:nvPr/>
+        </p:nvSpPr>
+        <p:spPr>
+          <a:xfrm>
+            <a:off x="1331640" y="6365927"/>
+            <a:ext cx="5328592" cy="369332"/>
+          </a:xfrm>
+          <a:prstGeom prst="rect">
+            <a:avLst/>
+          </a:prstGeom>
+          <a:noFill/>
+        </p:spPr>
+        <p:txBody>
+          <a:bodyPr wrap="square" rtlCol="0">
+            <a:spAutoFit/>
+          </a:bodyPr>
+          <a:lstStyle/>
+          <a:p>
+            <a:pPr algn="ctr"/>
+            <a:r>
+              <a:rPr lang="es-ES" b="1" i="1" dirty="0" smtClean="0">
+                <a:solidFill>
+                  <a:schemeClr val="tx1">
+                    <a:lumMod val="50000"/>
+                    <a:lumOff val="50000"/>
+                  </a:schemeClr>
+                </a:solidFill>
+                <a:latin typeface="Arial Narrow" pitchFamily="34" charset="0"/>
+              </a:rPr>
+              <a:t>6</a:t>
+            </a:r>
+            <a:endParaRPr lang="es-ES" b="1" i="1" dirty="0">
+              <a:solidFill>
+                <a:schemeClr val="tx1">
+                  <a:lumMod val="50000"/>
+                  <a:lumOff val="50000"/>
+                </a:schemeClr>
+              </a:solidFill>
+              <a:latin typeface="Arial Narrow" pitchFamily="34" charset="0"/>
+            </a:endParaRPr>
+          </a:p>
+        </p:txBody>
+      </p:sp>
+      <p:sp>
+        <p:nvSpPr>
+          <p:cNvPr id="78" name="77 CuadroTexto"/>
+          <p:cNvSpPr txBox="1"/>
+          <p:nvPr/>
+        </p:nvSpPr>
+        <p:spPr>
+          <a:xfrm>
+            <a:off x="1395248" y="6055845"/>
+            <a:ext cx="5328592" cy="307777"/>
+          </a:xfrm>
+          <a:prstGeom prst="rect">
+            <a:avLst/>
+          </a:prstGeom>
+          <a:noFill/>
+        </p:spPr>
+        <p:txBody>
+          <a:bodyPr wrap="square" rtlCol="0">
+            <a:spAutoFit/>
+          </a:bodyPr>
+          <a:lstStyle/>
+          <a:p>
+            <a:pPr algn="ctr"/>
+            <a:r>
+              <a:rPr lang="es-ES" sz="1400" b="1" i="1" dirty="0" smtClean="0">
+                <a:solidFill>
+                  <a:schemeClr val="tx1">
+                    <a:lumMod val="50000"/>
+                    <a:lumOff val="50000"/>
+                  </a:schemeClr>
+                </a:solidFill>
+                <a:latin typeface="Arial Narrow" pitchFamily="34" charset="0"/>
+              </a:rPr>
+              <a:t>[1] </a:t>
+            </a:r>
+            <a:r>
+              <a:rPr lang="es-ES" sz="1400" b="1" i="1" dirty="0" err="1" smtClean="0">
+                <a:solidFill>
+                  <a:schemeClr val="bg1">
+                    <a:lumMod val="50000"/>
+                  </a:schemeClr>
+                </a:solidFill>
+                <a:latin typeface="Arial Narrow" pitchFamily="34" charset="0"/>
+              </a:rPr>
+              <a:t>A.Olivares</a:t>
+            </a:r>
+            <a:r>
+              <a:rPr lang="es-ES" sz="1400" b="1" i="1" dirty="0" smtClean="0">
+                <a:solidFill>
+                  <a:schemeClr val="bg1">
+                    <a:lumMod val="50000"/>
+                  </a:schemeClr>
+                </a:solidFill>
+                <a:latin typeface="Arial Narrow" pitchFamily="34" charset="0"/>
+              </a:rPr>
+              <a:t> and </a:t>
+            </a:r>
+            <a:r>
+              <a:rPr lang="es-ES" sz="1400" b="1" i="1" dirty="0" err="1" smtClean="0">
+                <a:solidFill>
+                  <a:schemeClr val="bg1">
+                    <a:lumMod val="50000"/>
+                  </a:schemeClr>
+                </a:solidFill>
+                <a:latin typeface="Arial Narrow" pitchFamily="34" charset="0"/>
+              </a:rPr>
+              <a:t>Kai</a:t>
+            </a:r>
+            <a:r>
+              <a:rPr lang="es-ES" sz="1400" b="1" i="1" dirty="0" smtClean="0">
+                <a:solidFill>
+                  <a:schemeClr val="bg1">
+                    <a:lumMod val="50000"/>
+                  </a:schemeClr>
+                </a:solidFill>
+                <a:latin typeface="Arial Narrow" pitchFamily="34" charset="0"/>
+              </a:rPr>
+              <a:t> </a:t>
+            </a:r>
+            <a:r>
+              <a:rPr lang="es-ES" sz="1400" b="1" i="1" dirty="0" err="1" smtClean="0">
+                <a:solidFill>
+                  <a:schemeClr val="bg1">
+                    <a:lumMod val="50000"/>
+                  </a:schemeClr>
+                </a:solidFill>
+                <a:latin typeface="Arial Narrow" pitchFamily="34" charset="0"/>
+              </a:rPr>
+              <a:t>Botzel</a:t>
+            </a:r>
+            <a:r>
+              <a:rPr lang="es-ES" sz="1400" b="1" i="1" dirty="0">
+                <a:solidFill>
+                  <a:schemeClr val="bg1">
+                    <a:lumMod val="50000"/>
+                  </a:schemeClr>
+                </a:solidFill>
+                <a:latin typeface="Arial Narrow" pitchFamily="34" charset="0"/>
+              </a:rPr>
+              <a:t>. </a:t>
+            </a:r>
+            <a:r>
+              <a:rPr lang="es-ES" sz="1400" b="1" i="1" dirty="0" err="1">
+                <a:solidFill>
+                  <a:schemeClr val="bg1">
+                    <a:lumMod val="50000"/>
+                  </a:schemeClr>
+                </a:solidFill>
+                <a:latin typeface="Arial Narrow" pitchFamily="34" charset="0"/>
+              </a:rPr>
+              <a:t>GaitWatch</a:t>
+            </a:r>
+            <a:r>
+              <a:rPr lang="es-ES" sz="1400" b="1" i="1" dirty="0">
+                <a:solidFill>
+                  <a:schemeClr val="bg1">
+                    <a:lumMod val="50000"/>
+                  </a:schemeClr>
+                </a:solidFill>
+                <a:latin typeface="Arial Narrow" pitchFamily="34" charset="0"/>
+              </a:rPr>
+              <a:t>: </a:t>
+            </a:r>
+            <a:r>
+              <a:rPr lang="es-ES" sz="1400" b="1" i="1" dirty="0" err="1">
+                <a:solidFill>
+                  <a:schemeClr val="bg1">
+                    <a:lumMod val="50000"/>
+                  </a:schemeClr>
+                </a:solidFill>
+                <a:latin typeface="Arial Narrow" pitchFamily="34" charset="0"/>
+              </a:rPr>
+              <a:t>UserManual</a:t>
+            </a:r>
+            <a:r>
+              <a:rPr lang="es-ES" sz="1400" b="1" i="1" dirty="0">
+                <a:solidFill>
+                  <a:schemeClr val="bg1">
+                    <a:lumMod val="50000"/>
+                  </a:schemeClr>
+                </a:solidFill>
+                <a:latin typeface="Arial Narrow" pitchFamily="34" charset="0"/>
+              </a:rPr>
+              <a:t>. </a:t>
+            </a:r>
+            <a:endParaRPr lang="es-ES" sz="1400" b="1" i="1" dirty="0">
+              <a:solidFill>
+                <a:schemeClr val="bg1">
+                  <a:lumMod val="50000"/>
+                </a:schemeClr>
+              </a:solidFill>
+              <a:latin typeface="Arial Narrow" pitchFamily="34" charset="0"/>
+            </a:endParaRPr>
+          </a:p>
+        </p:txBody>
+      </p:sp>
     </p:spTree>
     <p:extLst>
       <p:ext uri="{BB962C8B-B14F-4D97-AF65-F5344CB8AC3E}">
@@ -45502,7 +43757,7 @@
         </p:nvSpPr>
         <p:spPr>
           <a:xfrm>
-            <a:off x="225416" y="5330297"/>
+            <a:off x="168812" y="5123073"/>
             <a:ext cx="4108817" cy="646331"/>
           </a:xfrm>
           <a:prstGeom prst="rect">
@@ -45585,7 +43840,7 @@
         </p:blipFill>
         <p:spPr bwMode="auto">
           <a:xfrm>
-            <a:off x="5220071" y="4540874"/>
+            <a:off x="5184067" y="4313063"/>
             <a:ext cx="2952329" cy="1456341"/>
           </a:xfrm>
           <a:prstGeom prst="rect">
@@ -45634,7 +43889,7 @@
         </p:nvSpPr>
         <p:spPr>
           <a:xfrm>
-            <a:off x="4552676" y="5274363"/>
+            <a:off x="4363651" y="5095611"/>
             <a:ext cx="523380" cy="473344"/>
           </a:xfrm>
           <a:prstGeom prst="rightArrow">
@@ -45670,172 +43925,6 @@
           <a:p>
             <a:pPr algn="ctr"/>
             <a:endParaRPr lang="es-ES"/>
-          </a:p>
-        </p:txBody>
-      </p:sp>
-      <p:sp>
-        <p:nvSpPr>
-          <p:cNvPr id="15" name="14 CuadroTexto"/>
-          <p:cNvSpPr txBox="1"/>
-          <p:nvPr/>
-        </p:nvSpPr>
-        <p:spPr>
-          <a:xfrm>
-            <a:off x="1331640" y="6365927"/>
-            <a:ext cx="5328592" cy="307777"/>
-          </a:xfrm>
-          <a:prstGeom prst="rect">
-            <a:avLst/>
-          </a:prstGeom>
-          <a:noFill/>
-        </p:spPr>
-        <p:txBody>
-          <a:bodyPr wrap="square" rtlCol="0">
-            <a:spAutoFit/>
-          </a:bodyPr>
-          <a:lstStyle/>
-          <a:p>
-            <a:r>
-              <a:rPr lang="es-ES" sz="1400" b="1" i="1" dirty="0" smtClean="0">
-                <a:solidFill>
-                  <a:schemeClr val="tx1">
-                    <a:lumMod val="50000"/>
-                    <a:lumOff val="50000"/>
-                  </a:schemeClr>
-                </a:solidFill>
-                <a:latin typeface="Arial Narrow" pitchFamily="34" charset="0"/>
-              </a:rPr>
-              <a:t>Comp. </a:t>
-            </a:r>
-            <a:r>
-              <a:rPr lang="es-ES" sz="1400" b="1" i="1" dirty="0" err="1" smtClean="0">
-                <a:solidFill>
-                  <a:schemeClr val="tx1">
-                    <a:lumMod val="50000"/>
-                    <a:lumOff val="50000"/>
-                  </a:schemeClr>
-                </a:solidFill>
-                <a:latin typeface="Arial Narrow" pitchFamily="34" charset="0"/>
-              </a:rPr>
-              <a:t>Posturographic</a:t>
-            </a:r>
-            <a:r>
-              <a:rPr lang="es-ES" sz="1400" b="1" i="1" dirty="0" smtClean="0">
-                <a:solidFill>
-                  <a:schemeClr val="tx1">
-                    <a:lumMod val="50000"/>
-                    <a:lumOff val="50000"/>
-                  </a:schemeClr>
-                </a:solidFill>
-                <a:latin typeface="Arial Narrow" pitchFamily="34" charset="0"/>
-              </a:rPr>
-              <a:t> </a:t>
-            </a:r>
-            <a:r>
-              <a:rPr lang="es-ES" sz="1400" b="1" i="1" dirty="0" err="1" smtClean="0">
-                <a:solidFill>
-                  <a:schemeClr val="tx1">
-                    <a:lumMod val="50000"/>
-                    <a:lumOff val="50000"/>
-                  </a:schemeClr>
-                </a:solidFill>
-                <a:latin typeface="Arial Narrow" pitchFamily="34" charset="0"/>
-              </a:rPr>
-              <a:t>Body-Swad</a:t>
-            </a:r>
-            <a:r>
-              <a:rPr lang="es-ES" sz="1400" b="1" i="1" dirty="0" smtClean="0">
-                <a:solidFill>
-                  <a:schemeClr val="tx1">
-                    <a:lumMod val="50000"/>
-                    <a:lumOff val="50000"/>
-                  </a:schemeClr>
-                </a:solidFill>
-                <a:latin typeface="Arial Narrow" pitchFamily="34" charset="0"/>
-              </a:rPr>
-              <a:t> </a:t>
-            </a:r>
-            <a:r>
-              <a:rPr lang="es-ES" sz="1400" b="1" i="1" dirty="0" err="1" smtClean="0">
-                <a:solidFill>
-                  <a:schemeClr val="tx1">
-                    <a:lumMod val="50000"/>
-                    <a:lumOff val="50000"/>
-                  </a:schemeClr>
-                </a:solidFill>
-                <a:latin typeface="Arial Narrow" pitchFamily="34" charset="0"/>
-              </a:rPr>
-              <a:t>measurements</a:t>
-            </a:r>
-            <a:r>
-              <a:rPr lang="es-ES" sz="1400" b="1" i="1" dirty="0" smtClean="0">
-                <a:solidFill>
-                  <a:schemeClr val="tx1">
-                    <a:lumMod val="50000"/>
-                    <a:lumOff val="50000"/>
-                  </a:schemeClr>
-                </a:solidFill>
-                <a:latin typeface="Arial Narrow" pitchFamily="34" charset="0"/>
-              </a:rPr>
-              <a:t> </a:t>
-            </a:r>
-            <a:r>
-              <a:rPr lang="es-ES" sz="1400" b="1" i="1" dirty="0" err="1" smtClean="0">
-                <a:solidFill>
-                  <a:schemeClr val="tx1">
-                    <a:lumMod val="50000"/>
-                    <a:lumOff val="50000"/>
-                  </a:schemeClr>
-                </a:solidFill>
-                <a:latin typeface="Arial Narrow" pitchFamily="34" charset="0"/>
-              </a:rPr>
-              <a:t>with</a:t>
-            </a:r>
-            <a:r>
-              <a:rPr lang="es-ES" sz="1400" b="1" i="1" dirty="0" smtClean="0">
-                <a:solidFill>
-                  <a:schemeClr val="tx1">
-                    <a:lumMod val="50000"/>
-                    <a:lumOff val="50000"/>
-                  </a:schemeClr>
-                </a:solidFill>
-                <a:latin typeface="Arial Narrow" pitchFamily="34" charset="0"/>
-              </a:rPr>
-              <a:t> </a:t>
-            </a:r>
-            <a:r>
-              <a:rPr lang="es-ES" sz="1400" b="1" i="1" dirty="0" err="1" smtClean="0">
-                <a:solidFill>
-                  <a:schemeClr val="tx1">
-                    <a:lumMod val="50000"/>
-                    <a:lumOff val="50000"/>
-                  </a:schemeClr>
-                </a:solidFill>
-                <a:latin typeface="Arial Narrow" pitchFamily="34" charset="0"/>
-              </a:rPr>
-              <a:t>Inertail</a:t>
-            </a:r>
-            <a:r>
-              <a:rPr lang="es-ES" sz="1400" b="1" i="1" dirty="0" smtClean="0">
-                <a:solidFill>
-                  <a:schemeClr val="tx1">
-                    <a:lumMod val="50000"/>
-                    <a:lumOff val="50000"/>
-                  </a:schemeClr>
-                </a:solidFill>
-                <a:latin typeface="Arial Narrow" pitchFamily="34" charset="0"/>
-              </a:rPr>
-              <a:t> data in PD</a:t>
-            </a:r>
-            <a:endParaRPr lang="es-ES" sz="1400" b="1" i="1" dirty="0">
-              <a:solidFill>
-                <a:schemeClr val="tx1">
-                  <a:lumMod val="50000"/>
-                  <a:lumOff val="50000"/>
-                </a:schemeClr>
-              </a:solidFill>
-              <a:latin typeface="Arial Narrow" pitchFamily="34" charset="0"/>
-            </a:endParaRPr>
           </a:p>
         </p:txBody>
       </p:sp>
@@ -45903,6 +43992,144 @@
           </a:extLst>
         </p:spPr>
       </p:pic>
+      <p:sp>
+        <p:nvSpPr>
+          <p:cNvPr id="11" name="10 Marcador de número de diapositiva"/>
+          <p:cNvSpPr>
+            <a:spLocks noGrp="1"/>
+          </p:cNvSpPr>
+          <p:nvPr>
+            <p:ph type="sldNum" sz="quarter" idx="12"/>
+          </p:nvPr>
+        </p:nvSpPr>
+        <p:spPr/>
+        <p:txBody>
+          <a:bodyPr/>
+          <a:lstStyle/>
+          <a:p>
+            <a:fld id="{F2D1D08B-C82B-420D-B57B-371E8E2125CA}" type="slidenum">
+              <a:rPr lang="es-ES" smtClean="0"/>
+              <a:t>7</a:t>
+            </a:fld>
+            <a:endParaRPr lang="es-ES"/>
+          </a:p>
+        </p:txBody>
+      </p:sp>
+      <p:sp>
+        <p:nvSpPr>
+          <p:cNvPr id="19" name="18 CuadroTexto"/>
+          <p:cNvSpPr txBox="1"/>
+          <p:nvPr/>
+        </p:nvSpPr>
+        <p:spPr>
+          <a:xfrm>
+            <a:off x="1331640" y="6365927"/>
+            <a:ext cx="5328592" cy="369332"/>
+          </a:xfrm>
+          <a:prstGeom prst="rect">
+            <a:avLst/>
+          </a:prstGeom>
+          <a:noFill/>
+        </p:spPr>
+        <p:txBody>
+          <a:bodyPr wrap="square" rtlCol="0">
+            <a:spAutoFit/>
+          </a:bodyPr>
+          <a:lstStyle/>
+          <a:p>
+            <a:pPr algn="ctr"/>
+            <a:r>
+              <a:rPr lang="es-ES" b="1" i="1" dirty="0">
+                <a:solidFill>
+                  <a:schemeClr val="tx1">
+                    <a:lumMod val="50000"/>
+                    <a:lumOff val="50000"/>
+                  </a:schemeClr>
+                </a:solidFill>
+                <a:latin typeface="Arial Narrow" pitchFamily="34" charset="0"/>
+              </a:rPr>
+              <a:t>7</a:t>
+            </a:r>
+            <a:endParaRPr lang="es-ES" b="1" i="1" dirty="0">
+              <a:solidFill>
+                <a:schemeClr val="tx1">
+                  <a:lumMod val="50000"/>
+                  <a:lumOff val="50000"/>
+                </a:schemeClr>
+              </a:solidFill>
+              <a:latin typeface="Arial Narrow" pitchFamily="34" charset="0"/>
+            </a:endParaRPr>
+          </a:p>
+        </p:txBody>
+      </p:sp>
+      <p:sp>
+        <p:nvSpPr>
+          <p:cNvPr id="20" name="19 CuadroTexto"/>
+          <p:cNvSpPr txBox="1"/>
+          <p:nvPr/>
+        </p:nvSpPr>
+        <p:spPr>
+          <a:xfrm>
+            <a:off x="1009678" y="6005985"/>
+            <a:ext cx="6241240" cy="307777"/>
+          </a:xfrm>
+          <a:prstGeom prst="rect">
+            <a:avLst/>
+          </a:prstGeom>
+          <a:noFill/>
+        </p:spPr>
+        <p:txBody>
+          <a:bodyPr wrap="square" rtlCol="0">
+            <a:spAutoFit/>
+          </a:bodyPr>
+          <a:lstStyle/>
+          <a:p>
+            <a:pPr algn="just"/>
+            <a:r>
+              <a:rPr lang="es-ES" sz="1400" b="1" i="1" dirty="0" smtClean="0">
+                <a:solidFill>
+                  <a:schemeClr val="tx1">
+                    <a:lumMod val="50000"/>
+                    <a:lumOff val="50000"/>
+                  </a:schemeClr>
+                </a:solidFill>
+                <a:latin typeface="Arial Narrow" pitchFamily="34" charset="0"/>
+              </a:rPr>
+              <a:t>[2] </a:t>
+            </a:r>
+            <a:r>
+              <a:rPr lang="es-ES" sz="1400" b="1" i="1" dirty="0" smtClean="0">
+                <a:solidFill>
+                  <a:schemeClr val="bg1">
+                    <a:lumMod val="50000"/>
+                  </a:schemeClr>
+                </a:solidFill>
+                <a:latin typeface="Arial Narrow" pitchFamily="34" charset="0"/>
+              </a:rPr>
+              <a:t>http</a:t>
+            </a:r>
+            <a:r>
+              <a:rPr lang="es-ES" sz="1400" b="1" i="1" dirty="0">
+                <a:solidFill>
+                  <a:schemeClr val="bg1">
+                    <a:lumMod val="50000"/>
+                  </a:schemeClr>
+                </a:solidFill>
+                <a:latin typeface="Arial Narrow" pitchFamily="34" charset="0"/>
+              </a:rPr>
+              <a:t>://www.zebris.de/english/medizin/medizin-kraftverteilungsmessung-fdms.php. </a:t>
+            </a:r>
+            <a:endParaRPr lang="es-ES" sz="1400" b="1" i="1" dirty="0">
+              <a:solidFill>
+                <a:schemeClr val="bg1">
+                  <a:lumMod val="50000"/>
+                </a:schemeClr>
+              </a:solidFill>
+              <a:latin typeface="Arial Narrow" pitchFamily="34" charset="0"/>
+            </a:endParaRPr>
+          </a:p>
+        </p:txBody>
+      </p:sp>
     </p:spTree>
     <p:extLst>
       <p:ext uri="{BB962C8B-B14F-4D97-AF65-F5344CB8AC3E}">
@@ -46938,172 +45165,6 @@
           </a:p>
         </p:txBody>
       </p:sp>
-      <p:sp>
-        <p:nvSpPr>
-          <p:cNvPr id="12" name="11 CuadroTexto"/>
-          <p:cNvSpPr txBox="1"/>
-          <p:nvPr/>
-        </p:nvSpPr>
-        <p:spPr>
-          <a:xfrm>
-            <a:off x="1331640" y="6365927"/>
-            <a:ext cx="5328592" cy="307777"/>
-          </a:xfrm>
-          <a:prstGeom prst="rect">
-            <a:avLst/>
-          </a:prstGeom>
-          <a:noFill/>
-        </p:spPr>
-        <p:txBody>
-          <a:bodyPr wrap="square" rtlCol="0">
-            <a:spAutoFit/>
-          </a:bodyPr>
-          <a:lstStyle/>
-          <a:p>
-            <a:r>
-              <a:rPr lang="es-ES" sz="1400" b="1" i="1" dirty="0" smtClean="0">
-                <a:solidFill>
-                  <a:schemeClr val="tx1">
-                    <a:lumMod val="50000"/>
-                    <a:lumOff val="50000"/>
-                  </a:schemeClr>
-                </a:solidFill>
-                <a:latin typeface="Arial Narrow" pitchFamily="34" charset="0"/>
-              </a:rPr>
-              <a:t>Comp. </a:t>
-            </a:r>
-            <a:r>
-              <a:rPr lang="es-ES" sz="1400" b="1" i="1" dirty="0" err="1" smtClean="0">
-                <a:solidFill>
-                  <a:schemeClr val="tx1">
-                    <a:lumMod val="50000"/>
-                    <a:lumOff val="50000"/>
-                  </a:schemeClr>
-                </a:solidFill>
-                <a:latin typeface="Arial Narrow" pitchFamily="34" charset="0"/>
-              </a:rPr>
-              <a:t>Posturographic</a:t>
-            </a:r>
-            <a:r>
-              <a:rPr lang="es-ES" sz="1400" b="1" i="1" dirty="0" smtClean="0">
-                <a:solidFill>
-                  <a:schemeClr val="tx1">
-                    <a:lumMod val="50000"/>
-                    <a:lumOff val="50000"/>
-                  </a:schemeClr>
-                </a:solidFill>
-                <a:latin typeface="Arial Narrow" pitchFamily="34" charset="0"/>
-              </a:rPr>
-              <a:t> </a:t>
-            </a:r>
-            <a:r>
-              <a:rPr lang="es-ES" sz="1400" b="1" i="1" dirty="0" err="1" smtClean="0">
-                <a:solidFill>
-                  <a:schemeClr val="tx1">
-                    <a:lumMod val="50000"/>
-                    <a:lumOff val="50000"/>
-                  </a:schemeClr>
-                </a:solidFill>
-                <a:latin typeface="Arial Narrow" pitchFamily="34" charset="0"/>
-              </a:rPr>
-              <a:t>Body-Swad</a:t>
-            </a:r>
-            <a:r>
-              <a:rPr lang="es-ES" sz="1400" b="1" i="1" dirty="0" smtClean="0">
-                <a:solidFill>
-                  <a:schemeClr val="tx1">
-                    <a:lumMod val="50000"/>
-                    <a:lumOff val="50000"/>
-                  </a:schemeClr>
-                </a:solidFill>
-                <a:latin typeface="Arial Narrow" pitchFamily="34" charset="0"/>
-              </a:rPr>
-              <a:t> </a:t>
-            </a:r>
-            <a:r>
-              <a:rPr lang="es-ES" sz="1400" b="1" i="1" dirty="0" err="1" smtClean="0">
-                <a:solidFill>
-                  <a:schemeClr val="tx1">
-                    <a:lumMod val="50000"/>
-                    <a:lumOff val="50000"/>
-                  </a:schemeClr>
-                </a:solidFill>
-                <a:latin typeface="Arial Narrow" pitchFamily="34" charset="0"/>
-              </a:rPr>
-              <a:t>measurements</a:t>
-            </a:r>
-            <a:r>
-              <a:rPr lang="es-ES" sz="1400" b="1" i="1" dirty="0" smtClean="0">
-                <a:solidFill>
-                  <a:schemeClr val="tx1">
-                    <a:lumMod val="50000"/>
-                    <a:lumOff val="50000"/>
-                  </a:schemeClr>
-                </a:solidFill>
-                <a:latin typeface="Arial Narrow" pitchFamily="34" charset="0"/>
-              </a:rPr>
-              <a:t> </a:t>
-            </a:r>
-            <a:r>
-              <a:rPr lang="es-ES" sz="1400" b="1" i="1" dirty="0" err="1" smtClean="0">
-                <a:solidFill>
-                  <a:schemeClr val="tx1">
-                    <a:lumMod val="50000"/>
-                    <a:lumOff val="50000"/>
-                  </a:schemeClr>
-                </a:solidFill>
-                <a:latin typeface="Arial Narrow" pitchFamily="34" charset="0"/>
-              </a:rPr>
-              <a:t>with</a:t>
-            </a:r>
-            <a:r>
-              <a:rPr lang="es-ES" sz="1400" b="1" i="1" dirty="0" smtClean="0">
-                <a:solidFill>
-                  <a:schemeClr val="tx1">
-                    <a:lumMod val="50000"/>
-                    <a:lumOff val="50000"/>
-                  </a:schemeClr>
-                </a:solidFill>
-                <a:latin typeface="Arial Narrow" pitchFamily="34" charset="0"/>
-              </a:rPr>
-              <a:t> </a:t>
-            </a:r>
-            <a:r>
-              <a:rPr lang="es-ES" sz="1400" b="1" i="1" dirty="0" err="1" smtClean="0">
-                <a:solidFill>
-                  <a:schemeClr val="tx1">
-                    <a:lumMod val="50000"/>
-                    <a:lumOff val="50000"/>
-                  </a:schemeClr>
-                </a:solidFill>
-                <a:latin typeface="Arial Narrow" pitchFamily="34" charset="0"/>
-              </a:rPr>
-              <a:t>Inertail</a:t>
-            </a:r>
-            <a:r>
-              <a:rPr lang="es-ES" sz="1400" b="1" i="1" dirty="0" smtClean="0">
-                <a:solidFill>
-                  <a:schemeClr val="tx1">
-                    <a:lumMod val="50000"/>
-                    <a:lumOff val="50000"/>
-                  </a:schemeClr>
-                </a:solidFill>
-                <a:latin typeface="Arial Narrow" pitchFamily="34" charset="0"/>
-              </a:rPr>
-              <a:t> data in PD</a:t>
-            </a:r>
-            <a:endParaRPr lang="es-ES" sz="1400" b="1" i="1" dirty="0">
-              <a:solidFill>
-                <a:schemeClr val="tx1">
-                  <a:lumMod val="50000"/>
-                  <a:lumOff val="50000"/>
-                </a:schemeClr>
-              </a:solidFill>
-              <a:latin typeface="Arial Narrow" pitchFamily="34" charset="0"/>
-            </a:endParaRPr>
-          </a:p>
-        </p:txBody>
-      </p:sp>
       <p:pic>
         <p:nvPicPr>
           <p:cNvPr id="13" name="Picture 2"/>
@@ -47168,6 +45229,133 @@
           </a:extLst>
         </p:spPr>
       </p:pic>
+      <p:sp>
+        <p:nvSpPr>
+          <p:cNvPr id="3" name="2 Marcador de número de diapositiva"/>
+          <p:cNvSpPr>
+            <a:spLocks noGrp="1"/>
+          </p:cNvSpPr>
+          <p:nvPr>
+            <p:ph type="sldNum" sz="quarter" idx="12"/>
+          </p:nvPr>
+        </p:nvSpPr>
+        <p:spPr/>
+        <p:txBody>
+          <a:bodyPr/>
+          <a:lstStyle/>
+          <a:p>
+            <a:fld id="{F2D1D08B-C82B-420D-B57B-371E8E2125CA}" type="slidenum">
+              <a:rPr lang="es-ES" smtClean="0"/>
+              <a:t>8</a:t>
+            </a:fld>
+            <a:endParaRPr lang="es-ES"/>
+          </a:p>
+        </p:txBody>
+      </p:sp>
+      <p:sp>
+        <p:nvSpPr>
+          <p:cNvPr id="15" name="14 CuadroTexto"/>
+          <p:cNvSpPr txBox="1"/>
+          <p:nvPr/>
+        </p:nvSpPr>
+        <p:spPr>
+          <a:xfrm>
+            <a:off x="1331640" y="6365927"/>
+            <a:ext cx="5328592" cy="369332"/>
+          </a:xfrm>
+          <a:prstGeom prst="rect">
+            <a:avLst/>
+          </a:prstGeom>
+          <a:noFill/>
+        </p:spPr>
+        <p:txBody>
+          <a:bodyPr wrap="square" rtlCol="0">
+            <a:spAutoFit/>
+          </a:bodyPr>
+          <a:lstStyle/>
+          <a:p>
+            <a:pPr algn="ctr"/>
+            <a:r>
+              <a:rPr lang="es-ES" b="1" i="1" dirty="0" smtClean="0">
+                <a:solidFill>
+                  <a:schemeClr val="tx1">
+                    <a:lumMod val="50000"/>
+                    <a:lumOff val="50000"/>
+                  </a:schemeClr>
+                </a:solidFill>
+                <a:latin typeface="Arial Narrow" pitchFamily="34" charset="0"/>
+              </a:rPr>
+              <a:t>8</a:t>
+            </a:r>
+            <a:endParaRPr lang="es-ES" b="1" i="1" dirty="0">
+              <a:solidFill>
+                <a:schemeClr val="tx1">
+                  <a:lumMod val="50000"/>
+                  <a:lumOff val="50000"/>
+                </a:schemeClr>
+              </a:solidFill>
+              <a:latin typeface="Arial Narrow" pitchFamily="34" charset="0"/>
+            </a:endParaRPr>
+          </a:p>
+        </p:txBody>
+      </p:sp>
+      <p:sp>
+        <p:nvSpPr>
+          <p:cNvPr id="19" name="18 CuadroTexto"/>
+          <p:cNvSpPr txBox="1"/>
+          <p:nvPr/>
+        </p:nvSpPr>
+        <p:spPr>
+          <a:xfrm>
+            <a:off x="1530699" y="5903475"/>
+            <a:ext cx="4930474" cy="307777"/>
+          </a:xfrm>
+          <a:prstGeom prst="rect">
+            <a:avLst/>
+          </a:prstGeom>
+          <a:noFill/>
+        </p:spPr>
+        <p:txBody>
+          <a:bodyPr wrap="square" rtlCol="0">
+            <a:spAutoFit/>
+          </a:bodyPr>
+          <a:lstStyle/>
+          <a:p>
+            <a:pPr algn="just"/>
+            <a:r>
+              <a:rPr lang="es-ES" sz="1400" b="1" i="1" dirty="0" smtClean="0">
+                <a:solidFill>
+                  <a:schemeClr val="tx1">
+                    <a:lumMod val="50000"/>
+                    <a:lumOff val="50000"/>
+                  </a:schemeClr>
+                </a:solidFill>
+                <a:latin typeface="Arial Narrow" pitchFamily="34" charset="0"/>
+              </a:rPr>
+              <a:t>[3] </a:t>
+            </a:r>
+            <a:r>
+              <a:rPr lang="es-ES" sz="1400" b="1" i="1" dirty="0">
+                <a:solidFill>
+                  <a:schemeClr val="bg1">
+                    <a:lumMod val="50000"/>
+                  </a:schemeClr>
+                </a:solidFill>
+                <a:latin typeface="Arial Narrow" pitchFamily="34" charset="0"/>
+              </a:rPr>
+              <a:t>http://www.qualisys.com/company/motion-capture-technology/. </a:t>
+            </a:r>
+            <a:endParaRPr lang="es-ES" sz="1400" b="1" i="1" dirty="0">
+              <a:solidFill>
+                <a:schemeClr val="bg1">
+                  <a:lumMod val="50000"/>
+                </a:schemeClr>
+              </a:solidFill>
+              <a:latin typeface="Arial Narrow" pitchFamily="34" charset="0"/>
+            </a:endParaRPr>
+          </a:p>
+        </p:txBody>
+      </p:sp>
     </p:spTree>
     <p:extLst>
       <p:ext uri="{BB962C8B-B14F-4D97-AF65-F5344CB8AC3E}">
@@ -47630,172 +45818,6 @@
           </a:p>
         </p:txBody>
       </p:sp>
-      <p:sp>
-        <p:nvSpPr>
-          <p:cNvPr id="10" name="9 CuadroTexto"/>
-          <p:cNvSpPr txBox="1"/>
-          <p:nvPr/>
-        </p:nvSpPr>
-        <p:spPr>
-          <a:xfrm>
-            <a:off x="1331640" y="6365927"/>
-            <a:ext cx="5328592" cy="307777"/>
-          </a:xfrm>
-          <a:prstGeom prst="rect">
-            <a:avLst/>
-          </a:prstGeom>
-          <a:noFill/>
-        </p:spPr>
-        <p:txBody>
-          <a:bodyPr wrap="square" rtlCol="0">
-            <a:spAutoFit/>
-          </a:bodyPr>
-          <a:lstStyle/>
-          <a:p>
-            <a:r>
-              <a:rPr lang="es-ES" sz="1400" b="1" i="1" dirty="0" smtClean="0">
-                <a:solidFill>
-                  <a:schemeClr val="tx1">
-                    <a:lumMod val="50000"/>
-                    <a:lumOff val="50000"/>
-                  </a:schemeClr>
-                </a:solidFill>
-                <a:latin typeface="Arial Narrow" pitchFamily="34" charset="0"/>
-              </a:rPr>
-              <a:t>Comp. </a:t>
-            </a:r>
-            <a:r>
-              <a:rPr lang="es-ES" sz="1400" b="1" i="1" dirty="0" err="1" smtClean="0">
-                <a:solidFill>
-                  <a:schemeClr val="tx1">
-                    <a:lumMod val="50000"/>
-                    <a:lumOff val="50000"/>
-                  </a:schemeClr>
-                </a:solidFill>
-                <a:latin typeface="Arial Narrow" pitchFamily="34" charset="0"/>
-              </a:rPr>
-              <a:t>Posturographic</a:t>
-            </a:r>
-            <a:r>
-              <a:rPr lang="es-ES" sz="1400" b="1" i="1" dirty="0" smtClean="0">
-                <a:solidFill>
-                  <a:schemeClr val="tx1">
-                    <a:lumMod val="50000"/>
-                    <a:lumOff val="50000"/>
-                  </a:schemeClr>
-                </a:solidFill>
-                <a:latin typeface="Arial Narrow" pitchFamily="34" charset="0"/>
-              </a:rPr>
-              <a:t> </a:t>
-            </a:r>
-            <a:r>
-              <a:rPr lang="es-ES" sz="1400" b="1" i="1" dirty="0" err="1" smtClean="0">
-                <a:solidFill>
-                  <a:schemeClr val="tx1">
-                    <a:lumMod val="50000"/>
-                    <a:lumOff val="50000"/>
-                  </a:schemeClr>
-                </a:solidFill>
-                <a:latin typeface="Arial Narrow" pitchFamily="34" charset="0"/>
-              </a:rPr>
-              <a:t>Body-Swad</a:t>
-            </a:r>
-            <a:r>
-              <a:rPr lang="es-ES" sz="1400" b="1" i="1" dirty="0" smtClean="0">
-                <a:solidFill>
-                  <a:schemeClr val="tx1">
-                    <a:lumMod val="50000"/>
-                    <a:lumOff val="50000"/>
-                  </a:schemeClr>
-                </a:solidFill>
-                <a:latin typeface="Arial Narrow" pitchFamily="34" charset="0"/>
-              </a:rPr>
-              <a:t> </a:t>
-            </a:r>
-            <a:r>
-              <a:rPr lang="es-ES" sz="1400" b="1" i="1" dirty="0" err="1" smtClean="0">
-                <a:solidFill>
-                  <a:schemeClr val="tx1">
-                    <a:lumMod val="50000"/>
-                    <a:lumOff val="50000"/>
-                  </a:schemeClr>
-                </a:solidFill>
-                <a:latin typeface="Arial Narrow" pitchFamily="34" charset="0"/>
-              </a:rPr>
-              <a:t>measurements</a:t>
-            </a:r>
-            <a:r>
-              <a:rPr lang="es-ES" sz="1400" b="1" i="1" dirty="0" smtClean="0">
-                <a:solidFill>
-                  <a:schemeClr val="tx1">
-                    <a:lumMod val="50000"/>
-                    <a:lumOff val="50000"/>
-                  </a:schemeClr>
-                </a:solidFill>
-                <a:latin typeface="Arial Narrow" pitchFamily="34" charset="0"/>
-              </a:rPr>
-              <a:t> </a:t>
-            </a:r>
-            <a:r>
-              <a:rPr lang="es-ES" sz="1400" b="1" i="1" dirty="0" err="1" smtClean="0">
-                <a:solidFill>
-                  <a:schemeClr val="tx1">
-                    <a:lumMod val="50000"/>
-                    <a:lumOff val="50000"/>
-                  </a:schemeClr>
-                </a:solidFill>
-                <a:latin typeface="Arial Narrow" pitchFamily="34" charset="0"/>
-              </a:rPr>
-              <a:t>with</a:t>
-            </a:r>
-            <a:r>
-              <a:rPr lang="es-ES" sz="1400" b="1" i="1" dirty="0" smtClean="0">
-                <a:solidFill>
-                  <a:schemeClr val="tx1">
-                    <a:lumMod val="50000"/>
-                    <a:lumOff val="50000"/>
-                  </a:schemeClr>
-                </a:solidFill>
-                <a:latin typeface="Arial Narrow" pitchFamily="34" charset="0"/>
-              </a:rPr>
-              <a:t> </a:t>
-            </a:r>
-            <a:r>
-              <a:rPr lang="es-ES" sz="1400" b="1" i="1" dirty="0" err="1" smtClean="0">
-                <a:solidFill>
-                  <a:schemeClr val="tx1">
-                    <a:lumMod val="50000"/>
-                    <a:lumOff val="50000"/>
-                  </a:schemeClr>
-                </a:solidFill>
-                <a:latin typeface="Arial Narrow" pitchFamily="34" charset="0"/>
-              </a:rPr>
-              <a:t>Inertail</a:t>
-            </a:r>
-            <a:r>
-              <a:rPr lang="es-ES" sz="1400" b="1" i="1" dirty="0" smtClean="0">
-                <a:solidFill>
-                  <a:schemeClr val="tx1">
-                    <a:lumMod val="50000"/>
-                    <a:lumOff val="50000"/>
-                  </a:schemeClr>
-                </a:solidFill>
-                <a:latin typeface="Arial Narrow" pitchFamily="34" charset="0"/>
-              </a:rPr>
-              <a:t> data in PD</a:t>
-            </a:r>
-            <a:endParaRPr lang="es-ES" sz="1400" b="1" i="1" dirty="0">
-              <a:solidFill>
-                <a:schemeClr val="tx1">
-                  <a:lumMod val="50000"/>
-                  <a:lumOff val="50000"/>
-                </a:schemeClr>
-              </a:solidFill>
-              <a:latin typeface="Arial Narrow" pitchFamily="34" charset="0"/>
-            </a:endParaRPr>
-          </a:p>
-        </p:txBody>
-      </p:sp>
       <p:pic>
         <p:nvPicPr>
           <p:cNvPr id="11" name="Picture 2"/>
@@ -48052,6 +46074,76 @@
           </a:prstGeom>
         </p:spPr>
       </p:pic>
+      <p:sp>
+        <p:nvSpPr>
+          <p:cNvPr id="4" name="3 Marcador de número de diapositiva"/>
+          <p:cNvSpPr>
+            <a:spLocks noGrp="1"/>
+          </p:cNvSpPr>
+          <p:nvPr>
+            <p:ph type="sldNum" sz="quarter" idx="12"/>
+          </p:nvPr>
+        </p:nvSpPr>
+        <p:spPr/>
+        <p:txBody>
+          <a:bodyPr/>
+          <a:lstStyle/>
+          <a:p>
+            <a:fld id="{F2D1D08B-C82B-420D-B57B-371E8E2125CA}" type="slidenum">
+              <a:rPr lang="es-ES" smtClean="0"/>
+              <a:t>9</a:t>
+            </a:fld>
+            <a:endParaRPr lang="es-ES"/>
+          </a:p>
+        </p:txBody>
+      </p:sp>
+      <p:sp>
+        <p:nvSpPr>
+          <p:cNvPr id="16" name="15 CuadroTexto"/>
+          <p:cNvSpPr txBox="1"/>
+          <p:nvPr/>
+        </p:nvSpPr>
+        <p:spPr>
+          <a:xfrm>
+            <a:off x="1331640" y="6365927"/>
+            <a:ext cx="5328592" cy="369332"/>
+          </a:xfrm>
+          <a:prstGeom prst="rect">
+            <a:avLst/>
+          </a:prstGeom>
+          <a:noFill/>
+        </p:spPr>
+        <p:txBody>
+          <a:bodyPr wrap="square" rtlCol="0">
+            <a:spAutoFit/>
+          </a:bodyPr>
+          <a:lstStyle/>
+          <a:p>
+            <a:pPr algn="ctr"/>
+            <a:r>
+              <a:rPr lang="es-ES" b="1" i="1" dirty="0" smtClean="0">
+                <a:solidFill>
+                  <a:schemeClr val="tx1">
+                    <a:lumMod val="50000"/>
+                    <a:lumOff val="50000"/>
+                  </a:schemeClr>
+                </a:solidFill>
+                <a:latin typeface="Arial Narrow" pitchFamily="34" charset="0"/>
+              </a:rPr>
+              <a:t>9</a:t>
+            </a:r>
+            <a:endParaRPr lang="es-ES" b="1" i="1" dirty="0">
+              <a:solidFill>
+                <a:schemeClr val="tx1">
+                  <a:lumMod val="50000"/>
+                  <a:lumOff val="50000"/>
+                </a:schemeClr>
+              </a:solidFill>
+              <a:latin typeface="Arial Narrow" pitchFamily="34" charset="0"/>
+            </a:endParaRPr>
+          </a:p>
+        </p:txBody>
+      </p:sp>
     </p:spTree>
     <p:extLst>
       <p:ext uri="{BB962C8B-B14F-4D97-AF65-F5344CB8AC3E}">
@@ -48762,4 +46854,289 @@
   <a:objectDefaults/>
   <a:extraClrSchemeLst/>
 </a:theme>
+</file>
+
+<file path=ppt/theme/theme3.xml><?xml version="1.0" encoding="utf-8"?>
+<a:theme xmlns:a="http://schemas.openxmlformats.org/drawingml/2006/main" name="Tema de Office">
+  <a:themeElements>
+    <a:clrScheme name="Office">
+      <a:dk1>
+        <a:sysClr val="windowText" lastClr="000000"/>
+      </a:dk1>
+      <a:lt1>
+        <a:sysClr val="window" lastClr="FFFFFF"/>
+      </a:lt1>
+      <a:dk2>
+        <a:srgbClr val="1F497D"/>
+      </a:dk2>
+      <a:lt2>
+        <a:srgbClr val="EEECE1"/>
+      </a:lt2>
+      <a:accent1>
+        <a:srgbClr val="4F81BD"/>
+      </a:accent1>
+      <a:accent2>
+        <a:srgbClr val="C0504D"/>
+      </a:accent2>
+      <a:accent3>
+        <a:srgbClr val="9BBB59"/>
+      </a:accent3>
+      <a:accent4>
+        <a:srgbClr val="8064A2"/>
+      </a:accent4>
+      <a:accent5>
+        <a:srgbClr val="4BACC6"/>
+      </a:accent5>
+      <a:accent6>
+        <a:srgbClr val="F79646"/>
+      </a:accent6>
+      <a:hlink>
+        <a:srgbClr val="0000FF"/>
+      </a:hlink>
+      <a:folHlink>
+        <a:srgbClr val="800080"/>
+      </a:folHlink>
+    </a:clrScheme>
+    <a:fontScheme name="Office">
+      <a:majorFont>
+        <a:latin typeface="Calibri"/>
+        <a:ea typeface=""/>
+        <a:cs typeface=""/>
+        <a:font script="Jpan" typeface="ＭＳ Ｐゴシック"/>
+        <a:font script="Hang" typeface="맑은 고딕"/>
+        <a:font script="Hans" typeface="宋体"/>
+        <a:font script="Hant" typeface="新細明體"/>
+        <a:font script="Arab" typeface="Times New Roman"/>
+        <a:font script="Hebr" typeface="Times New Roman"/>
+        <a:font script="Thai" typeface="Angsana New"/>
+        <a:font script="Ethi" typeface="Nyala"/>
+        <a:font script="Beng" typeface="Vrinda"/>
+        <a:font script="Gujr" typeface="Shruti"/>
+        <a:font script="Khmr" typeface="MoolBoran"/>
+        <a:font script="Knda" typeface="Tunga"/>
+        <a:font script="Guru" typeface="Raavi"/>
+        <a:font script="Cans" typeface="Euphemia"/>
+        <a:font script="Cher" typeface="Plantagenet Cherokee"/>
+        <a:font script="Yiii" typeface="Microsoft Yi Baiti"/>
+        <a:font script="Tibt" typeface="Microsoft Himalaya"/>
+        <a:font script="Thaa" typeface="MV Boli"/>
+        <a:font script="Deva" typeface="Mangal"/>
+        <a:font script="Telu" typeface="Gautami"/>
+        <a:font script="Taml" typeface="Latha"/>
+        <a:font script="Syrc" typeface="Estrangelo Edessa"/>
+        <a:font script="Orya" typeface="Kalinga"/>
+        <a:font script="Mlym" typeface="Kartika"/>
+        <a:font script="Laoo" typeface="DokChampa"/>
+        <a:font script="Sinh" typeface="Iskoola Pota"/>
+        <a:font script="Mong" typeface="Mongolian Baiti"/>
+        <a:font script="Viet" typeface="Times New Roman"/>
+        <a:font script="Uigh" typeface="Microsoft Uighur"/>
+        <a:font script="Geor" typeface="Sylfaen"/>
+      </a:majorFont>
+      <a:minorFont>
+        <a:latin typeface="Calibri"/>
+        <a:ea typeface=""/>
+        <a:cs typeface=""/>
+        <a:font script="Jpan" typeface="ＭＳ Ｐゴシック"/>
+        <a:font script="Hang" typeface="맑은 고딕"/>
+        <a:font script="Hans" typeface="宋体"/>
+        <a:font script="Hant" typeface="新細明體"/>
+        <a:font script="Arab" typeface="Arial"/>
+        <a:font script="Hebr" typeface="Arial"/>
+        <a:font script="Thai" typeface="Cordia New"/>
+        <a:font script="Ethi" typeface="Nyala"/>
+        <a:font script="Beng" typeface="Vrinda"/>
+        <a:font script="Gujr" typeface="Shruti"/>
+        <a:font script="Khmr" typeface="DaunPenh"/>
+        <a:font script="Knda" typeface="Tunga"/>
+        <a:font script="Guru" typeface="Raavi"/>
+        <a:font script="Cans" typeface="Euphemia"/>
+        <a:font script="Cher" typeface="Plantagenet Cherokee"/>
+        <a:font script="Yiii" typeface="Microsoft Yi Baiti"/>
+        <a:font script="Tibt" typeface="Microsoft Himalaya"/>
+        <a:font script="Thaa" typeface="MV Boli"/>
+        <a:font script="Deva" typeface="Mangal"/>
+        <a:font script="Telu" typeface="Gautami"/>
+        <a:font script="Taml" typeface="Latha"/>
+        <a:font script="Syrc" typeface="Estrangelo Edessa"/>
+        <a:font script="Orya" typeface="Kalinga"/>
+        <a:font script="Mlym" typeface="Kartika"/>
+        <a:font script="Laoo" typeface="DokChampa"/>
+        <a:font script="Sinh" typeface="Iskoola Pota"/>
+        <a:font script="Mong" typeface="Mongolian Baiti"/>
+        <a:font script="Viet" typeface="Arial"/>
+        <a:font script="Uigh" typeface="Microsoft Uighur"/>
+        <a:font script="Geor" typeface="Sylfaen"/>
+      </a:minorFont>
+    </a:fontScheme>
+    <a:fmtScheme name="Office">
+      <a:fillStyleLst>
+        <a:solidFill>
+          <a:schemeClr val="phClr"/>
+        </a:solidFill>
+        <a:gradFill rotWithShape="1">
+          <a:gsLst>
+            <a:gs pos="0">
+              <a:schemeClr val="phClr">
+                <a:tint val="50000"/>
+                <a:satMod val="300000"/>
+              </a:schemeClr>
+            </a:gs>
+            <a:gs pos="35000">
+              <a:schemeClr val="phClr">
+                <a:tint val="37000"/>
+                <a:satMod val="300000"/>
+              </a:schemeClr>
+            </a:gs>
+            <a:gs pos="100000">
+              <a:schemeClr val="phClr">
+                <a:tint val="15000"/>
+                <a:satMod val="350000"/>
+              </a:schemeClr>
+            </a:gs>
+          </a:gsLst>
+          <a:lin ang="16200000" scaled="1"/>
+        </a:gradFill>
+        <a:gradFill rotWithShape="1">
+          <a:gsLst>
+            <a:gs pos="0">
+              <a:schemeClr val="phClr">
+                <a:shade val="51000"/>
+                <a:satMod val="130000"/>
+              </a:schemeClr>
+            </a:gs>
+            <a:gs pos="80000">
+              <a:schemeClr val="phClr">
+                <a:shade val="93000"/>
+                <a:satMod val="130000"/>
+              </a:schemeClr>
+            </a:gs>
+            <a:gs pos="100000">
+              <a:schemeClr val="phClr">
+                <a:shade val="94000"/>
+                <a:satMod val="135000"/>
+              </a:schemeClr>
+            </a:gs>
+          </a:gsLst>
+          <a:lin ang="16200000" scaled="0"/>
+        </a:gradFill>
+      </a:fillStyleLst>
+      <a:lnStyleLst>
+        <a:ln w="9525" cap="flat" cmpd="sng" algn="ctr">
+          <a:solidFill>
+            <a:schemeClr val="phClr">
+              <a:shade val="95000"/>
+              <a:satMod val="105000"/>
+            </a:schemeClr>
+          </a:solidFill>
+          <a:prstDash val="solid"/>
+        </a:ln>
+        <a:ln w="25400" cap="flat" cmpd="sng" algn="ctr">
+          <a:solidFill>
+            <a:schemeClr val="phClr"/>
+          </a:solidFill>
+          <a:prstDash val="solid"/>
+        </a:ln>
+        <a:ln w="38100" cap="flat" cmpd="sng" algn="ctr">
+          <a:solidFill>
+            <a:schemeClr val="phClr"/>
+          </a:solidFill>
+          <a:prstDash val="solid"/>
+        </a:ln>
+      </a:lnStyleLst>
+      <a:effectStyleLst>
+        <a:effectStyle>
+          <a:effectLst>
+            <a:outerShdw blurRad="40000" dist="20000" dir="5400000" rotWithShape="0">
+              <a:srgbClr val="000000">
+                <a:alpha val="38000"/>
+              </a:srgbClr>
+            </a:outerShdw>
+          </a:effectLst>
+        </a:effectStyle>
+        <a:effectStyle>
+          <a:effectLst>
+            <a:outerShdw blurRad="40000" dist="23000" dir="5400000" rotWithShape="0">
+              <a:srgbClr val="000000">
+                <a:alpha val="35000"/>
+              </a:srgbClr>
+            </a:outerShdw>
+          </a:effectLst>
+        </a:effectStyle>
+        <a:effectStyle>
+          <a:effectLst>
+            <a:outerShdw blurRad="40000" dist="23000" dir="5400000" rotWithShape="0">
+              <a:srgbClr val="000000">
+                <a:alpha val="35000"/>
+              </a:srgbClr>
+            </a:outerShdw>
+          </a:effectLst>
+          <a:scene3d>
+            <a:camera prst="orthographicFront">
+              <a:rot lat="0" lon="0" rev="0"/>
+            </a:camera>
+            <a:lightRig rig="threePt" dir="t">
+              <a:rot lat="0" lon="0" rev="1200000"/>
+            </a:lightRig>
+          </a:scene3d>
+          <a:sp3d>
+            <a:bevelT w="63500" h="25400"/>
+          </a:sp3d>
+        </a:effectStyle>
+      </a:effectStyleLst>
+      <a:bgFillStyleLst>
+        <a:solidFill>
+          <a:schemeClr val="phClr"/>
+        </a:solidFill>
+        <a:gradFill rotWithShape="1">
+          <a:gsLst>
+            <a:gs pos="0">
+              <a:schemeClr val="phClr">
+                <a:tint val="40000"/>
+                <a:satMod val="350000"/>
+              </a:schemeClr>
+            </a:gs>
+            <a:gs pos="40000">
+              <a:schemeClr val="phClr">
+                <a:tint val="45000"/>
+                <a:shade val="99000"/>
+                <a:satMod val="350000"/>
+              </a:schemeClr>
+            </a:gs>
+            <a:gs pos="100000">
+              <a:schemeClr val="phClr">
+                <a:shade val="20000"/>
+                <a:satMod val="255000"/>
+              </a:schemeClr>
+            </a:gs>
+          </a:gsLst>
+          <a:path path="circle">
+            <a:fillToRect l="50000" t="-80000" r="50000" b="180000"/>
+          </a:path>
+        </a:gradFill>
+        <a:gradFill rotWithShape="1">
+          <a:gsLst>
+            <a:gs pos="0">
+              <a:schemeClr val="phClr">
+                <a:tint val="80000"/>
+                <a:satMod val="300000"/>
+              </a:schemeClr>
+            </a:gs>
+            <a:gs pos="100000">
+              <a:schemeClr val="phClr">
+                <a:shade val="30000"/>
+                <a:satMod val="200000"/>
+              </a:schemeClr>
+            </a:gs>
+          </a:gsLst>
+          <a:path path="circle">
+            <a:fillToRect l="50000" t="50000" r="50000" b="50000"/>
+          </a:path>
+        </a:gradFill>
+      </a:bgFillStyleLst>
+    </a:fmtScheme>
+  </a:themeElements>
+  <a:objectDefaults/>
+  <a:extraClrSchemeLst/>
+</a:theme>
 </file>